--- a/Slides/Lesson 6.5 Lists of Lists.pptx
+++ b/Slides/Lesson 6.5 Lists of Lists.pptx
@@ -238,7 +238,7 @@
           <a:p>
             <a:fld id="{1AC50D25-69DA-4251-A3B1-10895C6A89D6}" type="datetimeFigureOut">
               <a:rPr lang="en-US" smtClean="0"/>
-              <a:t>8/31/2015</a:t>
+              <a:t>10/13/2015</a:t>
             </a:fld>
             <a:endParaRPr lang="en-US"/>
           </a:p>
@@ -989,7 +989,7 @@
           <a:p>
             <a:fld id="{2F1F79F5-7BEC-496A-AFC7-876E38F64D71}" type="datetime1">
               <a:rPr lang="en-US" smtClean="0"/>
-              <a:t>8/31/2015</a:t>
+              <a:t>10/13/2015</a:t>
             </a:fld>
             <a:endParaRPr lang="en-US"/>
           </a:p>
@@ -1091,7 +1091,7 @@
           <a:p>
             <a:fld id="{0A05703A-7669-4FEA-9056-25299B4D29D4}" type="datetime1">
               <a:rPr lang="en-US" smtClean="0"/>
-              <a:t>8/31/2015</a:t>
+              <a:t>10/13/2015</a:t>
             </a:fld>
             <a:endParaRPr lang="en-US"/>
           </a:p>
@@ -1368,7 +1368,7 @@
           <a:p>
             <a:fld id="{6E5077B5-BB57-49DB-88CA-226A139E5C01}" type="datetime1">
               <a:rPr lang="en-US" smtClean="0"/>
-              <a:t>8/31/2015</a:t>
+              <a:t>10/13/2015</a:t>
             </a:fld>
             <a:endParaRPr lang="en-US"/>
           </a:p>
@@ -1621,7 +1621,7 @@
           <a:p>
             <a:fld id="{C48D9447-CBD6-49A1-89FD-8512A8CF8999}" type="datetime1">
               <a:rPr lang="en-US" smtClean="0"/>
-              <a:t>8/31/2015</a:t>
+              <a:t>10/13/2015</a:t>
             </a:fld>
             <a:endParaRPr lang="en-US"/>
           </a:p>
@@ -1791,7 +1791,7 @@
           <a:p>
             <a:fld id="{A3639A2A-823D-48B7-9ACE-7FAF42870BA9}" type="datetime1">
               <a:rPr lang="en-US" smtClean="0"/>
-              <a:t>8/31/2015</a:t>
+              <a:t>10/13/2015</a:t>
             </a:fld>
             <a:endParaRPr lang="en-US"/>
           </a:p>
@@ -1971,7 +1971,7 @@
           <a:p>
             <a:fld id="{ED1B6996-82E9-463C-972C-7B56056E426C}" type="datetime1">
               <a:rPr lang="en-US" smtClean="0"/>
-              <a:t>8/31/2015</a:t>
+              <a:t>10/13/2015</a:t>
             </a:fld>
             <a:endParaRPr lang="en-US"/>
           </a:p>
@@ -2154,7 +2154,7 @@
           <a:p>
             <a:fld id="{E22ED4DA-448D-4BB1-B935-CC112220207B}" type="datetime1">
               <a:rPr lang="en-US" smtClean="0"/>
-              <a:t>8/31/2015</a:t>
+              <a:t>10/13/2015</a:t>
             </a:fld>
             <a:endParaRPr lang="en-US"/>
           </a:p>
@@ -2336,7 +2336,7 @@
           <a:p>
             <a:fld id="{E22ED4DA-448D-4BB1-B935-CC112220207B}" type="datetime1">
               <a:rPr lang="en-US" smtClean="0"/>
-              <a:t>8/31/2015</a:t>
+              <a:t>10/13/2015</a:t>
             </a:fld>
             <a:endParaRPr lang="en-US"/>
           </a:p>
@@ -2605,7 +2605,7 @@
           <a:p>
             <a:fld id="{FF5D65A6-AB94-4435-B0B7-3743215FA46C}" type="datetime1">
               <a:rPr lang="en-US" smtClean="0"/>
-              <a:t>8/31/2015</a:t>
+              <a:t>10/13/2015</a:t>
             </a:fld>
             <a:endParaRPr lang="en-US"/>
           </a:p>
@@ -2790,7 +2790,7 @@
           <a:p>
             <a:fld id="{FF5D65A6-AB94-4435-B0B7-3743215FA46C}" type="datetime1">
               <a:rPr lang="en-US" smtClean="0"/>
-              <a:t>8/31/2015</a:t>
+              <a:t>10/13/2015</a:t>
             </a:fld>
             <a:endParaRPr lang="en-US"/>
           </a:p>
@@ -3092,7 +3092,7 @@
           <a:p>
             <a:fld id="{7C193DC4-6EF0-48C9-B29C-616106A645E1}" type="datetime1">
               <a:rPr lang="en-US" smtClean="0"/>
-              <a:t>8/31/2015</a:t>
+              <a:t>10/13/2015</a:t>
             </a:fld>
             <a:endParaRPr lang="en-US"/>
           </a:p>
@@ -3380,7 +3380,7 @@
           <a:p>
             <a:fld id="{5D1846AD-9252-4647-9435-4C2AC365653A}" type="datetime1">
               <a:rPr lang="en-US" smtClean="0"/>
-              <a:t>8/31/2015</a:t>
+              <a:t>10/13/2015</a:t>
             </a:fld>
             <a:endParaRPr lang="en-US"/>
           </a:p>
@@ -3802,7 +3802,7 @@
           <a:p>
             <a:fld id="{CE56DC10-3561-4063-A6AF-C1CC7A41040A}" type="datetime1">
               <a:rPr lang="en-US" smtClean="0"/>
-              <a:t>8/31/2015</a:t>
+              <a:t>10/13/2015</a:t>
             </a:fld>
             <a:endParaRPr lang="en-US"/>
           </a:p>
@@ -3920,7 +3920,7 @@
           <a:p>
             <a:fld id="{2F7B77F5-1464-4F6B-92A8-64FC8A508293}" type="datetime1">
               <a:rPr lang="en-US" smtClean="0"/>
-              <a:t>8/31/2015</a:t>
+              <a:t>10/13/2015</a:t>
             </a:fld>
             <a:endParaRPr lang="en-US"/>
           </a:p>
@@ -4152,7 +4152,7 @@
           <a:p>
             <a:fld id="{02B3F677-983B-48DB-ADFD-63FE6CBC7FB2}" type="datetime1">
               <a:rPr lang="en-US" smtClean="0"/>
-              <a:t>8/31/2015</a:t>
+              <a:t>10/13/2015</a:t>
             </a:fld>
             <a:endParaRPr lang="en-US"/>
           </a:p>
@@ -4697,7 +4697,6 @@
                 <a:rPr lang="en-US" sz="1000" dirty="0" smtClean="0"/>
                 <a:t>2012-2015</a:t>
               </a:r>
-              <a:endParaRPr lang="en-US" sz="1000" dirty="0" smtClean="0"/>
             </a:p>
             <a:p>
               <a:r>
@@ -10969,9 +10968,7 @@
           </p:nvPr>
         </p:nvSpPr>
         <p:spPr>
-          <a:solidFill>
-            <a:srgbClr val="FFFF00"/>
-          </a:solidFill>
+          <a:noFill/>
         </p:spPr>
         <p:txBody>
           <a:bodyPr/>
@@ -11288,14 +11285,19 @@
                 <a:latin typeface="Consolas" pitchFamily="49" charset="0"/>
                 <a:cs typeface="Consolas" pitchFamily="49" charset="0"/>
               </a:rPr>
-              <a:t> </a:t>
-            </a:r>
+              <a:t> is either</a:t>
+            </a:r>
+          </a:p>
+          <a:p>
+            <a:pPr>
+              <a:buNone/>
+            </a:pPr>
             <a:r>
               <a:rPr lang="en-US" b="1" dirty="0" smtClean="0">
                 <a:latin typeface="Consolas" pitchFamily="49" charset="0"/>
                 <a:cs typeface="Consolas" pitchFamily="49" charset="0"/>
               </a:rPr>
-              <a:t>is either</a:t>
+              <a:t>-- an X</a:t>
             </a:r>
           </a:p>
           <a:p>
@@ -11307,18 +11309,6 @@
                 <a:latin typeface="Consolas" pitchFamily="49" charset="0"/>
                 <a:cs typeface="Consolas" pitchFamily="49" charset="0"/>
               </a:rPr>
-              <a:t>-- an X</a:t>
-            </a:r>
-          </a:p>
-          <a:p>
-            <a:pPr>
-              <a:buNone/>
-            </a:pPr>
-            <a:r>
-              <a:rPr lang="en-US" b="1" dirty="0" smtClean="0">
-                <a:latin typeface="Consolas" pitchFamily="49" charset="0"/>
-                <a:cs typeface="Consolas" pitchFamily="49" charset="0"/>
-              </a:rPr>
               <a:t>-- a </a:t>
             </a:r>
             <a:r>
@@ -11326,21 +11316,7 @@
                 <a:latin typeface="Consolas" pitchFamily="49" charset="0"/>
                 <a:cs typeface="Consolas" pitchFamily="49" charset="0"/>
               </a:rPr>
-              <a:t>ListOfSexp</a:t>
-            </a:r>
-            <a:r>
-              <a:rPr lang="en-US" b="1" dirty="0" err="1" smtClean="0">
-                <a:latin typeface="Consolas" pitchFamily="49" charset="0"/>
-                <a:cs typeface="Consolas" pitchFamily="49" charset="0"/>
-              </a:rPr>
-              <a:t>Of</a:t>
-            </a:r>
-            <a:r>
-              <a:rPr lang="en-US" b="1" dirty="0" err="1" smtClean="0">
-                <a:latin typeface="Consolas" pitchFamily="49" charset="0"/>
-                <a:cs typeface="Consolas" pitchFamily="49" charset="0"/>
-              </a:rPr>
-              <a:t>X</a:t>
+              <a:t>ListOfSexpOfX</a:t>
             </a:r>
             <a:endParaRPr lang="en-US" b="1" dirty="0" smtClean="0">
               <a:latin typeface="Consolas" pitchFamily="49" charset="0"/>
@@ -11372,106 +11348,67 @@
                 <a:latin typeface="Consolas" pitchFamily="49" charset="0"/>
                 <a:cs typeface="Consolas" pitchFamily="49" charset="0"/>
               </a:rPr>
-              <a:t>ListOfSexp</a:t>
+              <a:t>ListOfSexpOfX</a:t>
+            </a:r>
+            <a:r>
+              <a:rPr lang="en-US" b="1" dirty="0" smtClean="0">
+                <a:latin typeface="Consolas" pitchFamily="49" charset="0"/>
+                <a:cs typeface="Consolas" pitchFamily="49" charset="0"/>
+              </a:rPr>
+              <a:t> is either</a:t>
+            </a:r>
+          </a:p>
+          <a:p>
+            <a:pPr>
+              <a:buNone/>
+            </a:pPr>
+            <a:r>
+              <a:rPr lang="en-US" b="1" dirty="0" smtClean="0">
+                <a:latin typeface="Consolas" pitchFamily="49" charset="0"/>
+                <a:cs typeface="Consolas" pitchFamily="49" charset="0"/>
+              </a:rPr>
+              <a:t>-- empty</a:t>
+            </a:r>
+          </a:p>
+          <a:p>
+            <a:pPr>
+              <a:buNone/>
+            </a:pPr>
+            <a:r>
+              <a:rPr lang="en-US" b="1" dirty="0" smtClean="0">
+                <a:latin typeface="Consolas" pitchFamily="49" charset="0"/>
+                <a:cs typeface="Consolas" pitchFamily="49" charset="0"/>
+              </a:rPr>
+              <a:t>-- (cons </a:t>
             </a:r>
             <a:r>
               <a:rPr lang="en-US" b="1" dirty="0" err="1" smtClean="0">
                 <a:latin typeface="Consolas" pitchFamily="49" charset="0"/>
                 <a:cs typeface="Consolas" pitchFamily="49" charset="0"/>
               </a:rPr>
-              <a:t>Of</a:t>
+              <a:t>SexpOfX</a:t>
+            </a:r>
+            <a:r>
+              <a:rPr lang="en-US" b="1" dirty="0" smtClean="0">
+                <a:latin typeface="Consolas" pitchFamily="49" charset="0"/>
+                <a:cs typeface="Consolas" pitchFamily="49" charset="0"/>
+              </a:rPr>
+              <a:t> </a:t>
             </a:r>
             <a:r>
               <a:rPr lang="en-US" b="1" dirty="0" err="1" smtClean="0">
                 <a:latin typeface="Consolas" pitchFamily="49" charset="0"/>
                 <a:cs typeface="Consolas" pitchFamily="49" charset="0"/>
               </a:rPr>
-              <a:t>X</a:t>
+              <a:t>ListOfSexpOfX</a:t>
             </a:r>
             <a:r>
               <a:rPr lang="en-US" b="1" dirty="0" smtClean="0">
                 <a:latin typeface="Consolas" pitchFamily="49" charset="0"/>
                 <a:cs typeface="Consolas" pitchFamily="49" charset="0"/>
               </a:rPr>
-              <a:t> </a:t>
-            </a:r>
-            <a:r>
-              <a:rPr lang="en-US" b="1" dirty="0" smtClean="0">
-                <a:latin typeface="Consolas" pitchFamily="49" charset="0"/>
-                <a:cs typeface="Consolas" pitchFamily="49" charset="0"/>
-              </a:rPr>
-              <a:t>is either</a:t>
-            </a:r>
-          </a:p>
-          <a:p>
-            <a:pPr>
-              <a:buNone/>
-            </a:pPr>
-            <a:r>
-              <a:rPr lang="en-US" b="1" dirty="0" smtClean="0">
-                <a:latin typeface="Consolas" pitchFamily="49" charset="0"/>
-                <a:cs typeface="Consolas" pitchFamily="49" charset="0"/>
-              </a:rPr>
-              <a:t>-- empty</a:t>
-            </a:r>
-          </a:p>
-          <a:p>
-            <a:pPr>
-              <a:buNone/>
-            </a:pPr>
-            <a:r>
-              <a:rPr lang="en-US" b="1" dirty="0" smtClean="0">
-                <a:latin typeface="Consolas" pitchFamily="49" charset="0"/>
-                <a:cs typeface="Consolas" pitchFamily="49" charset="0"/>
-              </a:rPr>
-              <a:t>-- (cons </a:t>
-            </a:r>
-            <a:r>
-              <a:rPr lang="en-US" b="1" dirty="0" err="1" smtClean="0">
-                <a:latin typeface="Consolas" pitchFamily="49" charset="0"/>
-                <a:cs typeface="Consolas" pitchFamily="49" charset="0"/>
-              </a:rPr>
-              <a:t>Sexp</a:t>
-            </a:r>
-            <a:r>
-              <a:rPr lang="en-US" b="1" dirty="0" err="1" smtClean="0">
-                <a:latin typeface="Consolas" pitchFamily="49" charset="0"/>
-                <a:cs typeface="Consolas" pitchFamily="49" charset="0"/>
-              </a:rPr>
-              <a:t>Of</a:t>
-            </a:r>
-            <a:r>
-              <a:rPr lang="en-US" b="1" dirty="0" err="1" smtClean="0">
-                <a:latin typeface="Consolas" pitchFamily="49" charset="0"/>
-                <a:cs typeface="Consolas" pitchFamily="49" charset="0"/>
-              </a:rPr>
-              <a:t>X</a:t>
-            </a:r>
-            <a:r>
-              <a:rPr lang="en-US" b="1" dirty="0" smtClean="0">
-                <a:latin typeface="Consolas" pitchFamily="49" charset="0"/>
-                <a:cs typeface="Consolas" pitchFamily="49" charset="0"/>
-              </a:rPr>
-              <a:t> </a:t>
-            </a:r>
-            <a:r>
-              <a:rPr lang="en-US" b="1" dirty="0" err="1" smtClean="0">
-                <a:latin typeface="Consolas" pitchFamily="49" charset="0"/>
-                <a:cs typeface="Consolas" pitchFamily="49" charset="0"/>
-              </a:rPr>
-              <a:t>ListOfSexpOfX</a:t>
-            </a:r>
-            <a:r>
-              <a:rPr lang="en-US" b="1" dirty="0" smtClean="0">
-                <a:latin typeface="Consolas" pitchFamily="49" charset="0"/>
-                <a:cs typeface="Consolas" pitchFamily="49" charset="0"/>
-              </a:rPr>
               <a:t>)</a:t>
             </a:r>
-            <a:endParaRPr lang="en-US" b="1" dirty="0" smtClean="0">
-              <a:latin typeface="Consolas" pitchFamily="49" charset="0"/>
-              <a:cs typeface="Consolas" pitchFamily="49" charset="0"/>
-            </a:endParaRPr>
           </a:p>
         </p:txBody>
       </p:sp>
@@ -11556,11 +11493,7 @@
             </a:r>
             <a:r>
               <a:rPr lang="en-US" dirty="0" err="1" smtClean="0"/>
-              <a:t>Sexp</a:t>
-            </a:r>
-            <a:r>
-              <a:rPr lang="en-US" dirty="0" smtClean="0"/>
-              <a:t>&lt;X&gt;</a:t>
+              <a:t>SexpX</a:t>
             </a:r>
             <a:endParaRPr lang="en-US" dirty="0"/>
           </a:p>
@@ -12140,12 +12073,12 @@
                 <a:t>is a </a:t>
               </a:r>
               <a:r>
-                <a:rPr lang="en-US" dirty="0" err="1" smtClean="0">
+                <a:rPr lang="en-US" b="1" dirty="0" err="1" smtClean="0">
                   <a:solidFill>
                     <a:schemeClr val="tx1"/>
                   </a:solidFill>
                 </a:rPr>
-                <a:t>Sexp</a:t>
+                <a:t>SexpOfX</a:t>
               </a:r>
               <a:r>
                 <a:rPr lang="en-US" dirty="0" smtClean="0">
@@ -12153,7 +12086,15 @@
                     <a:schemeClr val="tx1"/>
                   </a:solidFill>
                 </a:rPr>
-                <a:t>&lt;X&gt;.  This is mixed data, so the last rule in the template recipe tells us we need to wrap it in a </a:t>
+                <a:t>.  </a:t>
+              </a:r>
+              <a:r>
+                <a:rPr lang="en-US" dirty="0" smtClean="0">
+                  <a:solidFill>
+                    <a:schemeClr val="tx1"/>
+                  </a:solidFill>
+                </a:rPr>
+                <a:t>This is mixed data, so the last rule in the template recipe tells us we need to wrap it in a </a:t>
               </a:r>
               <a:r>
                 <a:rPr lang="en-US" b="1" dirty="0" smtClean="0">
@@ -12690,7 +12631,7 @@
                   <a:schemeClr val="tx1"/>
                 </a:solidFill>
               </a:rPr>
-              <a:t>Sexp</a:t>
+              <a:t>SexpOfX</a:t>
             </a:r>
             <a:r>
               <a:rPr lang="en-US" b="1" dirty="0" smtClean="0">
@@ -12698,7 +12639,7 @@
                   <a:schemeClr val="tx1"/>
                 </a:solidFill>
               </a:rPr>
-              <a:t>&lt;X&gt; </a:t>
+              <a:t> </a:t>
             </a:r>
             <a:r>
               <a:rPr lang="en-US" dirty="0" smtClean="0">

--- a/Slides/Lesson 6.5 Lists of Lists.pptx
+++ b/Slides/Lesson 6.5 Lists of Lists.pptx
@@ -238,7 +238,7 @@
           <a:p>
             <a:fld id="{1AC50D25-69DA-4251-A3B1-10895C6A89D6}" type="datetimeFigureOut">
               <a:rPr lang="en-US" smtClean="0"/>
-              <a:t>10/13/2015</a:t>
+              <a:t>10/17/2015</a:t>
             </a:fld>
             <a:endParaRPr lang="en-US"/>
           </a:p>
@@ -989,7 +989,7 @@
           <a:p>
             <a:fld id="{2F1F79F5-7BEC-496A-AFC7-876E38F64D71}" type="datetime1">
               <a:rPr lang="en-US" smtClean="0"/>
-              <a:t>10/13/2015</a:t>
+              <a:t>10/17/2015</a:t>
             </a:fld>
             <a:endParaRPr lang="en-US"/>
           </a:p>
@@ -1091,7 +1091,7 @@
           <a:p>
             <a:fld id="{0A05703A-7669-4FEA-9056-25299B4D29D4}" type="datetime1">
               <a:rPr lang="en-US" smtClean="0"/>
-              <a:t>10/13/2015</a:t>
+              <a:t>10/17/2015</a:t>
             </a:fld>
             <a:endParaRPr lang="en-US"/>
           </a:p>
@@ -1368,7 +1368,7 @@
           <a:p>
             <a:fld id="{6E5077B5-BB57-49DB-88CA-226A139E5C01}" type="datetime1">
               <a:rPr lang="en-US" smtClean="0"/>
-              <a:t>10/13/2015</a:t>
+              <a:t>10/17/2015</a:t>
             </a:fld>
             <a:endParaRPr lang="en-US"/>
           </a:p>
@@ -1621,7 +1621,7 @@
           <a:p>
             <a:fld id="{C48D9447-CBD6-49A1-89FD-8512A8CF8999}" type="datetime1">
               <a:rPr lang="en-US" smtClean="0"/>
-              <a:t>10/13/2015</a:t>
+              <a:t>10/17/2015</a:t>
             </a:fld>
             <a:endParaRPr lang="en-US"/>
           </a:p>
@@ -1791,7 +1791,7 @@
           <a:p>
             <a:fld id="{A3639A2A-823D-48B7-9ACE-7FAF42870BA9}" type="datetime1">
               <a:rPr lang="en-US" smtClean="0"/>
-              <a:t>10/13/2015</a:t>
+              <a:t>10/17/2015</a:t>
             </a:fld>
             <a:endParaRPr lang="en-US"/>
           </a:p>
@@ -1971,7 +1971,7 @@
           <a:p>
             <a:fld id="{ED1B6996-82E9-463C-972C-7B56056E426C}" type="datetime1">
               <a:rPr lang="en-US" smtClean="0"/>
-              <a:t>10/13/2015</a:t>
+              <a:t>10/17/2015</a:t>
             </a:fld>
             <a:endParaRPr lang="en-US"/>
           </a:p>
@@ -2154,7 +2154,7 @@
           <a:p>
             <a:fld id="{E22ED4DA-448D-4BB1-B935-CC112220207B}" type="datetime1">
               <a:rPr lang="en-US" smtClean="0"/>
-              <a:t>10/13/2015</a:t>
+              <a:t>10/17/2015</a:t>
             </a:fld>
             <a:endParaRPr lang="en-US"/>
           </a:p>
@@ -2336,7 +2336,7 @@
           <a:p>
             <a:fld id="{E22ED4DA-448D-4BB1-B935-CC112220207B}" type="datetime1">
               <a:rPr lang="en-US" smtClean="0"/>
-              <a:t>10/13/2015</a:t>
+              <a:t>10/17/2015</a:t>
             </a:fld>
             <a:endParaRPr lang="en-US"/>
           </a:p>
@@ -2605,7 +2605,7 @@
           <a:p>
             <a:fld id="{FF5D65A6-AB94-4435-B0B7-3743215FA46C}" type="datetime1">
               <a:rPr lang="en-US" smtClean="0"/>
-              <a:t>10/13/2015</a:t>
+              <a:t>10/17/2015</a:t>
             </a:fld>
             <a:endParaRPr lang="en-US"/>
           </a:p>
@@ -2790,7 +2790,7 @@
           <a:p>
             <a:fld id="{FF5D65A6-AB94-4435-B0B7-3743215FA46C}" type="datetime1">
               <a:rPr lang="en-US" smtClean="0"/>
-              <a:t>10/13/2015</a:t>
+              <a:t>10/17/2015</a:t>
             </a:fld>
             <a:endParaRPr lang="en-US"/>
           </a:p>
@@ -3092,7 +3092,7 @@
           <a:p>
             <a:fld id="{7C193DC4-6EF0-48C9-B29C-616106A645E1}" type="datetime1">
               <a:rPr lang="en-US" smtClean="0"/>
-              <a:t>10/13/2015</a:t>
+              <a:t>10/17/2015</a:t>
             </a:fld>
             <a:endParaRPr lang="en-US"/>
           </a:p>
@@ -3380,7 +3380,7 @@
           <a:p>
             <a:fld id="{5D1846AD-9252-4647-9435-4C2AC365653A}" type="datetime1">
               <a:rPr lang="en-US" smtClean="0"/>
-              <a:t>10/13/2015</a:t>
+              <a:t>10/17/2015</a:t>
             </a:fld>
             <a:endParaRPr lang="en-US"/>
           </a:p>
@@ -3802,7 +3802,7 @@
           <a:p>
             <a:fld id="{CE56DC10-3561-4063-A6AF-C1CC7A41040A}" type="datetime1">
               <a:rPr lang="en-US" smtClean="0"/>
-              <a:t>10/13/2015</a:t>
+              <a:t>10/17/2015</a:t>
             </a:fld>
             <a:endParaRPr lang="en-US"/>
           </a:p>
@@ -3920,7 +3920,7 @@
           <a:p>
             <a:fld id="{2F7B77F5-1464-4F6B-92A8-64FC8A508293}" type="datetime1">
               <a:rPr lang="en-US" smtClean="0"/>
-              <a:t>10/13/2015</a:t>
+              <a:t>10/17/2015</a:t>
             </a:fld>
             <a:endParaRPr lang="en-US"/>
           </a:p>
@@ -4152,7 +4152,7 @@
           <a:p>
             <a:fld id="{02B3F677-983B-48DB-ADFD-63FE6CBC7FB2}" type="datetime1">
               <a:rPr lang="en-US" smtClean="0"/>
-              <a:t>10/13/2015</a:t>
+              <a:t>10/17/2015</a:t>
             </a:fld>
             <a:endParaRPr lang="en-US"/>
           </a:p>
@@ -11558,18 +11558,25 @@
               <a:t>Sexp</a:t>
             </a:r>
             <a:r>
+              <a:rPr lang="en-US" b="1" dirty="0" err="1" smtClean="0">
+                <a:latin typeface="Consolas" pitchFamily="49" charset="0"/>
+                <a:cs typeface="Consolas" pitchFamily="49" charset="0"/>
+              </a:rPr>
+              <a:t>OfX</a:t>
+            </a:r>
+            <a:r>
               <a:rPr lang="en-US" b="1" dirty="0" smtClean="0">
                 <a:latin typeface="Consolas" pitchFamily="49" charset="0"/>
                 <a:cs typeface="Consolas" pitchFamily="49" charset="0"/>
               </a:rPr>
-              <a:t>&lt;X&gt; </a:t>
+              <a:t>-&gt; </a:t>
             </a:r>
             <a:r>
               <a:rPr lang="en-US" b="1" dirty="0">
                 <a:latin typeface="Consolas" pitchFamily="49" charset="0"/>
                 <a:cs typeface="Consolas" pitchFamily="49" charset="0"/>
               </a:rPr>
-              <a:t>-&gt; ??</a:t>
+              <a:t>??</a:t>
             </a:r>
           </a:p>
           <a:p>
@@ -11742,28 +11749,28 @@
                 <a:latin typeface="Consolas" pitchFamily="49" charset="0"/>
                 <a:cs typeface="Consolas" pitchFamily="49" charset="0"/>
               </a:rPr>
-              <a:t>ListOf</a:t>
+              <a:t>ListOfSexp</a:t>
+            </a:r>
+            <a:r>
+              <a:rPr lang="en-US" b="1" dirty="0" err="1" smtClean="0">
+                <a:latin typeface="Consolas" pitchFamily="49" charset="0"/>
+                <a:cs typeface="Consolas" pitchFamily="49" charset="0"/>
+              </a:rPr>
+              <a:t>Of</a:t>
+            </a:r>
+            <a:r>
+              <a:rPr lang="en-US" b="1" dirty="0" err="1" smtClean="0">
+                <a:latin typeface="Consolas" pitchFamily="49" charset="0"/>
+                <a:cs typeface="Consolas" pitchFamily="49" charset="0"/>
+              </a:rPr>
+              <a:t>X</a:t>
             </a:r>
             <a:r>
               <a:rPr lang="en-US" b="1" dirty="0" smtClean="0">
                 <a:latin typeface="Consolas" pitchFamily="49" charset="0"/>
                 <a:cs typeface="Consolas" pitchFamily="49" charset="0"/>
               </a:rPr>
-              <a:t>&lt;</a:t>
-            </a:r>
-            <a:r>
-              <a:rPr lang="en-US" b="1" dirty="0" err="1" smtClean="0">
-                <a:latin typeface="Consolas" pitchFamily="49" charset="0"/>
-                <a:cs typeface="Consolas" pitchFamily="49" charset="0"/>
-              </a:rPr>
-              <a:t>Sexp</a:t>
-            </a:r>
-            <a:r>
-              <a:rPr lang="en-US" b="1" dirty="0" smtClean="0">
-                <a:latin typeface="Consolas" pitchFamily="49" charset="0"/>
-                <a:cs typeface="Consolas" pitchFamily="49" charset="0"/>
-              </a:rPr>
-              <a:t>&lt;X&gt;&gt; </a:t>
+              <a:t> </a:t>
             </a:r>
             <a:r>
               <a:rPr lang="en-US" b="1" dirty="0">
@@ -12086,15 +12093,7 @@
                     <a:schemeClr val="tx1"/>
                   </a:solidFill>
                 </a:rPr>
-                <a:t>.  </a:t>
-              </a:r>
-              <a:r>
-                <a:rPr lang="en-US" dirty="0" smtClean="0">
-                  <a:solidFill>
-                    <a:schemeClr val="tx1"/>
-                  </a:solidFill>
-                </a:rPr>
-                <a:t>This is mixed data, so the last rule in the template recipe tells us we need to wrap it in a </a:t>
+                <a:t>.  This is mixed data, so the last rule in the template recipe tells us we need to wrap it in a </a:t>
               </a:r>
               <a:r>
                 <a:rPr lang="en-US" b="1" dirty="0" smtClean="0">

--- a/Slides/Lesson 6.5 Lists of Lists.pptx
+++ b/Slides/Lesson 6.5 Lists of Lists.pptx
@@ -238,7 +238,7 @@
           <a:p>
             <a:fld id="{1AC50D25-69DA-4251-A3B1-10895C6A89D6}" type="datetimeFigureOut">
               <a:rPr lang="en-US" smtClean="0"/>
-              <a:t>10/17/2015</a:t>
+              <a:t>10/19/2015</a:t>
             </a:fld>
             <a:endParaRPr lang="en-US"/>
           </a:p>
@@ -989,7 +989,7 @@
           <a:p>
             <a:fld id="{2F1F79F5-7BEC-496A-AFC7-876E38F64D71}" type="datetime1">
               <a:rPr lang="en-US" smtClean="0"/>
-              <a:t>10/17/2015</a:t>
+              <a:t>10/19/2015</a:t>
             </a:fld>
             <a:endParaRPr lang="en-US"/>
           </a:p>
@@ -1091,7 +1091,7 @@
           <a:p>
             <a:fld id="{0A05703A-7669-4FEA-9056-25299B4D29D4}" type="datetime1">
               <a:rPr lang="en-US" smtClean="0"/>
-              <a:t>10/17/2015</a:t>
+              <a:t>10/19/2015</a:t>
             </a:fld>
             <a:endParaRPr lang="en-US"/>
           </a:p>
@@ -1368,7 +1368,7 @@
           <a:p>
             <a:fld id="{6E5077B5-BB57-49DB-88CA-226A139E5C01}" type="datetime1">
               <a:rPr lang="en-US" smtClean="0"/>
-              <a:t>10/17/2015</a:t>
+              <a:t>10/19/2015</a:t>
             </a:fld>
             <a:endParaRPr lang="en-US"/>
           </a:p>
@@ -1621,7 +1621,7 @@
           <a:p>
             <a:fld id="{C48D9447-CBD6-49A1-89FD-8512A8CF8999}" type="datetime1">
               <a:rPr lang="en-US" smtClean="0"/>
-              <a:t>10/17/2015</a:t>
+              <a:t>10/19/2015</a:t>
             </a:fld>
             <a:endParaRPr lang="en-US"/>
           </a:p>
@@ -1791,7 +1791,7 @@
           <a:p>
             <a:fld id="{A3639A2A-823D-48B7-9ACE-7FAF42870BA9}" type="datetime1">
               <a:rPr lang="en-US" smtClean="0"/>
-              <a:t>10/17/2015</a:t>
+              <a:t>10/19/2015</a:t>
             </a:fld>
             <a:endParaRPr lang="en-US"/>
           </a:p>
@@ -1971,7 +1971,7 @@
           <a:p>
             <a:fld id="{ED1B6996-82E9-463C-972C-7B56056E426C}" type="datetime1">
               <a:rPr lang="en-US" smtClean="0"/>
-              <a:t>10/17/2015</a:t>
+              <a:t>10/19/2015</a:t>
             </a:fld>
             <a:endParaRPr lang="en-US"/>
           </a:p>
@@ -2154,7 +2154,7 @@
           <a:p>
             <a:fld id="{E22ED4DA-448D-4BB1-B935-CC112220207B}" type="datetime1">
               <a:rPr lang="en-US" smtClean="0"/>
-              <a:t>10/17/2015</a:t>
+              <a:t>10/19/2015</a:t>
             </a:fld>
             <a:endParaRPr lang="en-US"/>
           </a:p>
@@ -2336,7 +2336,7 @@
           <a:p>
             <a:fld id="{E22ED4DA-448D-4BB1-B935-CC112220207B}" type="datetime1">
               <a:rPr lang="en-US" smtClean="0"/>
-              <a:t>10/17/2015</a:t>
+              <a:t>10/19/2015</a:t>
             </a:fld>
             <a:endParaRPr lang="en-US"/>
           </a:p>
@@ -2605,7 +2605,7 @@
           <a:p>
             <a:fld id="{FF5D65A6-AB94-4435-B0B7-3743215FA46C}" type="datetime1">
               <a:rPr lang="en-US" smtClean="0"/>
-              <a:t>10/17/2015</a:t>
+              <a:t>10/19/2015</a:t>
             </a:fld>
             <a:endParaRPr lang="en-US"/>
           </a:p>
@@ -2790,7 +2790,7 @@
           <a:p>
             <a:fld id="{FF5D65A6-AB94-4435-B0B7-3743215FA46C}" type="datetime1">
               <a:rPr lang="en-US" smtClean="0"/>
-              <a:t>10/17/2015</a:t>
+              <a:t>10/19/2015</a:t>
             </a:fld>
             <a:endParaRPr lang="en-US"/>
           </a:p>
@@ -3092,7 +3092,7 @@
           <a:p>
             <a:fld id="{7C193DC4-6EF0-48C9-B29C-616106A645E1}" type="datetime1">
               <a:rPr lang="en-US" smtClean="0"/>
-              <a:t>10/17/2015</a:t>
+              <a:t>10/19/2015</a:t>
             </a:fld>
             <a:endParaRPr lang="en-US"/>
           </a:p>
@@ -3380,7 +3380,7 @@
           <a:p>
             <a:fld id="{5D1846AD-9252-4647-9435-4C2AC365653A}" type="datetime1">
               <a:rPr lang="en-US" smtClean="0"/>
-              <a:t>10/17/2015</a:t>
+              <a:t>10/19/2015</a:t>
             </a:fld>
             <a:endParaRPr lang="en-US"/>
           </a:p>
@@ -3802,7 +3802,7 @@
           <a:p>
             <a:fld id="{CE56DC10-3561-4063-A6AF-C1CC7A41040A}" type="datetime1">
               <a:rPr lang="en-US" smtClean="0"/>
-              <a:t>10/17/2015</a:t>
+              <a:t>10/19/2015</a:t>
             </a:fld>
             <a:endParaRPr lang="en-US"/>
           </a:p>
@@ -3920,7 +3920,7 @@
           <a:p>
             <a:fld id="{2F7B77F5-1464-4F6B-92A8-64FC8A508293}" type="datetime1">
               <a:rPr lang="en-US" smtClean="0"/>
-              <a:t>10/17/2015</a:t>
+              <a:t>10/19/2015</a:t>
             </a:fld>
             <a:endParaRPr lang="en-US"/>
           </a:p>
@@ -4152,7 +4152,7 @@
           <a:p>
             <a:fld id="{02B3F677-983B-48DB-ADFD-63FE6CBC7FB2}" type="datetime1">
               <a:rPr lang="en-US" smtClean="0"/>
-              <a:t>10/17/2015</a:t>
+              <a:t>10/19/2015</a:t>
             </a:fld>
             <a:endParaRPr lang="en-US"/>
           </a:p>
@@ -11555,14 +11555,7 @@
                 <a:latin typeface="Consolas" pitchFamily="49" charset="0"/>
                 <a:cs typeface="Consolas" pitchFamily="49" charset="0"/>
               </a:rPr>
-              <a:t>Sexp</a:t>
-            </a:r>
-            <a:r>
-              <a:rPr lang="en-US" b="1" dirty="0" err="1" smtClean="0">
-                <a:latin typeface="Consolas" pitchFamily="49" charset="0"/>
-                <a:cs typeface="Consolas" pitchFamily="49" charset="0"/>
-              </a:rPr>
-              <a:t>OfX</a:t>
+              <a:t>SexpOfX</a:t>
             </a:r>
             <a:r>
               <a:rPr lang="en-US" b="1" dirty="0" smtClean="0">
@@ -11749,21 +11742,7 @@
                 <a:latin typeface="Consolas" pitchFamily="49" charset="0"/>
                 <a:cs typeface="Consolas" pitchFamily="49" charset="0"/>
               </a:rPr>
-              <a:t>ListOfSexp</a:t>
-            </a:r>
-            <a:r>
-              <a:rPr lang="en-US" b="1" dirty="0" err="1" smtClean="0">
-                <a:latin typeface="Consolas" pitchFamily="49" charset="0"/>
-                <a:cs typeface="Consolas" pitchFamily="49" charset="0"/>
-              </a:rPr>
-              <a:t>Of</a:t>
-            </a:r>
-            <a:r>
-              <a:rPr lang="en-US" b="1" dirty="0" err="1" smtClean="0">
-                <a:latin typeface="Consolas" pitchFamily="49" charset="0"/>
-                <a:cs typeface="Consolas" pitchFamily="49" charset="0"/>
-              </a:rPr>
-              <a:t>X</a:t>
+              <a:t>ListOfSexpOfX</a:t>
             </a:r>
             <a:r>
               <a:rPr lang="en-US" b="1" dirty="0" smtClean="0">
@@ -14016,7 +13995,21 @@
           <a:p>
             <a:r>
               <a:rPr lang="en-US" dirty="0" smtClean="0"/>
-              <a:t>If you have questions about this lesson, ask them on the Discussion Board</a:t>
+              <a:t>Study the file 06-5-sos-and-loss.rkt in the </a:t>
+            </a:r>
+            <a:r>
+              <a:rPr lang="en-US" smtClean="0"/>
+              <a:t>Examples folder</a:t>
+            </a:r>
+          </a:p>
+          <a:p>
+            <a:r>
+              <a:rPr lang="en-US" dirty="0" smtClean="0"/>
+              <a:t>If </a:t>
+            </a:r>
+            <a:r>
+              <a:rPr lang="en-US" dirty="0" smtClean="0"/>
+              <a:t>you have questions about this lesson, ask them on the Discussion Board</a:t>
             </a:r>
           </a:p>
           <a:p>

--- a/Slides/Lesson 6.5 Lists of Lists.pptx
+++ b/Slides/Lesson 6.5 Lists of Lists.pptx
@@ -5,7 +5,7 @@
     <p:sldMasterId id="2147483660" r:id="rId1"/>
   </p:sldMasterIdLst>
   <p:notesMasterIdLst>
-    <p:notesMasterId r:id="rId30"/>
+    <p:notesMasterId r:id="rId32"/>
   </p:notesMasterIdLst>
   <p:sldIdLst>
     <p:sldId id="256" r:id="rId2"/>
@@ -16,31 +16,33 @@
     <p:sldId id="259" r:id="rId7"/>
     <p:sldId id="260" r:id="rId8"/>
     <p:sldId id="261" r:id="rId9"/>
-    <p:sldId id="262" r:id="rId10"/>
-    <p:sldId id="263" r:id="rId11"/>
-    <p:sldId id="264" r:id="rId12"/>
-    <p:sldId id="282" r:id="rId13"/>
-    <p:sldId id="266" r:id="rId14"/>
-    <p:sldId id="267" r:id="rId15"/>
-    <p:sldId id="268" r:id="rId16"/>
-    <p:sldId id="269" r:id="rId17"/>
-    <p:sldId id="270" r:id="rId18"/>
-    <p:sldId id="284" r:id="rId19"/>
-    <p:sldId id="285" r:id="rId20"/>
-    <p:sldId id="271" r:id="rId21"/>
-    <p:sldId id="272" r:id="rId22"/>
-    <p:sldId id="273" r:id="rId23"/>
-    <p:sldId id="274" r:id="rId24"/>
-    <p:sldId id="275" r:id="rId25"/>
-    <p:sldId id="276" r:id="rId26"/>
-    <p:sldId id="277" r:id="rId27"/>
-    <p:sldId id="278" r:id="rId28"/>
-    <p:sldId id="279" r:id="rId29"/>
+    <p:sldId id="286" r:id="rId10"/>
+    <p:sldId id="287" r:id="rId11"/>
+    <p:sldId id="262" r:id="rId12"/>
+    <p:sldId id="263" r:id="rId13"/>
+    <p:sldId id="264" r:id="rId14"/>
+    <p:sldId id="282" r:id="rId15"/>
+    <p:sldId id="266" r:id="rId16"/>
+    <p:sldId id="267" r:id="rId17"/>
+    <p:sldId id="268" r:id="rId18"/>
+    <p:sldId id="269" r:id="rId19"/>
+    <p:sldId id="270" r:id="rId20"/>
+    <p:sldId id="284" r:id="rId21"/>
+    <p:sldId id="285" r:id="rId22"/>
+    <p:sldId id="271" r:id="rId23"/>
+    <p:sldId id="272" r:id="rId24"/>
+    <p:sldId id="273" r:id="rId25"/>
+    <p:sldId id="274" r:id="rId26"/>
+    <p:sldId id="275" r:id="rId27"/>
+    <p:sldId id="276" r:id="rId28"/>
+    <p:sldId id="277" r:id="rId29"/>
+    <p:sldId id="278" r:id="rId30"/>
+    <p:sldId id="279" r:id="rId31"/>
   </p:sldIdLst>
   <p:sldSz cx="9144000" cy="6858000" type="screen4x3"/>
   <p:notesSz cx="6858000" cy="9144000"/>
   <p:custDataLst>
-    <p:tags r:id="rId31"/>
+    <p:tags r:id="rId33"/>
   </p:custDataLst>
   <p:defaultTextStyle>
     <a:defPPr>
@@ -238,7 +240,7 @@
           <a:p>
             <a:fld id="{1AC50D25-69DA-4251-A3B1-10895C6A89D6}" type="datetimeFigureOut">
               <a:rPr lang="en-US" smtClean="0"/>
-              <a:t>10/19/2015</a:t>
+              <a:t>9/6/2016</a:t>
             </a:fld>
             <a:endParaRPr lang="en-US"/>
           </a:p>
@@ -302,38 +304,37 @@
           <a:p>
             <a:pPr lvl="0"/>
             <a:r>
-              <a:rPr lang="en-US" smtClean="0"/>
+              <a:rPr lang="en-US"/>
               <a:t>Click to edit Master text styles</a:t>
             </a:r>
           </a:p>
           <a:p>
             <a:pPr lvl="1"/>
             <a:r>
-              <a:rPr lang="en-US" smtClean="0"/>
+              <a:rPr lang="en-US"/>
               <a:t>Second level</a:t>
             </a:r>
           </a:p>
           <a:p>
             <a:pPr lvl="2"/>
             <a:r>
-              <a:rPr lang="en-US" smtClean="0"/>
+              <a:rPr lang="en-US"/>
               <a:t>Third level</a:t>
             </a:r>
           </a:p>
           <a:p>
             <a:pPr lvl="3"/>
             <a:r>
-              <a:rPr lang="en-US" smtClean="0"/>
+              <a:rPr lang="en-US"/>
               <a:t>Fourth level</a:t>
             </a:r>
           </a:p>
           <a:p>
             <a:pPr lvl="4"/>
             <a:r>
-              <a:rPr lang="en-US" smtClean="0"/>
+              <a:rPr lang="en-US"/>
               <a:t>Fifth level</a:t>
             </a:r>
-            <a:endParaRPr lang="en-US"/>
           </a:p>
         </p:txBody>
       </p:sp>
@@ -635,7 +636,7 @@
           <a:lstStyle/>
           <a:p>
             <a:r>
-              <a:rPr lang="en-US" sz="1200" kern="1200" dirty="0" smtClean="0">
+              <a:rPr lang="en-US" sz="1200" kern="1200" dirty="0">
                 <a:solidFill>
                   <a:schemeClr val="tx1"/>
                 </a:solidFill>
@@ -647,7 +648,7 @@
               <a:t>Here are the same examples, in </a:t>
             </a:r>
             <a:r>
-              <a:rPr lang="en-US" sz="1200" b="1" kern="1200" dirty="0" smtClean="0">
+              <a:rPr lang="en-US" sz="1200" b="1" kern="1200" dirty="0">
                 <a:solidFill>
                   <a:schemeClr val="tx1"/>
                 </a:solidFill>
@@ -659,7 +660,7 @@
               <a:t>list</a:t>
             </a:r>
             <a:r>
-              <a:rPr lang="en-US" sz="1200" kern="1200" dirty="0" smtClean="0">
+              <a:rPr lang="en-US" sz="1200" kern="1200" dirty="0">
                 <a:solidFill>
                   <a:schemeClr val="tx1"/>
                 </a:solidFill>
@@ -789,7 +790,7 @@
             <a:fld id="{00E1DFD8-B619-4FFF-B366-BDCC98D08110}" type="slidenum">
               <a:rPr lang="en-US" smtClean="0"/>
               <a:pPr/>
-              <a:t>25</a:t>
+              <a:t>27</a:t>
             </a:fld>
             <a:endParaRPr lang="en-US"/>
           </a:p>
@@ -846,10 +847,9 @@
           <a:lstStyle/>
           <a:p>
             <a:r>
-              <a:rPr lang="en-US" smtClean="0"/>
+              <a:rPr lang="en-US"/>
               <a:t>Click to edit Master title style</a:t>
             </a:r>
-            <a:endParaRPr lang="en-US"/>
           </a:p>
         </p:txBody>
       </p:sp>
@@ -965,10 +965,9 @@
           </a:lstStyle>
           <a:p>
             <a:r>
-              <a:rPr lang="en-US" smtClean="0"/>
+              <a:rPr lang="en-US"/>
               <a:t>Click to edit Master subtitle style</a:t>
             </a:r>
-            <a:endParaRPr lang="en-US"/>
           </a:p>
         </p:txBody>
       </p:sp>
@@ -989,7 +988,7 @@
           <a:p>
             <a:fld id="{2F1F79F5-7BEC-496A-AFC7-876E38F64D71}" type="datetime1">
               <a:rPr lang="en-US" smtClean="0"/>
-              <a:t>10/19/2015</a:t>
+              <a:t>9/6/2016</a:t>
             </a:fld>
             <a:endParaRPr lang="en-US"/>
           </a:p>
@@ -1047,13 +1046,6 @@
   <p:clrMapOvr>
     <a:masterClrMapping/>
   </p:clrMapOvr>
-  <p:timing>
-    <p:tnLst>
-      <p:par>
-        <p:cTn id="1" dur="indefinite" restart="never" nodeType="tmRoot"/>
-      </p:par>
-    </p:tnLst>
-  </p:timing>
 </p:sldLayout>
 </file>
 
@@ -1091,7 +1083,7 @@
           <a:p>
             <a:fld id="{0A05703A-7669-4FEA-9056-25299B4D29D4}" type="datetime1">
               <a:rPr lang="en-US" smtClean="0"/>
-              <a:t>10/19/2015</a:t>
+              <a:t>9/6/2016</a:t>
             </a:fld>
             <a:endParaRPr lang="en-US"/>
           </a:p>
@@ -1194,10 +1186,9 @@
           </a:lstStyle>
           <a:p>
             <a:r>
-              <a:rPr lang="en-US" smtClean="0"/>
+              <a:rPr lang="en-US"/>
               <a:t>Click to edit Master title style</a:t>
             </a:r>
-            <a:endParaRPr lang="en-US"/>
           </a:p>
         </p:txBody>
       </p:sp>
@@ -1251,38 +1242,37 @@
           <a:p>
             <a:pPr lvl="0"/>
             <a:r>
-              <a:rPr lang="en-US" smtClean="0"/>
+              <a:rPr lang="en-US"/>
               <a:t>Click to edit Master text styles</a:t>
             </a:r>
           </a:p>
           <a:p>
             <a:pPr lvl="1"/>
             <a:r>
-              <a:rPr lang="en-US" smtClean="0"/>
+              <a:rPr lang="en-US"/>
               <a:t>Second level</a:t>
             </a:r>
           </a:p>
           <a:p>
             <a:pPr lvl="2"/>
             <a:r>
-              <a:rPr lang="en-US" smtClean="0"/>
+              <a:rPr lang="en-US"/>
               <a:t>Third level</a:t>
             </a:r>
           </a:p>
           <a:p>
             <a:pPr lvl="3"/>
             <a:r>
-              <a:rPr lang="en-US" smtClean="0"/>
+              <a:rPr lang="en-US"/>
               <a:t>Fourth level</a:t>
             </a:r>
           </a:p>
           <a:p>
             <a:pPr lvl="4"/>
             <a:r>
-              <a:rPr lang="en-US" smtClean="0"/>
+              <a:rPr lang="en-US"/>
               <a:t>Fifth level</a:t>
             </a:r>
-            <a:endParaRPr lang="en-US"/>
           </a:p>
         </p:txBody>
       </p:sp>
@@ -1345,7 +1335,7 @@
           <a:p>
             <a:pPr lvl="0"/>
             <a:r>
-              <a:rPr lang="en-US" smtClean="0"/>
+              <a:rPr lang="en-US"/>
               <a:t>Click to edit Master text styles</a:t>
             </a:r>
           </a:p>
@@ -1368,7 +1358,7 @@
           <a:p>
             <a:fld id="{6E5077B5-BB57-49DB-88CA-226A139E5C01}" type="datetime1">
               <a:rPr lang="en-US" smtClean="0"/>
-              <a:t>10/19/2015</a:t>
+              <a:t>9/6/2016</a:t>
             </a:fld>
             <a:endParaRPr lang="en-US"/>
           </a:p>
@@ -1471,10 +1461,9 @@
           </a:lstStyle>
           <a:p>
             <a:r>
-              <a:rPr lang="en-US" smtClean="0"/>
+              <a:rPr lang="en-US"/>
               <a:t>Click to edit Master title style</a:t>
             </a:r>
-            <a:endParaRPr lang="en-US"/>
           </a:p>
         </p:txBody>
       </p:sp>
@@ -1598,7 +1587,7 @@
           <a:p>
             <a:pPr lvl="0"/>
             <a:r>
-              <a:rPr lang="en-US" smtClean="0"/>
+              <a:rPr lang="en-US"/>
               <a:t>Click to edit Master text styles</a:t>
             </a:r>
           </a:p>
@@ -1621,7 +1610,7 @@
           <a:p>
             <a:fld id="{C48D9447-CBD6-49A1-89FD-8512A8CF8999}" type="datetime1">
               <a:rPr lang="en-US" smtClean="0"/>
-              <a:t>10/19/2015</a:t>
+              <a:t>9/6/2016</a:t>
             </a:fld>
             <a:endParaRPr lang="en-US"/>
           </a:p>
@@ -1715,10 +1704,9 @@
           <a:lstStyle/>
           <a:p>
             <a:r>
-              <a:rPr lang="en-US" smtClean="0"/>
+              <a:rPr lang="en-US"/>
               <a:t>Click to edit Master title style</a:t>
             </a:r>
-            <a:endParaRPr lang="en-US"/>
           </a:p>
         </p:txBody>
       </p:sp>
@@ -1739,38 +1727,37 @@
           <a:p>
             <a:pPr lvl="0"/>
             <a:r>
-              <a:rPr lang="en-US" smtClean="0"/>
+              <a:rPr lang="en-US"/>
               <a:t>Click to edit Master text styles</a:t>
             </a:r>
           </a:p>
           <a:p>
             <a:pPr lvl="1"/>
             <a:r>
-              <a:rPr lang="en-US" smtClean="0"/>
+              <a:rPr lang="en-US"/>
               <a:t>Second level</a:t>
             </a:r>
           </a:p>
           <a:p>
             <a:pPr lvl="2"/>
             <a:r>
-              <a:rPr lang="en-US" smtClean="0"/>
+              <a:rPr lang="en-US"/>
               <a:t>Third level</a:t>
             </a:r>
           </a:p>
           <a:p>
             <a:pPr lvl="3"/>
             <a:r>
-              <a:rPr lang="en-US" smtClean="0"/>
+              <a:rPr lang="en-US"/>
               <a:t>Fourth level</a:t>
             </a:r>
           </a:p>
           <a:p>
             <a:pPr lvl="4"/>
             <a:r>
-              <a:rPr lang="en-US" smtClean="0"/>
+              <a:rPr lang="en-US"/>
               <a:t>Fifth level</a:t>
             </a:r>
-            <a:endParaRPr lang="en-US"/>
           </a:p>
         </p:txBody>
       </p:sp>
@@ -1791,7 +1778,7 @@
           <a:p>
             <a:fld id="{A3639A2A-823D-48B7-9ACE-7FAF42870BA9}" type="datetime1">
               <a:rPr lang="en-US" smtClean="0"/>
-              <a:t>10/19/2015</a:t>
+              <a:t>9/6/2016</a:t>
             </a:fld>
             <a:endParaRPr lang="en-US"/>
           </a:p>
@@ -1890,10 +1877,9 @@
           <a:lstStyle/>
           <a:p>
             <a:r>
-              <a:rPr lang="en-US" smtClean="0"/>
+              <a:rPr lang="en-US"/>
               <a:t>Click to edit Master title style</a:t>
             </a:r>
-            <a:endParaRPr lang="en-US"/>
           </a:p>
         </p:txBody>
       </p:sp>
@@ -1919,38 +1905,37 @@
           <a:p>
             <a:pPr lvl="0"/>
             <a:r>
-              <a:rPr lang="en-US" smtClean="0"/>
+              <a:rPr lang="en-US"/>
               <a:t>Click to edit Master text styles</a:t>
             </a:r>
           </a:p>
           <a:p>
             <a:pPr lvl="1"/>
             <a:r>
-              <a:rPr lang="en-US" smtClean="0"/>
+              <a:rPr lang="en-US"/>
               <a:t>Second level</a:t>
             </a:r>
           </a:p>
           <a:p>
             <a:pPr lvl="2"/>
             <a:r>
-              <a:rPr lang="en-US" smtClean="0"/>
+              <a:rPr lang="en-US"/>
               <a:t>Third level</a:t>
             </a:r>
           </a:p>
           <a:p>
             <a:pPr lvl="3"/>
             <a:r>
-              <a:rPr lang="en-US" smtClean="0"/>
+              <a:rPr lang="en-US"/>
               <a:t>Fourth level</a:t>
             </a:r>
           </a:p>
           <a:p>
             <a:pPr lvl="4"/>
             <a:r>
-              <a:rPr lang="en-US" smtClean="0"/>
+              <a:rPr lang="en-US"/>
               <a:t>Fifth level</a:t>
             </a:r>
-            <a:endParaRPr lang="en-US"/>
           </a:p>
         </p:txBody>
       </p:sp>
@@ -1971,7 +1956,7 @@
           <a:p>
             <a:fld id="{ED1B6996-82E9-463C-972C-7B56056E426C}" type="datetime1">
               <a:rPr lang="en-US" smtClean="0"/>
-              <a:t>10/19/2015</a:t>
+              <a:t>9/6/2016</a:t>
             </a:fld>
             <a:endParaRPr lang="en-US"/>
           </a:p>
@@ -2029,13 +2014,6 @@
   <p:clrMapOvr>
     <a:masterClrMapping/>
   </p:clrMapOvr>
-  <p:timing>
-    <p:tnLst>
-      <p:par>
-        <p:cTn id="1" dur="indefinite" restart="never" nodeType="tmRoot"/>
-      </p:par>
-    </p:tnLst>
-  </p:timing>
 </p:sldLayout>
 </file>
 
@@ -2078,10 +2056,9 @@
           <a:lstStyle/>
           <a:p>
             <a:r>
-              <a:rPr lang="en-US" dirty="0" smtClean="0"/>
+              <a:rPr lang="en-US" dirty="0"/>
               <a:t>Click to edit Master title style</a:t>
             </a:r>
-            <a:endParaRPr lang="en-US" dirty="0"/>
           </a:p>
         </p:txBody>
       </p:sp>
@@ -2102,38 +2079,37 @@
           <a:p>
             <a:pPr lvl="0"/>
             <a:r>
-              <a:rPr lang="en-US" smtClean="0"/>
+              <a:rPr lang="en-US"/>
               <a:t>Click to edit Master text styles</a:t>
             </a:r>
           </a:p>
           <a:p>
             <a:pPr lvl="1"/>
             <a:r>
-              <a:rPr lang="en-US" smtClean="0"/>
+              <a:rPr lang="en-US"/>
               <a:t>Second level</a:t>
             </a:r>
           </a:p>
           <a:p>
             <a:pPr lvl="2"/>
             <a:r>
-              <a:rPr lang="en-US" smtClean="0"/>
+              <a:rPr lang="en-US"/>
               <a:t>Third level</a:t>
             </a:r>
           </a:p>
           <a:p>
             <a:pPr lvl="3"/>
             <a:r>
-              <a:rPr lang="en-US" smtClean="0"/>
+              <a:rPr lang="en-US"/>
               <a:t>Fourth level</a:t>
             </a:r>
           </a:p>
           <a:p>
             <a:pPr lvl="4"/>
             <a:r>
-              <a:rPr lang="en-US" smtClean="0"/>
+              <a:rPr lang="en-US"/>
               <a:t>Fifth level</a:t>
             </a:r>
-            <a:endParaRPr lang="en-US"/>
           </a:p>
         </p:txBody>
       </p:sp>
@@ -2154,7 +2130,7 @@
           <a:p>
             <a:fld id="{E22ED4DA-448D-4BB1-B935-CC112220207B}" type="datetime1">
               <a:rPr lang="en-US" smtClean="0"/>
-              <a:t>10/19/2015</a:t>
+              <a:t>9/6/2016</a:t>
             </a:fld>
             <a:endParaRPr lang="en-US"/>
           </a:p>
@@ -2212,13 +2188,6 @@
   <p:clrMapOvr>
     <a:masterClrMapping/>
   </p:clrMapOvr>
-  <p:timing>
-    <p:tnLst>
-      <p:par>
-        <p:cTn id="1" dur="indefinite" restart="never" nodeType="tmRoot"/>
-      </p:par>
-    </p:tnLst>
-  </p:timing>
 </p:sldLayout>
 </file>
 
@@ -2255,10 +2224,9 @@
           <a:lstStyle/>
           <a:p>
             <a:r>
-              <a:rPr lang="en-US" smtClean="0"/>
+              <a:rPr lang="en-US"/>
               <a:t>Click to edit Master title style</a:t>
             </a:r>
-            <a:endParaRPr lang="en-US"/>
           </a:p>
         </p:txBody>
       </p:sp>
@@ -2284,38 +2252,37 @@
           <a:p>
             <a:pPr lvl="0"/>
             <a:r>
-              <a:rPr lang="en-US" dirty="0" smtClean="0"/>
+              <a:rPr lang="en-US" dirty="0"/>
               <a:t>Click to edit Master text styles</a:t>
             </a:r>
           </a:p>
           <a:p>
             <a:pPr lvl="1"/>
             <a:r>
-              <a:rPr lang="en-US" dirty="0" smtClean="0"/>
+              <a:rPr lang="en-US" dirty="0"/>
               <a:t>Second level</a:t>
             </a:r>
           </a:p>
           <a:p>
             <a:pPr lvl="2"/>
             <a:r>
-              <a:rPr lang="en-US" dirty="0" smtClean="0"/>
+              <a:rPr lang="en-US" dirty="0"/>
               <a:t>Third level</a:t>
             </a:r>
           </a:p>
           <a:p>
             <a:pPr lvl="3"/>
             <a:r>
-              <a:rPr lang="en-US" dirty="0" smtClean="0"/>
+              <a:rPr lang="en-US" dirty="0"/>
               <a:t>Fourth level</a:t>
             </a:r>
           </a:p>
           <a:p>
             <a:pPr lvl="4"/>
             <a:r>
-              <a:rPr lang="en-US" dirty="0" smtClean="0"/>
+              <a:rPr lang="en-US" dirty="0"/>
               <a:t>Fifth level</a:t>
             </a:r>
-            <a:endParaRPr lang="en-US" dirty="0"/>
           </a:p>
         </p:txBody>
       </p:sp>
@@ -2336,7 +2303,7 @@
           <a:p>
             <a:fld id="{E22ED4DA-448D-4BB1-B935-CC112220207B}" type="datetime1">
               <a:rPr lang="en-US" smtClean="0"/>
-              <a:t>10/19/2015</a:t>
+              <a:t>9/6/2016</a:t>
             </a:fld>
             <a:endParaRPr lang="en-US"/>
           </a:p>
@@ -2426,7 +2393,7 @@
           <a:lstStyle/>
           <a:p>
             <a:pPr algn="ctr"/>
-            <a:endParaRPr lang="en-US" dirty="0" smtClean="0">
+            <a:endParaRPr lang="en-US" dirty="0">
               <a:solidFill>
                 <a:schemeClr val="tx1"/>
               </a:solidFill>
@@ -2457,11 +2424,11 @@
           <a:lstStyle/>
           <a:p>
             <a:r>
-              <a:rPr lang="en-US" dirty="0" smtClean="0"/>
+              <a:rPr lang="en-US" dirty="0"/>
               <a:t>Resize video to this</a:t>
             </a:r>
             <a:r>
-              <a:rPr lang="en-US" baseline="0" dirty="0" smtClean="0"/>
+              <a:rPr lang="en-US" baseline="0" dirty="0"/>
               <a:t> box.</a:t>
             </a:r>
             <a:endParaRPr lang="en-US" dirty="0"/>
@@ -2478,13 +2445,6 @@
   <p:clrMapOvr>
     <a:masterClrMapping/>
   </p:clrMapOvr>
-  <p:timing>
-    <p:tnLst>
-      <p:par>
-        <p:cTn id="1" dur="indefinite" restart="never" nodeType="tmRoot"/>
-      </p:par>
-    </p:tnLst>
-  </p:timing>
 </p:sldLayout>
 </file>
 
@@ -2521,10 +2481,9 @@
           <a:lstStyle/>
           <a:p>
             <a:r>
-              <a:rPr lang="en-US" smtClean="0"/>
+              <a:rPr lang="en-US"/>
               <a:t>Click to edit Master title style</a:t>
             </a:r>
-            <a:endParaRPr lang="en-US"/>
           </a:p>
         </p:txBody>
       </p:sp>
@@ -2553,38 +2512,37 @@
           <a:p>
             <a:pPr lvl="0"/>
             <a:r>
-              <a:rPr lang="en-US" dirty="0" smtClean="0"/>
+              <a:rPr lang="en-US" dirty="0"/>
               <a:t>Click to edit Master text styles</a:t>
             </a:r>
           </a:p>
           <a:p>
             <a:pPr lvl="1"/>
             <a:r>
-              <a:rPr lang="en-US" dirty="0" smtClean="0"/>
+              <a:rPr lang="en-US" dirty="0"/>
               <a:t>Second level</a:t>
             </a:r>
           </a:p>
           <a:p>
             <a:pPr lvl="2"/>
             <a:r>
-              <a:rPr lang="en-US" dirty="0" smtClean="0"/>
+              <a:rPr lang="en-US" dirty="0"/>
               <a:t>Third level</a:t>
             </a:r>
           </a:p>
           <a:p>
             <a:pPr lvl="3"/>
             <a:r>
-              <a:rPr lang="en-US" dirty="0" smtClean="0"/>
+              <a:rPr lang="en-US" dirty="0"/>
               <a:t>Fourth level</a:t>
             </a:r>
           </a:p>
           <a:p>
             <a:pPr lvl="4"/>
             <a:r>
-              <a:rPr lang="en-US" dirty="0" smtClean="0"/>
+              <a:rPr lang="en-US" dirty="0"/>
               <a:t>Fifth level</a:t>
             </a:r>
-            <a:endParaRPr lang="en-US" dirty="0"/>
           </a:p>
         </p:txBody>
       </p:sp>
@@ -2605,7 +2563,7 @@
           <a:p>
             <a:fld id="{FF5D65A6-AB94-4435-B0B7-3743215FA46C}" type="datetime1">
               <a:rPr lang="en-US" smtClean="0"/>
-              <a:t>10/19/2015</a:t>
+              <a:t>9/6/2016</a:t>
             </a:fld>
             <a:endParaRPr lang="en-US"/>
           </a:p>
@@ -2663,13 +2621,6 @@
   <p:clrMapOvr>
     <a:masterClrMapping/>
   </p:clrMapOvr>
-  <p:timing>
-    <p:tnLst>
-      <p:par>
-        <p:cTn id="1" dur="indefinite" restart="never" nodeType="tmRoot"/>
-      </p:par>
-    </p:tnLst>
-  </p:timing>
 </p:sldLayout>
 </file>
 
@@ -2706,10 +2657,9 @@
           <a:lstStyle/>
           <a:p>
             <a:r>
-              <a:rPr lang="en-US" smtClean="0"/>
+              <a:rPr lang="en-US"/>
               <a:t>Click to edit Master title style</a:t>
             </a:r>
-            <a:endParaRPr lang="en-US"/>
           </a:p>
         </p:txBody>
       </p:sp>
@@ -2738,38 +2688,37 @@
           <a:p>
             <a:pPr lvl="0"/>
             <a:r>
-              <a:rPr lang="en-US" dirty="0" smtClean="0"/>
+              <a:rPr lang="en-US" dirty="0"/>
               <a:t>Click to edit Master text styles</a:t>
             </a:r>
           </a:p>
           <a:p>
             <a:pPr lvl="1"/>
             <a:r>
-              <a:rPr lang="en-US" dirty="0" smtClean="0"/>
+              <a:rPr lang="en-US" dirty="0"/>
               <a:t>Second level</a:t>
             </a:r>
           </a:p>
           <a:p>
             <a:pPr lvl="2"/>
             <a:r>
-              <a:rPr lang="en-US" dirty="0" smtClean="0"/>
+              <a:rPr lang="en-US" dirty="0"/>
               <a:t>Third level</a:t>
             </a:r>
           </a:p>
           <a:p>
             <a:pPr lvl="3"/>
             <a:r>
-              <a:rPr lang="en-US" dirty="0" smtClean="0"/>
+              <a:rPr lang="en-US" dirty="0"/>
               <a:t>Fourth level</a:t>
             </a:r>
           </a:p>
           <a:p>
             <a:pPr lvl="4"/>
             <a:r>
-              <a:rPr lang="en-US" dirty="0" smtClean="0"/>
+              <a:rPr lang="en-US" dirty="0"/>
               <a:t>Fifth level</a:t>
             </a:r>
-            <a:endParaRPr lang="en-US" dirty="0"/>
           </a:p>
         </p:txBody>
       </p:sp>
@@ -2790,7 +2739,7 @@
           <a:p>
             <a:fld id="{FF5D65A6-AB94-4435-B0B7-3743215FA46C}" type="datetime1">
               <a:rPr lang="en-US" smtClean="0"/>
-              <a:t>10/19/2015</a:t>
+              <a:t>9/6/2016</a:t>
             </a:fld>
             <a:endParaRPr lang="en-US"/>
           </a:p>
@@ -2897,13 +2846,6 @@
   <p:clrMapOvr>
     <a:masterClrMapping/>
   </p:clrMapOvr>
-  <p:timing>
-    <p:tnLst>
-      <p:par>
-        <p:cTn id="1" dur="indefinite" restart="never" nodeType="tmRoot"/>
-      </p:par>
-    </p:tnLst>
-  </p:timing>
 </p:sldLayout>
 </file>
 
@@ -2949,10 +2891,9 @@
           </a:lstStyle>
           <a:p>
             <a:r>
-              <a:rPr lang="en-US" smtClean="0"/>
+              <a:rPr lang="en-US"/>
               <a:t>Click to edit Master title style</a:t>
             </a:r>
-            <a:endParaRPr lang="en-US"/>
           </a:p>
         </p:txBody>
       </p:sp>
@@ -3069,7 +3010,7 @@
           <a:p>
             <a:pPr lvl="0"/>
             <a:r>
-              <a:rPr lang="en-US" smtClean="0"/>
+              <a:rPr lang="en-US"/>
               <a:t>Click to edit Master text styles</a:t>
             </a:r>
           </a:p>
@@ -3092,7 +3033,7 @@
           <a:p>
             <a:fld id="{7C193DC4-6EF0-48C9-B29C-616106A645E1}" type="datetime1">
               <a:rPr lang="en-US" smtClean="0"/>
-              <a:t>10/19/2015</a:t>
+              <a:t>9/6/2016</a:t>
             </a:fld>
             <a:endParaRPr lang="en-US"/>
           </a:p>
@@ -3186,10 +3127,9 @@
           <a:lstStyle/>
           <a:p>
             <a:r>
-              <a:rPr lang="en-US" smtClean="0"/>
+              <a:rPr lang="en-US"/>
               <a:t>Click to edit Master title style</a:t>
             </a:r>
-            <a:endParaRPr lang="en-US"/>
           </a:p>
         </p:txBody>
       </p:sp>
@@ -3243,38 +3183,37 @@
           <a:p>
             <a:pPr lvl="0"/>
             <a:r>
-              <a:rPr lang="en-US" smtClean="0"/>
+              <a:rPr lang="en-US"/>
               <a:t>Click to edit Master text styles</a:t>
             </a:r>
           </a:p>
           <a:p>
             <a:pPr lvl="1"/>
             <a:r>
-              <a:rPr lang="en-US" smtClean="0"/>
+              <a:rPr lang="en-US"/>
               <a:t>Second level</a:t>
             </a:r>
           </a:p>
           <a:p>
             <a:pPr lvl="2"/>
             <a:r>
-              <a:rPr lang="en-US" smtClean="0"/>
+              <a:rPr lang="en-US"/>
               <a:t>Third level</a:t>
             </a:r>
           </a:p>
           <a:p>
             <a:pPr lvl="3"/>
             <a:r>
-              <a:rPr lang="en-US" smtClean="0"/>
+              <a:rPr lang="en-US"/>
               <a:t>Fourth level</a:t>
             </a:r>
           </a:p>
           <a:p>
             <a:pPr lvl="4"/>
             <a:r>
-              <a:rPr lang="en-US" smtClean="0"/>
+              <a:rPr lang="en-US"/>
               <a:t>Fifth level</a:t>
             </a:r>
-            <a:endParaRPr lang="en-US"/>
           </a:p>
         </p:txBody>
       </p:sp>
@@ -3328,38 +3267,37 @@
           <a:p>
             <a:pPr lvl="0"/>
             <a:r>
-              <a:rPr lang="en-US" smtClean="0"/>
+              <a:rPr lang="en-US"/>
               <a:t>Click to edit Master text styles</a:t>
             </a:r>
           </a:p>
           <a:p>
             <a:pPr lvl="1"/>
             <a:r>
-              <a:rPr lang="en-US" smtClean="0"/>
+              <a:rPr lang="en-US"/>
               <a:t>Second level</a:t>
             </a:r>
           </a:p>
           <a:p>
             <a:pPr lvl="2"/>
             <a:r>
-              <a:rPr lang="en-US" smtClean="0"/>
+              <a:rPr lang="en-US"/>
               <a:t>Third level</a:t>
             </a:r>
           </a:p>
           <a:p>
             <a:pPr lvl="3"/>
             <a:r>
-              <a:rPr lang="en-US" smtClean="0"/>
+              <a:rPr lang="en-US"/>
               <a:t>Fourth level</a:t>
             </a:r>
           </a:p>
           <a:p>
             <a:pPr lvl="4"/>
             <a:r>
-              <a:rPr lang="en-US" smtClean="0"/>
+              <a:rPr lang="en-US"/>
               <a:t>Fifth level</a:t>
             </a:r>
-            <a:endParaRPr lang="en-US"/>
           </a:p>
         </p:txBody>
       </p:sp>
@@ -3380,7 +3318,7 @@
           <a:p>
             <a:fld id="{5D1846AD-9252-4647-9435-4C2AC365653A}" type="datetime1">
               <a:rPr lang="en-US" smtClean="0"/>
-              <a:t>10/19/2015</a:t>
+              <a:t>9/6/2016</a:t>
             </a:fld>
             <a:endParaRPr lang="en-US"/>
           </a:p>
@@ -3478,10 +3416,9 @@
           </a:lstStyle>
           <a:p>
             <a:r>
-              <a:rPr lang="en-US" smtClean="0"/>
+              <a:rPr lang="en-US"/>
               <a:t>Click to edit Master title style</a:t>
             </a:r>
-            <a:endParaRPr lang="en-US"/>
           </a:p>
         </p:txBody>
       </p:sp>
@@ -3544,7 +3481,7 @@
           <a:p>
             <a:pPr lvl="0"/>
             <a:r>
-              <a:rPr lang="en-US" smtClean="0"/>
+              <a:rPr lang="en-US"/>
               <a:t>Click to edit Master text styles</a:t>
             </a:r>
           </a:p>
@@ -3600,38 +3537,37 @@
           <a:p>
             <a:pPr lvl="0"/>
             <a:r>
-              <a:rPr lang="en-US" smtClean="0"/>
+              <a:rPr lang="en-US"/>
               <a:t>Click to edit Master text styles</a:t>
             </a:r>
           </a:p>
           <a:p>
             <a:pPr lvl="1"/>
             <a:r>
-              <a:rPr lang="en-US" smtClean="0"/>
+              <a:rPr lang="en-US"/>
               <a:t>Second level</a:t>
             </a:r>
           </a:p>
           <a:p>
             <a:pPr lvl="2"/>
             <a:r>
-              <a:rPr lang="en-US" smtClean="0"/>
+              <a:rPr lang="en-US"/>
               <a:t>Third level</a:t>
             </a:r>
           </a:p>
           <a:p>
             <a:pPr lvl="3"/>
             <a:r>
-              <a:rPr lang="en-US" smtClean="0"/>
+              <a:rPr lang="en-US"/>
               <a:t>Fourth level</a:t>
             </a:r>
           </a:p>
           <a:p>
             <a:pPr lvl="4"/>
             <a:r>
-              <a:rPr lang="en-US" smtClean="0"/>
+              <a:rPr lang="en-US"/>
               <a:t>Fifth level</a:t>
             </a:r>
-            <a:endParaRPr lang="en-US"/>
           </a:p>
         </p:txBody>
       </p:sp>
@@ -3694,7 +3630,7 @@
           <a:p>
             <a:pPr lvl="0"/>
             <a:r>
-              <a:rPr lang="en-US" smtClean="0"/>
+              <a:rPr lang="en-US"/>
               <a:t>Click to edit Master text styles</a:t>
             </a:r>
           </a:p>
@@ -3750,38 +3686,37 @@
           <a:p>
             <a:pPr lvl="0"/>
             <a:r>
-              <a:rPr lang="en-US" smtClean="0"/>
+              <a:rPr lang="en-US"/>
               <a:t>Click to edit Master text styles</a:t>
             </a:r>
           </a:p>
           <a:p>
             <a:pPr lvl="1"/>
             <a:r>
-              <a:rPr lang="en-US" smtClean="0"/>
+              <a:rPr lang="en-US"/>
               <a:t>Second level</a:t>
             </a:r>
           </a:p>
           <a:p>
             <a:pPr lvl="2"/>
             <a:r>
-              <a:rPr lang="en-US" smtClean="0"/>
+              <a:rPr lang="en-US"/>
               <a:t>Third level</a:t>
             </a:r>
           </a:p>
           <a:p>
             <a:pPr lvl="3"/>
             <a:r>
-              <a:rPr lang="en-US" smtClean="0"/>
+              <a:rPr lang="en-US"/>
               <a:t>Fourth level</a:t>
             </a:r>
           </a:p>
           <a:p>
             <a:pPr lvl="4"/>
             <a:r>
-              <a:rPr lang="en-US" smtClean="0"/>
+              <a:rPr lang="en-US"/>
               <a:t>Fifth level</a:t>
             </a:r>
-            <a:endParaRPr lang="en-US"/>
           </a:p>
         </p:txBody>
       </p:sp>
@@ -3802,7 +3737,7 @@
           <a:p>
             <a:fld id="{CE56DC10-3561-4063-A6AF-C1CC7A41040A}" type="datetime1">
               <a:rPr lang="en-US" smtClean="0"/>
-              <a:t>10/19/2015</a:t>
+              <a:t>9/6/2016</a:t>
             </a:fld>
             <a:endParaRPr lang="en-US"/>
           </a:p>
@@ -3896,10 +3831,9 @@
           <a:lstStyle/>
           <a:p>
             <a:r>
-              <a:rPr lang="en-US" smtClean="0"/>
+              <a:rPr lang="en-US"/>
               <a:t>Click to edit Master title style</a:t>
             </a:r>
-            <a:endParaRPr lang="en-US"/>
           </a:p>
         </p:txBody>
       </p:sp>
@@ -3920,7 +3854,7 @@
           <a:p>
             <a:fld id="{2F7B77F5-1464-4F6B-92A8-64FC8A508293}" type="datetime1">
               <a:rPr lang="en-US" smtClean="0"/>
-              <a:t>10/19/2015</a:t>
+              <a:t>9/6/2016</a:t>
             </a:fld>
             <a:endParaRPr lang="en-US"/>
           </a:p>
@@ -3978,13 +3912,6 @@
   <p:clrMapOvr>
     <a:masterClrMapping/>
   </p:clrMapOvr>
-  <p:timing>
-    <p:tnLst>
-      <p:par>
-        <p:cTn id="1" dur="indefinite" restart="never" nodeType="tmRoot"/>
-      </p:par>
-    </p:tnLst>
-  </p:timing>
 </p:sldLayout>
 </file>
 
@@ -4048,10 +3975,9 @@
           <a:lstStyle/>
           <a:p>
             <a:r>
-              <a:rPr lang="en-US" smtClean="0"/>
+              <a:rPr lang="en-US"/>
               <a:t>Click to edit Master title style</a:t>
             </a:r>
-            <a:endParaRPr lang="en-US"/>
           </a:p>
         </p:txBody>
       </p:sp>
@@ -4082,38 +4008,37 @@
           <a:p>
             <a:pPr lvl="0"/>
             <a:r>
-              <a:rPr lang="en-US" smtClean="0"/>
+              <a:rPr lang="en-US"/>
               <a:t>Click to edit Master text styles</a:t>
             </a:r>
           </a:p>
           <a:p>
             <a:pPr lvl="1"/>
             <a:r>
-              <a:rPr lang="en-US" smtClean="0"/>
+              <a:rPr lang="en-US"/>
               <a:t>Second level</a:t>
             </a:r>
           </a:p>
           <a:p>
             <a:pPr lvl="2"/>
             <a:r>
-              <a:rPr lang="en-US" smtClean="0"/>
+              <a:rPr lang="en-US"/>
               <a:t>Third level</a:t>
             </a:r>
           </a:p>
           <a:p>
             <a:pPr lvl="3"/>
             <a:r>
-              <a:rPr lang="en-US" smtClean="0"/>
+              <a:rPr lang="en-US"/>
               <a:t>Fourth level</a:t>
             </a:r>
           </a:p>
           <a:p>
             <a:pPr lvl="4"/>
             <a:r>
-              <a:rPr lang="en-US" smtClean="0"/>
+              <a:rPr lang="en-US"/>
               <a:t>Fifth level</a:t>
             </a:r>
-            <a:endParaRPr lang="en-US"/>
           </a:p>
         </p:txBody>
       </p:sp>
@@ -4152,7 +4077,7 @@
           <a:p>
             <a:fld id="{02B3F677-983B-48DB-ADFD-63FE6CBC7FB2}" type="datetime1">
               <a:rPr lang="en-US" smtClean="0"/>
-              <a:t>10/19/2015</a:t>
+              <a:t>9/6/2016</a:t>
             </a:fld>
             <a:endParaRPr lang="en-US"/>
           </a:p>
@@ -4260,13 +4185,6 @@
     <p:sldLayoutId id="2147483673" r:id="rId13"/>
     <p:sldLayoutId id="2147483674" r:id="rId14"/>
   </p:sldLayoutIdLst>
-  <p:timing>
-    <p:tnLst>
-      <p:par>
-        <p:cTn id="1" dur="indefinite" restart="never" nodeType="tmRoot"/>
-      </p:par>
-    </p:tnLst>
-  </p:timing>
   <p:hf hdr="0" ftr="0" dt="0"/>
   <p:txStyles>
     <p:titleStyle>
@@ -4554,10 +4472,9 @@
           <a:lstStyle/>
           <a:p>
             <a:r>
-              <a:rPr lang="en-US" dirty="0" smtClean="0"/>
+              <a:rPr lang="en-US" dirty="0"/>
               <a:t>Lists of Lists</a:t>
             </a:r>
-            <a:endParaRPr lang="en-US" dirty="0"/>
           </a:p>
         </p:txBody>
       </p:sp>
@@ -4577,21 +4494,21 @@
           <a:lstStyle/>
           <a:p>
             <a:r>
-              <a:rPr lang="en-US" dirty="0" smtClean="0"/>
+              <a:rPr lang="en-US" dirty="0"/>
               <a:t>CS 5010 Program Design Paradigms “</a:t>
             </a:r>
             <a:r>
-              <a:rPr lang="en-US" dirty="0" err="1" smtClean="0"/>
+              <a:rPr lang="en-US" dirty="0" err="1"/>
               <a:t>Bootcamp</a:t>
             </a:r>
             <a:r>
-              <a:rPr lang="en-US" dirty="0" smtClean="0"/>
+              <a:rPr lang="en-US" dirty="0"/>
               <a:t>”</a:t>
             </a:r>
           </a:p>
           <a:p>
             <a:r>
-              <a:rPr lang="en-US" dirty="0" smtClean="0"/>
+              <a:rPr lang="en-US" dirty="0"/>
               <a:t>Lesson 6.5</a:t>
             </a:r>
           </a:p>
@@ -4691,27 +4608,13 @@
             <a:p>
               <a:r>
                 <a:rPr lang="en-US" sz="1000" dirty="0"/>
-                <a:t>© Mitchell Wand, </a:t>
-              </a:r>
-              <a:r>
-                <a:rPr lang="en-US" sz="1000" dirty="0" smtClean="0"/>
-                <a:t>2012-2015</a:t>
+                <a:t>© Mitchell Wand, 2012-2015</a:t>
               </a:r>
             </a:p>
             <a:p>
               <a:r>
-                <a:rPr lang="en-US" sz="1000" dirty="0" smtClean="0"/>
+                <a:rPr lang="en-US" sz="1000" dirty="0"/>
                 <a:t>This work is licensed under a </a:t>
-              </a:r>
-              <a:r>
-                <a:rPr lang="en-US" altLang="en-US" sz="1000" dirty="0" smtClean="0">
-                  <a:solidFill>
-                    <a:srgbClr val="4374B7"/>
-                  </a:solidFill>
-                  <a:latin typeface="Helvetica Neue"/>
-                  <a:hlinkClick r:id="rId4"/>
-                </a:rPr>
-                <a:t>Creative </a:t>
               </a:r>
               <a:r>
                 <a:rPr lang="en-US" altLang="en-US" sz="1000" dirty="0">
@@ -4721,7 +4624,7 @@
                   <a:latin typeface="Helvetica Neue"/>
                   <a:hlinkClick r:id="rId4"/>
                 </a:rPr>
-                <a:t>Commons Attribution-</a:t>
+                <a:t>Creative Commons Attribution-</a:t>
               </a:r>
               <a:r>
                 <a:rPr lang="en-US" altLang="en-US" sz="1000" dirty="0" err="1">
@@ -4744,10 +4647,9 @@
                 <a:t> 4.0 International License</a:t>
               </a:r>
               <a:r>
-                <a:rPr lang="en-US" sz="1000" dirty="0" smtClean="0"/>
+                <a:rPr lang="en-US" sz="1000" dirty="0"/>
                 <a:t>.</a:t>
               </a:r>
-              <a:endParaRPr lang="en-US" sz="1000" dirty="0"/>
             </a:p>
           </p:txBody>
         </p:sp>
@@ -4762,13 +4664,6 @@
   <p:clrMapOvr>
     <a:masterClrMapping/>
   </p:clrMapOvr>
-  <p:timing>
-    <p:tnLst>
-      <p:par>
-        <p:cTn id="1" dur="indefinite" restart="never" nodeType="tmRoot"/>
-      </p:par>
-    </p:tnLst>
-  </p:timing>
 </p:sld>
 </file>
 
@@ -4805,10 +4700,899 @@
           <a:lstStyle/>
           <a:p>
             <a:r>
-              <a:rPr lang="en-US" dirty="0" smtClean="0"/>
+              <a:rPr lang="en-US" dirty="0"/>
+              <a:t>Elaborating the Data Definition (2)</a:t>
+            </a:r>
+          </a:p>
+        </p:txBody>
+      </p:sp>
+      <p:sp>
+        <p:nvSpPr>
+          <p:cNvPr id="5" name="Content Placeholder 4"/>
+          <p:cNvSpPr>
+            <a:spLocks noGrp="1"/>
+          </p:cNvSpPr>
+          <p:nvPr>
+            <p:ph idx="1"/>
+          </p:nvPr>
+        </p:nvSpPr>
+        <p:spPr/>
+        <p:txBody>
+          <a:bodyPr>
+            <a:normAutofit fontScale="32500" lnSpcReduction="20000"/>
+          </a:bodyPr>
+          <a:lstStyle/>
+          <a:p>
+            <a:r>
+              <a:rPr lang="en-US" dirty="0" err="1"/>
+              <a:t>SoS</a:t>
+            </a:r>
+            <a:endParaRPr lang="en-US" dirty="0"/>
+          </a:p>
+          <a:p>
+            <a:r>
+              <a:rPr lang="en-US" dirty="0">
+                <a:solidFill>
+                  <a:srgbClr val="FF0000"/>
+                </a:solidFill>
+              </a:rPr>
+              <a:t>-&gt;</a:t>
+            </a:r>
+            <a:r>
+              <a:rPr lang="en-US" dirty="0"/>
+              <a:t> </a:t>
+            </a:r>
+            <a:r>
+              <a:rPr lang="en-US" dirty="0" err="1"/>
+              <a:t>LoSS</a:t>
+            </a:r>
+            <a:endParaRPr lang="en-US" dirty="0"/>
+          </a:p>
+          <a:p>
+            <a:r>
+              <a:rPr lang="en-US" dirty="0"/>
+              <a:t>-&gt; (cons </a:t>
+            </a:r>
+            <a:r>
+              <a:rPr lang="en-US" dirty="0" err="1"/>
+              <a:t>SoS</a:t>
+            </a:r>
+            <a:r>
+              <a:rPr lang="en-US" dirty="0"/>
+              <a:t> </a:t>
+            </a:r>
+            <a:r>
+              <a:rPr lang="en-US" dirty="0" err="1"/>
+              <a:t>LoSS</a:t>
+            </a:r>
+            <a:r>
+              <a:rPr lang="en-US" dirty="0"/>
+              <a:t>)</a:t>
+            </a:r>
+          </a:p>
+          <a:p>
+            <a:r>
+              <a:rPr lang="en-US" dirty="0">
+                <a:solidFill>
+                  <a:srgbClr val="FF0000"/>
+                </a:solidFill>
+              </a:rPr>
+              <a:t>-&gt;</a:t>
+            </a:r>
+            <a:r>
+              <a:rPr lang="en-US" dirty="0"/>
+              <a:t> (cons </a:t>
+            </a:r>
+            <a:r>
+              <a:rPr lang="en-US" dirty="0" err="1"/>
+              <a:t>LoSS</a:t>
+            </a:r>
+            <a:r>
+              <a:rPr lang="en-US" dirty="0"/>
+              <a:t> </a:t>
+            </a:r>
+            <a:r>
+              <a:rPr lang="en-US" dirty="0" err="1"/>
+              <a:t>LoSS</a:t>
+            </a:r>
+            <a:r>
+              <a:rPr lang="en-US" dirty="0"/>
+              <a:t>)</a:t>
+            </a:r>
+          </a:p>
+          <a:p>
+            <a:r>
+              <a:rPr lang="en-US" dirty="0"/>
+              <a:t>-&gt; (cons (cons </a:t>
+            </a:r>
+            <a:r>
+              <a:rPr lang="en-US" dirty="0" err="1"/>
+              <a:t>SoS</a:t>
+            </a:r>
+            <a:r>
+              <a:rPr lang="en-US" dirty="0"/>
+              <a:t> </a:t>
+            </a:r>
+            <a:r>
+              <a:rPr lang="en-US" dirty="0" err="1"/>
+              <a:t>LoSS</a:t>
+            </a:r>
+            <a:r>
+              <a:rPr lang="en-US" dirty="0"/>
+              <a:t>)</a:t>
+            </a:r>
+          </a:p>
+          <a:p>
+            <a:r>
+              <a:rPr lang="en-US" dirty="0"/>
+              <a:t>         </a:t>
+            </a:r>
+            <a:r>
+              <a:rPr lang="en-US" dirty="0" err="1"/>
+              <a:t>LoSS</a:t>
+            </a:r>
+            <a:r>
+              <a:rPr lang="en-US" dirty="0"/>
+              <a:t>)</a:t>
+            </a:r>
+          </a:p>
+          <a:p>
+            <a:r>
+              <a:rPr lang="en-US" dirty="0">
+                <a:solidFill>
+                  <a:srgbClr val="FF0000"/>
+                </a:solidFill>
+              </a:rPr>
+              <a:t>-&gt;</a:t>
+            </a:r>
+            <a:r>
+              <a:rPr lang="en-US" dirty="0"/>
+              <a:t> (cons (cons </a:t>
+            </a:r>
+            <a:r>
+              <a:rPr lang="en-US" dirty="0" err="1"/>
+              <a:t>LoSS</a:t>
+            </a:r>
+            <a:r>
+              <a:rPr lang="en-US" dirty="0"/>
+              <a:t> </a:t>
+            </a:r>
+            <a:r>
+              <a:rPr lang="en-US" dirty="0" err="1"/>
+              <a:t>LoSS</a:t>
+            </a:r>
+            <a:r>
+              <a:rPr lang="en-US" dirty="0"/>
+              <a:t>)</a:t>
+            </a:r>
+          </a:p>
+          <a:p>
+            <a:r>
+              <a:rPr lang="en-US" dirty="0"/>
+              <a:t>         </a:t>
+            </a:r>
+            <a:r>
+              <a:rPr lang="en-US" dirty="0" err="1"/>
+              <a:t>LoSS</a:t>
+            </a:r>
+            <a:r>
+              <a:rPr lang="en-US" dirty="0"/>
+              <a:t>)</a:t>
+            </a:r>
+          </a:p>
+          <a:p>
+            <a:r>
+              <a:rPr lang="en-US" dirty="0">
+                <a:solidFill>
+                  <a:srgbClr val="FF0000"/>
+                </a:solidFill>
+              </a:rPr>
+              <a:t>-&gt; </a:t>
+            </a:r>
+            <a:r>
+              <a:rPr lang="en-US" dirty="0"/>
+              <a:t>(cons (cons String </a:t>
+            </a:r>
+            <a:r>
+              <a:rPr lang="en-US" dirty="0" err="1"/>
+              <a:t>LoSS</a:t>
+            </a:r>
+            <a:r>
+              <a:rPr lang="en-US" dirty="0"/>
+              <a:t>)</a:t>
+            </a:r>
+          </a:p>
+          <a:p>
+            <a:r>
+              <a:rPr lang="en-US" dirty="0"/>
+              <a:t>         </a:t>
+            </a:r>
+            <a:r>
+              <a:rPr lang="en-US" dirty="0" err="1"/>
+              <a:t>LoSS</a:t>
+            </a:r>
+            <a:r>
+              <a:rPr lang="en-US" dirty="0"/>
+              <a:t>)</a:t>
+            </a:r>
+          </a:p>
+          <a:p>
+            <a:r>
+              <a:rPr lang="en-US" dirty="0">
+                <a:solidFill>
+                  <a:srgbClr val="FF0000"/>
+                </a:solidFill>
+              </a:rPr>
+              <a:t>-&gt;</a:t>
+            </a:r>
+            <a:r>
+              <a:rPr lang="en-US" dirty="0"/>
+              <a:t> (cons (cons "</a:t>
+            </a:r>
+            <a:r>
+              <a:rPr lang="en-US" dirty="0" err="1"/>
+              <a:t>alice</a:t>
+            </a:r>
+            <a:r>
+              <a:rPr lang="en-US" dirty="0"/>
+              <a:t>" </a:t>
+            </a:r>
+            <a:r>
+              <a:rPr lang="en-US" dirty="0" err="1"/>
+              <a:t>LoSS</a:t>
+            </a:r>
+            <a:r>
+              <a:rPr lang="en-US" dirty="0"/>
+              <a:t>)</a:t>
+            </a:r>
+          </a:p>
+          <a:p>
+            <a:r>
+              <a:rPr lang="en-US" dirty="0"/>
+              <a:t>         </a:t>
+            </a:r>
+            <a:r>
+              <a:rPr lang="en-US" dirty="0" err="1"/>
+              <a:t>LoSS</a:t>
+            </a:r>
+            <a:r>
+              <a:rPr lang="en-US" dirty="0"/>
+              <a:t>)</a:t>
+            </a:r>
+          </a:p>
+          <a:p>
+            <a:r>
+              <a:rPr lang="en-US" dirty="0"/>
+              <a:t>-&gt; (cons (cons "</a:t>
+            </a:r>
+            <a:r>
+              <a:rPr lang="en-US" dirty="0" err="1"/>
+              <a:t>alice</a:t>
+            </a:r>
+            <a:r>
+              <a:rPr lang="en-US" dirty="0"/>
+              <a:t>" (cons </a:t>
+            </a:r>
+            <a:r>
+              <a:rPr lang="en-US" dirty="0" err="1"/>
+              <a:t>SoS</a:t>
+            </a:r>
+            <a:r>
+              <a:rPr lang="en-US" dirty="0"/>
+              <a:t> </a:t>
+            </a:r>
+            <a:r>
+              <a:rPr lang="en-US" dirty="0" err="1"/>
+              <a:t>LoSS</a:t>
+            </a:r>
+            <a:r>
+              <a:rPr lang="en-US" dirty="0"/>
+              <a:t>))</a:t>
+            </a:r>
+          </a:p>
+          <a:p>
+            <a:r>
+              <a:rPr lang="en-US" dirty="0"/>
+              <a:t>         </a:t>
+            </a:r>
+            <a:r>
+              <a:rPr lang="en-US" dirty="0" err="1"/>
+              <a:t>LoSS</a:t>
+            </a:r>
+            <a:r>
+              <a:rPr lang="en-US" dirty="0"/>
+              <a:t>)</a:t>
+            </a:r>
+          </a:p>
+          <a:p>
+            <a:r>
+              <a:rPr lang="en-US" dirty="0">
+                <a:solidFill>
+                  <a:srgbClr val="FF0000"/>
+                </a:solidFill>
+              </a:rPr>
+              <a:t>-&gt;</a:t>
+            </a:r>
+            <a:r>
+              <a:rPr lang="en-US" dirty="0"/>
+              <a:t> (cons (cons "</a:t>
+            </a:r>
+            <a:r>
+              <a:rPr lang="en-US" dirty="0" err="1"/>
+              <a:t>alice</a:t>
+            </a:r>
+            <a:r>
+              <a:rPr lang="en-US" dirty="0"/>
+              <a:t>" (cons String </a:t>
+            </a:r>
+            <a:r>
+              <a:rPr lang="en-US" dirty="0" err="1"/>
+              <a:t>LoSS</a:t>
+            </a:r>
+            <a:r>
+              <a:rPr lang="en-US" dirty="0"/>
+              <a:t>))</a:t>
+            </a:r>
+          </a:p>
+          <a:p>
+            <a:r>
+              <a:rPr lang="en-US" dirty="0"/>
+              <a:t>         </a:t>
+            </a:r>
+            <a:r>
+              <a:rPr lang="en-US" dirty="0" err="1"/>
+              <a:t>LoSS</a:t>
+            </a:r>
+            <a:r>
+              <a:rPr lang="en-US" dirty="0"/>
+              <a:t>)</a:t>
+            </a:r>
+          </a:p>
+          <a:p>
+            <a:r>
+              <a:rPr lang="en-US" dirty="0">
+                <a:solidFill>
+                  <a:srgbClr val="FF0000"/>
+                </a:solidFill>
+              </a:rPr>
+              <a:t>-&gt;</a:t>
+            </a:r>
+            <a:r>
+              <a:rPr lang="en-US" dirty="0"/>
+              <a:t> (cons (cons "</a:t>
+            </a:r>
+            <a:r>
+              <a:rPr lang="en-US" dirty="0" err="1"/>
+              <a:t>alice</a:t>
+            </a:r>
+            <a:r>
+              <a:rPr lang="en-US" dirty="0"/>
+              <a:t>" (cons "bob" </a:t>
+            </a:r>
+            <a:r>
+              <a:rPr lang="en-US" dirty="0" err="1"/>
+              <a:t>LoSS</a:t>
+            </a:r>
+            <a:r>
+              <a:rPr lang="en-US" dirty="0"/>
+              <a:t>))</a:t>
+            </a:r>
+          </a:p>
+          <a:p>
+            <a:r>
+              <a:rPr lang="en-US" dirty="0"/>
+              <a:t>         </a:t>
+            </a:r>
+            <a:r>
+              <a:rPr lang="en-US" dirty="0" err="1"/>
+              <a:t>LoSS</a:t>
+            </a:r>
+            <a:r>
+              <a:rPr lang="en-US" dirty="0"/>
+              <a:t>)</a:t>
+            </a:r>
+          </a:p>
+          <a:p>
+            <a:r>
+              <a:rPr lang="en-US" dirty="0">
+                <a:solidFill>
+                  <a:srgbClr val="FF0000"/>
+                </a:solidFill>
+              </a:rPr>
+              <a:t>-&gt;</a:t>
+            </a:r>
+            <a:r>
+              <a:rPr lang="en-US" dirty="0"/>
+              <a:t> (cons (cons "</a:t>
+            </a:r>
+            <a:r>
+              <a:rPr lang="en-US" dirty="0" err="1"/>
+              <a:t>alice</a:t>
+            </a:r>
+            <a:r>
+              <a:rPr lang="en-US" dirty="0"/>
+              <a:t>" (cons "bob" empty))</a:t>
+            </a:r>
+          </a:p>
+          <a:p>
+            <a:r>
+              <a:rPr lang="en-US" dirty="0"/>
+              <a:t>         </a:t>
+            </a:r>
+            <a:r>
+              <a:rPr lang="en-US" dirty="0" err="1"/>
+              <a:t>LoSS</a:t>
+            </a:r>
+            <a:r>
+              <a:rPr lang="en-US" dirty="0"/>
+              <a:t>)</a:t>
+            </a:r>
+          </a:p>
+          <a:p>
+            <a:r>
+              <a:rPr lang="en-US" dirty="0"/>
+              <a:t>-&gt; (cons (cons "</a:t>
+            </a:r>
+            <a:r>
+              <a:rPr lang="en-US" dirty="0" err="1"/>
+              <a:t>alice</a:t>
+            </a:r>
+            <a:r>
+              <a:rPr lang="en-US" dirty="0"/>
+              <a:t>" (cons "bob" empty))</a:t>
+            </a:r>
+          </a:p>
+          <a:p>
+            <a:r>
+              <a:rPr lang="en-US" dirty="0"/>
+              <a:t>         (cons </a:t>
+            </a:r>
+            <a:r>
+              <a:rPr lang="en-US" dirty="0" err="1"/>
+              <a:t>SoS</a:t>
+            </a:r>
+            <a:r>
+              <a:rPr lang="en-US" dirty="0"/>
+              <a:t> </a:t>
+            </a:r>
+            <a:r>
+              <a:rPr lang="en-US" dirty="0" err="1"/>
+              <a:t>LoSS</a:t>
+            </a:r>
+            <a:r>
+              <a:rPr lang="en-US" dirty="0"/>
+              <a:t>))</a:t>
+            </a:r>
+          </a:p>
+          <a:p>
+            <a:r>
+              <a:rPr lang="en-US" dirty="0">
+                <a:solidFill>
+                  <a:srgbClr val="FF0000"/>
+                </a:solidFill>
+              </a:rPr>
+              <a:t>-&gt;</a:t>
+            </a:r>
+            <a:r>
+              <a:rPr lang="en-US" dirty="0"/>
+              <a:t> (cons (cons "</a:t>
+            </a:r>
+            <a:r>
+              <a:rPr lang="en-US" dirty="0" err="1"/>
+              <a:t>alice</a:t>
+            </a:r>
+            <a:r>
+              <a:rPr lang="en-US" dirty="0"/>
+              <a:t>" (cons "bob" empty))</a:t>
+            </a:r>
+          </a:p>
+          <a:p>
+            <a:r>
+              <a:rPr lang="en-US" dirty="0"/>
+              <a:t>         (cons String </a:t>
+            </a:r>
+            <a:r>
+              <a:rPr lang="en-US" dirty="0" err="1"/>
+              <a:t>LoSS</a:t>
+            </a:r>
+            <a:r>
+              <a:rPr lang="en-US" dirty="0"/>
+              <a:t>))</a:t>
+            </a:r>
+          </a:p>
+          <a:p>
+            <a:r>
+              <a:rPr lang="en-US" dirty="0">
+                <a:solidFill>
+                  <a:srgbClr val="FF0000"/>
+                </a:solidFill>
+              </a:rPr>
+              <a:t>-&gt;</a:t>
+            </a:r>
+            <a:r>
+              <a:rPr lang="en-US" dirty="0"/>
+              <a:t> (cons (cons "</a:t>
+            </a:r>
+            <a:r>
+              <a:rPr lang="en-US" dirty="0" err="1"/>
+              <a:t>alice</a:t>
+            </a:r>
+            <a:r>
+              <a:rPr lang="en-US" dirty="0"/>
+              <a:t>" (cons "bob" empty))</a:t>
+            </a:r>
+          </a:p>
+          <a:p>
+            <a:r>
+              <a:rPr lang="en-US" dirty="0"/>
+              <a:t>         (cons "</a:t>
+            </a:r>
+            <a:r>
+              <a:rPr lang="en-US" dirty="0" err="1"/>
+              <a:t>carole</a:t>
+            </a:r>
+            <a:r>
+              <a:rPr lang="en-US" dirty="0"/>
+              <a:t>" </a:t>
+            </a:r>
+            <a:r>
+              <a:rPr lang="en-US" dirty="0" err="1"/>
+              <a:t>LoSS</a:t>
+            </a:r>
+            <a:r>
+              <a:rPr lang="en-US" dirty="0"/>
+              <a:t>))</a:t>
+            </a:r>
+          </a:p>
+          <a:p>
+            <a:r>
+              <a:rPr lang="en-US" dirty="0">
+                <a:solidFill>
+                  <a:srgbClr val="FF0000"/>
+                </a:solidFill>
+              </a:rPr>
+              <a:t>-&gt;</a:t>
+            </a:r>
+            <a:r>
+              <a:rPr lang="en-US" dirty="0"/>
+              <a:t> (cons (cons "</a:t>
+            </a:r>
+            <a:r>
+              <a:rPr lang="en-US" dirty="0" err="1"/>
+              <a:t>alice</a:t>
+            </a:r>
+            <a:r>
+              <a:rPr lang="en-US" dirty="0"/>
+              <a:t>" (cons "bob" empty))</a:t>
+            </a:r>
+          </a:p>
+          <a:p>
+            <a:r>
+              <a:rPr lang="en-US" dirty="0"/>
+              <a:t>         (cons "</a:t>
+            </a:r>
+            <a:r>
+              <a:rPr lang="en-US" dirty="0" err="1"/>
+              <a:t>carole</a:t>
+            </a:r>
+            <a:r>
+              <a:rPr lang="en-US" dirty="0"/>
+              <a:t>" empty))</a:t>
+            </a:r>
+          </a:p>
+        </p:txBody>
+      </p:sp>
+      <p:sp>
+        <p:nvSpPr>
+          <p:cNvPr id="4" name="Slide Number Placeholder 3"/>
+          <p:cNvSpPr>
+            <a:spLocks noGrp="1"/>
+          </p:cNvSpPr>
+          <p:nvPr>
+            <p:ph type="sldNum" sz="quarter" idx="12"/>
+          </p:nvPr>
+        </p:nvSpPr>
+        <p:spPr/>
+        <p:txBody>
+          <a:bodyPr/>
+          <a:lstStyle/>
+          <a:p>
+            <a:fld id="{2AF3B5EA-18B6-4040-9F78-6052AF49C681}" type="slidenum">
+              <a:rPr lang="en-US" smtClean="0"/>
+              <a:t>10</a:t>
+            </a:fld>
+            <a:endParaRPr lang="en-US"/>
+          </a:p>
+        </p:txBody>
+      </p:sp>
+      <p:sp>
+        <p:nvSpPr>
+          <p:cNvPr id="6" name="Rectangle 5"/>
+          <p:cNvSpPr/>
+          <p:nvPr/>
+        </p:nvSpPr>
+        <p:spPr>
+          <a:xfrm>
+            <a:off x="838200" y="6051550"/>
+            <a:ext cx="1295400" cy="609600"/>
+          </a:xfrm>
+          <a:prstGeom prst="rect">
+            <a:avLst/>
+          </a:prstGeom>
+          <a:solidFill>
+            <a:schemeClr val="accent3">
+              <a:lumMod val="40000"/>
+              <a:lumOff val="60000"/>
+            </a:schemeClr>
+          </a:solidFill>
+          <a:ln/>
+        </p:spPr>
+        <p:style>
+          <a:lnRef idx="2">
+            <a:schemeClr val="accent1"/>
+          </a:lnRef>
+          <a:fillRef idx="1">
+            <a:schemeClr val="lt1"/>
+          </a:fillRef>
+          <a:effectRef idx="0">
+            <a:schemeClr val="accent1"/>
+          </a:effectRef>
+          <a:fontRef idx="minor">
+            <a:schemeClr val="dk1"/>
+          </a:fontRef>
+        </p:style>
+        <p:txBody>
+          <a:bodyPr rot="0" spcFirstLastPara="0" vertOverflow="overflow" horzOverflow="overflow" vert="horz" wrap="square" lIns="91440" tIns="45720" rIns="91440" bIns="45720" numCol="1" spcCol="0" rtlCol="0" fromWordArt="0" anchor="ctr" anchorCtr="0" forceAA="0" compatLnSpc="1">
+            <a:prstTxWarp prst="textNoShape">
+              <a:avLst/>
+            </a:prstTxWarp>
+            <a:noAutofit/>
+          </a:bodyPr>
+          <a:lstStyle/>
+          <a:p>
+            <a:pPr algn="ctr"/>
+            <a:r>
+              <a:rPr lang="en-US" dirty="0">
+                <a:solidFill>
+                  <a:schemeClr val="tx1"/>
+                </a:solidFill>
+              </a:rPr>
+              <a:t>15 steps!</a:t>
+            </a:r>
+          </a:p>
+        </p:txBody>
+      </p:sp>
+      <p:sp>
+        <p:nvSpPr>
+          <p:cNvPr id="7" name="Rectangle 6"/>
+          <p:cNvSpPr/>
+          <p:nvPr/>
+        </p:nvSpPr>
+        <p:spPr>
+          <a:xfrm>
+            <a:off x="4572000" y="1828799"/>
+            <a:ext cx="3581400" cy="4832351"/>
+          </a:xfrm>
+          <a:prstGeom prst="rect">
+            <a:avLst/>
+          </a:prstGeom>
+          <a:solidFill>
+            <a:schemeClr val="accent3">
+              <a:lumMod val="40000"/>
+              <a:lumOff val="60000"/>
+            </a:schemeClr>
+          </a:solidFill>
+          <a:ln/>
+        </p:spPr>
+        <p:style>
+          <a:lnRef idx="2">
+            <a:schemeClr val="accent1"/>
+          </a:lnRef>
+          <a:fillRef idx="1">
+            <a:schemeClr val="lt1"/>
+          </a:fillRef>
+          <a:effectRef idx="0">
+            <a:schemeClr val="accent1"/>
+          </a:effectRef>
+          <a:fontRef idx="minor">
+            <a:schemeClr val="dk1"/>
+          </a:fontRef>
+        </p:style>
+        <p:txBody>
+          <a:bodyPr rot="0" spcFirstLastPara="0" vertOverflow="overflow" horzOverflow="overflow" vert="horz" wrap="square" lIns="91440" tIns="45720" rIns="91440" bIns="45720" numCol="1" spcCol="0" rtlCol="0" fromWordArt="0" anchor="t" anchorCtr="0" forceAA="0" compatLnSpc="1">
+            <a:prstTxWarp prst="textNoShape">
+              <a:avLst/>
+            </a:prstTxWarp>
+            <a:noAutofit/>
+          </a:bodyPr>
+          <a:lstStyle/>
+          <a:p>
+            <a:r>
+              <a:rPr lang="en-US" dirty="0">
+                <a:solidFill>
+                  <a:schemeClr val="tx1"/>
+                </a:solidFill>
+              </a:rPr>
+              <a:t>A data definition is like a grammar.  Here we’ve written out the derivation of our cons-expression in the grammar.</a:t>
+            </a:r>
+          </a:p>
+          <a:p>
+            <a:endParaRPr lang="en-US" dirty="0">
+              <a:solidFill>
+                <a:schemeClr val="tx1"/>
+              </a:solidFill>
+            </a:endParaRPr>
+          </a:p>
+          <a:p>
+            <a:r>
+              <a:rPr lang="en-US" dirty="0">
+                <a:solidFill>
+                  <a:schemeClr val="tx1"/>
+                </a:solidFill>
+              </a:rPr>
+              <a:t>This may seem like overkill now, but </a:t>
+            </a:r>
+          </a:p>
+          <a:p>
+            <a:r>
+              <a:rPr lang="en-US" dirty="0">
+                <a:solidFill>
+                  <a:schemeClr val="tx1"/>
+                </a:solidFill>
+              </a:rPr>
+              <a:t>we will need this level of detail when we think about halting measures for functions on S-expressions.</a:t>
+            </a:r>
+          </a:p>
+          <a:p>
+            <a:endParaRPr lang="en-US" dirty="0">
+              <a:solidFill>
+                <a:schemeClr val="tx1"/>
+              </a:solidFill>
+            </a:endParaRPr>
+          </a:p>
+          <a:p>
+            <a:r>
+              <a:rPr lang="en-US" dirty="0">
+                <a:solidFill>
+                  <a:schemeClr val="tx1"/>
+                </a:solidFill>
+              </a:rPr>
+              <a:t>Note that many of the steps (the ones marked in red) don’t make the expression any bigger.  These correspond to “chain productions” in the grammar, like </a:t>
+            </a:r>
+            <a:r>
+              <a:rPr lang="en-US" b="1" dirty="0" err="1">
+                <a:solidFill>
+                  <a:schemeClr val="tx1"/>
+                </a:solidFill>
+              </a:rPr>
+              <a:t>SoS</a:t>
+            </a:r>
+            <a:r>
+              <a:rPr lang="en-US" b="1" dirty="0">
+                <a:solidFill>
+                  <a:schemeClr val="tx1"/>
+                </a:solidFill>
+              </a:rPr>
+              <a:t> </a:t>
+            </a:r>
+            <a:r>
+              <a:rPr lang="en-US" b="1" dirty="0">
+                <a:solidFill>
+                  <a:schemeClr val="tx1"/>
+                </a:solidFill>
+                <a:sym typeface="Wingdings" panose="05000000000000000000" pitchFamily="2" charset="2"/>
+              </a:rPr>
+              <a:t> </a:t>
+            </a:r>
+            <a:r>
+              <a:rPr lang="en-US" b="1" dirty="0" err="1">
+                <a:solidFill>
+                  <a:schemeClr val="tx1"/>
+                </a:solidFill>
+                <a:sym typeface="Wingdings" panose="05000000000000000000" pitchFamily="2" charset="2"/>
+              </a:rPr>
+              <a:t>LoSS</a:t>
+            </a:r>
+            <a:r>
+              <a:rPr lang="en-US" b="1" dirty="0">
+                <a:solidFill>
+                  <a:schemeClr val="tx1"/>
+                </a:solidFill>
+                <a:sym typeface="Wingdings" panose="05000000000000000000" pitchFamily="2" charset="2"/>
+              </a:rPr>
+              <a:t> </a:t>
+            </a:r>
+            <a:r>
+              <a:rPr lang="en-US" dirty="0">
+                <a:solidFill>
+                  <a:schemeClr val="tx1"/>
+                </a:solidFill>
+                <a:sym typeface="Wingdings" panose="05000000000000000000" pitchFamily="2" charset="2"/>
+              </a:rPr>
+              <a:t>or </a:t>
+            </a:r>
+            <a:r>
+              <a:rPr lang="en-US" b="1" dirty="0" err="1">
+                <a:solidFill>
+                  <a:schemeClr val="tx1"/>
+                </a:solidFill>
+                <a:sym typeface="Wingdings" panose="05000000000000000000" pitchFamily="2" charset="2"/>
+              </a:rPr>
+              <a:t>SoS</a:t>
+            </a:r>
+            <a:r>
+              <a:rPr lang="en-US" b="1" dirty="0">
+                <a:solidFill>
+                  <a:schemeClr val="tx1"/>
+                </a:solidFill>
+                <a:sym typeface="Wingdings" panose="05000000000000000000" pitchFamily="2" charset="2"/>
+              </a:rPr>
+              <a:t>  String</a:t>
+            </a:r>
+            <a:endParaRPr lang="en-US" b="1" dirty="0">
+              <a:solidFill>
+                <a:schemeClr val="tx1"/>
+              </a:solidFill>
+            </a:endParaRPr>
+          </a:p>
+          <a:p>
+            <a:endParaRPr lang="en-US" dirty="0">
+              <a:solidFill>
+                <a:schemeClr val="tx1"/>
+              </a:solidFill>
+            </a:endParaRPr>
+          </a:p>
+        </p:txBody>
+      </p:sp>
+    </p:spTree>
+    <p:extLst>
+      <p:ext uri="{BB962C8B-B14F-4D97-AF65-F5344CB8AC3E}">
+        <p14:creationId xmlns:p14="http://schemas.microsoft.com/office/powerpoint/2010/main" val="239584471"/>
+      </p:ext>
+    </p:extLst>
+  </p:cSld>
+  <p:clrMapOvr>
+    <a:masterClrMapping/>
+  </p:clrMapOvr>
+</p:sld>
+</file>
+
+<file path=ppt/slides/slide11.xml><?xml version="1.0" encoding="utf-8"?>
+<p:sld xmlns:a="http://schemas.openxmlformats.org/drawingml/2006/main" xmlns:r="http://schemas.openxmlformats.org/officeDocument/2006/relationships" xmlns:p="http://schemas.openxmlformats.org/presentationml/2006/main">
+  <p:cSld>
+    <p:spTree>
+      <p:nvGrpSpPr>
+        <p:cNvPr id="1" name=""/>
+        <p:cNvGrpSpPr/>
+        <p:nvPr/>
+      </p:nvGrpSpPr>
+      <p:grpSpPr>
+        <a:xfrm>
+          <a:off x="0" y="0"/>
+          <a:ext cx="0" cy="0"/>
+          <a:chOff x="0" y="0"/>
+          <a:chExt cx="0" cy="0"/>
+        </a:xfrm>
+      </p:grpSpPr>
+      <p:sp>
+        <p:nvSpPr>
+          <p:cNvPr id="2" name="Title 1"/>
+          <p:cNvSpPr>
+            <a:spLocks noGrp="1"/>
+          </p:cNvSpPr>
+          <p:nvPr>
+            <p:ph type="title"/>
+          </p:nvPr>
+        </p:nvSpPr>
+        <p:spPr/>
+        <p:txBody>
+          <a:bodyPr/>
+          <a:lstStyle/>
+          <a:p>
+            <a:r>
+              <a:rPr lang="en-US" dirty="0"/>
               <a:t>Data Structures</a:t>
             </a:r>
-            <a:endParaRPr lang="en-US" dirty="0"/>
           </a:p>
         </p:txBody>
       </p:sp>
@@ -4833,35 +5617,709 @@
               <a:buNone/>
             </a:pPr>
             <a:r>
-              <a:rPr lang="en-US" b="1" dirty="0" smtClean="0">
+              <a:rPr lang="en-US" b="1" dirty="0">
+                <a:latin typeface="Consolas" pitchFamily="49" charset="0"/>
+                <a:cs typeface="Consolas" pitchFamily="49" charset="0"/>
+              </a:rPr>
+              <a:t>"</a:t>
+            </a:r>
+            <a:r>
+              <a:rPr lang="en-US" b="1" dirty="0" err="1">
+                <a:latin typeface="Consolas" pitchFamily="49" charset="0"/>
+                <a:cs typeface="Consolas" pitchFamily="49" charset="0"/>
+              </a:rPr>
+              <a:t>alice</a:t>
+            </a:r>
+            <a:r>
+              <a:rPr lang="en-US" b="1" dirty="0">
+                <a:latin typeface="Consolas" pitchFamily="49" charset="0"/>
+                <a:cs typeface="Consolas" pitchFamily="49" charset="0"/>
+              </a:rPr>
+              <a:t>"</a:t>
+            </a:r>
+          </a:p>
+          <a:p>
+            <a:pPr>
+              <a:buNone/>
+            </a:pPr>
+            <a:r>
+              <a:rPr lang="en-US" b="1" dirty="0">
+                <a:latin typeface="Consolas" pitchFamily="49" charset="0"/>
+                <a:cs typeface="Consolas" pitchFamily="49" charset="0"/>
+              </a:rPr>
+              <a:t>"bob"</a:t>
+            </a:r>
+          </a:p>
+          <a:p>
+            <a:pPr>
+              <a:buNone/>
+            </a:pPr>
+            <a:r>
+              <a:rPr lang="en-US" b="1" dirty="0">
+                <a:latin typeface="Consolas" pitchFamily="49" charset="0"/>
+                <a:cs typeface="Consolas" pitchFamily="49" charset="0"/>
+              </a:rPr>
+              <a:t>"</a:t>
+            </a:r>
+            <a:r>
+              <a:rPr lang="en-US" b="1" dirty="0" err="1">
+                <a:latin typeface="Consolas" pitchFamily="49" charset="0"/>
+                <a:cs typeface="Consolas" pitchFamily="49" charset="0"/>
+              </a:rPr>
+              <a:t>carole</a:t>
+            </a:r>
+            <a:r>
+              <a:rPr lang="en-US" b="1" dirty="0">
+                <a:latin typeface="Consolas" pitchFamily="49" charset="0"/>
+                <a:cs typeface="Consolas" pitchFamily="49" charset="0"/>
+              </a:rPr>
+              <a:t>"</a:t>
+            </a:r>
+          </a:p>
+          <a:p>
+            <a:pPr>
+              <a:buNone/>
+            </a:pPr>
+            <a:r>
+              <a:rPr lang="en-US" b="1" dirty="0">
+                <a:latin typeface="Consolas" pitchFamily="49" charset="0"/>
+                <a:cs typeface="Consolas" pitchFamily="49" charset="0"/>
+              </a:rPr>
+              <a:t>("</a:t>
+            </a:r>
+            <a:r>
+              <a:rPr lang="en-US" b="1" dirty="0" err="1">
+                <a:latin typeface="Consolas" pitchFamily="49" charset="0"/>
+                <a:cs typeface="Consolas" pitchFamily="49" charset="0"/>
+              </a:rPr>
+              <a:t>alice</a:t>
+            </a:r>
+            <a:r>
+              <a:rPr lang="en-US" b="1" dirty="0">
+                <a:latin typeface="Consolas" pitchFamily="49" charset="0"/>
+                <a:cs typeface="Consolas" pitchFamily="49" charset="0"/>
+              </a:rPr>
+              <a:t>" "bob")</a:t>
+            </a:r>
+          </a:p>
+        </p:txBody>
+      </p:sp>
+      <p:sp>
+        <p:nvSpPr>
+          <p:cNvPr id="18" name="Slide Number Placeholder 17"/>
+          <p:cNvSpPr>
+            <a:spLocks noGrp="1"/>
+          </p:cNvSpPr>
+          <p:nvPr>
+            <p:ph type="sldNum" sz="quarter" idx="12"/>
+          </p:nvPr>
+        </p:nvSpPr>
+        <p:spPr/>
+        <p:txBody>
+          <a:bodyPr/>
+          <a:lstStyle/>
+          <a:p>
+            <a:fld id="{C1D4534E-1B22-4A44-850A-B3E8E9EE687A}" type="slidenum">
+              <a:rPr lang="en-US" smtClean="0"/>
+              <a:t>11</a:t>
+            </a:fld>
+            <a:endParaRPr lang="en-US"/>
+          </a:p>
+        </p:txBody>
+      </p:sp>
+      <p:grpSp>
+        <p:nvGrpSpPr>
+          <p:cNvPr id="4" name="Group 4"/>
+          <p:cNvGrpSpPr>
+            <a:grpSpLocks/>
+          </p:cNvGrpSpPr>
+          <p:nvPr/>
+        </p:nvGrpSpPr>
+        <p:grpSpPr bwMode="auto">
+          <a:xfrm>
+            <a:off x="3619500" y="4578351"/>
+            <a:ext cx="2933700" cy="1071563"/>
+            <a:chOff x="2493" y="1488"/>
+            <a:chExt cx="1152" cy="675"/>
+          </a:xfrm>
+        </p:grpSpPr>
+        <p:grpSp>
+          <p:nvGrpSpPr>
+            <p:cNvPr id="5" name="Group 5"/>
+            <p:cNvGrpSpPr>
+              <a:grpSpLocks/>
+            </p:cNvGrpSpPr>
+            <p:nvPr/>
+          </p:nvGrpSpPr>
+          <p:grpSpPr bwMode="auto">
+            <a:xfrm>
+              <a:off x="2493" y="1488"/>
+              <a:ext cx="480" cy="192"/>
+              <a:chOff x="1392" y="1536"/>
+              <a:chExt cx="480" cy="192"/>
+            </a:xfrm>
+          </p:grpSpPr>
+          <p:sp>
+            <p:nvSpPr>
+              <p:cNvPr id="15" name="Rectangle 6"/>
+              <p:cNvSpPr>
+                <a:spLocks noChangeArrowheads="1"/>
+              </p:cNvSpPr>
+              <p:nvPr/>
+            </p:nvSpPr>
+            <p:spPr bwMode="auto">
+              <a:xfrm>
+                <a:off x="1392" y="1536"/>
+                <a:ext cx="240" cy="192"/>
+              </a:xfrm>
+              <a:prstGeom prst="rect">
+                <a:avLst/>
+              </a:prstGeom>
+              <a:noFill/>
+              <a:ln w="9525">
+                <a:solidFill>
+                  <a:schemeClr val="tx1"/>
+                </a:solidFill>
+                <a:miter lim="800000"/>
+                <a:headEnd/>
+                <a:tailEnd/>
+              </a:ln>
+              <a:effectLst/>
+            </p:spPr>
+            <p:txBody>
+              <a:bodyPr wrap="none" anchor="ctr"/>
+              <a:lstStyle/>
+              <a:p>
+                <a:endParaRPr lang="en-US"/>
+              </a:p>
+            </p:txBody>
+          </p:sp>
+          <p:sp>
+            <p:nvSpPr>
+              <p:cNvPr id="16" name="Rectangle 7"/>
+              <p:cNvSpPr>
+                <a:spLocks noChangeArrowheads="1"/>
+              </p:cNvSpPr>
+              <p:nvPr/>
+            </p:nvSpPr>
+            <p:spPr bwMode="auto">
+              <a:xfrm>
+                <a:off x="1632" y="1536"/>
+                <a:ext cx="240" cy="192"/>
+              </a:xfrm>
+              <a:prstGeom prst="rect">
+                <a:avLst/>
+              </a:prstGeom>
+              <a:noFill/>
+              <a:ln w="9525">
+                <a:solidFill>
+                  <a:schemeClr val="tx1"/>
+                </a:solidFill>
+                <a:miter lim="800000"/>
+                <a:headEnd/>
+                <a:tailEnd/>
+              </a:ln>
+              <a:effectLst/>
+            </p:spPr>
+            <p:txBody>
+              <a:bodyPr wrap="none" anchor="ctr"/>
+              <a:lstStyle/>
+              <a:p>
+                <a:endParaRPr lang="en-US"/>
+              </a:p>
+            </p:txBody>
+          </p:sp>
+        </p:grpSp>
+        <p:grpSp>
+          <p:nvGrpSpPr>
+            <p:cNvPr id="6" name="Group 8"/>
+            <p:cNvGrpSpPr>
+              <a:grpSpLocks/>
+            </p:cNvGrpSpPr>
+            <p:nvPr/>
+          </p:nvGrpSpPr>
+          <p:grpSpPr bwMode="auto">
+            <a:xfrm>
+              <a:off x="3165" y="1488"/>
+              <a:ext cx="480" cy="192"/>
+              <a:chOff x="1392" y="1536"/>
+              <a:chExt cx="480" cy="192"/>
+            </a:xfrm>
+          </p:grpSpPr>
+          <p:sp>
+            <p:nvSpPr>
+              <p:cNvPr id="13" name="Rectangle 9"/>
+              <p:cNvSpPr>
+                <a:spLocks noChangeArrowheads="1"/>
+              </p:cNvSpPr>
+              <p:nvPr/>
+            </p:nvSpPr>
+            <p:spPr bwMode="auto">
+              <a:xfrm>
+                <a:off x="1392" y="1536"/>
+                <a:ext cx="240" cy="192"/>
+              </a:xfrm>
+              <a:prstGeom prst="rect">
+                <a:avLst/>
+              </a:prstGeom>
+              <a:noFill/>
+              <a:ln w="9525">
+                <a:solidFill>
+                  <a:schemeClr val="tx1"/>
+                </a:solidFill>
+                <a:miter lim="800000"/>
+                <a:headEnd/>
+                <a:tailEnd/>
+              </a:ln>
+              <a:effectLst/>
+            </p:spPr>
+            <p:txBody>
+              <a:bodyPr wrap="none" anchor="ctr"/>
+              <a:lstStyle/>
+              <a:p>
+                <a:endParaRPr lang="en-US"/>
+              </a:p>
+            </p:txBody>
+          </p:sp>
+          <p:sp>
+            <p:nvSpPr>
+              <p:cNvPr id="14" name="Rectangle 10"/>
+              <p:cNvSpPr>
+                <a:spLocks noChangeArrowheads="1"/>
+              </p:cNvSpPr>
+              <p:nvPr/>
+            </p:nvSpPr>
+            <p:spPr bwMode="auto">
+              <a:xfrm>
+                <a:off x="1632" y="1536"/>
+                <a:ext cx="240" cy="192"/>
+              </a:xfrm>
+              <a:prstGeom prst="rect">
+                <a:avLst/>
+              </a:prstGeom>
+              <a:noFill/>
+              <a:ln w="9525">
+                <a:solidFill>
+                  <a:schemeClr val="tx1"/>
+                </a:solidFill>
+                <a:miter lim="800000"/>
+                <a:headEnd/>
+                <a:tailEnd/>
+              </a:ln>
+              <a:effectLst/>
+            </p:spPr>
+            <p:txBody>
+              <a:bodyPr wrap="none" anchor="ctr"/>
+              <a:lstStyle/>
+              <a:p>
+                <a:endParaRPr lang="en-US"/>
+              </a:p>
+            </p:txBody>
+          </p:sp>
+        </p:grpSp>
+        <p:sp>
+          <p:nvSpPr>
+            <p:cNvPr id="7" name="Line 11"/>
+            <p:cNvSpPr>
+              <a:spLocks noChangeShapeType="1"/>
+            </p:cNvSpPr>
+            <p:nvPr/>
+          </p:nvSpPr>
+          <p:spPr bwMode="auto">
+            <a:xfrm>
+              <a:off x="2829" y="1584"/>
+              <a:ext cx="336" cy="0"/>
+            </a:xfrm>
+            <a:prstGeom prst="line">
+              <a:avLst/>
+            </a:prstGeom>
+            <a:noFill/>
+            <a:ln w="9525">
+              <a:solidFill>
+                <a:schemeClr val="tx1"/>
+              </a:solidFill>
+              <a:round/>
+              <a:headEnd/>
+              <a:tailEnd type="triangle" w="med" len="med"/>
+            </a:ln>
+            <a:effectLst/>
+          </p:spPr>
+          <p:txBody>
+            <a:bodyPr wrap="none" anchor="ctr"/>
+            <a:lstStyle/>
+            <a:p>
+              <a:endParaRPr lang="en-US"/>
+            </a:p>
+          </p:txBody>
+        </p:sp>
+        <p:sp>
+          <p:nvSpPr>
+            <p:cNvPr id="8" name="Line 12"/>
+            <p:cNvSpPr>
+              <a:spLocks noChangeShapeType="1"/>
+            </p:cNvSpPr>
+            <p:nvPr/>
+          </p:nvSpPr>
+          <p:spPr bwMode="auto">
+            <a:xfrm>
+              <a:off x="3405" y="1488"/>
+              <a:ext cx="240" cy="192"/>
+            </a:xfrm>
+            <a:prstGeom prst="line">
+              <a:avLst/>
+            </a:prstGeom>
+            <a:noFill/>
+            <a:ln w="9525">
+              <a:solidFill>
+                <a:schemeClr val="tx1"/>
+              </a:solidFill>
+              <a:round/>
+              <a:headEnd/>
+              <a:tailEnd/>
+            </a:ln>
+            <a:effectLst/>
+          </p:spPr>
+          <p:txBody>
+            <a:bodyPr wrap="none" anchor="ctr"/>
+            <a:lstStyle/>
+            <a:p>
+              <a:endParaRPr lang="en-US"/>
+            </a:p>
+          </p:txBody>
+        </p:sp>
+        <p:sp>
+          <p:nvSpPr>
+            <p:cNvPr id="9" name="Line 13"/>
+            <p:cNvSpPr>
+              <a:spLocks noChangeShapeType="1"/>
+            </p:cNvSpPr>
+            <p:nvPr/>
+          </p:nvSpPr>
+          <p:spPr bwMode="auto">
+            <a:xfrm>
+              <a:off x="2589" y="1584"/>
+              <a:ext cx="0" cy="336"/>
+            </a:xfrm>
+            <a:prstGeom prst="line">
+              <a:avLst/>
+            </a:prstGeom>
+            <a:noFill/>
+            <a:ln w="9525">
+              <a:solidFill>
+                <a:schemeClr val="tx1"/>
+              </a:solidFill>
+              <a:round/>
+              <a:headEnd/>
+              <a:tailEnd type="triangle" w="med" len="med"/>
+            </a:ln>
+            <a:effectLst/>
+          </p:spPr>
+          <p:txBody>
+            <a:bodyPr wrap="none" anchor="ctr"/>
+            <a:lstStyle/>
+            <a:p>
+              <a:endParaRPr lang="en-US"/>
+            </a:p>
+          </p:txBody>
+        </p:sp>
+        <p:sp>
+          <p:nvSpPr>
+            <p:cNvPr id="10" name="Line 14"/>
+            <p:cNvSpPr>
+              <a:spLocks noChangeShapeType="1"/>
+            </p:cNvSpPr>
+            <p:nvPr/>
+          </p:nvSpPr>
+          <p:spPr bwMode="auto">
+            <a:xfrm>
+              <a:off x="3261" y="1584"/>
+              <a:ext cx="0" cy="336"/>
+            </a:xfrm>
+            <a:prstGeom prst="line">
+              <a:avLst/>
+            </a:prstGeom>
+            <a:noFill/>
+            <a:ln w="9525">
+              <a:solidFill>
+                <a:schemeClr val="tx1"/>
+              </a:solidFill>
+              <a:round/>
+              <a:headEnd/>
+              <a:tailEnd type="triangle" w="med" len="med"/>
+            </a:ln>
+            <a:effectLst/>
+          </p:spPr>
+          <p:txBody>
+            <a:bodyPr wrap="none" anchor="ctr"/>
+            <a:lstStyle/>
+            <a:p>
+              <a:endParaRPr lang="en-US"/>
+            </a:p>
+          </p:txBody>
+        </p:sp>
+        <p:sp>
+          <p:nvSpPr>
+            <p:cNvPr id="11" name="Text Box 15"/>
+            <p:cNvSpPr txBox="1">
+              <a:spLocks noChangeArrowheads="1"/>
+            </p:cNvSpPr>
+            <p:nvPr/>
+          </p:nvSpPr>
+          <p:spPr bwMode="auto">
+            <a:xfrm>
+              <a:off x="2501" y="1872"/>
+              <a:ext cx="540" cy="291"/>
+            </a:xfrm>
+            <a:prstGeom prst="rect">
+              <a:avLst/>
+            </a:prstGeom>
+            <a:noFill/>
+            <a:ln w="9525">
+              <a:noFill/>
+              <a:miter lim="800000"/>
+              <a:headEnd/>
+              <a:tailEnd/>
+            </a:ln>
+            <a:effectLst/>
+          </p:spPr>
+          <p:txBody>
+            <a:bodyPr wrap="none">
+              <a:spAutoFit/>
+            </a:bodyPr>
+            <a:lstStyle/>
+            <a:p>
+              <a:r>
+                <a:rPr lang="en-US" sz="2400" b="1" dirty="0">
+                  <a:latin typeface="Consolas" pitchFamily="49" charset="0"/>
+                  <a:cs typeface="Consolas" pitchFamily="49" charset="0"/>
+                </a:rPr>
+                <a:t>"</a:t>
+              </a:r>
+              <a:r>
+                <a:rPr lang="en-US" sz="2400" b="1" dirty="0" err="1">
+                  <a:latin typeface="Consolas" pitchFamily="49" charset="0"/>
+                  <a:cs typeface="Consolas" pitchFamily="49" charset="0"/>
+                </a:rPr>
+                <a:t>alice</a:t>
+              </a:r>
+              <a:r>
+                <a:rPr lang="en-US" sz="2400" b="1" dirty="0">
+                  <a:latin typeface="Consolas" pitchFamily="49" charset="0"/>
+                  <a:cs typeface="Consolas" pitchFamily="49" charset="0"/>
+                </a:rPr>
+                <a:t>"</a:t>
+              </a:r>
+              <a:endParaRPr lang="en-US" sz="2400" b="1" i="0" dirty="0">
+                <a:latin typeface="Consolas" pitchFamily="49" charset="0"/>
+                <a:cs typeface="Consolas" pitchFamily="49" charset="0"/>
+              </a:endParaRPr>
+            </a:p>
+          </p:txBody>
+        </p:sp>
+        <p:sp>
+          <p:nvSpPr>
+            <p:cNvPr id="12" name="Text Box 16"/>
+            <p:cNvSpPr txBox="1">
+              <a:spLocks noChangeArrowheads="1"/>
+            </p:cNvSpPr>
+            <p:nvPr/>
+          </p:nvSpPr>
+          <p:spPr bwMode="auto">
+            <a:xfrm>
+              <a:off x="3161" y="1872"/>
+              <a:ext cx="406" cy="291"/>
+            </a:xfrm>
+            <a:prstGeom prst="rect">
+              <a:avLst/>
+            </a:prstGeom>
+            <a:noFill/>
+            <a:ln w="9525">
+              <a:noFill/>
+              <a:miter lim="800000"/>
+              <a:headEnd/>
+              <a:tailEnd/>
+            </a:ln>
+            <a:effectLst/>
+          </p:spPr>
+          <p:txBody>
+            <a:bodyPr wrap="none">
+              <a:spAutoFit/>
+            </a:bodyPr>
+            <a:lstStyle/>
+            <a:p>
+              <a:r>
+                <a:rPr lang="en-US" sz="2400" b="1" i="0" dirty="0">
+                  <a:latin typeface="Consolas" pitchFamily="49" charset="0"/>
+                  <a:cs typeface="Consolas" pitchFamily="49" charset="0"/>
+                </a:rPr>
+                <a:t>"bob"</a:t>
+              </a:r>
+            </a:p>
+          </p:txBody>
+        </p:sp>
+      </p:grpSp>
+      <p:sp>
+        <p:nvSpPr>
+          <p:cNvPr id="17" name="Rectangle 16"/>
+          <p:cNvSpPr/>
+          <p:nvPr/>
+        </p:nvSpPr>
+        <p:spPr>
+          <a:xfrm>
+            <a:off x="5410200" y="1676400"/>
+            <a:ext cx="3581400" cy="914400"/>
+          </a:xfrm>
+          <a:prstGeom prst="rect">
+            <a:avLst/>
+          </a:prstGeom>
+          <a:solidFill>
+            <a:schemeClr val="accent3">
+              <a:lumMod val="40000"/>
+              <a:lumOff val="60000"/>
+            </a:schemeClr>
+          </a:solidFill>
+          <a:ln/>
+        </p:spPr>
+        <p:style>
+          <a:lnRef idx="2">
+            <a:schemeClr val="accent1"/>
+          </a:lnRef>
+          <a:fillRef idx="1">
+            <a:schemeClr val="lt1"/>
+          </a:fillRef>
+          <a:effectRef idx="0">
+            <a:schemeClr val="accent1"/>
+          </a:effectRef>
+          <a:fontRef idx="minor">
+            <a:schemeClr val="dk1"/>
+          </a:fontRef>
+        </p:style>
+        <p:txBody>
+          <a:bodyPr rot="0" spcFirstLastPara="0" vertOverflow="overflow" horzOverflow="overflow" vert="horz" wrap="square" lIns="91440" tIns="45720" rIns="91440" bIns="45720" numCol="1" spcCol="0" rtlCol="0" fromWordArt="0" anchor="ctr" anchorCtr="0" forceAA="0" compatLnSpc="1">
+            <a:prstTxWarp prst="textNoShape">
+              <a:avLst/>
+            </a:prstTxWarp>
+            <a:noAutofit/>
+          </a:bodyPr>
+          <a:lstStyle/>
+          <a:p>
+            <a:pPr>
+              <a:defRPr/>
+            </a:pPr>
+            <a:r>
+              <a:rPr lang="en-US" dirty="0">
+                <a:solidFill>
+                  <a:schemeClr val="tx1"/>
+                </a:solidFill>
+              </a:rPr>
+              <a:t>A list of S-expressions is implemented as a singly-linked list.  Here is an example.</a:t>
+            </a:r>
+            <a:endParaRPr lang="en-US" dirty="0"/>
+          </a:p>
+        </p:txBody>
+      </p:sp>
+    </p:spTree>
+    <p:extLst>
+      <p:ext uri="{BB962C8B-B14F-4D97-AF65-F5344CB8AC3E}">
+        <p14:creationId xmlns:p14="http://schemas.microsoft.com/office/powerpoint/2010/main" val="3808444269"/>
+      </p:ext>
+    </p:extLst>
+  </p:cSld>
+  <p:clrMapOvr>
+    <a:masterClrMapping/>
+  </p:clrMapOvr>
+</p:sld>
+</file>
+
+<file path=ppt/slides/slide12.xml><?xml version="1.0" encoding="utf-8"?>
+<p:sld xmlns:a="http://schemas.openxmlformats.org/drawingml/2006/main" xmlns:r="http://schemas.openxmlformats.org/officeDocument/2006/relationships" xmlns:p="http://schemas.openxmlformats.org/presentationml/2006/main">
+  <p:cSld>
+    <p:spTree>
+      <p:nvGrpSpPr>
+        <p:cNvPr id="1" name=""/>
+        <p:cNvGrpSpPr/>
+        <p:nvPr/>
+      </p:nvGrpSpPr>
+      <p:grpSpPr>
+        <a:xfrm>
+          <a:off x="0" y="0"/>
+          <a:ext cx="0" cy="0"/>
+          <a:chOff x="0" y="0"/>
+          <a:chExt cx="0" cy="0"/>
+        </a:xfrm>
+      </p:grpSpPr>
+      <p:sp>
+        <p:nvSpPr>
+          <p:cNvPr id="2" name="Title 1"/>
+          <p:cNvSpPr>
+            <a:spLocks noGrp="1"/>
+          </p:cNvSpPr>
+          <p:nvPr>
+            <p:ph type="title"/>
+          </p:nvPr>
+        </p:nvSpPr>
+        <p:spPr/>
+        <p:txBody>
+          <a:bodyPr/>
+          <a:lstStyle/>
+          <a:p>
+            <a:r>
+              <a:rPr lang="en-US" dirty="0"/>
+              <a:t>Data Structures</a:t>
+            </a:r>
+          </a:p>
+        </p:txBody>
+      </p:sp>
+      <p:sp>
+        <p:nvSpPr>
+          <p:cNvPr id="3" name="Content Placeholder 2"/>
+          <p:cNvSpPr>
+            <a:spLocks noGrp="1"/>
+          </p:cNvSpPr>
+          <p:nvPr>
+            <p:ph idx="1"/>
+          </p:nvPr>
+        </p:nvSpPr>
+        <p:spPr/>
+        <p:txBody>
+          <a:bodyPr>
+            <a:normAutofit/>
+          </a:bodyPr>
+          <a:lstStyle/>
+          <a:p>
+            <a:pPr>
+              <a:buNone/>
+            </a:pPr>
+            <a:r>
+              <a:rPr lang="en-US" b="1" dirty="0">
                 <a:latin typeface="Consolas" pitchFamily="49" charset="0"/>
                 <a:cs typeface="Consolas" pitchFamily="49" charset="0"/>
               </a:rPr>
               <a:t>(("</a:t>
             </a:r>
             <a:r>
-              <a:rPr lang="en-US" b="1" dirty="0" err="1" smtClean="0">
+              <a:rPr lang="en-US" b="1" dirty="0" err="1">
                 <a:latin typeface="Consolas" pitchFamily="49" charset="0"/>
                 <a:cs typeface="Consolas" pitchFamily="49" charset="0"/>
               </a:rPr>
               <a:t>alice</a:t>
             </a:r>
             <a:r>
-              <a:rPr lang="en-US" b="1" dirty="0" smtClean="0">
+              <a:rPr lang="en-US" b="1" dirty="0">
                 <a:latin typeface="Consolas" pitchFamily="49" charset="0"/>
                 <a:cs typeface="Consolas" pitchFamily="49" charset="0"/>
               </a:rPr>
               <a:t>" "bob") "</a:t>
             </a:r>
             <a:r>
-              <a:rPr lang="en-US" b="1" dirty="0" err="1" smtClean="0">
+              <a:rPr lang="en-US" b="1" dirty="0" err="1">
                 <a:latin typeface="Consolas" pitchFamily="49" charset="0"/>
                 <a:cs typeface="Consolas" pitchFamily="49" charset="0"/>
               </a:rPr>
               <a:t>carole</a:t>
             </a:r>
             <a:r>
-              <a:rPr lang="en-US" b="1" dirty="0" smtClean="0">
+              <a:rPr lang="en-US" b="1" dirty="0">
                 <a:latin typeface="Consolas" pitchFamily="49" charset="0"/>
                 <a:cs typeface="Consolas" pitchFamily="49" charset="0"/>
               </a:rPr>
@@ -4872,7 +6330,7 @@
             <a:pPr>
               <a:buNone/>
             </a:pPr>
-            <a:endParaRPr lang="en-US" b="1" dirty="0" smtClean="0">
+            <a:endParaRPr lang="en-US" b="1" dirty="0">
               <a:latin typeface="Courier New" pitchFamily="49" charset="0"/>
               <a:cs typeface="Courier New" pitchFamily="49" charset="0"/>
             </a:endParaRPr>
@@ -4881,7 +6339,7 @@
             <a:pPr>
               <a:buNone/>
             </a:pPr>
-            <a:endParaRPr lang="en-US" b="1" dirty="0" smtClean="0">
+            <a:endParaRPr lang="en-US" b="1" dirty="0">
               <a:latin typeface="Courier New" pitchFamily="49" charset="0"/>
               <a:cs typeface="Courier New" pitchFamily="49" charset="0"/>
             </a:endParaRPr>
@@ -4890,7 +6348,7 @@
             <a:pPr>
               <a:buNone/>
             </a:pPr>
-            <a:endParaRPr lang="en-US" b="1" dirty="0" smtClean="0">
+            <a:endParaRPr lang="en-US" b="1" dirty="0">
               <a:latin typeface="Courier New" pitchFamily="49" charset="0"/>
               <a:cs typeface="Courier New" pitchFamily="49" charset="0"/>
             </a:endParaRPr>
@@ -4914,7 +6372,7 @@
           <a:p>
             <a:fld id="{C1D4534E-1B22-4A44-850A-B3E8E9EE687A}" type="slidenum">
               <a:rPr lang="en-US" smtClean="0"/>
-              <a:t>10</a:t>
+              <a:t>12</a:t>
             </a:fld>
             <a:endParaRPr lang="en-US"/>
           </a:p>
@@ -4966,30 +6424,26 @@
             <a:lstStyle/>
             <a:p>
               <a:r>
-                <a:rPr lang="en-US" sz="2400" b="1" i="0" dirty="0" smtClean="0">
+                <a:rPr lang="en-US" sz="2400" b="1" i="0" dirty="0">
                   <a:latin typeface="Consolas" pitchFamily="49" charset="0"/>
                   <a:cs typeface="Consolas" pitchFamily="49" charset="0"/>
                 </a:rPr>
                 <a:t>"</a:t>
               </a:r>
               <a:r>
-                <a:rPr lang="en-US" sz="2400" b="1" i="0" dirty="0" err="1" smtClean="0">
+                <a:rPr lang="en-US" sz="2400" b="1" i="0" dirty="0" err="1">
                   <a:latin typeface="Consolas" pitchFamily="49" charset="0"/>
                   <a:cs typeface="Consolas" pitchFamily="49" charset="0"/>
                 </a:rPr>
                 <a:t>carole</a:t>
               </a:r>
               <a:r>
-                <a:rPr lang="en-US" sz="2400" b="1" i="0" dirty="0" smtClean="0">
+                <a:rPr lang="en-US" sz="2400" b="1" i="0" dirty="0">
                   <a:latin typeface="Consolas" pitchFamily="49" charset="0"/>
                   <a:cs typeface="Consolas" pitchFamily="49" charset="0"/>
                 </a:rPr>
                 <a:t>"</a:t>
               </a:r>
-              <a:endParaRPr lang="en-US" sz="2400" b="1" i="0" dirty="0">
-                <a:latin typeface="Consolas" pitchFamily="49" charset="0"/>
-                <a:cs typeface="Consolas" pitchFamily="49" charset="0"/>
-              </a:endParaRPr>
             </a:p>
           </p:txBody>
         </p:sp>
@@ -5496,21 +6950,21 @@
             <a:lstStyle/>
             <a:p>
               <a:r>
-                <a:rPr lang="en-US" sz="2400" b="1" dirty="0" smtClean="0">
+                <a:rPr lang="en-US" sz="2400" b="1" dirty="0">
                   <a:latin typeface="Consolas" pitchFamily="49" charset="0"/>
                   <a:cs typeface="Consolas" pitchFamily="49" charset="0"/>
                 </a:rPr>
                 <a:t>"</a:t>
               </a:r>
               <a:r>
-                <a:rPr lang="en-US" sz="2400" b="1" dirty="0" err="1" smtClean="0">
+                <a:rPr lang="en-US" sz="2400" b="1" dirty="0" err="1">
                   <a:latin typeface="Consolas" pitchFamily="49" charset="0"/>
                   <a:cs typeface="Consolas" pitchFamily="49" charset="0"/>
                 </a:rPr>
                 <a:t>alice</a:t>
               </a:r>
               <a:r>
-                <a:rPr lang="en-US" sz="2400" b="1" dirty="0" smtClean="0">
+                <a:rPr lang="en-US" sz="2400" b="1" dirty="0">
                   <a:latin typeface="Consolas" pitchFamily="49" charset="0"/>
                   <a:cs typeface="Consolas" pitchFamily="49" charset="0"/>
                 </a:rPr>
@@ -5555,16 +7009,12 @@
             <a:lstStyle/>
             <a:p>
               <a:r>
-                <a:rPr lang="en-US" sz="2400" b="1" i="0" dirty="0" smtClean="0">
+                <a:rPr lang="en-US" sz="2400" b="1" i="0" dirty="0">
                   <a:latin typeface="Consolas" pitchFamily="49" charset="0"/>
                   <a:cs typeface="Consolas" pitchFamily="49" charset="0"/>
                 </a:rPr>
                 <a:t>"bob"</a:t>
               </a:r>
-              <a:endParaRPr lang="en-US" sz="2400" b="1" i="0" dirty="0">
-                <a:latin typeface="Consolas" pitchFamily="49" charset="0"/>
-                <a:cs typeface="Consolas" pitchFamily="49" charset="0"/>
-              </a:endParaRPr>
             </a:p>
           </p:txBody>
         </p:sp>
@@ -5888,17 +7338,10 @@
   <p:clrMapOvr>
     <a:masterClrMapping/>
   </p:clrMapOvr>
-  <p:timing>
-    <p:tnLst>
-      <p:par>
-        <p:cTn id="1" dur="indefinite" restart="never" nodeType="tmRoot"/>
-      </p:par>
-    </p:tnLst>
-  </p:timing>
 </p:sld>
 </file>
 
-<file path=ppt/slides/slide11.xml><?xml version="1.0" encoding="utf-8"?>
+<file path=ppt/slides/slide13.xml><?xml version="1.0" encoding="utf-8"?>
 <p:sld xmlns:a="http://schemas.openxmlformats.org/drawingml/2006/main" xmlns:r="http://schemas.openxmlformats.org/officeDocument/2006/relationships" xmlns:p="http://schemas.openxmlformats.org/presentationml/2006/main">
   <p:cSld>
     <p:spTree>
@@ -5931,10 +7374,9 @@
           <a:lstStyle/>
           <a:p>
             <a:r>
-              <a:rPr lang="en-US" dirty="0" smtClean="0"/>
+              <a:rPr lang="en-US" dirty="0"/>
               <a:t>Data Structures (cont'd)</a:t>
             </a:r>
-            <a:endParaRPr lang="en-US" dirty="0"/>
           </a:p>
         </p:txBody>
       </p:sp>
@@ -5957,21 +7399,21 @@
               <a:buNone/>
             </a:pPr>
             <a:r>
-              <a:rPr lang="en-US" b="1" dirty="0" smtClean="0">
+              <a:rPr lang="en-US" b="1" dirty="0">
                 <a:latin typeface="Consolas" pitchFamily="49" charset="0"/>
                 <a:cs typeface="Consolas" pitchFamily="49" charset="0"/>
               </a:rPr>
               <a:t>("</a:t>
             </a:r>
             <a:r>
-              <a:rPr lang="en-US" b="1" dirty="0" err="1" smtClean="0">
+              <a:rPr lang="en-US" b="1" dirty="0" err="1">
                 <a:latin typeface="Consolas" pitchFamily="49" charset="0"/>
                 <a:cs typeface="Consolas" pitchFamily="49" charset="0"/>
               </a:rPr>
               <a:t>alice</a:t>
             </a:r>
             <a:r>
-              <a:rPr lang="en-US" b="1" dirty="0" smtClean="0">
+              <a:rPr lang="en-US" b="1" dirty="0">
                 <a:latin typeface="Consolas" pitchFamily="49" charset="0"/>
                 <a:cs typeface="Consolas" pitchFamily="49" charset="0"/>
               </a:rPr>
@@ -5983,35 +7425,35 @@
               <a:buNone/>
             </a:pPr>
             <a:r>
-              <a:rPr lang="en-US" b="1" dirty="0" smtClean="0">
+              <a:rPr lang="en-US" b="1" dirty="0">
                 <a:latin typeface="Consolas" pitchFamily="49" charset="0"/>
                 <a:cs typeface="Consolas" pitchFamily="49" charset="0"/>
               </a:rPr>
               <a:t> (("</a:t>
             </a:r>
             <a:r>
-              <a:rPr lang="en-US" b="1" dirty="0" err="1" smtClean="0">
+              <a:rPr lang="en-US" b="1" dirty="0" err="1">
                 <a:latin typeface="Consolas" pitchFamily="49" charset="0"/>
                 <a:cs typeface="Consolas" pitchFamily="49" charset="0"/>
               </a:rPr>
               <a:t>alice</a:t>
             </a:r>
             <a:r>
-              <a:rPr lang="en-US" b="1" dirty="0" smtClean="0">
+              <a:rPr lang="en-US" b="1" dirty="0">
                 <a:latin typeface="Consolas" pitchFamily="49" charset="0"/>
                 <a:cs typeface="Consolas" pitchFamily="49" charset="0"/>
               </a:rPr>
               <a:t>" "bob") "</a:t>
             </a:r>
             <a:r>
-              <a:rPr lang="en-US" b="1" dirty="0" err="1" smtClean="0">
+              <a:rPr lang="en-US" b="1" dirty="0" err="1">
                 <a:latin typeface="Consolas" pitchFamily="49" charset="0"/>
                 <a:cs typeface="Consolas" pitchFamily="49" charset="0"/>
               </a:rPr>
               <a:t>carole</a:t>
             </a:r>
             <a:r>
-              <a:rPr lang="en-US" b="1" dirty="0" smtClean="0">
+              <a:rPr lang="en-US" b="1" dirty="0">
                 <a:latin typeface="Consolas" pitchFamily="49" charset="0"/>
                 <a:cs typeface="Consolas" pitchFamily="49" charset="0"/>
               </a:rPr>
@@ -6023,21 +7465,21 @@
               <a:buNone/>
             </a:pPr>
             <a:r>
-              <a:rPr lang="en-US" b="1" dirty="0" smtClean="0">
+              <a:rPr lang="en-US" b="1" dirty="0">
                 <a:latin typeface="Consolas" pitchFamily="49" charset="0"/>
                 <a:cs typeface="Consolas" pitchFamily="49" charset="0"/>
               </a:rPr>
               <a:t> "</a:t>
             </a:r>
             <a:r>
-              <a:rPr lang="en-US" b="1" dirty="0" err="1" smtClean="0">
+              <a:rPr lang="en-US" b="1" dirty="0" err="1">
                 <a:latin typeface="Consolas" pitchFamily="49" charset="0"/>
                 <a:cs typeface="Consolas" pitchFamily="49" charset="0"/>
               </a:rPr>
               <a:t>dave</a:t>
             </a:r>
             <a:r>
-              <a:rPr lang="en-US" b="1" dirty="0" smtClean="0">
+              <a:rPr lang="en-US" b="1" dirty="0">
                 <a:latin typeface="Consolas" pitchFamily="49" charset="0"/>
                 <a:cs typeface="Consolas" pitchFamily="49" charset="0"/>
               </a:rPr>
@@ -6069,7 +7511,7 @@
           <a:p>
             <a:fld id="{C1D4534E-1B22-4A44-850A-B3E8E9EE687A}" type="slidenum">
               <a:rPr lang="en-US" smtClean="0"/>
-              <a:t>11</a:t>
+              <a:t>13</a:t>
             </a:fld>
             <a:endParaRPr lang="en-US"/>
           </a:p>
@@ -6121,30 +7563,26 @@
             <a:lstStyle/>
             <a:p>
               <a:r>
-                <a:rPr lang="en-US" sz="2400" b="1" i="0" dirty="0" smtClean="0">
+                <a:rPr lang="en-US" sz="2400" b="1" i="0" dirty="0">
                   <a:latin typeface="Consolas" pitchFamily="49" charset="0"/>
                   <a:cs typeface="Consolas" pitchFamily="49" charset="0"/>
                 </a:rPr>
                 <a:t>"</a:t>
               </a:r>
               <a:r>
-                <a:rPr lang="en-US" sz="2400" b="1" i="0" dirty="0" err="1" smtClean="0">
+                <a:rPr lang="en-US" sz="2400" b="1" i="0" dirty="0" err="1">
                   <a:latin typeface="Consolas" pitchFamily="49" charset="0"/>
                   <a:cs typeface="Consolas" pitchFamily="49" charset="0"/>
                 </a:rPr>
                 <a:t>carole</a:t>
               </a:r>
               <a:r>
-                <a:rPr lang="en-US" sz="2400" b="1" i="0" dirty="0" smtClean="0">
+                <a:rPr lang="en-US" sz="2400" b="1" i="0" dirty="0">
                   <a:latin typeface="Consolas" pitchFamily="49" charset="0"/>
                   <a:cs typeface="Consolas" pitchFamily="49" charset="0"/>
                 </a:rPr>
                 <a:t>"</a:t>
               </a:r>
-              <a:endParaRPr lang="en-US" sz="2400" b="1" i="0" dirty="0">
-                <a:latin typeface="Consolas" pitchFamily="49" charset="0"/>
-                <a:cs typeface="Consolas" pitchFamily="49" charset="0"/>
-              </a:endParaRPr>
             </a:p>
           </p:txBody>
         </p:sp>
@@ -6651,21 +8089,21 @@
             <a:lstStyle/>
             <a:p>
               <a:r>
-                <a:rPr lang="en-US" sz="2400" b="1" dirty="0" smtClean="0">
+                <a:rPr lang="en-US" sz="2400" b="1" dirty="0">
                   <a:latin typeface="Consolas" pitchFamily="49" charset="0"/>
                   <a:cs typeface="Consolas" pitchFamily="49" charset="0"/>
                 </a:rPr>
                 <a:t>"</a:t>
               </a:r>
               <a:r>
-                <a:rPr lang="en-US" sz="2400" b="1" dirty="0" err="1" smtClean="0">
+                <a:rPr lang="en-US" sz="2400" b="1" dirty="0" err="1">
                   <a:latin typeface="Consolas" pitchFamily="49" charset="0"/>
                   <a:cs typeface="Consolas" pitchFamily="49" charset="0"/>
                 </a:rPr>
                 <a:t>alice</a:t>
               </a:r>
               <a:r>
-                <a:rPr lang="en-US" sz="2400" b="1" dirty="0" smtClean="0">
+                <a:rPr lang="en-US" sz="2400" b="1" dirty="0">
                   <a:latin typeface="Consolas" pitchFamily="49" charset="0"/>
                   <a:cs typeface="Consolas" pitchFamily="49" charset="0"/>
                 </a:rPr>
@@ -6710,16 +8148,12 @@
             <a:lstStyle/>
             <a:p>
               <a:r>
-                <a:rPr lang="en-US" sz="2400" b="1" i="0" dirty="0" smtClean="0">
+                <a:rPr lang="en-US" sz="2400" b="1" i="0" dirty="0">
                   <a:latin typeface="Consolas" pitchFamily="49" charset="0"/>
                   <a:cs typeface="Consolas" pitchFamily="49" charset="0"/>
                 </a:rPr>
                 <a:t>"bob"</a:t>
               </a:r>
-              <a:endParaRPr lang="en-US" sz="2400" b="1" i="0" dirty="0">
-                <a:latin typeface="Consolas" pitchFamily="49" charset="0"/>
-                <a:cs typeface="Consolas" pitchFamily="49" charset="0"/>
-              </a:endParaRPr>
             </a:p>
           </p:txBody>
         </p:sp>
@@ -7275,21 +8709,21 @@
             <a:lstStyle/>
             <a:p>
               <a:r>
-                <a:rPr lang="en-US" sz="2400" b="1" dirty="0" smtClean="0">
+                <a:rPr lang="en-US" sz="2400" b="1" dirty="0">
                   <a:latin typeface="Consolas" pitchFamily="49" charset="0"/>
                   <a:cs typeface="Consolas" pitchFamily="49" charset="0"/>
                 </a:rPr>
                 <a:t>"</a:t>
               </a:r>
               <a:r>
-                <a:rPr lang="en-US" sz="2400" b="1" dirty="0" err="1" smtClean="0">
+                <a:rPr lang="en-US" sz="2400" b="1" dirty="0" err="1">
                   <a:latin typeface="Consolas" pitchFamily="49" charset="0"/>
                   <a:cs typeface="Consolas" pitchFamily="49" charset="0"/>
                 </a:rPr>
                 <a:t>alice</a:t>
               </a:r>
               <a:r>
-                <a:rPr lang="en-US" sz="2400" b="1" dirty="0" smtClean="0">
+                <a:rPr lang="en-US" sz="2400" b="1" dirty="0">
                   <a:latin typeface="Consolas" pitchFamily="49" charset="0"/>
                   <a:cs typeface="Consolas" pitchFamily="49" charset="0"/>
                 </a:rPr>
@@ -7445,21 +8879,21 @@
             <a:lstStyle/>
             <a:p>
               <a:r>
-                <a:rPr lang="en-US" sz="2400" b="1" dirty="0" smtClean="0">
+                <a:rPr lang="en-US" sz="2400" b="1" dirty="0">
                   <a:latin typeface="Consolas" pitchFamily="49" charset="0"/>
                   <a:cs typeface="Consolas" pitchFamily="49" charset="0"/>
                 </a:rPr>
                 <a:t>"</a:t>
               </a:r>
               <a:r>
-                <a:rPr lang="en-US" sz="2400" b="1" dirty="0" err="1" smtClean="0">
+                <a:rPr lang="en-US" sz="2400" b="1" dirty="0" err="1">
                   <a:latin typeface="Consolas" pitchFamily="49" charset="0"/>
                   <a:cs typeface="Consolas" pitchFamily="49" charset="0"/>
                 </a:rPr>
                 <a:t>dave</a:t>
               </a:r>
               <a:r>
-                <a:rPr lang="en-US" sz="2400" b="1" dirty="0" smtClean="0">
+                <a:rPr lang="en-US" sz="2400" b="1" dirty="0">
                   <a:latin typeface="Consolas" pitchFamily="49" charset="0"/>
                   <a:cs typeface="Consolas" pitchFamily="49" charset="0"/>
                 </a:rPr>
@@ -7562,21 +8996,8 @@
                   <a:schemeClr val="tx1"/>
                 </a:solidFill>
               </a:rPr>
-              <a:t>Here is a still more complicated example</a:t>
-            </a:r>
-            <a:r>
-              <a:rPr lang="en-US" dirty="0" smtClean="0">
-                <a:solidFill>
-                  <a:schemeClr val="tx1"/>
-                </a:solidFill>
-              </a:rPr>
-              <a:t>.</a:t>
-            </a:r>
-            <a:endParaRPr lang="en-US" dirty="0">
-              <a:solidFill>
-                <a:schemeClr val="tx1"/>
-              </a:solidFill>
-            </a:endParaRPr>
+              <a:t>Here is a still more complicated example.</a:t>
+            </a:r>
           </a:p>
         </p:txBody>
       </p:sp>
@@ -7590,17 +9011,10 @@
   <p:clrMapOvr>
     <a:masterClrMapping/>
   </p:clrMapOvr>
-  <p:timing>
-    <p:tnLst>
-      <p:par>
-        <p:cTn id="1" dur="indefinite" restart="never" nodeType="tmRoot"/>
-      </p:par>
-    </p:tnLst>
-  </p:timing>
 </p:sld>
 </file>
 
-<file path=ppt/slides/slide12.xml><?xml version="1.0" encoding="utf-8"?>
+<file path=ppt/slides/slide14.xml><?xml version="1.0" encoding="utf-8"?>
 <p:sld xmlns:a="http://schemas.openxmlformats.org/drawingml/2006/main" xmlns:r="http://schemas.openxmlformats.org/officeDocument/2006/relationships" xmlns:p="http://schemas.openxmlformats.org/presentationml/2006/main">
   <p:cSld>
     <p:spTree>
@@ -7635,10 +9049,9 @@
           <a:lstStyle/>
           <a:p>
             <a:r>
-              <a:rPr lang="en-US" dirty="0" smtClean="0"/>
+              <a:rPr lang="en-US" dirty="0"/>
               <a:t>The template recipe</a:t>
             </a:r>
-            <a:endParaRPr lang="en-US" dirty="0"/>
           </a:p>
         </p:txBody>
       </p:sp>
@@ -7668,8 +9081,20 @@
                 <a:tableStyleId>{5C22544A-7EE6-4342-B048-85BDC9FD1C3A}</a:tableStyleId>
               </a:tblPr>
               <a:tblGrid>
-                <a:gridCol w="4114800"/>
-                <a:gridCol w="4114800"/>
+                <a:gridCol w="4114800">
+                  <a:extLst>
+                    <a:ext uri="{9D8B030D-6E8A-4147-A177-3AD203B41FA5}">
+                      <a16:colId xmlns:a16="http://schemas.microsoft.com/office/drawing/2014/main" val="20000"/>
+                    </a:ext>
+                  </a:extLst>
+                </a:gridCol>
+                <a:gridCol w="4114800">
+                  <a:extLst>
+                    <a:ext uri="{9D8B030D-6E8A-4147-A177-3AD203B41FA5}">
+                      <a16:colId xmlns:a16="http://schemas.microsoft.com/office/drawing/2014/main" val="20001"/>
+                    </a:ext>
+                  </a:extLst>
+                </a:gridCol>
               </a:tblGrid>
               <a:tr h="370840">
                 <a:tc>
@@ -7678,10 +9103,9 @@
                     <a:lstStyle/>
                     <a:p>
                       <a:r>
-                        <a:rPr lang="en-US" dirty="0" smtClean="0"/>
+                        <a:rPr lang="en-US" dirty="0"/>
                         <a:t>Question</a:t>
                       </a:r>
-                      <a:endParaRPr lang="en-US" dirty="0"/>
                     </a:p>
                   </a:txBody>
                   <a:tcPr/>
@@ -7692,14 +9116,18 @@
                     <a:lstStyle/>
                     <a:p>
                       <a:r>
-                        <a:rPr lang="en-US" dirty="0" smtClean="0"/>
+                        <a:rPr lang="en-US" dirty="0"/>
                         <a:t>Answer</a:t>
                       </a:r>
-                      <a:endParaRPr lang="en-US" dirty="0"/>
                     </a:p>
                   </a:txBody>
                   <a:tcPr/>
                 </a:tc>
+                <a:extLst>
+                  <a:ext uri="{0D108BD9-81ED-4DB2-BD59-A6C34878D82A}">
+                    <a16:rowId xmlns:a16="http://schemas.microsoft.com/office/drawing/2014/main" val="10000"/>
+                  </a:ext>
+                </a:extLst>
               </a:tr>
               <a:tr h="370840">
                 <a:tc>
@@ -7708,10 +9136,9 @@
                     <a:lstStyle/>
                     <a:p>
                       <a:r>
-                        <a:rPr lang="en-US" dirty="0" smtClean="0"/>
+                        <a:rPr lang="en-US" dirty="0"/>
                         <a:t>Does the data definition distinguish among different subclasses of data?</a:t>
                       </a:r>
-                      <a:endParaRPr lang="en-US" dirty="0"/>
                     </a:p>
                   </a:txBody>
                   <a:tcPr/>
@@ -7722,24 +9149,28 @@
                     <a:lstStyle/>
                     <a:p>
                       <a:r>
-                        <a:rPr lang="en-US" dirty="0" smtClean="0"/>
+                        <a:rPr lang="en-US" dirty="0"/>
                         <a:t>Your template needs as many </a:t>
                       </a:r>
                       <a:r>
-                        <a:rPr lang="en-US" dirty="0" err="1" smtClean="0">
+                        <a:rPr lang="en-US" dirty="0" err="1">
                           <a:hlinkClick r:id="rId2"/>
                         </a:rPr>
                         <a:t>cond</a:t>
                       </a:r>
                       <a:r>
-                        <a:rPr lang="en-US" dirty="0" smtClean="0"/>
+                        <a:rPr lang="en-US" dirty="0"/>
                         <a:t> clauses as subclasses that the data definition distinguishes.</a:t>
                       </a:r>
-                      <a:endParaRPr lang="en-US" dirty="0"/>
                     </a:p>
                   </a:txBody>
                   <a:tcPr/>
                 </a:tc>
+                <a:extLst>
+                  <a:ext uri="{0D108BD9-81ED-4DB2-BD59-A6C34878D82A}">
+                    <a16:rowId xmlns:a16="http://schemas.microsoft.com/office/drawing/2014/main" val="10001"/>
+                  </a:ext>
+                </a:extLst>
               </a:tr>
               <a:tr h="370840">
                 <a:tc>
@@ -7748,10 +9179,9 @@
                     <a:lstStyle/>
                     <a:p>
                       <a:r>
-                        <a:rPr lang="en-US" dirty="0" smtClean="0"/>
+                        <a:rPr lang="en-US" dirty="0"/>
                         <a:t>How do the subclasses differ from each other?</a:t>
                       </a:r>
-                      <a:endParaRPr lang="en-US" dirty="0"/>
                     </a:p>
                   </a:txBody>
                   <a:tcPr/>
@@ -7762,14 +9192,18 @@
                     <a:lstStyle/>
                     <a:p>
                       <a:r>
-                        <a:rPr lang="en-US" dirty="0" smtClean="0"/>
+                        <a:rPr lang="en-US" dirty="0"/>
                         <a:t>Use the differences to formulate a condition per clause.</a:t>
                       </a:r>
-                      <a:endParaRPr lang="en-US" dirty="0"/>
                     </a:p>
                   </a:txBody>
                   <a:tcPr/>
                 </a:tc>
+                <a:extLst>
+                  <a:ext uri="{0D108BD9-81ED-4DB2-BD59-A6C34878D82A}">
+                    <a16:rowId xmlns:a16="http://schemas.microsoft.com/office/drawing/2014/main" val="10002"/>
+                  </a:ext>
+                </a:extLst>
               </a:tr>
               <a:tr h="370840">
                 <a:tc>
@@ -7778,10 +9212,9 @@
                     <a:lstStyle/>
                     <a:p>
                       <a:r>
-                        <a:rPr lang="en-US" dirty="0" smtClean="0"/>
+                        <a:rPr lang="en-US" dirty="0"/>
                         <a:t>Do any of the clauses deal with structured values?</a:t>
                       </a:r>
-                      <a:endParaRPr lang="en-US" dirty="0"/>
                     </a:p>
                   </a:txBody>
                   <a:tcPr/>
@@ -7792,14 +9225,18 @@
                     <a:lstStyle/>
                     <a:p>
                       <a:r>
-                        <a:rPr lang="en-US" dirty="0" smtClean="0"/>
+                        <a:rPr lang="en-US" dirty="0"/>
                         <a:t>If so, add appropriate selector expressions to the clause.</a:t>
                       </a:r>
-                      <a:endParaRPr lang="en-US" dirty="0"/>
                     </a:p>
                   </a:txBody>
                   <a:tcPr/>
                 </a:tc>
+                <a:extLst>
+                  <a:ext uri="{0D108BD9-81ED-4DB2-BD59-A6C34878D82A}">
+                    <a16:rowId xmlns:a16="http://schemas.microsoft.com/office/drawing/2014/main" val="10003"/>
+                  </a:ext>
+                </a:extLst>
               </a:tr>
               <a:tr h="370840">
                 <a:tc>
@@ -7808,18 +9245,13 @@
                     <a:lstStyle/>
                     <a:p>
                       <a:r>
-                        <a:rPr lang="en-US" dirty="0" smtClean="0">
+                        <a:rPr lang="en-US" dirty="0">
                           <a:solidFill>
                             <a:schemeClr val="tx1"/>
                           </a:solidFill>
                         </a:rPr>
                         <a:t>Does the data definition use self-references?</a:t>
                       </a:r>
-                      <a:endParaRPr lang="en-US" dirty="0">
-                        <a:solidFill>
-                          <a:schemeClr val="tx1"/>
-                        </a:solidFill>
-                      </a:endParaRPr>
                     </a:p>
                   </a:txBody>
                   <a:tcPr/>
@@ -7830,22 +9262,22 @@
                     <a:lstStyle/>
                     <a:p>
                       <a:r>
-                        <a:rPr lang="en-US" dirty="0" smtClean="0">
+                        <a:rPr lang="en-US" dirty="0">
                           <a:solidFill>
                             <a:schemeClr val="tx1"/>
                           </a:solidFill>
                         </a:rPr>
                         <a:t>Formulate ``natural recursions'' for the template to represent the self-references of the data definition.</a:t>
                       </a:r>
-                      <a:endParaRPr lang="en-US" dirty="0">
-                        <a:solidFill>
-                          <a:schemeClr val="tx1"/>
-                        </a:solidFill>
-                      </a:endParaRPr>
                     </a:p>
                   </a:txBody>
                   <a:tcPr/>
                 </a:tc>
+                <a:extLst>
+                  <a:ext uri="{0D108BD9-81ED-4DB2-BD59-A6C34878D82A}">
+                    <a16:rowId xmlns:a16="http://schemas.microsoft.com/office/drawing/2014/main" val="10004"/>
+                  </a:ext>
+                </a:extLst>
               </a:tr>
               <a:tr h="370840">
                 <a:tc>
@@ -7854,7 +9286,7 @@
                     <a:lstStyle/>
                     <a:p>
                       <a:r>
-                        <a:rPr lang="en-US" dirty="0" smtClean="0">
+                        <a:rPr lang="en-US" dirty="0">
                           <a:solidFill>
                             <a:schemeClr val="tx1"/>
                           </a:solidFill>
@@ -7862,7 +9294,7 @@
                         <a:t>Do any of the fields contain compound</a:t>
                       </a:r>
                       <a:r>
-                        <a:rPr lang="en-US" baseline="0" dirty="0" smtClean="0">
+                        <a:rPr lang="en-US" baseline="0" dirty="0">
                           <a:solidFill>
                             <a:schemeClr val="tx1"/>
                           </a:solidFill>
@@ -7884,7 +9316,7 @@
                     <a:lstStyle/>
                     <a:p>
                       <a:r>
-                        <a:rPr lang="en-US" dirty="0" smtClean="0">
+                        <a:rPr lang="en-US" dirty="0">
                           <a:solidFill>
                             <a:schemeClr val="tx1"/>
                           </a:solidFill>
@@ -7892,7 +9324,7 @@
                         <a:t>If the value of a field is a foo,</a:t>
                       </a:r>
                       <a:r>
-                        <a:rPr lang="en-US" baseline="0" dirty="0" smtClean="0">
+                        <a:rPr lang="en-US" baseline="0" dirty="0">
                           <a:solidFill>
                             <a:schemeClr val="tx1"/>
                           </a:solidFill>
@@ -7900,7 +9332,7 @@
                         <a:t> add a call to a foo-</a:t>
                       </a:r>
                       <a:r>
-                        <a:rPr lang="en-US" baseline="0" dirty="0" err="1" smtClean="0">
+                        <a:rPr lang="en-US" baseline="0" dirty="0" err="1">
                           <a:solidFill>
                             <a:schemeClr val="tx1"/>
                           </a:solidFill>
@@ -7908,7 +9340,7 @@
                         <a:t>fn</a:t>
                       </a:r>
                       <a:r>
-                        <a:rPr lang="en-US" baseline="0" dirty="0" smtClean="0">
+                        <a:rPr lang="en-US" baseline="0" dirty="0">
                           <a:solidFill>
                             <a:schemeClr val="tx1"/>
                           </a:solidFill>
@@ -7924,6 +9356,11 @@
                   </a:txBody>
                   <a:tcPr/>
                 </a:tc>
+                <a:extLst>
+                  <a:ext uri="{0D108BD9-81ED-4DB2-BD59-A6C34878D82A}">
+                    <a16:rowId xmlns:a16="http://schemas.microsoft.com/office/drawing/2014/main" val="10005"/>
+                  </a:ext>
+                </a:extLst>
               </a:tr>
             </a:tbl>
           </a:graphicData>
@@ -7946,7 +9383,7 @@
           <a:p>
             <a:fld id="{C1D4534E-1B22-4A44-850A-B3E8E9EE687A}" type="slidenum">
               <a:rPr lang="en-US" smtClean="0"/>
-              <a:t>12</a:t>
+              <a:t>14</a:t>
             </a:fld>
             <a:endParaRPr lang="en-US"/>
           </a:p>
@@ -7999,18 +9436,13 @@
           <a:p>
             <a:pPr algn="ctr"/>
             <a:r>
-              <a:rPr lang="en-US" dirty="0" smtClean="0">
+              <a:rPr lang="en-US" dirty="0">
                 <a:solidFill>
                   <a:schemeClr val="tx1"/>
                 </a:solidFill>
               </a:rPr>
               <a:t>Remember the template recipe</a:t>
             </a:r>
-            <a:endParaRPr lang="en-US" dirty="0">
-              <a:solidFill>
-                <a:schemeClr val="tx1"/>
-              </a:solidFill>
-            </a:endParaRPr>
           </a:p>
         </p:txBody>
       </p:sp>
@@ -8024,17 +9456,10 @@
   <p:clrMapOvr>
     <a:masterClrMapping/>
   </p:clrMapOvr>
-  <p:timing>
-    <p:tnLst>
-      <p:par>
-        <p:cTn id="1" dur="indefinite" restart="never" nodeType="tmRoot"/>
-      </p:par>
-    </p:tnLst>
-  </p:timing>
 </p:sld>
 </file>
 
-<file path=ppt/slides/slide13.xml><?xml version="1.0" encoding="utf-8"?>
+<file path=ppt/slides/slide15.xml><?xml version="1.0" encoding="utf-8"?>
 <p:sld xmlns:a="http://schemas.openxmlformats.org/drawingml/2006/main" xmlns:r="http://schemas.openxmlformats.org/officeDocument/2006/relationships" xmlns:p="http://schemas.openxmlformats.org/presentationml/2006/main">
   <p:cSld>
     <p:spTree>
@@ -8067,10 +9492,9 @@
           <a:lstStyle/>
           <a:p>
             <a:r>
-              <a:rPr lang="en-US" dirty="0" smtClean="0"/>
+              <a:rPr lang="en-US" dirty="0"/>
               <a:t>Template: functions come in pairs</a:t>
             </a:r>
-            <a:endParaRPr lang="en-US" dirty="0"/>
           </a:p>
         </p:txBody>
       </p:sp>
@@ -8095,14 +9519,14 @@
               <a:buNone/>
             </a:pPr>
             <a:r>
-              <a:rPr lang="en-US" sz="2400" b="1" dirty="0" smtClean="0">
+              <a:rPr lang="en-US" sz="2400" b="1" dirty="0">
                 <a:latin typeface="Consolas" pitchFamily="49" charset="0"/>
                 <a:cs typeface="Consolas" pitchFamily="49" charset="0"/>
               </a:rPr>
               <a:t>;; </a:t>
             </a:r>
             <a:r>
-              <a:rPr lang="en-US" sz="2400" b="1" dirty="0" err="1" smtClean="0">
+              <a:rPr lang="en-US" sz="2400" b="1" dirty="0" err="1">
                 <a:solidFill>
                   <a:srgbClr val="FF0000"/>
                 </a:solidFill>
@@ -8112,7 +9536,7 @@
               <a:t>sos</a:t>
             </a:r>
             <a:r>
-              <a:rPr lang="en-US" sz="2400" b="1" dirty="0" smtClean="0">
+              <a:rPr lang="en-US" sz="2400" b="1" dirty="0">
                 <a:solidFill>
                   <a:srgbClr val="FF0000"/>
                 </a:solidFill>
@@ -8122,21 +9546,21 @@
               <a:t>-fn</a:t>
             </a:r>
             <a:r>
-              <a:rPr lang="en-US" sz="2400" b="1" dirty="0" smtClean="0">
+              <a:rPr lang="en-US" sz="2400" b="1" dirty="0">
                 <a:latin typeface="Consolas" pitchFamily="49" charset="0"/>
                 <a:cs typeface="Consolas" pitchFamily="49" charset="0"/>
               </a:rPr>
               <a:t> : </a:t>
             </a:r>
             <a:r>
-              <a:rPr lang="en-US" sz="2400" b="1" dirty="0" err="1" smtClean="0">
+              <a:rPr lang="en-US" sz="2400" b="1" dirty="0" err="1">
                 <a:latin typeface="Consolas" pitchFamily="49" charset="0"/>
                 <a:cs typeface="Consolas" pitchFamily="49" charset="0"/>
               </a:rPr>
               <a:t>SoS</a:t>
             </a:r>
             <a:r>
-              <a:rPr lang="en-US" sz="2400" b="1" dirty="0" smtClean="0">
+              <a:rPr lang="en-US" sz="2400" b="1" dirty="0">
                 <a:latin typeface="Consolas" pitchFamily="49" charset="0"/>
                 <a:cs typeface="Consolas" pitchFamily="49" charset="0"/>
               </a:rPr>
@@ -8148,14 +9572,14 @@
               <a:buNone/>
             </a:pPr>
             <a:r>
-              <a:rPr lang="en-US" sz="2400" b="1" dirty="0" smtClean="0">
+              <a:rPr lang="en-US" sz="2400" b="1" dirty="0">
                 <a:latin typeface="Consolas" pitchFamily="49" charset="0"/>
                 <a:cs typeface="Consolas" pitchFamily="49" charset="0"/>
               </a:rPr>
               <a:t>(define (</a:t>
             </a:r>
             <a:r>
-              <a:rPr lang="en-US" sz="2400" b="1" dirty="0" err="1" smtClean="0">
+              <a:rPr lang="en-US" sz="2400" b="1" dirty="0" err="1">
                 <a:solidFill>
                   <a:srgbClr val="FF0000"/>
                 </a:solidFill>
@@ -8165,7 +9589,7 @@
               <a:t>sos</a:t>
             </a:r>
             <a:r>
-              <a:rPr lang="en-US" sz="2400" b="1" dirty="0" smtClean="0">
+              <a:rPr lang="en-US" sz="2400" b="1" dirty="0">
                 <a:solidFill>
                   <a:srgbClr val="FF0000"/>
                 </a:solidFill>
@@ -8175,7 +9599,7 @@
               <a:t>-fn</a:t>
             </a:r>
             <a:r>
-              <a:rPr lang="en-US" sz="2400" b="1" dirty="0" smtClean="0">
+              <a:rPr lang="en-US" sz="2400" b="1" dirty="0">
                 <a:latin typeface="Consolas" pitchFamily="49" charset="0"/>
                 <a:cs typeface="Consolas" pitchFamily="49" charset="0"/>
               </a:rPr>
@@ -8187,20 +9611,20 @@
               <a:buNone/>
             </a:pPr>
             <a:r>
-              <a:rPr lang="en-US" sz="2400" b="1" dirty="0" smtClean="0">
+              <a:rPr lang="en-US" sz="2400" b="1" dirty="0">
                 <a:latin typeface="Consolas" pitchFamily="49" charset="0"/>
                 <a:cs typeface="Consolas" pitchFamily="49" charset="0"/>
               </a:rPr>
               <a:t>  (</a:t>
             </a:r>
             <a:r>
-              <a:rPr lang="en-US" sz="2400" b="1" dirty="0" err="1" smtClean="0">
+              <a:rPr lang="en-US" sz="2400" b="1" dirty="0" err="1">
                 <a:latin typeface="Consolas" pitchFamily="49" charset="0"/>
                 <a:cs typeface="Consolas" pitchFamily="49" charset="0"/>
               </a:rPr>
               <a:t>cond</a:t>
             </a:r>
-            <a:endParaRPr lang="en-US" sz="2400" b="1" dirty="0" smtClean="0">
+            <a:endParaRPr lang="en-US" sz="2400" b="1" dirty="0">
               <a:latin typeface="Consolas" pitchFamily="49" charset="0"/>
               <a:cs typeface="Consolas" pitchFamily="49" charset="0"/>
             </a:endParaRPr>
@@ -8210,7 +9634,7 @@
               <a:buNone/>
             </a:pPr>
             <a:r>
-              <a:rPr lang="en-US" sz="2400" b="1" dirty="0" smtClean="0">
+              <a:rPr lang="en-US" sz="2400" b="1" dirty="0">
                 <a:latin typeface="Consolas" pitchFamily="49" charset="0"/>
                 <a:cs typeface="Consolas" pitchFamily="49" charset="0"/>
               </a:rPr>
@@ -8222,14 +9646,14 @@
               <a:buNone/>
             </a:pPr>
             <a:r>
-              <a:rPr lang="en-US" sz="2400" b="1" dirty="0" smtClean="0">
+              <a:rPr lang="en-US" sz="2400" b="1" dirty="0">
                 <a:latin typeface="Consolas" pitchFamily="49" charset="0"/>
                 <a:cs typeface="Consolas" pitchFamily="49" charset="0"/>
               </a:rPr>
               <a:t>    [else (</a:t>
             </a:r>
             <a:r>
-              <a:rPr lang="en-US" sz="2400" b="1" dirty="0" smtClean="0">
+              <a:rPr lang="en-US" sz="2400" b="1" dirty="0">
                 <a:solidFill>
                   <a:schemeClr val="accent1"/>
                 </a:solidFill>
@@ -8239,7 +9663,7 @@
               <a:t>loss-fn</a:t>
             </a:r>
             <a:r>
-              <a:rPr lang="en-US" sz="2400" b="1" dirty="0" smtClean="0">
+              <a:rPr lang="en-US" sz="2400" b="1" dirty="0">
                 <a:latin typeface="Consolas" pitchFamily="49" charset="0"/>
                 <a:cs typeface="Consolas" pitchFamily="49" charset="0"/>
               </a:rPr>
@@ -8250,7 +9674,7 @@
             <a:pPr>
               <a:buNone/>
             </a:pPr>
-            <a:endParaRPr lang="en-US" sz="2400" b="1" dirty="0" smtClean="0">
+            <a:endParaRPr lang="en-US" sz="2400" b="1" dirty="0">
               <a:latin typeface="Consolas" pitchFamily="49" charset="0"/>
               <a:cs typeface="Consolas" pitchFamily="49" charset="0"/>
             </a:endParaRPr>
@@ -8260,14 +9684,14 @@
               <a:buNone/>
             </a:pPr>
             <a:r>
-              <a:rPr lang="en-US" sz="2400" b="1" dirty="0" smtClean="0">
+              <a:rPr lang="en-US" sz="2400" b="1" dirty="0">
                 <a:latin typeface="Consolas" pitchFamily="49" charset="0"/>
                 <a:cs typeface="Consolas" pitchFamily="49" charset="0"/>
               </a:rPr>
               <a:t>;; </a:t>
             </a:r>
             <a:r>
-              <a:rPr lang="en-US" sz="2400" b="1" dirty="0" smtClean="0">
+              <a:rPr lang="en-US" sz="2400" b="1" dirty="0">
                 <a:solidFill>
                   <a:schemeClr val="accent1"/>
                 </a:solidFill>
@@ -8277,21 +9701,21 @@
               <a:t>loss-fn</a:t>
             </a:r>
             <a:r>
-              <a:rPr lang="en-US" sz="2400" b="1" dirty="0" smtClean="0">
+              <a:rPr lang="en-US" sz="2400" b="1" dirty="0">
                 <a:latin typeface="Consolas" pitchFamily="49" charset="0"/>
                 <a:cs typeface="Consolas" pitchFamily="49" charset="0"/>
               </a:rPr>
               <a:t> : </a:t>
             </a:r>
             <a:r>
-              <a:rPr lang="en-US" sz="2400" b="1" dirty="0" err="1" smtClean="0">
+              <a:rPr lang="en-US" sz="2400" b="1" dirty="0" err="1">
                 <a:latin typeface="Consolas" pitchFamily="49" charset="0"/>
                 <a:cs typeface="Consolas" pitchFamily="49" charset="0"/>
               </a:rPr>
               <a:t>LoSS</a:t>
             </a:r>
             <a:r>
-              <a:rPr lang="en-US" sz="2400" b="1" dirty="0" smtClean="0">
+              <a:rPr lang="en-US" sz="2400" b="1" dirty="0">
                 <a:latin typeface="Consolas" pitchFamily="49" charset="0"/>
                 <a:cs typeface="Consolas" pitchFamily="49" charset="0"/>
               </a:rPr>
@@ -8303,14 +9727,14 @@
               <a:buNone/>
             </a:pPr>
             <a:r>
-              <a:rPr lang="en-US" sz="2400" b="1" dirty="0" smtClean="0">
+              <a:rPr lang="en-US" sz="2400" b="1" dirty="0">
                 <a:latin typeface="Consolas" pitchFamily="49" charset="0"/>
                 <a:cs typeface="Consolas" pitchFamily="49" charset="0"/>
               </a:rPr>
               <a:t>(define (</a:t>
             </a:r>
             <a:r>
-              <a:rPr lang="en-US" sz="2400" b="1" dirty="0" smtClean="0">
+              <a:rPr lang="en-US" sz="2400" b="1" dirty="0">
                 <a:solidFill>
                   <a:schemeClr val="accent1"/>
                 </a:solidFill>
@@ -8320,7 +9744,7 @@
               <a:t>loss-fn</a:t>
             </a:r>
             <a:r>
-              <a:rPr lang="en-US" sz="2400" b="1" dirty="0" smtClean="0">
+              <a:rPr lang="en-US" sz="2400" b="1" dirty="0">
                 <a:latin typeface="Consolas" pitchFamily="49" charset="0"/>
                 <a:cs typeface="Consolas" pitchFamily="49" charset="0"/>
               </a:rPr>
@@ -8332,20 +9756,20 @@
               <a:buNone/>
             </a:pPr>
             <a:r>
-              <a:rPr lang="en-US" sz="2400" b="1" dirty="0" smtClean="0">
+              <a:rPr lang="en-US" sz="2400" b="1" dirty="0">
                 <a:latin typeface="Consolas" pitchFamily="49" charset="0"/>
                 <a:cs typeface="Consolas" pitchFamily="49" charset="0"/>
               </a:rPr>
               <a:t>  (</a:t>
             </a:r>
             <a:r>
-              <a:rPr lang="en-US" sz="2400" b="1" dirty="0" err="1" smtClean="0">
+              <a:rPr lang="en-US" sz="2400" b="1" dirty="0" err="1">
                 <a:latin typeface="Consolas" pitchFamily="49" charset="0"/>
                 <a:cs typeface="Consolas" pitchFamily="49" charset="0"/>
               </a:rPr>
               <a:t>cond</a:t>
             </a:r>
-            <a:endParaRPr lang="en-US" sz="2400" b="1" dirty="0" smtClean="0">
+            <a:endParaRPr lang="en-US" sz="2400" b="1" dirty="0">
               <a:latin typeface="Consolas" pitchFamily="49" charset="0"/>
               <a:cs typeface="Consolas" pitchFamily="49" charset="0"/>
             </a:endParaRPr>
@@ -8355,7 +9779,7 @@
               <a:buNone/>
             </a:pPr>
             <a:r>
-              <a:rPr lang="en-US" sz="2400" b="1" dirty="0" smtClean="0">
+              <a:rPr lang="en-US" sz="2400" b="1" dirty="0">
                 <a:latin typeface="Consolas" pitchFamily="49" charset="0"/>
                 <a:cs typeface="Consolas" pitchFamily="49" charset="0"/>
               </a:rPr>
@@ -8367,14 +9791,14 @@
               <a:buNone/>
             </a:pPr>
             <a:r>
-              <a:rPr lang="en-US" sz="2400" b="1" dirty="0" smtClean="0">
+              <a:rPr lang="en-US" sz="2400" b="1" dirty="0">
                 <a:latin typeface="Consolas" pitchFamily="49" charset="0"/>
                 <a:cs typeface="Consolas" pitchFamily="49" charset="0"/>
               </a:rPr>
               <a:t>    [else (... (</a:t>
             </a:r>
             <a:r>
-              <a:rPr lang="en-US" sz="2400" b="1" dirty="0" err="1" smtClean="0">
+              <a:rPr lang="en-US" sz="2400" b="1" dirty="0" err="1">
                 <a:solidFill>
                   <a:srgbClr val="FF0000"/>
                 </a:solidFill>
@@ -8384,7 +9808,7 @@
               <a:t>sos</a:t>
             </a:r>
             <a:r>
-              <a:rPr lang="en-US" sz="2400" b="1" dirty="0" smtClean="0">
+              <a:rPr lang="en-US" sz="2400" b="1" dirty="0">
                 <a:solidFill>
                   <a:srgbClr val="FF0000"/>
                 </a:solidFill>
@@ -8394,7 +9818,7 @@
               <a:t>-fn</a:t>
             </a:r>
             <a:r>
-              <a:rPr lang="en-US" sz="2400" b="1" dirty="0" smtClean="0">
+              <a:rPr lang="en-US" sz="2400" b="1" dirty="0">
                 <a:latin typeface="Consolas" pitchFamily="49" charset="0"/>
                 <a:cs typeface="Consolas" pitchFamily="49" charset="0"/>
               </a:rPr>
@@ -8406,14 +9830,14 @@
               <a:buNone/>
             </a:pPr>
             <a:r>
-              <a:rPr lang="en-US" sz="2400" b="1" dirty="0" smtClean="0">
+              <a:rPr lang="en-US" sz="2400" b="1" dirty="0">
                 <a:latin typeface="Consolas" pitchFamily="49" charset="0"/>
                 <a:cs typeface="Consolas" pitchFamily="49" charset="0"/>
               </a:rPr>
               <a:t>               (</a:t>
             </a:r>
             <a:r>
-              <a:rPr lang="en-US" sz="2400" b="1" dirty="0" smtClean="0">
+              <a:rPr lang="en-US" sz="2400" b="1" dirty="0">
                 <a:solidFill>
                   <a:schemeClr val="accent1"/>
                 </a:solidFill>
@@ -8423,7 +9847,7 @@
               <a:t>loss-fn</a:t>
             </a:r>
             <a:r>
-              <a:rPr lang="en-US" sz="2400" b="1" dirty="0" smtClean="0">
+              <a:rPr lang="en-US" sz="2400" b="1" dirty="0">
                 <a:latin typeface="Consolas" pitchFamily="49" charset="0"/>
                 <a:cs typeface="Consolas" pitchFamily="49" charset="0"/>
               </a:rPr>
@@ -8455,7 +9879,7 @@
           <a:p>
             <a:fld id="{C1D4534E-1B22-4A44-850A-B3E8E9EE687A}" type="slidenum">
               <a:rPr lang="en-US" smtClean="0"/>
-              <a:t>13</a:t>
+              <a:t>15</a:t>
             </a:fld>
             <a:endParaRPr lang="en-US"/>
           </a:p>
@@ -8507,7 +9931,7 @@
           <a:lstStyle/>
           <a:p>
             <a:pPr algn="ctr"/>
-            <a:endParaRPr lang="en-US" dirty="0" smtClean="0">
+            <a:endParaRPr lang="en-US" dirty="0">
               <a:solidFill>
                 <a:schemeClr val="tx1"/>
               </a:solidFill>
@@ -8561,7 +9985,7 @@
           <a:lstStyle/>
           <a:p>
             <a:pPr algn="ctr"/>
-            <a:endParaRPr lang="en-US" dirty="0" smtClean="0">
+            <a:endParaRPr lang="en-US" dirty="0">
               <a:solidFill>
                 <a:schemeClr val="tx1"/>
               </a:solidFill>
@@ -8629,7 +10053,7 @@
             <a:lstStyle/>
             <a:p>
               <a:r>
-                <a:rPr lang="en-US" b="1" dirty="0" smtClean="0">
+                <a:rPr lang="en-US" b="1" dirty="0">
                   <a:solidFill>
                     <a:schemeClr val="tx1"/>
                   </a:solidFill>
@@ -8637,7 +10061,7 @@
                 <a:t>(first los) </a:t>
               </a:r>
               <a:r>
-                <a:rPr lang="en-US" dirty="0" smtClean="0">
+                <a:rPr lang="en-US" dirty="0">
                   <a:solidFill>
                     <a:schemeClr val="tx1"/>
                   </a:solidFill>
@@ -8645,7 +10069,7 @@
                 <a:t>is a </a:t>
               </a:r>
               <a:r>
-                <a:rPr lang="en-US" dirty="0" err="1" smtClean="0">
+                <a:rPr lang="en-US" dirty="0" err="1">
                   <a:solidFill>
                     <a:schemeClr val="tx1"/>
                   </a:solidFill>
@@ -8653,7 +10077,7 @@
                 <a:t>SoS</a:t>
               </a:r>
               <a:r>
-                <a:rPr lang="en-US" dirty="0" smtClean="0">
+                <a:rPr lang="en-US" dirty="0">
                   <a:solidFill>
                     <a:schemeClr val="tx1"/>
                   </a:solidFill>
@@ -8661,7 +10085,7 @@
                 <a:t>.  This is mixed data, so the last rule in the template recipe tells us we need to wrap it in a </a:t>
               </a:r>
               <a:r>
-                <a:rPr lang="en-US" b="1" dirty="0" smtClean="0">
+                <a:rPr lang="en-US" b="1" dirty="0">
                   <a:solidFill>
                     <a:schemeClr val="tx1"/>
                   </a:solidFill>
@@ -8669,7 +10093,7 @@
                 <a:t>(</a:t>
               </a:r>
               <a:r>
-                <a:rPr lang="en-US" b="1" dirty="0" err="1" smtClean="0">
+                <a:rPr lang="en-US" b="1" dirty="0" err="1">
                   <a:solidFill>
                     <a:schemeClr val="tx1"/>
                   </a:solidFill>
@@ -8677,7 +10101,7 @@
                 <a:t>sos-fn</a:t>
               </a:r>
               <a:r>
-                <a:rPr lang="en-US" b="1" dirty="0" smtClean="0">
+                <a:rPr lang="en-US" b="1" dirty="0">
                   <a:solidFill>
                     <a:schemeClr val="tx1"/>
                   </a:solidFill>
@@ -8685,18 +10109,13 @@
                 <a:t> ...) </a:t>
               </a:r>
               <a:r>
-                <a:rPr lang="en-US" dirty="0" smtClean="0">
+                <a:rPr lang="en-US" dirty="0">
                   <a:solidFill>
                     <a:schemeClr val="tx1"/>
                   </a:solidFill>
                 </a:rPr>
                 <a:t>.</a:t>
               </a:r>
-              <a:endParaRPr lang="en-US" dirty="0">
-                <a:solidFill>
-                  <a:schemeClr val="tx1"/>
-                </a:solidFill>
-              </a:endParaRPr>
             </a:p>
           </p:txBody>
         </p:sp>
@@ -8889,7 +10308,7 @@
 </p:sld>
 </file>
 
-<file path=ppt/slides/slide14.xml><?xml version="1.0" encoding="utf-8"?>
+<file path=ppt/slides/slide16.xml><?xml version="1.0" encoding="utf-8"?>
 <p:sld xmlns:a="http://schemas.openxmlformats.org/drawingml/2006/main" xmlns:r="http://schemas.openxmlformats.org/officeDocument/2006/relationships" xmlns:p="http://schemas.openxmlformats.org/presentationml/2006/main">
   <p:cSld>
     <p:spTree>
@@ -8922,10 +10341,9 @@
           <a:lstStyle/>
           <a:p>
             <a:r>
-              <a:rPr lang="en-US" dirty="0" smtClean="0"/>
+              <a:rPr lang="en-US" dirty="0"/>
               <a:t>This is mutual recursion</a:t>
             </a:r>
-            <a:endParaRPr lang="en-US" dirty="0"/>
           </a:p>
         </p:txBody>
       </p:sp>
@@ -8947,7 +10365,7 @@
             <a:pPr>
               <a:buNone/>
             </a:pPr>
-            <a:endParaRPr lang="en-US" b="1" dirty="0" smtClean="0">
+            <a:endParaRPr lang="en-US" b="1" dirty="0">
               <a:latin typeface="Courier New" pitchFamily="49" charset="0"/>
               <a:cs typeface="Courier New" pitchFamily="49" charset="0"/>
             </a:endParaRPr>
@@ -8956,7 +10374,7 @@
             <a:pPr>
               <a:buNone/>
             </a:pPr>
-            <a:endParaRPr lang="en-US" b="1" dirty="0" smtClean="0">
+            <a:endParaRPr lang="en-US" b="1" dirty="0">
               <a:latin typeface="Courier New" pitchFamily="49" charset="0"/>
               <a:cs typeface="Courier New" pitchFamily="49" charset="0"/>
             </a:endParaRPr>
@@ -8965,7 +10383,7 @@
             <a:pPr>
               <a:buNone/>
             </a:pPr>
-            <a:endParaRPr lang="en-US" b="1" dirty="0" smtClean="0">
+            <a:endParaRPr lang="en-US" b="1" dirty="0">
               <a:latin typeface="Courier New" pitchFamily="49" charset="0"/>
               <a:cs typeface="Courier New" pitchFamily="49" charset="0"/>
             </a:endParaRPr>
@@ -8975,35 +10393,35 @@
               <a:buNone/>
             </a:pPr>
             <a:r>
-              <a:rPr lang="en-US" b="1" dirty="0" smtClean="0">
+              <a:rPr lang="en-US" b="1" dirty="0">
                 <a:latin typeface="Courier New" pitchFamily="49" charset="0"/>
                 <a:cs typeface="Courier New" pitchFamily="49" charset="0"/>
               </a:rPr>
               <a:t>     </a:t>
             </a:r>
             <a:r>
-              <a:rPr lang="en-US" b="1" dirty="0" err="1" smtClean="0">
+              <a:rPr lang="en-US" b="1" dirty="0" err="1">
                 <a:latin typeface="Consolas" pitchFamily="49" charset="0"/>
                 <a:cs typeface="Consolas" pitchFamily="49" charset="0"/>
               </a:rPr>
               <a:t>sos-fn</a:t>
             </a:r>
             <a:r>
-              <a:rPr lang="en-US" b="1" dirty="0" smtClean="0">
+              <a:rPr lang="en-US" b="1" dirty="0">
                 <a:latin typeface="Courier New" pitchFamily="49" charset="0"/>
                 <a:cs typeface="Courier New" pitchFamily="49" charset="0"/>
               </a:rPr>
               <a:t>           </a:t>
             </a:r>
             <a:r>
-              <a:rPr lang="en-US" b="1" dirty="0" smtClean="0">
+              <a:rPr lang="en-US" b="1" dirty="0">
                 <a:latin typeface="Consolas" pitchFamily="49" charset="0"/>
                 <a:cs typeface="Consolas" pitchFamily="49" charset="0"/>
               </a:rPr>
               <a:t>loss-</a:t>
             </a:r>
             <a:r>
-              <a:rPr lang="en-US" b="1" dirty="0" err="1" smtClean="0">
+              <a:rPr lang="en-US" b="1" dirty="0" err="1">
                 <a:latin typeface="Consolas" pitchFamily="49" charset="0"/>
                 <a:cs typeface="Consolas" pitchFamily="49" charset="0"/>
               </a:rPr>
@@ -9033,7 +10451,7 @@
           <a:p>
             <a:fld id="{C1D4534E-1B22-4A44-850A-B3E8E9EE687A}" type="slidenum">
               <a:rPr lang="en-US" smtClean="0"/>
-              <a:t>14</a:t>
+              <a:t>16</a:t>
             </a:fld>
             <a:endParaRPr lang="en-US"/>
           </a:p>
@@ -9085,7 +10503,7 @@
           <a:lstStyle/>
           <a:p>
             <a:pPr algn="ctr"/>
-            <a:endParaRPr lang="en-US" dirty="0" smtClean="0">
+            <a:endParaRPr lang="en-US" dirty="0">
               <a:solidFill>
                 <a:schemeClr val="tx1"/>
               </a:solidFill>
@@ -9137,7 +10555,7 @@
           <a:lstStyle/>
           <a:p>
             <a:pPr algn="ctr"/>
-            <a:endParaRPr lang="en-US" dirty="0" smtClean="0">
+            <a:endParaRPr lang="en-US" dirty="0">
               <a:solidFill>
                 <a:schemeClr val="tx1"/>
               </a:solidFill>
@@ -9168,10 +10586,9 @@
           <a:lstStyle/>
           <a:p>
             <a:r>
-              <a:rPr lang="en-US" sz="2400" dirty="0" smtClean="0"/>
+              <a:rPr lang="en-US" sz="2400" dirty="0"/>
               <a:t>defined in terms of </a:t>
             </a:r>
-            <a:endParaRPr lang="en-US" sz="2400" dirty="0"/>
           </a:p>
         </p:txBody>
       </p:sp>
@@ -9198,10 +10615,9 @@
           <a:lstStyle/>
           <a:p>
             <a:r>
-              <a:rPr lang="en-US" sz="2400" dirty="0" smtClean="0"/>
+              <a:rPr lang="en-US" sz="2400" dirty="0"/>
               <a:t>defined in terms of </a:t>
             </a:r>
-            <a:endParaRPr lang="en-US" sz="2400" dirty="0"/>
           </a:p>
         </p:txBody>
       </p:sp>
@@ -9215,17 +10631,10 @@
   <p:clrMapOvr>
     <a:masterClrMapping/>
   </p:clrMapOvr>
-  <p:timing>
-    <p:tnLst>
-      <p:par>
-        <p:cTn id="1" dur="indefinite" restart="never" nodeType="tmRoot"/>
-      </p:par>
-    </p:tnLst>
-  </p:timing>
 </p:sld>
 </file>
 
-<file path=ppt/slides/slide15.xml><?xml version="1.0" encoding="utf-8"?>
+<file path=ppt/slides/slide17.xml><?xml version="1.0" encoding="utf-8"?>
 <p:sld xmlns:a="http://schemas.openxmlformats.org/drawingml/2006/main" xmlns:r="http://schemas.openxmlformats.org/officeDocument/2006/relationships" xmlns:p="http://schemas.openxmlformats.org/presentationml/2006/main">
   <p:cSld>
     <p:spTree>
@@ -9260,10 +10669,9 @@
           <a:lstStyle/>
           <a:p>
             <a:r>
-              <a:rPr lang="en-US" dirty="0" smtClean="0"/>
+              <a:rPr lang="en-US" dirty="0"/>
               <a:t>One function, one task</a:t>
             </a:r>
-            <a:endParaRPr lang="en-US" dirty="0"/>
           </a:p>
         </p:txBody>
       </p:sp>
@@ -9283,40 +10691,39 @@
           <a:lstStyle/>
           <a:p>
             <a:r>
-              <a:rPr lang="en-US" dirty="0" smtClean="0"/>
+              <a:rPr lang="en-US" dirty="0"/>
               <a:t>Each function deals with exactly one data definition.</a:t>
             </a:r>
           </a:p>
           <a:p>
             <a:r>
-              <a:rPr lang="en-US" dirty="0" smtClean="0"/>
+              <a:rPr lang="en-US" dirty="0"/>
               <a:t>So functions will come in pairs</a:t>
             </a:r>
           </a:p>
           <a:p>
             <a:r>
-              <a:rPr lang="en-US" dirty="0" smtClean="0"/>
+              <a:rPr lang="en-US" dirty="0"/>
               <a:t>Write  contracts and purpose statements together, </a:t>
             </a:r>
             <a:r>
-              <a:rPr lang="en-US" b="1" dirty="0" smtClean="0"/>
+              <a:rPr lang="en-US" b="1" dirty="0"/>
               <a:t>or</a:t>
             </a:r>
           </a:p>
           <a:p>
             <a:r>
-              <a:rPr lang="en-US" dirty="0" smtClean="0"/>
+              <a:rPr lang="en-US" dirty="0"/>
               <a:t>Write one, and the other one will appear as a </a:t>
             </a:r>
             <a:r>
-              <a:rPr lang="en-US" dirty="0" err="1" smtClean="0"/>
+              <a:rPr lang="en-US" dirty="0" err="1"/>
               <a:t>wishlist</a:t>
             </a:r>
             <a:r>
-              <a:rPr lang="en-US" dirty="0" smtClean="0"/>
+              <a:rPr lang="en-US" dirty="0"/>
               <a:t> function</a:t>
             </a:r>
-            <a:endParaRPr lang="en-US" dirty="0"/>
           </a:p>
         </p:txBody>
       </p:sp>
@@ -9337,7 +10744,7 @@
           <a:p>
             <a:fld id="{C1D4534E-1B22-4A44-850A-B3E8E9EE687A}" type="slidenum">
               <a:rPr lang="en-US" smtClean="0"/>
-              <a:t>15</a:t>
+              <a:t>17</a:t>
             </a:fld>
             <a:endParaRPr lang="en-US"/>
           </a:p>
@@ -9353,17 +10760,10 @@
   <p:clrMapOvr>
     <a:masterClrMapping/>
   </p:clrMapOvr>
-  <p:timing>
-    <p:tnLst>
-      <p:par>
-        <p:cTn id="1" dur="indefinite" restart="never" nodeType="tmRoot"/>
-      </p:par>
-    </p:tnLst>
-  </p:timing>
 </p:sld>
 </file>
 
-<file path=ppt/slides/slide16.xml><?xml version="1.0" encoding="utf-8"?>
+<file path=ppt/slides/slide18.xml><?xml version="1.0" encoding="utf-8"?>
 <p:sld xmlns:a="http://schemas.openxmlformats.org/drawingml/2006/main" xmlns:r="http://schemas.openxmlformats.org/officeDocument/2006/relationships" xmlns:p="http://schemas.openxmlformats.org/presentationml/2006/main">
   <p:cSld>
     <p:spTree>
@@ -9396,10 +10796,9 @@
           <a:lstStyle/>
           <a:p>
             <a:r>
-              <a:rPr lang="en-US" dirty="0" smtClean="0"/>
+              <a:rPr lang="en-US" dirty="0"/>
               <a:t>occurs-in?</a:t>
             </a:r>
-            <a:endParaRPr lang="en-US" dirty="0"/>
           </a:p>
         </p:txBody>
       </p:sp>
@@ -9424,21 +10823,21 @@
               <a:buNone/>
             </a:pPr>
             <a:r>
-              <a:rPr lang="en-US" sz="2000" b="1" dirty="0" smtClean="0">
+              <a:rPr lang="en-US" sz="2000" b="1" dirty="0">
                 <a:latin typeface="Consolas" pitchFamily="49" charset="0"/>
                 <a:cs typeface="Consolas" pitchFamily="49" charset="0"/>
               </a:rPr>
               <a:t>;; occurs-in? : </a:t>
             </a:r>
             <a:r>
-              <a:rPr lang="en-US" sz="2000" b="1" dirty="0" err="1" smtClean="0">
+              <a:rPr lang="en-US" sz="2000" b="1" dirty="0" err="1">
                 <a:latin typeface="Consolas" pitchFamily="49" charset="0"/>
                 <a:cs typeface="Consolas" pitchFamily="49" charset="0"/>
               </a:rPr>
               <a:t>SoS</a:t>
             </a:r>
             <a:r>
-              <a:rPr lang="en-US" sz="2000" b="1" dirty="0" smtClean="0">
+              <a:rPr lang="en-US" sz="2000" b="1" dirty="0">
                 <a:latin typeface="Consolas" pitchFamily="49" charset="0"/>
                 <a:cs typeface="Consolas" pitchFamily="49" charset="0"/>
               </a:rPr>
@@ -9450,35 +10849,35 @@
               <a:buNone/>
             </a:pPr>
             <a:r>
-              <a:rPr lang="en-US" sz="2000" b="1" dirty="0" smtClean="0">
+              <a:rPr lang="en-US" sz="2000" b="1" dirty="0">
                 <a:latin typeface="Consolas" pitchFamily="49" charset="0"/>
                 <a:cs typeface="Consolas" pitchFamily="49" charset="0"/>
               </a:rPr>
               <a:t>;; returns true </a:t>
             </a:r>
             <a:r>
-              <a:rPr lang="en-US" sz="2000" b="1" dirty="0" err="1" smtClean="0">
+              <a:rPr lang="en-US" sz="2000" b="1" dirty="0" err="1">
                 <a:latin typeface="Consolas" pitchFamily="49" charset="0"/>
                 <a:cs typeface="Consolas" pitchFamily="49" charset="0"/>
               </a:rPr>
               <a:t>iff</a:t>
             </a:r>
             <a:r>
-              <a:rPr lang="en-US" sz="2000" b="1" dirty="0" smtClean="0">
+              <a:rPr lang="en-US" sz="2000" b="1" dirty="0">
                 <a:latin typeface="Consolas" pitchFamily="49" charset="0"/>
                 <a:cs typeface="Consolas" pitchFamily="49" charset="0"/>
               </a:rPr>
               <a:t> the given string occurs somewhere in the given </a:t>
             </a:r>
             <a:r>
-              <a:rPr lang="en-US" sz="2000" b="1" dirty="0" err="1" smtClean="0">
+              <a:rPr lang="en-US" sz="2000" b="1" dirty="0" err="1">
                 <a:latin typeface="Consolas" pitchFamily="49" charset="0"/>
                 <a:cs typeface="Consolas" pitchFamily="49" charset="0"/>
               </a:rPr>
               <a:t>sos</a:t>
             </a:r>
             <a:r>
-              <a:rPr lang="en-US" sz="2000" b="1" dirty="0" smtClean="0">
+              <a:rPr lang="en-US" sz="2000" b="1" dirty="0">
                 <a:latin typeface="Consolas" pitchFamily="49" charset="0"/>
                 <a:cs typeface="Consolas" pitchFamily="49" charset="0"/>
               </a:rPr>
@@ -9490,21 +10889,21 @@
               <a:buNone/>
             </a:pPr>
             <a:r>
-              <a:rPr lang="en-US" sz="2000" b="1" dirty="0" smtClean="0">
+              <a:rPr lang="en-US" sz="2000" b="1" dirty="0">
                 <a:latin typeface="Consolas" pitchFamily="49" charset="0"/>
                 <a:cs typeface="Consolas" pitchFamily="49" charset="0"/>
               </a:rPr>
               <a:t>;; occurs-in-loss? : </a:t>
             </a:r>
             <a:r>
-              <a:rPr lang="en-US" sz="2000" b="1" dirty="0" err="1" smtClean="0">
+              <a:rPr lang="en-US" sz="2000" b="1" dirty="0" err="1">
                 <a:latin typeface="Consolas" pitchFamily="49" charset="0"/>
                 <a:cs typeface="Consolas" pitchFamily="49" charset="0"/>
               </a:rPr>
               <a:t>LoSS</a:t>
             </a:r>
             <a:r>
-              <a:rPr lang="en-US" sz="2000" b="1" dirty="0" smtClean="0">
+              <a:rPr lang="en-US" sz="2000" b="1" dirty="0">
                 <a:latin typeface="Consolas" pitchFamily="49" charset="0"/>
                 <a:cs typeface="Consolas" pitchFamily="49" charset="0"/>
               </a:rPr>
@@ -9516,30 +10915,26 @@
               <a:buNone/>
             </a:pPr>
             <a:r>
-              <a:rPr lang="en-US" sz="2000" b="1" dirty="0" smtClean="0">
+              <a:rPr lang="en-US" sz="2000" b="1" dirty="0">
                 <a:latin typeface="Consolas" pitchFamily="49" charset="0"/>
                 <a:cs typeface="Consolas" pitchFamily="49" charset="0"/>
               </a:rPr>
               <a:t>;; returns true </a:t>
             </a:r>
             <a:r>
-              <a:rPr lang="en-US" sz="2000" b="1" dirty="0" err="1" smtClean="0">
+              <a:rPr lang="en-US" sz="2000" b="1" dirty="0" err="1">
                 <a:latin typeface="Consolas" pitchFamily="49" charset="0"/>
                 <a:cs typeface="Consolas" pitchFamily="49" charset="0"/>
               </a:rPr>
               <a:t>iff</a:t>
             </a:r>
             <a:r>
-              <a:rPr lang="en-US" sz="2000" b="1" dirty="0" smtClean="0">
+              <a:rPr lang="en-US" sz="2000" b="1" dirty="0">
                 <a:latin typeface="Consolas" pitchFamily="49" charset="0"/>
                 <a:cs typeface="Consolas" pitchFamily="49" charset="0"/>
               </a:rPr>
               <a:t> the given string occurs somewhere in the given loss.</a:t>
             </a:r>
-            <a:endParaRPr lang="en-US" sz="2000" b="1" dirty="0">
-              <a:latin typeface="Consolas" pitchFamily="49" charset="0"/>
-              <a:cs typeface="Consolas" pitchFamily="49" charset="0"/>
-            </a:endParaRPr>
           </a:p>
         </p:txBody>
       </p:sp>
@@ -9560,7 +10955,7 @@
           <a:p>
             <a:fld id="{C1D4534E-1B22-4A44-850A-B3E8E9EE687A}" type="slidenum">
               <a:rPr lang="en-US" smtClean="0"/>
-              <a:t>16</a:t>
+              <a:t>18</a:t>
             </a:fld>
             <a:endParaRPr lang="en-US"/>
           </a:p>
@@ -9612,7 +11007,7 @@
           <a:lstStyle/>
           <a:p>
             <a:r>
-              <a:rPr lang="en-US" dirty="0" smtClean="0">
+              <a:rPr lang="en-US" dirty="0">
                 <a:solidFill>
                   <a:schemeClr val="tx1"/>
                 </a:solidFill>
@@ -9636,20 +11031,12 @@
               <a:t> , which works on a </a:t>
             </a:r>
             <a:r>
-              <a:rPr lang="en-US" b="1" dirty="0" err="1" smtClean="0">
+              <a:rPr lang="en-US" b="1" dirty="0" err="1">
                 <a:solidFill>
                   <a:schemeClr val="tx1"/>
                 </a:solidFill>
               </a:rPr>
               <a:t>SoS</a:t>
-            </a:r>
-            <a:r>
-              <a:rPr lang="en-US" dirty="0" smtClean="0">
-                <a:solidFill>
-                  <a:schemeClr val="tx1"/>
-                </a:solidFill>
-              </a:rPr>
-              <a:t>, </a:t>
             </a:r>
             <a:r>
               <a:rPr lang="en-US" dirty="0">
@@ -9657,7 +11044,7 @@
                   <a:schemeClr val="tx1"/>
                 </a:solidFill>
               </a:rPr>
-              <a:t>and </a:t>
+              <a:t>, and </a:t>
             </a:r>
             <a:r>
               <a:rPr lang="en-US" b="1" dirty="0">
@@ -9676,7 +11063,7 @@
               <a:t> , which works on a </a:t>
             </a:r>
             <a:r>
-              <a:rPr lang="en-US" b="1" dirty="0" err="1" smtClean="0">
+              <a:rPr lang="en-US" b="1" dirty="0" err="1">
                 <a:solidFill>
                   <a:schemeClr val="tx1"/>
                 </a:solidFill>
@@ -9684,18 +11071,13 @@
               <a:t>LoSS</a:t>
             </a:r>
             <a:r>
-              <a:rPr lang="en-US" dirty="0" smtClean="0">
+              <a:rPr lang="en-US" dirty="0">
                 <a:solidFill>
                   <a:schemeClr val="tx1"/>
                 </a:solidFill>
               </a:rPr>
               <a:t>.</a:t>
             </a:r>
-            <a:endParaRPr lang="en-US" dirty="0">
-              <a:solidFill>
-                <a:schemeClr val="tx1"/>
-              </a:solidFill>
-            </a:endParaRPr>
           </a:p>
         </p:txBody>
       </p:sp>
@@ -9709,17 +11091,10 @@
   <p:clrMapOvr>
     <a:masterClrMapping/>
   </p:clrMapOvr>
-  <p:timing>
-    <p:tnLst>
-      <p:par>
-        <p:cTn id="1" dur="indefinite" restart="never" nodeType="tmRoot"/>
-      </p:par>
-    </p:tnLst>
-  </p:timing>
 </p:sld>
 </file>
 
-<file path=ppt/slides/slide17.xml><?xml version="1.0" encoding="utf-8"?>
+<file path=ppt/slides/slide19.xml><?xml version="1.0" encoding="utf-8"?>
 <p:sld xmlns:a="http://schemas.openxmlformats.org/drawingml/2006/main" xmlns:r="http://schemas.openxmlformats.org/officeDocument/2006/relationships" xmlns:p="http://schemas.openxmlformats.org/presentationml/2006/main">
   <p:cSld>
     <p:spTree>
@@ -9752,10 +11127,9 @@
           <a:lstStyle/>
           <a:p>
             <a:r>
-              <a:rPr lang="en-US" dirty="0" smtClean="0"/>
+              <a:rPr lang="en-US" dirty="0"/>
               <a:t>Examples/Tests</a:t>
             </a:r>
-            <a:endParaRPr lang="en-US" dirty="0"/>
           </a:p>
         </p:txBody>
       </p:sp>
@@ -9780,7 +11154,7 @@
               <a:buNone/>
             </a:pPr>
             <a:r>
-              <a:rPr lang="en-US" sz="1800" b="1" dirty="0" smtClean="0">
+              <a:rPr lang="en-US" sz="1800" b="1" dirty="0">
                 <a:latin typeface="Consolas" pitchFamily="49" charset="0"/>
                 <a:cs typeface="Consolas" pitchFamily="49" charset="0"/>
               </a:rPr>
@@ -9792,35 +11166,35 @@
               <a:buNone/>
             </a:pPr>
             <a:r>
-              <a:rPr lang="en-US" sz="1800" b="1" dirty="0" smtClean="0">
+              <a:rPr lang="en-US" sz="1800" b="1" dirty="0">
                 <a:latin typeface="Consolas" pitchFamily="49" charset="0"/>
                 <a:cs typeface="Consolas" pitchFamily="49" charset="0"/>
               </a:rPr>
               <a:t>  (occurs-in? "</a:t>
             </a:r>
             <a:r>
-              <a:rPr lang="en-US" sz="1800" b="1" dirty="0" err="1" smtClean="0">
+              <a:rPr lang="en-US" sz="1800" b="1" dirty="0" err="1">
                 <a:latin typeface="Consolas" pitchFamily="49" charset="0"/>
                 <a:cs typeface="Consolas" pitchFamily="49" charset="0"/>
               </a:rPr>
               <a:t>alice</a:t>
             </a:r>
             <a:r>
-              <a:rPr lang="en-US" sz="1800" b="1" dirty="0" smtClean="0">
+              <a:rPr lang="en-US" sz="1800" b="1" dirty="0">
                 <a:latin typeface="Consolas" pitchFamily="49" charset="0"/>
                 <a:cs typeface="Consolas" pitchFamily="49" charset="0"/>
               </a:rPr>
               <a:t>" "</a:t>
             </a:r>
             <a:r>
-              <a:rPr lang="en-US" sz="1800" b="1" dirty="0" err="1" smtClean="0">
+              <a:rPr lang="en-US" sz="1800" b="1" dirty="0" err="1">
                 <a:latin typeface="Consolas" pitchFamily="49" charset="0"/>
                 <a:cs typeface="Consolas" pitchFamily="49" charset="0"/>
               </a:rPr>
               <a:t>alice</a:t>
             </a:r>
             <a:r>
-              <a:rPr lang="en-US" sz="1800" b="1" dirty="0" smtClean="0">
+              <a:rPr lang="en-US" sz="1800" b="1" dirty="0">
                 <a:latin typeface="Consolas" pitchFamily="49" charset="0"/>
                 <a:cs typeface="Consolas" pitchFamily="49" charset="0"/>
               </a:rPr>
@@ -9832,7 +11206,7 @@
               <a:buNone/>
             </a:pPr>
             <a:r>
-              <a:rPr lang="en-US" sz="1800" b="1" dirty="0" smtClean="0">
+              <a:rPr lang="en-US" sz="1800" b="1" dirty="0">
                 <a:latin typeface="Consolas" pitchFamily="49" charset="0"/>
                 <a:cs typeface="Consolas" pitchFamily="49" charset="0"/>
               </a:rPr>
@@ -9843,7 +11217,7 @@
             <a:pPr>
               <a:buNone/>
             </a:pPr>
-            <a:endParaRPr lang="en-US" sz="1800" b="1" dirty="0" smtClean="0">
+            <a:endParaRPr lang="en-US" sz="1800" b="1" dirty="0">
               <a:latin typeface="Consolas" pitchFamily="49" charset="0"/>
               <a:cs typeface="Consolas" pitchFamily="49" charset="0"/>
             </a:endParaRPr>
@@ -9853,7 +11227,7 @@
               <a:buNone/>
             </a:pPr>
             <a:r>
-              <a:rPr lang="en-US" sz="1800" b="1" dirty="0" smtClean="0">
+              <a:rPr lang="en-US" sz="1800" b="1" dirty="0">
                 <a:latin typeface="Consolas" pitchFamily="49" charset="0"/>
                 <a:cs typeface="Consolas" pitchFamily="49" charset="0"/>
               </a:rPr>
@@ -9865,21 +11239,21 @@
               <a:buNone/>
             </a:pPr>
             <a:r>
-              <a:rPr lang="en-US" sz="1800" b="1" dirty="0" smtClean="0">
+              <a:rPr lang="en-US" sz="1800" b="1" dirty="0">
                 <a:latin typeface="Consolas" pitchFamily="49" charset="0"/>
                 <a:cs typeface="Consolas" pitchFamily="49" charset="0"/>
               </a:rPr>
               <a:t>  (occurs-in? "bob" "</a:t>
             </a:r>
             <a:r>
-              <a:rPr lang="en-US" sz="1800" b="1" dirty="0" err="1" smtClean="0">
+              <a:rPr lang="en-US" sz="1800" b="1" dirty="0" err="1">
                 <a:latin typeface="Consolas" pitchFamily="49" charset="0"/>
                 <a:cs typeface="Consolas" pitchFamily="49" charset="0"/>
               </a:rPr>
               <a:t>alice</a:t>
             </a:r>
             <a:r>
-              <a:rPr lang="en-US" sz="1800" b="1" dirty="0" smtClean="0">
+              <a:rPr lang="en-US" sz="1800" b="1" dirty="0">
                 <a:latin typeface="Consolas" pitchFamily="49" charset="0"/>
                 <a:cs typeface="Consolas" pitchFamily="49" charset="0"/>
               </a:rPr>
@@ -9891,7 +11265,7 @@
               <a:buNone/>
             </a:pPr>
             <a:r>
-              <a:rPr lang="en-US" sz="1800" b="1" dirty="0" smtClean="0">
+              <a:rPr lang="en-US" sz="1800" b="1" dirty="0">
                 <a:latin typeface="Consolas" pitchFamily="49" charset="0"/>
                 <a:cs typeface="Consolas" pitchFamily="49" charset="0"/>
               </a:rPr>
@@ -9902,7 +11276,7 @@
             <a:pPr>
               <a:buNone/>
             </a:pPr>
-            <a:endParaRPr lang="en-US" sz="1800" b="1" dirty="0" smtClean="0">
+            <a:endParaRPr lang="en-US" sz="1800" b="1" dirty="0">
               <a:latin typeface="Consolas" pitchFamily="49" charset="0"/>
               <a:cs typeface="Consolas" pitchFamily="49" charset="0"/>
             </a:endParaRPr>
@@ -9912,7 +11286,7 @@
               <a:buNone/>
             </a:pPr>
             <a:r>
-              <a:rPr lang="en-US" sz="1800" b="1" dirty="0" smtClean="0">
+              <a:rPr lang="en-US" sz="1800" b="1" dirty="0">
                 <a:latin typeface="Consolas" pitchFamily="49" charset="0"/>
                 <a:cs typeface="Consolas" pitchFamily="49" charset="0"/>
               </a:rPr>
@@ -9924,7 +11298,7 @@
               <a:buNone/>
             </a:pPr>
             <a:r>
-              <a:rPr lang="en-US" sz="1800" b="1" dirty="0" smtClean="0">
+              <a:rPr lang="en-US" sz="1800" b="1" dirty="0">
                 <a:latin typeface="Consolas" pitchFamily="49" charset="0"/>
                 <a:cs typeface="Consolas" pitchFamily="49" charset="0"/>
               </a:rPr>
@@ -9936,21 +11310,21 @@
               <a:buNone/>
             </a:pPr>
             <a:r>
-              <a:rPr lang="en-US" sz="1800" b="1" dirty="0" smtClean="0">
+              <a:rPr lang="en-US" sz="1800" b="1" dirty="0">
                 <a:latin typeface="Consolas" pitchFamily="49" charset="0"/>
                 <a:cs typeface="Consolas" pitchFamily="49" charset="0"/>
               </a:rPr>
               <a:t>  (list "</a:t>
             </a:r>
             <a:r>
-              <a:rPr lang="en-US" sz="1800" b="1" dirty="0" err="1" smtClean="0">
+              <a:rPr lang="en-US" sz="1800" b="1" dirty="0" err="1">
                 <a:latin typeface="Consolas" pitchFamily="49" charset="0"/>
                 <a:cs typeface="Consolas" pitchFamily="49" charset="0"/>
               </a:rPr>
               <a:t>alice</a:t>
             </a:r>
             <a:r>
-              <a:rPr lang="en-US" sz="1800" b="1" dirty="0" smtClean="0">
+              <a:rPr lang="en-US" sz="1800" b="1" dirty="0">
                 <a:latin typeface="Consolas" pitchFamily="49" charset="0"/>
                 <a:cs typeface="Consolas" pitchFamily="49" charset="0"/>
               </a:rPr>
@@ -9962,21 +11336,21 @@
               <a:buNone/>
             </a:pPr>
             <a:r>
-              <a:rPr lang="en-US" sz="1800" b="1" dirty="0" smtClean="0">
+              <a:rPr lang="en-US" sz="1800" b="1" dirty="0">
                 <a:latin typeface="Consolas" pitchFamily="49" charset="0"/>
                 <a:cs typeface="Consolas" pitchFamily="49" charset="0"/>
               </a:rPr>
               <a:t>  "</a:t>
             </a:r>
             <a:r>
-              <a:rPr lang="en-US" sz="1800" b="1" dirty="0" err="1" smtClean="0">
+              <a:rPr lang="en-US" sz="1800" b="1" dirty="0" err="1">
                 <a:latin typeface="Consolas" pitchFamily="49" charset="0"/>
                 <a:cs typeface="Consolas" pitchFamily="49" charset="0"/>
               </a:rPr>
               <a:t>cathy</a:t>
             </a:r>
             <a:r>
-              <a:rPr lang="en-US" sz="1800" b="1" dirty="0" smtClean="0">
+              <a:rPr lang="en-US" sz="1800" b="1" dirty="0">
                 <a:latin typeface="Consolas" pitchFamily="49" charset="0"/>
                 <a:cs typeface="Consolas" pitchFamily="49" charset="0"/>
               </a:rPr>
@@ -9988,7 +11362,7 @@
               <a:buNone/>
             </a:pPr>
             <a:r>
-              <a:rPr lang="en-US" sz="1800" b="1" dirty="0" smtClean="0">
+              <a:rPr lang="en-US" sz="1800" b="1" dirty="0">
                 <a:latin typeface="Consolas" pitchFamily="49" charset="0"/>
                 <a:cs typeface="Consolas" pitchFamily="49" charset="0"/>
               </a:rPr>
@@ -9999,7 +11373,7 @@
             <a:pPr>
               <a:buNone/>
             </a:pPr>
-            <a:endParaRPr lang="en-US" sz="1800" b="1" dirty="0" smtClean="0">
+            <a:endParaRPr lang="en-US" sz="1800" b="1" dirty="0">
               <a:latin typeface="Consolas" pitchFamily="49" charset="0"/>
               <a:cs typeface="Consolas" pitchFamily="49" charset="0"/>
             </a:endParaRPr>
@@ -10032,7 +11406,7 @@
               <a:buNone/>
             </a:pPr>
             <a:r>
-              <a:rPr lang="en-US" sz="1800" b="1" dirty="0" smtClean="0">
+              <a:rPr lang="en-US" sz="1800" b="1" dirty="0">
                 <a:latin typeface="Consolas" pitchFamily="49" charset="0"/>
                 <a:cs typeface="Consolas" pitchFamily="49" charset="0"/>
               </a:rPr>
@@ -10044,7 +11418,7 @@
               <a:buNone/>
             </a:pPr>
             <a:r>
-              <a:rPr lang="en-US" sz="1800" b="1" dirty="0" smtClean="0">
+              <a:rPr lang="en-US" sz="1800" b="1" dirty="0">
                 <a:latin typeface="Consolas" pitchFamily="49" charset="0"/>
                 <a:cs typeface="Consolas" pitchFamily="49" charset="0"/>
               </a:rPr>
@@ -10056,21 +11430,21 @@
               <a:buNone/>
             </a:pPr>
             <a:r>
-              <a:rPr lang="en-US" sz="1800" b="1" dirty="0" smtClean="0">
+              <a:rPr lang="en-US" sz="1800" b="1" dirty="0">
                 <a:latin typeface="Consolas" pitchFamily="49" charset="0"/>
                 <a:cs typeface="Consolas" pitchFamily="49" charset="0"/>
               </a:rPr>
               <a:t>  (list (list "</a:t>
             </a:r>
             <a:r>
-              <a:rPr lang="en-US" sz="1800" b="1" dirty="0" err="1" smtClean="0">
+              <a:rPr lang="en-US" sz="1800" b="1" dirty="0" err="1">
                 <a:latin typeface="Consolas" pitchFamily="49" charset="0"/>
                 <a:cs typeface="Consolas" pitchFamily="49" charset="0"/>
               </a:rPr>
               <a:t>alice</a:t>
             </a:r>
             <a:r>
-              <a:rPr lang="en-US" sz="1800" b="1" dirty="0" smtClean="0">
+              <a:rPr lang="en-US" sz="1800" b="1" dirty="0">
                 <a:latin typeface="Consolas" pitchFamily="49" charset="0"/>
                 <a:cs typeface="Consolas" pitchFamily="49" charset="0"/>
               </a:rPr>
@@ -10082,21 +11456,21 @@
               <a:buNone/>
             </a:pPr>
             <a:r>
-              <a:rPr lang="en-US" sz="1800" b="1" dirty="0" smtClean="0">
+              <a:rPr lang="en-US" sz="1800" b="1" dirty="0">
                 <a:latin typeface="Consolas" pitchFamily="49" charset="0"/>
                 <a:cs typeface="Consolas" pitchFamily="49" charset="0"/>
               </a:rPr>
               <a:t>        "</a:t>
             </a:r>
             <a:r>
-              <a:rPr lang="en-US" sz="1800" b="1" dirty="0" err="1" smtClean="0">
+              <a:rPr lang="en-US" sz="1800" b="1" dirty="0" err="1">
                 <a:latin typeface="Consolas" pitchFamily="49" charset="0"/>
                 <a:cs typeface="Consolas" pitchFamily="49" charset="0"/>
               </a:rPr>
               <a:t>carole</a:t>
             </a:r>
             <a:r>
-              <a:rPr lang="en-US" sz="1800" b="1" dirty="0" smtClean="0">
+              <a:rPr lang="en-US" sz="1800" b="1" dirty="0">
                 <a:latin typeface="Consolas" pitchFamily="49" charset="0"/>
                 <a:cs typeface="Consolas" pitchFamily="49" charset="0"/>
               </a:rPr>
@@ -10108,7 +11482,7 @@
               <a:buNone/>
             </a:pPr>
             <a:r>
-              <a:rPr lang="en-US" sz="1800" b="1" dirty="0" smtClean="0">
+              <a:rPr lang="en-US" sz="1800" b="1" dirty="0">
                 <a:latin typeface="Consolas" pitchFamily="49" charset="0"/>
                 <a:cs typeface="Consolas" pitchFamily="49" charset="0"/>
               </a:rPr>
@@ -10120,7 +11494,7 @@
               <a:buNone/>
             </a:pPr>
             <a:r>
-              <a:rPr lang="en-US" sz="1800" b="1" dirty="0" smtClean="0">
+              <a:rPr lang="en-US" sz="1800" b="1" dirty="0">
                 <a:latin typeface="Consolas" pitchFamily="49" charset="0"/>
                 <a:cs typeface="Consolas" pitchFamily="49" charset="0"/>
               </a:rPr>
@@ -10131,7 +11505,7 @@
             <a:pPr>
               <a:buNone/>
             </a:pPr>
-            <a:endParaRPr lang="en-US" sz="1800" b="1" dirty="0" smtClean="0">
+            <a:endParaRPr lang="en-US" sz="1800" b="1" dirty="0">
               <a:latin typeface="Consolas" pitchFamily="49" charset="0"/>
               <a:cs typeface="Consolas" pitchFamily="49" charset="0"/>
             </a:endParaRPr>
@@ -10141,7 +11515,7 @@
               <a:buNone/>
             </a:pPr>
             <a:r>
-              <a:rPr lang="en-US" sz="1800" b="1" dirty="0" smtClean="0">
+              <a:rPr lang="en-US" sz="1800" b="1" dirty="0">
                 <a:latin typeface="Consolas" pitchFamily="49" charset="0"/>
                 <a:cs typeface="Consolas" pitchFamily="49" charset="0"/>
               </a:rPr>
@@ -10153,7 +11527,7 @@
               <a:buNone/>
             </a:pPr>
             <a:r>
-              <a:rPr lang="en-US" sz="1800" b="1" dirty="0" smtClean="0">
+              <a:rPr lang="en-US" sz="1800" b="1" dirty="0">
                 <a:latin typeface="Consolas" pitchFamily="49" charset="0"/>
                 <a:cs typeface="Consolas" pitchFamily="49" charset="0"/>
               </a:rPr>
@@ -10165,21 +11539,21 @@
               <a:buNone/>
             </a:pPr>
             <a:r>
-              <a:rPr lang="en-US" sz="1800" b="1" dirty="0" smtClean="0">
+              <a:rPr lang="en-US" sz="1800" b="1" dirty="0">
                 <a:latin typeface="Consolas" pitchFamily="49" charset="0"/>
                 <a:cs typeface="Consolas" pitchFamily="49" charset="0"/>
               </a:rPr>
               <a:t>  (list "</a:t>
             </a:r>
             <a:r>
-              <a:rPr lang="en-US" sz="1800" b="1" dirty="0" err="1" smtClean="0">
+              <a:rPr lang="en-US" sz="1800" b="1" dirty="0" err="1">
                 <a:latin typeface="Consolas" pitchFamily="49" charset="0"/>
                 <a:cs typeface="Consolas" pitchFamily="49" charset="0"/>
               </a:rPr>
               <a:t>alice</a:t>
             </a:r>
             <a:r>
-              <a:rPr lang="en-US" sz="1800" b="1" dirty="0" smtClean="0">
+              <a:rPr lang="en-US" sz="1800" b="1" dirty="0">
                 <a:latin typeface="Consolas" pitchFamily="49" charset="0"/>
                 <a:cs typeface="Consolas" pitchFamily="49" charset="0"/>
               </a:rPr>
@@ -10191,21 +11565,21 @@
               <a:buNone/>
             </a:pPr>
             <a:r>
-              <a:rPr lang="en-US" sz="1800" b="1" dirty="0" smtClean="0">
+              <a:rPr lang="en-US" sz="1800" b="1" dirty="0">
                 <a:latin typeface="Consolas" pitchFamily="49" charset="0"/>
                 <a:cs typeface="Consolas" pitchFamily="49" charset="0"/>
               </a:rPr>
               <a:t>        (list (list "</a:t>
             </a:r>
             <a:r>
-              <a:rPr lang="en-US" sz="1800" b="1" dirty="0" err="1" smtClean="0">
+              <a:rPr lang="en-US" sz="1800" b="1" dirty="0" err="1">
                 <a:latin typeface="Consolas" pitchFamily="49" charset="0"/>
                 <a:cs typeface="Consolas" pitchFamily="49" charset="0"/>
               </a:rPr>
               <a:t>alice</a:t>
             </a:r>
             <a:r>
-              <a:rPr lang="en-US" sz="1800" b="1" dirty="0" smtClean="0">
+              <a:rPr lang="en-US" sz="1800" b="1" dirty="0">
                 <a:latin typeface="Consolas" pitchFamily="49" charset="0"/>
                 <a:cs typeface="Consolas" pitchFamily="49" charset="0"/>
               </a:rPr>
@@ -10217,21 +11591,21 @@
               <a:buNone/>
             </a:pPr>
             <a:r>
-              <a:rPr lang="en-US" sz="1800" b="1" dirty="0" smtClean="0">
+              <a:rPr lang="en-US" sz="1800" b="1" dirty="0">
                 <a:latin typeface="Consolas" pitchFamily="49" charset="0"/>
                 <a:cs typeface="Consolas" pitchFamily="49" charset="0"/>
               </a:rPr>
               <a:t>              "</a:t>
             </a:r>
             <a:r>
-              <a:rPr lang="en-US" sz="1800" b="1" dirty="0" err="1" smtClean="0">
+              <a:rPr lang="en-US" sz="1800" b="1" dirty="0" err="1">
                 <a:latin typeface="Consolas" pitchFamily="49" charset="0"/>
                 <a:cs typeface="Consolas" pitchFamily="49" charset="0"/>
               </a:rPr>
               <a:t>dave</a:t>
             </a:r>
             <a:r>
-              <a:rPr lang="en-US" sz="1800" b="1" dirty="0" smtClean="0">
+              <a:rPr lang="en-US" sz="1800" b="1" dirty="0">
                 <a:latin typeface="Consolas" pitchFamily="49" charset="0"/>
                 <a:cs typeface="Consolas" pitchFamily="49" charset="0"/>
               </a:rPr>
@@ -10243,7 +11617,7 @@
               <a:buNone/>
             </a:pPr>
             <a:r>
-              <a:rPr lang="en-US" sz="1800" b="1" dirty="0" smtClean="0">
+              <a:rPr lang="en-US" sz="1800" b="1" dirty="0">
                 <a:latin typeface="Consolas" pitchFamily="49" charset="0"/>
                 <a:cs typeface="Consolas" pitchFamily="49" charset="0"/>
               </a:rPr>
@@ -10255,7 +11629,7 @@
               <a:buNone/>
             </a:pPr>
             <a:r>
-              <a:rPr lang="en-US" sz="1800" b="1" dirty="0" smtClean="0">
+              <a:rPr lang="en-US" sz="1800" b="1" dirty="0">
                 <a:latin typeface="Consolas" pitchFamily="49" charset="0"/>
                 <a:cs typeface="Consolas" pitchFamily="49" charset="0"/>
               </a:rPr>
@@ -10267,7 +11641,7 @@
               <a:buNone/>
             </a:pPr>
             <a:r>
-              <a:rPr lang="en-US" sz="1800" b="1" dirty="0" smtClean="0">
+              <a:rPr lang="en-US" sz="1800" b="1" dirty="0">
                 <a:latin typeface="Consolas" pitchFamily="49" charset="0"/>
                 <a:cs typeface="Consolas" pitchFamily="49" charset="0"/>
               </a:rPr>
@@ -10299,7 +11673,7 @@
           <a:p>
             <a:fld id="{C1D4534E-1B22-4A44-850A-B3E8E9EE687A}" type="slidenum">
               <a:rPr lang="en-US" smtClean="0"/>
-              <a:t>17</a:t>
+              <a:t>19</a:t>
             </a:fld>
             <a:endParaRPr lang="en-US"/>
           </a:p>
@@ -10315,17 +11689,10 @@
   <p:clrMapOvr>
     <a:masterClrMapping/>
   </p:clrMapOvr>
-  <p:timing>
-    <p:tnLst>
-      <p:par>
-        <p:cTn id="1" dur="indefinite" restart="never" nodeType="tmRoot"/>
-      </p:par>
-    </p:tnLst>
-  </p:timing>
 </p:sld>
 </file>
 
-<file path=ppt/slides/slide18.xml><?xml version="1.0" encoding="utf-8"?>
+<file path=ppt/slides/slide2.xml><?xml version="1.0" encoding="utf-8"?>
 <p:sld xmlns:a="http://schemas.openxmlformats.org/drawingml/2006/main" xmlns:r="http://schemas.openxmlformats.org/officeDocument/2006/relationships" xmlns:p="http://schemas.openxmlformats.org/presentationml/2006/main">
   <p:cSld>
     <p:spTree>
@@ -10344,6 +11711,124 @@
       </p:grpSpPr>
       <p:sp>
         <p:nvSpPr>
+          <p:cNvPr id="2" name="Title 1"/>
+          <p:cNvSpPr>
+            <a:spLocks noGrp="1"/>
+          </p:cNvSpPr>
+          <p:nvPr>
+            <p:ph type="title"/>
+          </p:nvPr>
+        </p:nvSpPr>
+        <p:spPr/>
+        <p:txBody>
+          <a:bodyPr/>
+          <a:lstStyle/>
+          <a:p>
+            <a:r>
+              <a:rPr lang="en-US" dirty="0"/>
+              <a:t>Learning Outcomes</a:t>
+            </a:r>
+          </a:p>
+        </p:txBody>
+      </p:sp>
+      <p:sp>
+        <p:nvSpPr>
+          <p:cNvPr id="3" name="Content Placeholder 2"/>
+          <p:cNvSpPr>
+            <a:spLocks noGrp="1"/>
+          </p:cNvSpPr>
+          <p:nvPr>
+            <p:ph idx="1"/>
+          </p:nvPr>
+        </p:nvSpPr>
+        <p:spPr/>
+        <p:txBody>
+          <a:bodyPr/>
+          <a:lstStyle/>
+          <a:p>
+            <a:r>
+              <a:rPr lang="en-US" dirty="0"/>
+              <a:t>At the end of this lesson, the student should be able to</a:t>
+            </a:r>
+          </a:p>
+          <a:p>
+            <a:pPr lvl="1"/>
+            <a:r>
+              <a:rPr lang="en-US" dirty="0"/>
+              <a:t>Give examples of S-expressions</a:t>
+            </a:r>
+          </a:p>
+          <a:p>
+            <a:pPr lvl="1"/>
+            <a:r>
+              <a:rPr lang="en-US" dirty="0"/>
+              <a:t>Write the data definition and template for S-expressions</a:t>
+            </a:r>
+          </a:p>
+          <a:p>
+            <a:pPr lvl="1"/>
+            <a:r>
+              <a:rPr lang="en-US" dirty="0"/>
+              <a:t>Write functions on S-expressions using the template</a:t>
+            </a:r>
+          </a:p>
+        </p:txBody>
+      </p:sp>
+      <p:sp>
+        <p:nvSpPr>
+          <p:cNvPr id="4" name="Slide Number Placeholder 3"/>
+          <p:cNvSpPr>
+            <a:spLocks noGrp="1"/>
+          </p:cNvSpPr>
+          <p:nvPr>
+            <p:ph type="sldNum" sz="quarter" idx="12"/>
+          </p:nvPr>
+        </p:nvSpPr>
+        <p:spPr/>
+        <p:txBody>
+          <a:bodyPr/>
+          <a:lstStyle/>
+          <a:p>
+            <a:fld id="{C1D4534E-1B22-4A44-850A-B3E8E9EE687A}" type="slidenum">
+              <a:rPr lang="en-US" smtClean="0"/>
+              <a:t>2</a:t>
+            </a:fld>
+            <a:endParaRPr lang="en-US"/>
+          </a:p>
+        </p:txBody>
+      </p:sp>
+    </p:spTree>
+    <p:extLst>
+      <p:ext uri="{BB962C8B-B14F-4D97-AF65-F5344CB8AC3E}">
+        <p14:creationId xmlns:p14="http://schemas.microsoft.com/office/powerpoint/2010/main" val="2186847188"/>
+      </p:ext>
+    </p:extLst>
+  </p:cSld>
+  <p:clrMapOvr>
+    <a:masterClrMapping/>
+  </p:clrMapOvr>
+</p:sld>
+</file>
+
+<file path=ppt/slides/slide20.xml><?xml version="1.0" encoding="utf-8"?>
+<p:sld xmlns:a="http://schemas.openxmlformats.org/drawingml/2006/main" xmlns:r="http://schemas.openxmlformats.org/officeDocument/2006/relationships" xmlns:p="http://schemas.openxmlformats.org/presentationml/2006/main">
+  <p:cSld>
+    <p:spTree>
+      <p:nvGrpSpPr>
+        <p:cNvPr id="1" name=""/>
+        <p:cNvGrpSpPr/>
+        <p:nvPr/>
+      </p:nvGrpSpPr>
+      <p:grpSpPr>
+        <a:xfrm>
+          <a:off x="0" y="0"/>
+          <a:ext cx="0" cy="0"/>
+          <a:chOff x="0" y="0"/>
+          <a:chExt cx="0" cy="0"/>
+        </a:xfrm>
+      </p:grpSpPr>
+      <p:sp>
+        <p:nvSpPr>
           <p:cNvPr id="6" name="Title 5"/>
           <p:cNvSpPr>
             <a:spLocks noGrp="1"/>
@@ -10358,15 +11843,15 @@
           <a:lstStyle/>
           <a:p>
             <a:r>
-              <a:rPr lang="en-US" dirty="0" err="1" smtClean="0"/>
+              <a:rPr lang="en-US" dirty="0" err="1"/>
               <a:t>sos</a:t>
             </a:r>
             <a:r>
-              <a:rPr lang="en-US" dirty="0" smtClean="0"/>
+              <a:rPr lang="en-US" dirty="0"/>
               <a:t>-and-</a:t>
             </a:r>
             <a:r>
-              <a:rPr lang="en-US" dirty="0" err="1" smtClean="0"/>
+              <a:rPr lang="en-US" dirty="0" err="1"/>
               <a:t>loss.rkt</a:t>
             </a:r>
             <a:endParaRPr lang="en-US" dirty="0"/>
@@ -10417,7 +11902,7 @@
           <a:p>
             <a:fld id="{C1D4534E-1B22-4A44-850A-B3E8E9EE687A}" type="slidenum">
               <a:rPr lang="en-US" smtClean="0"/>
-              <a:t>18</a:t>
+              <a:t>20</a:t>
             </a:fld>
             <a:endParaRPr lang="en-US"/>
           </a:p>
@@ -10516,7 +12001,7 @@
 </p:sld>
 </file>
 
-<file path=ppt/slides/slide19.xml><?xml version="1.0" encoding="utf-8"?>
+<file path=ppt/slides/slide21.xml><?xml version="1.0" encoding="utf-8"?>
 <p:sld xmlns:a="http://schemas.openxmlformats.org/drawingml/2006/main" xmlns:r="http://schemas.openxmlformats.org/officeDocument/2006/relationships" xmlns:p="http://schemas.openxmlformats.org/presentationml/2006/main">
   <p:cSld>
     <p:spTree>
@@ -10549,15 +12034,15 @@
           <a:lstStyle/>
           <a:p>
             <a:r>
-              <a:rPr lang="en-US" dirty="0" err="1" smtClean="0"/>
+              <a:rPr lang="en-US" dirty="0" err="1"/>
               <a:t>sos</a:t>
             </a:r>
             <a:r>
-              <a:rPr lang="en-US" dirty="0" smtClean="0"/>
+              <a:rPr lang="en-US" dirty="0"/>
               <a:t>-and-</a:t>
             </a:r>
             <a:r>
-              <a:rPr lang="en-US" dirty="0" err="1" smtClean="0"/>
+              <a:rPr lang="en-US" dirty="0" err="1"/>
               <a:t>loss.rkt</a:t>
             </a:r>
             <a:endParaRPr lang="en-US" dirty="0"/>
@@ -10608,7 +12093,7 @@
           <a:p>
             <a:fld id="{C1D4534E-1B22-4A44-850A-B3E8E9EE687A}" type="slidenum">
               <a:rPr lang="en-US" smtClean="0"/>
-              <a:t>19</a:t>
+              <a:t>21</a:t>
             </a:fld>
             <a:endParaRPr lang="en-US"/>
           </a:p>
@@ -10679,25 +12164,17 @@
             </a:r>
             <a:r>
               <a:rPr lang="en-US" sz="1400" dirty="0"/>
-              <a:t> </a:t>
-            </a:r>
-            <a:r>
-              <a:rPr lang="en-US" sz="1400" dirty="0" smtClean="0"/>
-              <a:t>or </a:t>
-            </a:r>
-            <a:r>
-              <a:rPr lang="en-US" sz="1400" u="sng" dirty="0" smtClean="0">
+              <a:t> or </a:t>
+            </a:r>
+            <a:r>
+              <a:rPr lang="en-US" sz="1400" u="sng" dirty="0">
                 <a:hlinkClick r:id="rId5"/>
               </a:rPr>
               <a:t>here</a:t>
             </a:r>
             <a:r>
               <a:rPr lang="en-US" sz="1400" dirty="0"/>
-              <a:t>.</a:t>
-            </a:r>
-            <a:r>
-              <a:rPr lang="en-US" sz="1400" dirty="0" smtClean="0"/>
-              <a:t>  </a:t>
+              <a:t>.  </a:t>
             </a:r>
             <a:r>
               <a:rPr lang="en-US" sz="1400" u="sng" dirty="0">
@@ -10806,7 +12283,7 @@
 </p:sld>
 </file>
 
-<file path=ppt/slides/slide2.xml><?xml version="1.0" encoding="utf-8"?>
+<file path=ppt/slides/slide22.xml><?xml version="1.0" encoding="utf-8"?>
 <p:sld xmlns:a="http://schemas.openxmlformats.org/drawingml/2006/main" xmlns:r="http://schemas.openxmlformats.org/officeDocument/2006/relationships" xmlns:p="http://schemas.openxmlformats.org/presentationml/2006/main">
   <p:cSld>
     <p:spTree>
@@ -10825,140 +12302,6 @@
       </p:grpSpPr>
       <p:sp>
         <p:nvSpPr>
-          <p:cNvPr id="2" name="Title 1"/>
-          <p:cNvSpPr>
-            <a:spLocks noGrp="1"/>
-          </p:cNvSpPr>
-          <p:nvPr>
-            <p:ph type="title"/>
-          </p:nvPr>
-        </p:nvSpPr>
-        <p:spPr/>
-        <p:txBody>
-          <a:bodyPr/>
-          <a:lstStyle/>
-          <a:p>
-            <a:r>
-              <a:rPr lang="en-US" dirty="0" smtClean="0"/>
-              <a:t>Learning Outcomes</a:t>
-            </a:r>
-            <a:endParaRPr lang="en-US" dirty="0"/>
-          </a:p>
-        </p:txBody>
-      </p:sp>
-      <p:sp>
-        <p:nvSpPr>
-          <p:cNvPr id="3" name="Content Placeholder 2"/>
-          <p:cNvSpPr>
-            <a:spLocks noGrp="1"/>
-          </p:cNvSpPr>
-          <p:nvPr>
-            <p:ph idx="1"/>
-          </p:nvPr>
-        </p:nvSpPr>
-        <p:spPr/>
-        <p:txBody>
-          <a:bodyPr/>
-          <a:lstStyle/>
-          <a:p>
-            <a:r>
-              <a:rPr lang="en-US" dirty="0" smtClean="0"/>
-              <a:t>At the end of this lesson, the student should be able to</a:t>
-            </a:r>
-          </a:p>
-          <a:p>
-            <a:pPr lvl="1"/>
-            <a:r>
-              <a:rPr lang="en-US" dirty="0" smtClean="0"/>
-              <a:t>Give examples of S-expressions</a:t>
-            </a:r>
-          </a:p>
-          <a:p>
-            <a:pPr lvl="1"/>
-            <a:r>
-              <a:rPr lang="en-US" dirty="0" smtClean="0"/>
-              <a:t>Give 3 reasons why S-expressions are important</a:t>
-            </a:r>
-          </a:p>
-          <a:p>
-            <a:pPr lvl="1"/>
-            <a:r>
-              <a:rPr lang="en-US" dirty="0" smtClean="0"/>
-              <a:t>Write the data definition and template for S-expressions</a:t>
-            </a:r>
-          </a:p>
-          <a:p>
-            <a:pPr lvl="1"/>
-            <a:r>
-              <a:rPr lang="en-US" dirty="0" smtClean="0"/>
-              <a:t>Write functions on S-expressions using the template</a:t>
-            </a:r>
-            <a:endParaRPr lang="en-US" dirty="0"/>
-          </a:p>
-        </p:txBody>
-      </p:sp>
-      <p:sp>
-        <p:nvSpPr>
-          <p:cNvPr id="4" name="Slide Number Placeholder 3"/>
-          <p:cNvSpPr>
-            <a:spLocks noGrp="1"/>
-          </p:cNvSpPr>
-          <p:nvPr>
-            <p:ph type="sldNum" sz="quarter" idx="12"/>
-          </p:nvPr>
-        </p:nvSpPr>
-        <p:spPr/>
-        <p:txBody>
-          <a:bodyPr/>
-          <a:lstStyle/>
-          <a:p>
-            <a:fld id="{C1D4534E-1B22-4A44-850A-B3E8E9EE687A}" type="slidenum">
-              <a:rPr lang="en-US" smtClean="0"/>
-              <a:t>2</a:t>
-            </a:fld>
-            <a:endParaRPr lang="en-US"/>
-          </a:p>
-        </p:txBody>
-      </p:sp>
-    </p:spTree>
-    <p:extLst>
-      <p:ext uri="{BB962C8B-B14F-4D97-AF65-F5344CB8AC3E}">
-        <p14:creationId xmlns:p14="http://schemas.microsoft.com/office/powerpoint/2010/main" val="2186847188"/>
-      </p:ext>
-    </p:extLst>
-  </p:cSld>
-  <p:clrMapOvr>
-    <a:masterClrMapping/>
-  </p:clrMapOvr>
-  <p:timing>
-    <p:tnLst>
-      <p:par>
-        <p:cTn id="1" dur="indefinite" restart="never" nodeType="tmRoot"/>
-      </p:par>
-    </p:tnLst>
-  </p:timing>
-</p:sld>
-</file>
-
-<file path=ppt/slides/slide20.xml><?xml version="1.0" encoding="utf-8"?>
-<p:sld xmlns:a="http://schemas.openxmlformats.org/drawingml/2006/main" xmlns:r="http://schemas.openxmlformats.org/officeDocument/2006/relationships" xmlns:p="http://schemas.openxmlformats.org/presentationml/2006/main">
-  <p:cSld>
-    <p:spTree>
-      <p:nvGrpSpPr>
-        <p:cNvPr id="1" name=""/>
-        <p:cNvGrpSpPr/>
-        <p:nvPr/>
-      </p:nvGrpSpPr>
-      <p:grpSpPr>
-        <a:xfrm>
-          <a:off x="0" y="0"/>
-          <a:ext cx="0" cy="0"/>
-          <a:chOff x="0" y="0"/>
-          <a:chExt cx="0" cy="0"/>
-        </a:xfrm>
-      </p:grpSpPr>
-      <p:sp>
-        <p:nvSpPr>
           <p:cNvPr id="6" name="Title 5"/>
           <p:cNvSpPr>
             <a:spLocks noGrp="1"/>
@@ -10975,23 +12318,23 @@
           <a:lstStyle/>
           <a:p>
             <a:r>
-              <a:rPr lang="en-US" dirty="0" err="1" smtClean="0"/>
+              <a:rPr lang="en-US" dirty="0" err="1"/>
               <a:t>Livecoding</a:t>
             </a:r>
             <a:r>
-              <a:rPr lang="en-US" dirty="0" smtClean="0"/>
+              <a:rPr lang="en-US" dirty="0"/>
               <a:t>: </a:t>
             </a:r>
             <a:r>
-              <a:rPr lang="en-US" dirty="0" err="1" smtClean="0"/>
+              <a:rPr lang="en-US" dirty="0" err="1"/>
               <a:t>sos</a:t>
             </a:r>
             <a:r>
-              <a:rPr lang="en-US" dirty="0" smtClean="0"/>
+              <a:rPr lang="en-US" dirty="0"/>
               <a:t>-and-</a:t>
             </a:r>
             <a:r>
-              <a:rPr lang="en-US" dirty="0" err="1" smtClean="0"/>
+              <a:rPr lang="en-US" dirty="0" err="1"/>
               <a:t>loss.rkt</a:t>
             </a:r>
             <a:endParaRPr lang="en-US" dirty="0"/>
@@ -11014,26 +12357,16 @@
           <a:lstStyle/>
           <a:p>
             <a:r>
-              <a:rPr lang="en-US" dirty="0" smtClean="0"/>
-              <a:t>occurs-in? </a:t>
-            </a:r>
-            <a:r>
               <a:rPr lang="en-US" dirty="0"/>
-              <a:t>: </a:t>
+              <a:t>occurs-in? : </a:t>
             </a:r>
             <a:r>
               <a:rPr lang="en-US" dirty="0">
                 <a:hlinkClick r:id="rId2"/>
               </a:rPr>
-              <a:t>http://</a:t>
-            </a:r>
-            <a:r>
-              <a:rPr lang="en-US" dirty="0" smtClean="0">
-                <a:hlinkClick r:id="rId2"/>
-              </a:rPr>
-              <a:t>youtu.be/w_URqq2LrQU</a:t>
-            </a:r>
-            <a:endParaRPr lang="en-US" dirty="0" smtClean="0"/>
+              <a:t>http://youtu.be/w_URqq2LrQU</a:t>
+            </a:r>
+            <a:endParaRPr lang="en-US" dirty="0"/>
           </a:p>
           <a:p>
             <a:r>
@@ -11044,15 +12377,9 @@
               <a:rPr lang="en-US" dirty="0">
                 <a:hlinkClick r:id="rId3"/>
               </a:rPr>
-              <a:t>http://</a:t>
-            </a:r>
-            <a:r>
-              <a:rPr lang="en-US" dirty="0" smtClean="0">
-                <a:hlinkClick r:id="rId3"/>
-              </a:rPr>
-              <a:t>youtu.be/9z-jdukgRx4</a:t>
-            </a:r>
-            <a:endParaRPr lang="en-US" dirty="0" smtClean="0"/>
+              <a:t>http://youtu.be/9z-jdukgRx4</a:t>
+            </a:r>
+            <a:endParaRPr lang="en-US" dirty="0"/>
           </a:p>
           <a:p>
             <a:endParaRPr lang="en-US" dirty="0"/>
@@ -11076,7 +12403,7 @@
           <a:p>
             <a:fld id="{C1D4534E-1B22-4A44-850A-B3E8E9EE687A}" type="slidenum">
               <a:rPr lang="en-US" smtClean="0"/>
-              <a:t>20</a:t>
+              <a:t>22</a:t>
             </a:fld>
             <a:endParaRPr lang="en-US"/>
           </a:p>
@@ -11183,17 +12510,10 @@
   <p:clrMapOvr>
     <a:masterClrMapping/>
   </p:clrMapOvr>
-  <p:timing>
-    <p:tnLst>
-      <p:par>
-        <p:cTn id="1" dur="indefinite" restart="never" nodeType="tmRoot"/>
-      </p:par>
-    </p:tnLst>
-  </p:timing>
 </p:sld>
 </file>
 
-<file path=ppt/slides/slide21.xml><?xml version="1.0" encoding="utf-8"?>
+<file path=ppt/slides/slide23.xml><?xml version="1.0" encoding="utf-8"?>
 <p:sld xmlns:a="http://schemas.openxmlformats.org/drawingml/2006/main" xmlns:r="http://schemas.openxmlformats.org/officeDocument/2006/relationships" xmlns:p="http://schemas.openxmlformats.org/presentationml/2006/main">
   <p:cSld>
     <p:spTree>
@@ -11226,14 +12546,11 @@
           <a:lstStyle/>
           <a:p>
             <a:r>
-              <a:rPr lang="en-US" dirty="0" smtClean="0">
+              <a:rPr lang="en-US" dirty="0">
                 <a:cs typeface="Consolas" pitchFamily="49" charset="0"/>
               </a:rPr>
               <a:t>The S-expression pattern</a:t>
             </a:r>
-            <a:endParaRPr lang="en-US" dirty="0">
-              <a:cs typeface="Consolas" pitchFamily="49" charset="0"/>
-            </a:endParaRPr>
           </a:p>
         </p:txBody>
       </p:sp>
@@ -11258,7 +12575,7 @@
               <a:buNone/>
             </a:pPr>
             <a:r>
-              <a:rPr lang="en-US" dirty="0" smtClean="0"/>
+              <a:rPr lang="en-US" dirty="0"/>
               <a:t>Can do this for things other than strings:</a:t>
             </a:r>
           </a:p>
@@ -11267,21 +12584,21 @@
               <a:buNone/>
             </a:pPr>
             <a:r>
-              <a:rPr lang="en-US" b="1" dirty="0" smtClean="0">
+              <a:rPr lang="en-US" b="1" dirty="0">
                 <a:latin typeface="Consolas" pitchFamily="49" charset="0"/>
                 <a:cs typeface="Consolas" pitchFamily="49" charset="0"/>
               </a:rPr>
               <a:t>An </a:t>
             </a:r>
             <a:r>
-              <a:rPr lang="en-US" b="1" dirty="0" err="1" smtClean="0">
+              <a:rPr lang="en-US" b="1" dirty="0" err="1">
                 <a:latin typeface="Consolas" pitchFamily="49" charset="0"/>
                 <a:cs typeface="Consolas" pitchFamily="49" charset="0"/>
               </a:rPr>
               <a:t>SexpOfX</a:t>
             </a:r>
             <a:r>
-              <a:rPr lang="en-US" b="1" dirty="0" smtClean="0">
+              <a:rPr lang="en-US" b="1" dirty="0">
                 <a:latin typeface="Consolas" pitchFamily="49" charset="0"/>
                 <a:cs typeface="Consolas" pitchFamily="49" charset="0"/>
               </a:rPr>
@@ -11293,7 +12610,7 @@
               <a:buNone/>
             </a:pPr>
             <a:r>
-              <a:rPr lang="en-US" b="1" dirty="0" smtClean="0">
+              <a:rPr lang="en-US" b="1" dirty="0">
                 <a:latin typeface="Consolas" pitchFamily="49" charset="0"/>
                 <a:cs typeface="Consolas" pitchFamily="49" charset="0"/>
               </a:rPr>
@@ -11305,20 +12622,20 @@
               <a:buNone/>
             </a:pPr>
             <a:r>
-              <a:rPr lang="en-US" b="1" dirty="0" smtClean="0">
+              <a:rPr lang="en-US" b="1" dirty="0">
                 <a:latin typeface="Consolas" pitchFamily="49" charset="0"/>
                 <a:cs typeface="Consolas" pitchFamily="49" charset="0"/>
               </a:rPr>
               <a:t>-- a </a:t>
             </a:r>
             <a:r>
-              <a:rPr lang="en-US" b="1" dirty="0" err="1" smtClean="0">
+              <a:rPr lang="en-US" b="1" dirty="0" err="1">
                 <a:latin typeface="Consolas" pitchFamily="49" charset="0"/>
                 <a:cs typeface="Consolas" pitchFamily="49" charset="0"/>
               </a:rPr>
               <a:t>ListOfSexpOfX</a:t>
             </a:r>
-            <a:endParaRPr lang="en-US" b="1" dirty="0" smtClean="0">
+            <a:endParaRPr lang="en-US" b="1" dirty="0">
               <a:latin typeface="Consolas" pitchFamily="49" charset="0"/>
               <a:cs typeface="Consolas" pitchFamily="49" charset="0"/>
             </a:endParaRPr>
@@ -11337,21 +12654,21 @@
               <a:buNone/>
             </a:pPr>
             <a:r>
-              <a:rPr lang="en-US" b="1" dirty="0" smtClean="0">
+              <a:rPr lang="en-US" b="1" dirty="0">
                 <a:latin typeface="Consolas" pitchFamily="49" charset="0"/>
                 <a:cs typeface="Consolas" pitchFamily="49" charset="0"/>
               </a:rPr>
               <a:t>A </a:t>
             </a:r>
             <a:r>
-              <a:rPr lang="en-US" b="1" dirty="0" err="1" smtClean="0">
+              <a:rPr lang="en-US" b="1" dirty="0" err="1">
                 <a:latin typeface="Consolas" pitchFamily="49" charset="0"/>
                 <a:cs typeface="Consolas" pitchFamily="49" charset="0"/>
               </a:rPr>
               <a:t>ListOfSexpOfX</a:t>
             </a:r>
             <a:r>
-              <a:rPr lang="en-US" b="1" dirty="0" smtClean="0">
+              <a:rPr lang="en-US" b="1" dirty="0">
                 <a:latin typeface="Consolas" pitchFamily="49" charset="0"/>
                 <a:cs typeface="Consolas" pitchFamily="49" charset="0"/>
               </a:rPr>
@@ -11363,7 +12680,7 @@
               <a:buNone/>
             </a:pPr>
             <a:r>
-              <a:rPr lang="en-US" b="1" dirty="0" smtClean="0">
+              <a:rPr lang="en-US" b="1" dirty="0">
                 <a:latin typeface="Consolas" pitchFamily="49" charset="0"/>
                 <a:cs typeface="Consolas" pitchFamily="49" charset="0"/>
               </a:rPr>
@@ -11375,35 +12692,35 @@
               <a:buNone/>
             </a:pPr>
             <a:r>
-              <a:rPr lang="en-US" b="1" dirty="0" smtClean="0">
+              <a:rPr lang="en-US" b="1" dirty="0">
                 <a:latin typeface="Consolas" pitchFamily="49" charset="0"/>
                 <a:cs typeface="Consolas" pitchFamily="49" charset="0"/>
               </a:rPr>
               <a:t>-- (cons </a:t>
             </a:r>
             <a:r>
-              <a:rPr lang="en-US" b="1" dirty="0" err="1" smtClean="0">
+              <a:rPr lang="en-US" b="1" dirty="0" err="1">
                 <a:latin typeface="Consolas" pitchFamily="49" charset="0"/>
                 <a:cs typeface="Consolas" pitchFamily="49" charset="0"/>
               </a:rPr>
               <a:t>SexpOfX</a:t>
             </a:r>
             <a:r>
-              <a:rPr lang="en-US" b="1" dirty="0" smtClean="0">
+              <a:rPr lang="en-US" b="1" dirty="0">
                 <a:latin typeface="Consolas" pitchFamily="49" charset="0"/>
                 <a:cs typeface="Consolas" pitchFamily="49" charset="0"/>
               </a:rPr>
               <a:t> </a:t>
             </a:r>
             <a:r>
-              <a:rPr lang="en-US" b="1" dirty="0" err="1" smtClean="0">
+              <a:rPr lang="en-US" b="1" dirty="0" err="1">
                 <a:latin typeface="Consolas" pitchFamily="49" charset="0"/>
                 <a:cs typeface="Consolas" pitchFamily="49" charset="0"/>
               </a:rPr>
               <a:t>ListOfSexpOfX</a:t>
             </a:r>
             <a:r>
-              <a:rPr lang="en-US" b="1" dirty="0" smtClean="0">
+              <a:rPr lang="en-US" b="1" dirty="0">
                 <a:latin typeface="Consolas" pitchFamily="49" charset="0"/>
                 <a:cs typeface="Consolas" pitchFamily="49" charset="0"/>
               </a:rPr>
@@ -11429,7 +12746,7 @@
           <a:p>
             <a:fld id="{C1D4534E-1B22-4A44-850A-B3E8E9EE687A}" type="slidenum">
               <a:rPr lang="en-US" smtClean="0"/>
-              <a:t>21</a:t>
+              <a:t>23</a:t>
             </a:fld>
             <a:endParaRPr lang="en-US"/>
           </a:p>
@@ -11445,17 +12762,10 @@
   <p:clrMapOvr>
     <a:masterClrMapping/>
   </p:clrMapOvr>
-  <p:timing>
-    <p:tnLst>
-      <p:par>
-        <p:cTn id="1" dur="indefinite" restart="never" nodeType="tmRoot"/>
-      </p:par>
-    </p:tnLst>
-  </p:timing>
 </p:sld>
 </file>
 
-<file path=ppt/slides/slide22.xml><?xml version="1.0" encoding="utf-8"?>
+<file path=ppt/slides/slide24.xml><?xml version="1.0" encoding="utf-8"?>
 <p:sld xmlns:a="http://schemas.openxmlformats.org/drawingml/2006/main" xmlns:r="http://schemas.openxmlformats.org/officeDocument/2006/relationships" xmlns:p="http://schemas.openxmlformats.org/presentationml/2006/main">
   <p:cSld>
     <p:spTree>
@@ -11488,11 +12798,11 @@
           <a:lstStyle/>
           <a:p>
             <a:r>
-              <a:rPr lang="en-US" dirty="0" smtClean="0"/>
+              <a:rPr lang="en-US" dirty="0"/>
               <a:t>The Template for </a:t>
             </a:r>
             <a:r>
-              <a:rPr lang="en-US" dirty="0" err="1" smtClean="0"/>
+              <a:rPr lang="en-US" dirty="0" err="1"/>
               <a:t>SexpX</a:t>
             </a:r>
             <a:endParaRPr lang="en-US" dirty="0"/>
@@ -11527,7 +12837,7 @@
               <a:t>;; </a:t>
             </a:r>
             <a:r>
-              <a:rPr lang="en-US" b="1" dirty="0" err="1" smtClean="0">
+              <a:rPr lang="en-US" b="1" dirty="0" err="1">
                 <a:solidFill>
                   <a:srgbClr val="FF0000"/>
                 </a:solidFill>
@@ -11537,39 +12847,25 @@
               <a:t>sexp-fn</a:t>
             </a:r>
             <a:r>
-              <a:rPr lang="en-US" b="1" dirty="0" smtClean="0">
-                <a:latin typeface="Consolas" pitchFamily="49" charset="0"/>
-                <a:cs typeface="Consolas" pitchFamily="49" charset="0"/>
-              </a:rPr>
-              <a:t> </a:t>
-            </a:r>
-            <a:r>
               <a:rPr lang="en-US" b="1" dirty="0">
                 <a:latin typeface="Consolas" pitchFamily="49" charset="0"/>
                 <a:cs typeface="Consolas" pitchFamily="49" charset="0"/>
               </a:rPr>
-              <a:t>: </a:t>
-            </a:r>
-            <a:r>
-              <a:rPr lang="en-US" b="1" dirty="0" err="1" smtClean="0">
+              <a:t> : </a:t>
+            </a:r>
+            <a:r>
+              <a:rPr lang="en-US" b="1" dirty="0" err="1">
                 <a:latin typeface="Consolas" pitchFamily="49" charset="0"/>
                 <a:cs typeface="Consolas" pitchFamily="49" charset="0"/>
               </a:rPr>
               <a:t>SexpOfX</a:t>
             </a:r>
             <a:r>
-              <a:rPr lang="en-US" b="1" dirty="0" smtClean="0">
-                <a:latin typeface="Consolas" pitchFamily="49" charset="0"/>
-                <a:cs typeface="Consolas" pitchFamily="49" charset="0"/>
-              </a:rPr>
-              <a:t>-&gt; </a:t>
-            </a:r>
-            <a:r>
               <a:rPr lang="en-US" b="1" dirty="0">
                 <a:latin typeface="Consolas" pitchFamily="49" charset="0"/>
                 <a:cs typeface="Consolas" pitchFamily="49" charset="0"/>
               </a:rPr>
-              <a:t>??</a:t>
+              <a:t>-&gt; ??</a:t>
             </a:r>
           </a:p>
           <a:p>
@@ -11584,7 +12880,7 @@
               <a:t>(define (</a:t>
             </a:r>
             <a:r>
-              <a:rPr lang="en-US" b="1" dirty="0" err="1" smtClean="0">
+              <a:rPr lang="en-US" b="1" dirty="0" err="1">
                 <a:solidFill>
                   <a:srgbClr val="FF0000"/>
                 </a:solidFill>
@@ -11594,18 +12890,11 @@
               <a:t>sexp-fn</a:t>
             </a:r>
             <a:r>
-              <a:rPr lang="en-US" b="1" dirty="0" smtClean="0">
-                <a:latin typeface="Consolas" pitchFamily="49" charset="0"/>
-                <a:cs typeface="Consolas" pitchFamily="49" charset="0"/>
-              </a:rPr>
-              <a:t> </a:t>
-            </a:r>
-            <a:r>
               <a:rPr lang="en-US" b="1" dirty="0">
                 <a:latin typeface="Consolas" pitchFamily="49" charset="0"/>
                 <a:cs typeface="Consolas" pitchFamily="49" charset="0"/>
               </a:rPr>
-              <a:t>s)</a:t>
+              <a:t> s)</a:t>
             </a:r>
           </a:p>
           <a:p>
@@ -11640,36 +12929,22 @@
                 <a:latin typeface="Consolas" pitchFamily="49" charset="0"/>
                 <a:cs typeface="Consolas" pitchFamily="49" charset="0"/>
               </a:rPr>
-              <a:t>    </a:t>
-            </a:r>
-            <a:r>
-              <a:rPr lang="en-US" b="1" dirty="0" smtClean="0">
-                <a:latin typeface="Consolas" pitchFamily="49" charset="0"/>
-                <a:cs typeface="Consolas" pitchFamily="49" charset="0"/>
-              </a:rPr>
-              <a:t>[(X? </a:t>
-            </a:r>
+              <a:t>    [(X? s) ...]</a:t>
+            </a:r>
+          </a:p>
+          <a:p>
+            <a:pPr>
+              <a:buNone/>
+            </a:pPr>
             <a:r>
               <a:rPr lang="en-US" b="1" dirty="0">
                 <a:latin typeface="Consolas" pitchFamily="49" charset="0"/>
                 <a:cs typeface="Consolas" pitchFamily="49" charset="0"/>
               </a:rPr>
-              <a:t>s) ...]</a:t>
-            </a:r>
-          </a:p>
-          <a:p>
-            <a:pPr>
-              <a:buNone/>
-            </a:pPr>
-            <a:r>
-              <a:rPr lang="en-US" b="1" dirty="0">
-                <a:latin typeface="Consolas" pitchFamily="49" charset="0"/>
-                <a:cs typeface="Consolas" pitchFamily="49" charset="0"/>
-              </a:rPr>
               <a:t>    [else (</a:t>
             </a:r>
             <a:r>
-              <a:rPr lang="en-US" b="1" dirty="0" err="1" smtClean="0">
+              <a:rPr lang="en-US" b="1" dirty="0" err="1">
                 <a:solidFill>
                   <a:schemeClr val="accent1"/>
                 </a:solidFill>
@@ -11679,18 +12954,11 @@
               <a:t>losexp-fn</a:t>
             </a:r>
             <a:r>
-              <a:rPr lang="en-US" b="1" dirty="0" smtClean="0">
-                <a:latin typeface="Consolas" pitchFamily="49" charset="0"/>
-                <a:cs typeface="Consolas" pitchFamily="49" charset="0"/>
-              </a:rPr>
-              <a:t> </a:t>
-            </a:r>
-            <a:r>
               <a:rPr lang="en-US" b="1" dirty="0">
                 <a:latin typeface="Consolas" pitchFamily="49" charset="0"/>
                 <a:cs typeface="Consolas" pitchFamily="49" charset="0"/>
               </a:rPr>
-              <a:t>s)]))</a:t>
+              <a:t> s)]))</a:t>
             </a:r>
           </a:p>
           <a:p>
@@ -11714,7 +12982,7 @@
               <a:t>;; </a:t>
             </a:r>
             <a:r>
-              <a:rPr lang="en-US" b="1" dirty="0" err="1" smtClean="0">
+              <a:rPr lang="en-US" b="1" dirty="0" err="1">
                 <a:solidFill>
                   <a:schemeClr val="accent1"/>
                 </a:solidFill>
@@ -11724,39 +12992,25 @@
               <a:t>losexp-fn</a:t>
             </a:r>
             <a:r>
-              <a:rPr lang="en-US" b="1" dirty="0" smtClean="0">
-                <a:latin typeface="Consolas" pitchFamily="49" charset="0"/>
-                <a:cs typeface="Consolas" pitchFamily="49" charset="0"/>
-              </a:rPr>
-              <a:t> </a:t>
-            </a:r>
-            <a:r>
               <a:rPr lang="en-US" b="1" dirty="0">
                 <a:latin typeface="Consolas" pitchFamily="49" charset="0"/>
                 <a:cs typeface="Consolas" pitchFamily="49" charset="0"/>
               </a:rPr>
-              <a:t>: </a:t>
-            </a:r>
-            <a:r>
-              <a:rPr lang="en-US" b="1" dirty="0" err="1" smtClean="0">
+              <a:t> : </a:t>
+            </a:r>
+            <a:r>
+              <a:rPr lang="en-US" b="1" dirty="0" err="1">
                 <a:latin typeface="Consolas" pitchFamily="49" charset="0"/>
                 <a:cs typeface="Consolas" pitchFamily="49" charset="0"/>
               </a:rPr>
               <a:t>ListOfSexpOfX</a:t>
             </a:r>
             <a:r>
-              <a:rPr lang="en-US" b="1" dirty="0" smtClean="0">
-                <a:latin typeface="Consolas" pitchFamily="49" charset="0"/>
-                <a:cs typeface="Consolas" pitchFamily="49" charset="0"/>
-              </a:rPr>
-              <a:t> </a:t>
-            </a:r>
-            <a:r>
               <a:rPr lang="en-US" b="1" dirty="0">
                 <a:latin typeface="Consolas" pitchFamily="49" charset="0"/>
                 <a:cs typeface="Consolas" pitchFamily="49" charset="0"/>
               </a:rPr>
-              <a:t>-&gt; ??</a:t>
+              <a:t> -&gt; ??</a:t>
             </a:r>
           </a:p>
           <a:p>
@@ -11771,7 +13025,7 @@
               <a:t>(define (</a:t>
             </a:r>
             <a:r>
-              <a:rPr lang="en-US" b="1" dirty="0" err="1" smtClean="0">
+              <a:rPr lang="en-US" b="1" dirty="0" err="1">
                 <a:solidFill>
                   <a:schemeClr val="accent1"/>
                 </a:solidFill>
@@ -11781,18 +13035,11 @@
               <a:t>losexp-fn</a:t>
             </a:r>
             <a:r>
-              <a:rPr lang="en-US" b="1" dirty="0" smtClean="0">
-                <a:latin typeface="Consolas" pitchFamily="49" charset="0"/>
-                <a:cs typeface="Consolas" pitchFamily="49" charset="0"/>
-              </a:rPr>
-              <a:t> </a:t>
-            </a:r>
-            <a:r>
               <a:rPr lang="en-US" b="1" dirty="0">
                 <a:latin typeface="Consolas" pitchFamily="49" charset="0"/>
                 <a:cs typeface="Consolas" pitchFamily="49" charset="0"/>
               </a:rPr>
-              <a:t>los)</a:t>
+              <a:t> los)</a:t>
             </a:r>
           </a:p>
           <a:p>
@@ -11842,7 +13089,7 @@
               <a:t>    [else (... (</a:t>
             </a:r>
             <a:r>
-              <a:rPr lang="en-US" b="1" dirty="0" err="1" smtClean="0">
+              <a:rPr lang="en-US" b="1" dirty="0" err="1">
                 <a:solidFill>
                   <a:srgbClr val="FF0000"/>
                 </a:solidFill>
@@ -11852,18 +13099,11 @@
               <a:t>sexp-fn</a:t>
             </a:r>
             <a:r>
-              <a:rPr lang="en-US" b="1" dirty="0" smtClean="0">
-                <a:latin typeface="Consolas" pitchFamily="49" charset="0"/>
-                <a:cs typeface="Consolas" pitchFamily="49" charset="0"/>
-              </a:rPr>
-              <a:t>   (</a:t>
-            </a:r>
-            <a:r>
               <a:rPr lang="en-US" b="1" dirty="0">
                 <a:latin typeface="Consolas" pitchFamily="49" charset="0"/>
                 <a:cs typeface="Consolas" pitchFamily="49" charset="0"/>
               </a:rPr>
-              <a:t>first los))</a:t>
+              <a:t>   (first los))</a:t>
             </a:r>
           </a:p>
           <a:p>
@@ -11878,7 +13118,7 @@
               <a:t>               (</a:t>
             </a:r>
             <a:r>
-              <a:rPr lang="en-US" b="1" dirty="0" err="1" smtClean="0">
+              <a:rPr lang="en-US" b="1" dirty="0" err="1">
                 <a:solidFill>
                   <a:schemeClr val="accent1"/>
                 </a:solidFill>
@@ -11888,18 +13128,11 @@
               <a:t>losexp-fn</a:t>
             </a:r>
             <a:r>
-              <a:rPr lang="en-US" b="1" dirty="0" smtClean="0">
-                <a:latin typeface="Consolas" pitchFamily="49" charset="0"/>
-                <a:cs typeface="Consolas" pitchFamily="49" charset="0"/>
-              </a:rPr>
-              <a:t> </a:t>
-            </a:r>
-            <a:r>
               <a:rPr lang="en-US" b="1" dirty="0">
                 <a:latin typeface="Consolas" pitchFamily="49" charset="0"/>
                 <a:cs typeface="Consolas" pitchFamily="49" charset="0"/>
               </a:rPr>
-              <a:t>(rest los)))]))</a:t>
+              <a:t> (rest los)))]))</a:t>
             </a:r>
           </a:p>
           <a:p>
@@ -11927,7 +13160,7 @@
           <a:p>
             <a:fld id="{C1D4534E-1B22-4A44-850A-B3E8E9EE687A}" type="slidenum">
               <a:rPr lang="en-US" smtClean="0"/>
-              <a:t>22</a:t>
+              <a:t>24</a:t>
             </a:fld>
             <a:endParaRPr lang="en-US"/>
           </a:p>
@@ -11975,7 +13208,7 @@
           <a:lstStyle/>
           <a:p>
             <a:pPr algn="ctr"/>
-            <a:endParaRPr lang="en-US" dirty="0" smtClean="0">
+            <a:endParaRPr lang="en-US" dirty="0">
               <a:solidFill>
                 <a:schemeClr val="tx1"/>
               </a:solidFill>
@@ -12043,7 +13276,7 @@
             <a:lstStyle/>
             <a:p>
               <a:r>
-                <a:rPr lang="en-US" b="1" dirty="0" smtClean="0">
+                <a:rPr lang="en-US" b="1" dirty="0">
                   <a:solidFill>
                     <a:schemeClr val="tx1"/>
                   </a:solidFill>
@@ -12051,7 +13284,7 @@
                 <a:t>(first los) </a:t>
               </a:r>
               <a:r>
-                <a:rPr lang="en-US" dirty="0" smtClean="0">
+                <a:rPr lang="en-US" dirty="0">
                   <a:solidFill>
                     <a:schemeClr val="tx1"/>
                   </a:solidFill>
@@ -12059,7 +13292,7 @@
                 <a:t>is a </a:t>
               </a:r>
               <a:r>
-                <a:rPr lang="en-US" b="1" dirty="0" err="1" smtClean="0">
+                <a:rPr lang="en-US" b="1" dirty="0" err="1">
                   <a:solidFill>
                     <a:schemeClr val="tx1"/>
                   </a:solidFill>
@@ -12067,7 +13300,7 @@
                 <a:t>SexpOfX</a:t>
               </a:r>
               <a:r>
-                <a:rPr lang="en-US" dirty="0" smtClean="0">
+                <a:rPr lang="en-US" dirty="0">
                   <a:solidFill>
                     <a:schemeClr val="tx1"/>
                   </a:solidFill>
@@ -12075,7 +13308,7 @@
                 <a:t>.  This is mixed data, so the last rule in the template recipe tells us we need to wrap it in a </a:t>
               </a:r>
               <a:r>
-                <a:rPr lang="en-US" b="1" dirty="0" smtClean="0">
+                <a:rPr lang="en-US" b="1" dirty="0">
                   <a:solidFill>
                     <a:schemeClr val="tx1"/>
                   </a:solidFill>
@@ -12083,7 +13316,7 @@
                 <a:t>(</a:t>
               </a:r>
               <a:r>
-                <a:rPr lang="en-US" b="1" dirty="0" err="1" smtClean="0">
+                <a:rPr lang="en-US" b="1" dirty="0" err="1">
                   <a:solidFill>
                     <a:schemeClr val="tx1"/>
                   </a:solidFill>
@@ -12091,7 +13324,7 @@
                 <a:t>sexp-fn</a:t>
               </a:r>
               <a:r>
-                <a:rPr lang="en-US" b="1" dirty="0" smtClean="0">
+                <a:rPr lang="en-US" b="1" dirty="0">
                   <a:solidFill>
                     <a:schemeClr val="tx1"/>
                   </a:solidFill>
@@ -12099,18 +13332,13 @@
                 <a:t> ...) </a:t>
               </a:r>
               <a:r>
-                <a:rPr lang="en-US" dirty="0" smtClean="0">
+                <a:rPr lang="en-US" dirty="0">
                   <a:solidFill>
                     <a:schemeClr val="tx1"/>
                   </a:solidFill>
                 </a:rPr>
                 <a:t>.</a:t>
               </a:r>
-              <a:endParaRPr lang="en-US" dirty="0">
-                <a:solidFill>
-                  <a:schemeClr val="tx1"/>
-                </a:solidFill>
-              </a:endParaRPr>
             </a:p>
           </p:txBody>
         </p:sp>
@@ -12196,7 +13424,7 @@
           <a:lstStyle/>
           <a:p>
             <a:pPr algn="ctr"/>
-            <a:endParaRPr lang="en-US" dirty="0" smtClean="0">
+            <a:endParaRPr lang="en-US" dirty="0">
               <a:solidFill>
                 <a:schemeClr val="tx1"/>
               </a:solidFill>
@@ -12303,7 +13531,7 @@
 </p:sld>
 </file>
 
-<file path=ppt/slides/slide23.xml><?xml version="1.0" encoding="utf-8"?>
+<file path=ppt/slides/slide25.xml><?xml version="1.0" encoding="utf-8"?>
 <p:sld xmlns:a="http://schemas.openxmlformats.org/drawingml/2006/main" xmlns:r="http://schemas.openxmlformats.org/officeDocument/2006/relationships" xmlns:p="http://schemas.openxmlformats.org/presentationml/2006/main">
   <p:cSld>
     <p:spTree>
@@ -12336,14 +13564,13 @@
           <a:lstStyle/>
           <a:p>
             <a:r>
-              <a:rPr lang="en-US" dirty="0" err="1" smtClean="0"/>
+              <a:rPr lang="en-US" dirty="0" err="1"/>
               <a:t>Sexp</a:t>
             </a:r>
             <a:r>
-              <a:rPr lang="en-US" dirty="0" smtClean="0"/>
+              <a:rPr lang="en-US" dirty="0"/>
               <a:t> of Sardines</a:t>
             </a:r>
-            <a:endParaRPr lang="en-US" dirty="0"/>
           </a:p>
         </p:txBody>
       </p:sp>
@@ -12368,21 +13595,21 @@
               <a:buNone/>
             </a:pPr>
             <a:r>
-              <a:rPr lang="en-US" b="1" dirty="0" smtClean="0">
+              <a:rPr lang="en-US" b="1" dirty="0">
                 <a:latin typeface="Consolas" pitchFamily="49" charset="0"/>
                 <a:cs typeface="Consolas" pitchFamily="49" charset="0"/>
               </a:rPr>
               <a:t>An </a:t>
             </a:r>
             <a:r>
-              <a:rPr lang="en-US" b="1" dirty="0" err="1" smtClean="0">
+              <a:rPr lang="en-US" b="1" dirty="0" err="1">
                 <a:latin typeface="Consolas" pitchFamily="49" charset="0"/>
                 <a:cs typeface="Consolas" pitchFamily="49" charset="0"/>
               </a:rPr>
               <a:t>SoSardines</a:t>
             </a:r>
             <a:r>
-              <a:rPr lang="en-US" b="1" dirty="0" smtClean="0">
+              <a:rPr lang="en-US" b="1" dirty="0">
                 <a:latin typeface="Consolas" pitchFamily="49" charset="0"/>
                 <a:cs typeface="Consolas" pitchFamily="49" charset="0"/>
               </a:rPr>
@@ -12394,7 +13621,7 @@
               <a:buNone/>
             </a:pPr>
             <a:r>
-              <a:rPr lang="en-US" b="1" dirty="0" smtClean="0">
+              <a:rPr lang="en-US" b="1" dirty="0">
                 <a:latin typeface="Consolas" pitchFamily="49" charset="0"/>
                 <a:cs typeface="Consolas" pitchFamily="49" charset="0"/>
               </a:rPr>
@@ -12406,124 +13633,120 @@
               <a:buNone/>
             </a:pPr>
             <a:r>
-              <a:rPr lang="en-US" b="1" dirty="0" smtClean="0">
+              <a:rPr lang="en-US" b="1" dirty="0">
                 <a:latin typeface="Consolas" pitchFamily="49" charset="0"/>
                 <a:cs typeface="Consolas" pitchFamily="49" charset="0"/>
               </a:rPr>
               <a:t>-- a </a:t>
             </a:r>
             <a:r>
-              <a:rPr lang="en-US" b="1" dirty="0" err="1" smtClean="0">
+              <a:rPr lang="en-US" b="1" dirty="0" err="1">
                 <a:latin typeface="Consolas" pitchFamily="49" charset="0"/>
                 <a:cs typeface="Consolas" pitchFamily="49" charset="0"/>
               </a:rPr>
               <a:t>LoSSardines</a:t>
-            </a:r>
-            <a:endParaRPr lang="en-US" b="1" dirty="0" smtClean="0">
-              <a:latin typeface="Consolas" pitchFamily="49" charset="0"/>
-              <a:cs typeface="Consolas" pitchFamily="49" charset="0"/>
-            </a:endParaRPr>
-          </a:p>
-          <a:p>
-            <a:pPr>
-              <a:buNone/>
-            </a:pPr>
-            <a:endParaRPr lang="en-US" b="1" dirty="0" smtClean="0">
-              <a:latin typeface="Consolas" pitchFamily="49" charset="0"/>
-              <a:cs typeface="Consolas" pitchFamily="49" charset="0"/>
-            </a:endParaRPr>
-          </a:p>
-          <a:p>
-            <a:pPr>
-              <a:buNone/>
-            </a:pPr>
-            <a:r>
-              <a:rPr lang="en-US" b="1" dirty="0" smtClean="0">
-                <a:latin typeface="Consolas" pitchFamily="49" charset="0"/>
-                <a:cs typeface="Consolas" pitchFamily="49" charset="0"/>
-              </a:rPr>
-              <a:t>A </a:t>
-            </a:r>
-            <a:r>
-              <a:rPr lang="en-US" b="1" dirty="0" err="1" smtClean="0">
-                <a:latin typeface="Consolas" pitchFamily="49" charset="0"/>
-                <a:cs typeface="Consolas" pitchFamily="49" charset="0"/>
-              </a:rPr>
-              <a:t>LoSSardines</a:t>
-            </a:r>
-            <a:r>
-              <a:rPr lang="en-US" b="1" dirty="0" smtClean="0">
-                <a:latin typeface="Consolas" pitchFamily="49" charset="0"/>
-                <a:cs typeface="Consolas" pitchFamily="49" charset="0"/>
-              </a:rPr>
-              <a:t> is either</a:t>
-            </a:r>
-          </a:p>
-          <a:p>
-            <a:pPr>
-              <a:buNone/>
-            </a:pPr>
-            <a:r>
-              <a:rPr lang="en-US" b="1" dirty="0" smtClean="0">
-                <a:latin typeface="Consolas" pitchFamily="49" charset="0"/>
-                <a:cs typeface="Consolas" pitchFamily="49" charset="0"/>
-              </a:rPr>
-              <a:t>-- empty</a:t>
-            </a:r>
-          </a:p>
-          <a:p>
-            <a:pPr>
-              <a:buNone/>
-            </a:pPr>
-            <a:r>
-              <a:rPr lang="en-US" b="1" dirty="0" smtClean="0">
-                <a:latin typeface="Consolas" pitchFamily="49" charset="0"/>
-                <a:cs typeface="Consolas" pitchFamily="49" charset="0"/>
-              </a:rPr>
-              <a:t>-- (cons </a:t>
-            </a:r>
-            <a:r>
-              <a:rPr lang="en-US" b="1" dirty="0" err="1" smtClean="0">
-                <a:latin typeface="Consolas" pitchFamily="49" charset="0"/>
-                <a:cs typeface="Consolas" pitchFamily="49" charset="0"/>
-              </a:rPr>
-              <a:t>SoSardines</a:t>
-            </a:r>
-            <a:endParaRPr lang="en-US" b="1" dirty="0" smtClean="0">
-              <a:latin typeface="Consolas" pitchFamily="49" charset="0"/>
-              <a:cs typeface="Consolas" pitchFamily="49" charset="0"/>
-            </a:endParaRPr>
-          </a:p>
-          <a:p>
-            <a:pPr>
-              <a:buNone/>
-            </a:pPr>
-            <a:r>
-              <a:rPr lang="en-US" b="1" dirty="0" smtClean="0">
-                <a:latin typeface="Consolas" pitchFamily="49" charset="0"/>
-                <a:cs typeface="Consolas" pitchFamily="49" charset="0"/>
-              </a:rPr>
-              <a:t>         </a:t>
-            </a:r>
-            <a:r>
-              <a:rPr lang="en-US" b="1" dirty="0" err="1" smtClean="0">
-                <a:latin typeface="Consolas" pitchFamily="49" charset="0"/>
-                <a:cs typeface="Consolas" pitchFamily="49" charset="0"/>
-              </a:rPr>
-              <a:t>LoSSardines</a:t>
-            </a:r>
-            <a:r>
-              <a:rPr lang="en-US" b="1" dirty="0" smtClean="0">
-                <a:latin typeface="Consolas" pitchFamily="49" charset="0"/>
-                <a:cs typeface="Consolas" pitchFamily="49" charset="0"/>
-              </a:rPr>
-              <a:t>)</a:t>
             </a:r>
             <a:endParaRPr lang="en-US" b="1" dirty="0">
               <a:latin typeface="Consolas" pitchFamily="49" charset="0"/>
               <a:cs typeface="Consolas" pitchFamily="49" charset="0"/>
             </a:endParaRPr>
           </a:p>
+          <a:p>
+            <a:pPr>
+              <a:buNone/>
+            </a:pPr>
+            <a:endParaRPr lang="en-US" b="1" dirty="0">
+              <a:latin typeface="Consolas" pitchFamily="49" charset="0"/>
+              <a:cs typeface="Consolas" pitchFamily="49" charset="0"/>
+            </a:endParaRPr>
+          </a:p>
+          <a:p>
+            <a:pPr>
+              <a:buNone/>
+            </a:pPr>
+            <a:r>
+              <a:rPr lang="en-US" b="1" dirty="0">
+                <a:latin typeface="Consolas" pitchFamily="49" charset="0"/>
+                <a:cs typeface="Consolas" pitchFamily="49" charset="0"/>
+              </a:rPr>
+              <a:t>A </a:t>
+            </a:r>
+            <a:r>
+              <a:rPr lang="en-US" b="1" dirty="0" err="1">
+                <a:latin typeface="Consolas" pitchFamily="49" charset="0"/>
+                <a:cs typeface="Consolas" pitchFamily="49" charset="0"/>
+              </a:rPr>
+              <a:t>LoSSardines</a:t>
+            </a:r>
+            <a:r>
+              <a:rPr lang="en-US" b="1" dirty="0">
+                <a:latin typeface="Consolas" pitchFamily="49" charset="0"/>
+                <a:cs typeface="Consolas" pitchFamily="49" charset="0"/>
+              </a:rPr>
+              <a:t> is either</a:t>
+            </a:r>
+          </a:p>
+          <a:p>
+            <a:pPr>
+              <a:buNone/>
+            </a:pPr>
+            <a:r>
+              <a:rPr lang="en-US" b="1" dirty="0">
+                <a:latin typeface="Consolas" pitchFamily="49" charset="0"/>
+                <a:cs typeface="Consolas" pitchFamily="49" charset="0"/>
+              </a:rPr>
+              <a:t>-- empty</a:t>
+            </a:r>
+          </a:p>
+          <a:p>
+            <a:pPr>
+              <a:buNone/>
+            </a:pPr>
+            <a:r>
+              <a:rPr lang="en-US" b="1" dirty="0">
+                <a:latin typeface="Consolas" pitchFamily="49" charset="0"/>
+                <a:cs typeface="Consolas" pitchFamily="49" charset="0"/>
+              </a:rPr>
+              <a:t>-- (cons </a:t>
+            </a:r>
+            <a:r>
+              <a:rPr lang="en-US" b="1" dirty="0" err="1">
+                <a:latin typeface="Consolas" pitchFamily="49" charset="0"/>
+                <a:cs typeface="Consolas" pitchFamily="49" charset="0"/>
+              </a:rPr>
+              <a:t>SoSardines</a:t>
+            </a:r>
+            <a:endParaRPr lang="en-US" b="1" dirty="0">
+              <a:latin typeface="Consolas" pitchFamily="49" charset="0"/>
+              <a:cs typeface="Consolas" pitchFamily="49" charset="0"/>
+            </a:endParaRPr>
+          </a:p>
+          <a:p>
+            <a:pPr>
+              <a:buNone/>
+            </a:pPr>
+            <a:r>
+              <a:rPr lang="en-US" b="1" dirty="0">
+                <a:latin typeface="Consolas" pitchFamily="49" charset="0"/>
+                <a:cs typeface="Consolas" pitchFamily="49" charset="0"/>
+              </a:rPr>
+              <a:t>         </a:t>
+            </a:r>
+            <a:r>
+              <a:rPr lang="en-US" b="1" dirty="0" err="1">
+                <a:latin typeface="Consolas" pitchFamily="49" charset="0"/>
+                <a:cs typeface="Consolas" pitchFamily="49" charset="0"/>
+              </a:rPr>
+              <a:t>LoSSardines</a:t>
+            </a:r>
+            <a:r>
+              <a:rPr lang="en-US" b="1" dirty="0">
+                <a:latin typeface="Consolas" pitchFamily="49" charset="0"/>
+                <a:cs typeface="Consolas" pitchFamily="49" charset="0"/>
+              </a:rPr>
+              <a:t>)</a:t>
+            </a:r>
+          </a:p>
         </p:txBody>
       </p:sp>
       <p:sp>
@@ -12543,7 +13766,7 @@
           <a:p>
             <a:fld id="{C1D4534E-1B22-4A44-850A-B3E8E9EE687A}" type="slidenum">
               <a:rPr lang="en-US" smtClean="0"/>
-              <a:t>23</a:t>
+              <a:t>25</a:t>
             </a:fld>
             <a:endParaRPr lang="en-US"/>
           </a:p>
@@ -12596,7 +13819,7 @@
           <a:p>
             <a:pPr algn="ctr"/>
             <a:r>
-              <a:rPr lang="en-US" dirty="0" smtClean="0">
+              <a:rPr lang="en-US" dirty="0">
                 <a:solidFill>
                   <a:schemeClr val="tx1"/>
                 </a:solidFill>
@@ -12604,7 +13827,7 @@
               <a:t>An Example of the </a:t>
             </a:r>
             <a:r>
-              <a:rPr lang="en-US" b="1" dirty="0" err="1" smtClean="0">
+              <a:rPr lang="en-US" b="1" dirty="0" err="1">
                 <a:solidFill>
                   <a:schemeClr val="tx1"/>
                 </a:solidFill>
@@ -12612,7 +13835,7 @@
               <a:t>SexpOfX</a:t>
             </a:r>
             <a:r>
-              <a:rPr lang="en-US" b="1" dirty="0" smtClean="0">
+              <a:rPr lang="en-US" b="1" dirty="0">
                 <a:solidFill>
                   <a:schemeClr val="tx1"/>
                 </a:solidFill>
@@ -12620,18 +13843,13 @@
               <a:t> </a:t>
             </a:r>
             <a:r>
-              <a:rPr lang="en-US" dirty="0" smtClean="0">
+              <a:rPr lang="en-US" dirty="0">
                 <a:solidFill>
                   <a:schemeClr val="tx1"/>
                 </a:solidFill>
               </a:rPr>
               <a:t>pattern.</a:t>
             </a:r>
-            <a:endParaRPr lang="en-US" dirty="0">
-              <a:solidFill>
-                <a:schemeClr val="tx1"/>
-              </a:solidFill>
-            </a:endParaRPr>
           </a:p>
         </p:txBody>
       </p:sp>
@@ -12645,17 +13863,10 @@
   <p:clrMapOvr>
     <a:masterClrMapping/>
   </p:clrMapOvr>
-  <p:timing>
-    <p:tnLst>
-      <p:par>
-        <p:cTn id="1" dur="indefinite" restart="never" nodeType="tmRoot"/>
-      </p:par>
-    </p:tnLst>
-  </p:timing>
 </p:sld>
 </file>
 
-<file path=ppt/slides/slide24.xml><?xml version="1.0" encoding="utf-8"?>
+<file path=ppt/slides/slide26.xml><?xml version="1.0" encoding="utf-8"?>
 <p:sld xmlns:a="http://schemas.openxmlformats.org/drawingml/2006/main" xmlns:r="http://schemas.openxmlformats.org/officeDocument/2006/relationships" xmlns:p="http://schemas.openxmlformats.org/presentationml/2006/main">
   <p:cSld>
     <p:spTree>
@@ -12688,11 +13899,11 @@
           <a:lstStyle/>
           <a:p>
             <a:r>
-              <a:rPr lang="en-US" dirty="0" smtClean="0"/>
+              <a:rPr lang="en-US" dirty="0"/>
               <a:t>The Template for </a:t>
             </a:r>
             <a:r>
-              <a:rPr lang="en-US" dirty="0" err="1" smtClean="0"/>
+              <a:rPr lang="en-US" dirty="0" err="1"/>
               <a:t>SoSardines</a:t>
             </a:r>
             <a:endParaRPr lang="en-US" dirty="0"/>
@@ -12727,7 +13938,7 @@
               <a:t>;; </a:t>
             </a:r>
             <a:r>
-              <a:rPr lang="en-US" b="1" dirty="0" err="1" smtClean="0">
+              <a:rPr lang="en-US" b="1" dirty="0" err="1">
                 <a:solidFill>
                   <a:srgbClr val="FF0000"/>
                 </a:solidFill>
@@ -12737,39 +13948,25 @@
               <a:t>sosard-fn</a:t>
             </a:r>
             <a:r>
-              <a:rPr lang="en-US" b="1" dirty="0" smtClean="0">
-                <a:latin typeface="Consolas" pitchFamily="49" charset="0"/>
-                <a:cs typeface="Consolas" pitchFamily="49" charset="0"/>
-              </a:rPr>
-              <a:t> </a:t>
-            </a:r>
-            <a:r>
               <a:rPr lang="en-US" b="1" dirty="0">
                 <a:latin typeface="Consolas" pitchFamily="49" charset="0"/>
                 <a:cs typeface="Consolas" pitchFamily="49" charset="0"/>
               </a:rPr>
-              <a:t>: </a:t>
-            </a:r>
-            <a:r>
-              <a:rPr lang="en-US" b="1" dirty="0" err="1" smtClean="0">
+              <a:t> : </a:t>
+            </a:r>
+            <a:r>
+              <a:rPr lang="en-US" b="1" dirty="0" err="1">
                 <a:latin typeface="Consolas" pitchFamily="49" charset="0"/>
                 <a:cs typeface="Consolas" pitchFamily="49" charset="0"/>
               </a:rPr>
               <a:t>SoSardines</a:t>
             </a:r>
             <a:r>
-              <a:rPr lang="en-US" b="1" dirty="0" smtClean="0">
-                <a:latin typeface="Consolas" pitchFamily="49" charset="0"/>
-                <a:cs typeface="Consolas" pitchFamily="49" charset="0"/>
-              </a:rPr>
-              <a:t> </a:t>
-            </a:r>
-            <a:r>
               <a:rPr lang="en-US" b="1" dirty="0">
                 <a:latin typeface="Consolas" pitchFamily="49" charset="0"/>
                 <a:cs typeface="Consolas" pitchFamily="49" charset="0"/>
               </a:rPr>
-              <a:t>-&gt; ??</a:t>
+              <a:t> -&gt; ??</a:t>
             </a:r>
           </a:p>
           <a:p>
@@ -12784,7 +13981,7 @@
               <a:t>(define (</a:t>
             </a:r>
             <a:r>
-              <a:rPr lang="en-US" b="1" dirty="0" err="1" smtClean="0">
+              <a:rPr lang="en-US" b="1" dirty="0" err="1">
                 <a:solidFill>
                   <a:srgbClr val="FF0000"/>
                 </a:solidFill>
@@ -12794,18 +13991,11 @@
               <a:t>sosard-fn</a:t>
             </a:r>
             <a:r>
-              <a:rPr lang="en-US" b="1" dirty="0" smtClean="0">
-                <a:latin typeface="Consolas" pitchFamily="49" charset="0"/>
-                <a:cs typeface="Consolas" pitchFamily="49" charset="0"/>
-              </a:rPr>
-              <a:t> </a:t>
-            </a:r>
-            <a:r>
               <a:rPr lang="en-US" b="1" dirty="0">
                 <a:latin typeface="Consolas" pitchFamily="49" charset="0"/>
                 <a:cs typeface="Consolas" pitchFamily="49" charset="0"/>
               </a:rPr>
-              <a:t>s)</a:t>
+              <a:t> s)</a:t>
             </a:r>
           </a:p>
           <a:p>
@@ -12840,36 +14030,22 @@
                 <a:latin typeface="Consolas" pitchFamily="49" charset="0"/>
                 <a:cs typeface="Consolas" pitchFamily="49" charset="0"/>
               </a:rPr>
-              <a:t>    [(</a:t>
-            </a:r>
-            <a:r>
-              <a:rPr lang="en-US" b="1" dirty="0" smtClean="0">
-                <a:latin typeface="Consolas" pitchFamily="49" charset="0"/>
-                <a:cs typeface="Consolas" pitchFamily="49" charset="0"/>
-              </a:rPr>
-              <a:t>sardine? </a:t>
-            </a:r>
+              <a:t>    [(sardine? s) ...]</a:t>
+            </a:r>
+          </a:p>
+          <a:p>
+            <a:pPr>
+              <a:buNone/>
+            </a:pPr>
             <a:r>
               <a:rPr lang="en-US" b="1" dirty="0">
                 <a:latin typeface="Consolas" pitchFamily="49" charset="0"/>
                 <a:cs typeface="Consolas" pitchFamily="49" charset="0"/>
               </a:rPr>
-              <a:t>s) ...]</a:t>
-            </a:r>
-          </a:p>
-          <a:p>
-            <a:pPr>
-              <a:buNone/>
-            </a:pPr>
-            <a:r>
-              <a:rPr lang="en-US" b="1" dirty="0">
-                <a:latin typeface="Consolas" pitchFamily="49" charset="0"/>
-                <a:cs typeface="Consolas" pitchFamily="49" charset="0"/>
-              </a:rPr>
               <a:t>    [else (</a:t>
             </a:r>
             <a:r>
-              <a:rPr lang="en-US" b="1" dirty="0" err="1" smtClean="0">
+              <a:rPr lang="en-US" b="1" dirty="0" err="1">
                 <a:solidFill>
                   <a:schemeClr val="accent1"/>
                 </a:solidFill>
@@ -12879,18 +14055,11 @@
               <a:t>lossard-fn</a:t>
             </a:r>
             <a:r>
-              <a:rPr lang="en-US" b="1" dirty="0" smtClean="0">
-                <a:latin typeface="Consolas" pitchFamily="49" charset="0"/>
-                <a:cs typeface="Consolas" pitchFamily="49" charset="0"/>
-              </a:rPr>
-              <a:t> </a:t>
-            </a:r>
-            <a:r>
               <a:rPr lang="en-US" b="1" dirty="0">
                 <a:latin typeface="Consolas" pitchFamily="49" charset="0"/>
                 <a:cs typeface="Consolas" pitchFamily="49" charset="0"/>
               </a:rPr>
-              <a:t>s)]))</a:t>
+              <a:t> s)]))</a:t>
             </a:r>
           </a:p>
           <a:p>
@@ -12914,7 +14083,7 @@
               <a:t>;; </a:t>
             </a:r>
             <a:r>
-              <a:rPr lang="en-US" b="1" dirty="0" err="1" smtClean="0">
+              <a:rPr lang="en-US" b="1" dirty="0" err="1">
                 <a:solidFill>
                   <a:schemeClr val="accent1"/>
                 </a:solidFill>
@@ -12924,39 +14093,25 @@
               <a:t>lossard-fn</a:t>
             </a:r>
             <a:r>
-              <a:rPr lang="en-US" b="1" dirty="0" smtClean="0">
-                <a:latin typeface="Consolas" pitchFamily="49" charset="0"/>
-                <a:cs typeface="Consolas" pitchFamily="49" charset="0"/>
-              </a:rPr>
-              <a:t> </a:t>
-            </a:r>
-            <a:r>
               <a:rPr lang="en-US" b="1" dirty="0">
                 <a:latin typeface="Consolas" pitchFamily="49" charset="0"/>
                 <a:cs typeface="Consolas" pitchFamily="49" charset="0"/>
               </a:rPr>
-              <a:t>: </a:t>
-            </a:r>
-            <a:r>
-              <a:rPr lang="en-US" b="1" dirty="0" err="1" smtClean="0">
+              <a:t> : </a:t>
+            </a:r>
+            <a:r>
+              <a:rPr lang="en-US" b="1" dirty="0" err="1">
                 <a:latin typeface="Consolas" pitchFamily="49" charset="0"/>
                 <a:cs typeface="Consolas" pitchFamily="49" charset="0"/>
               </a:rPr>
               <a:t>LoSSardines</a:t>
             </a:r>
             <a:r>
-              <a:rPr lang="en-US" b="1" dirty="0" smtClean="0">
-                <a:latin typeface="Consolas" pitchFamily="49" charset="0"/>
-                <a:cs typeface="Consolas" pitchFamily="49" charset="0"/>
-              </a:rPr>
-              <a:t> -&gt; </a:t>
-            </a:r>
-            <a:r>
               <a:rPr lang="en-US" b="1" dirty="0">
                 <a:latin typeface="Consolas" pitchFamily="49" charset="0"/>
                 <a:cs typeface="Consolas" pitchFamily="49" charset="0"/>
               </a:rPr>
-              <a:t>??</a:t>
+              <a:t> -&gt; ??</a:t>
             </a:r>
           </a:p>
           <a:p>
@@ -12971,7 +14126,7 @@
               <a:t>(define (</a:t>
             </a:r>
             <a:r>
-              <a:rPr lang="en-US" b="1" dirty="0" err="1" smtClean="0">
+              <a:rPr lang="en-US" b="1" dirty="0" err="1">
                 <a:solidFill>
                   <a:schemeClr val="accent1"/>
                 </a:solidFill>
@@ -12981,18 +14136,11 @@
               <a:t>lossard-fn</a:t>
             </a:r>
             <a:r>
-              <a:rPr lang="en-US" b="1" dirty="0" smtClean="0">
-                <a:latin typeface="Consolas" pitchFamily="49" charset="0"/>
-                <a:cs typeface="Consolas" pitchFamily="49" charset="0"/>
-              </a:rPr>
-              <a:t> </a:t>
-            </a:r>
-            <a:r>
               <a:rPr lang="en-US" b="1" dirty="0">
                 <a:latin typeface="Consolas" pitchFamily="49" charset="0"/>
                 <a:cs typeface="Consolas" pitchFamily="49" charset="0"/>
               </a:rPr>
-              <a:t>los)</a:t>
+              <a:t> los)</a:t>
             </a:r>
           </a:p>
           <a:p>
@@ -13042,7 +14190,7 @@
               <a:t>    [else (... (</a:t>
             </a:r>
             <a:r>
-              <a:rPr lang="en-US" b="1" dirty="0" err="1" smtClean="0">
+              <a:rPr lang="en-US" b="1" dirty="0" err="1">
                 <a:solidFill>
                   <a:srgbClr val="FF0000"/>
                 </a:solidFill>
@@ -13052,18 +14200,11 @@
               <a:t>sosard-fn</a:t>
             </a:r>
             <a:r>
-              <a:rPr lang="en-US" b="1" dirty="0" smtClean="0">
-                <a:latin typeface="Consolas" pitchFamily="49" charset="0"/>
-                <a:cs typeface="Consolas" pitchFamily="49" charset="0"/>
-              </a:rPr>
-              <a:t>   (</a:t>
-            </a:r>
-            <a:r>
               <a:rPr lang="en-US" b="1" dirty="0">
                 <a:latin typeface="Consolas" pitchFamily="49" charset="0"/>
                 <a:cs typeface="Consolas" pitchFamily="49" charset="0"/>
               </a:rPr>
-              <a:t>first los))</a:t>
+              <a:t>   (first los))</a:t>
             </a:r>
           </a:p>
           <a:p>
@@ -13078,7 +14219,7 @@
               <a:t>               (</a:t>
             </a:r>
             <a:r>
-              <a:rPr lang="en-US" b="1" dirty="0" err="1" smtClean="0">
+              <a:rPr lang="en-US" b="1" dirty="0" err="1">
                 <a:solidFill>
                   <a:schemeClr val="accent1"/>
                 </a:solidFill>
@@ -13088,18 +14229,11 @@
               <a:t>lossard-fn</a:t>
             </a:r>
             <a:r>
-              <a:rPr lang="en-US" b="1" dirty="0" smtClean="0">
-                <a:latin typeface="Consolas" pitchFamily="49" charset="0"/>
-                <a:cs typeface="Consolas" pitchFamily="49" charset="0"/>
-              </a:rPr>
-              <a:t> </a:t>
-            </a:r>
-            <a:r>
               <a:rPr lang="en-US" b="1" dirty="0">
                 <a:latin typeface="Consolas" pitchFamily="49" charset="0"/>
                 <a:cs typeface="Consolas" pitchFamily="49" charset="0"/>
               </a:rPr>
-              <a:t>(rest los)))]))</a:t>
+              <a:t> (rest los)))]))</a:t>
             </a:r>
           </a:p>
           <a:p>
@@ -13127,7 +14261,7 @@
           <a:p>
             <a:fld id="{C1D4534E-1B22-4A44-850A-B3E8E9EE687A}" type="slidenum">
               <a:rPr lang="en-US" smtClean="0"/>
-              <a:t>24</a:t>
+              <a:t>26</a:t>
             </a:fld>
             <a:endParaRPr lang="en-US"/>
           </a:p>
@@ -13175,7 +14309,7 @@
           <a:lstStyle/>
           <a:p>
             <a:pPr algn="ctr"/>
-            <a:endParaRPr lang="en-US" dirty="0" smtClean="0">
+            <a:endParaRPr lang="en-US" dirty="0">
               <a:solidFill>
                 <a:schemeClr val="tx1"/>
               </a:solidFill>
@@ -13229,7 +14363,7 @@
           <a:lstStyle/>
           <a:p>
             <a:pPr algn="ctr"/>
-            <a:endParaRPr lang="en-US" dirty="0" smtClean="0">
+            <a:endParaRPr lang="en-US" dirty="0">
               <a:solidFill>
                 <a:schemeClr val="tx1"/>
               </a:solidFill>
@@ -13336,469 +14470,6 @@
 </p:sld>
 </file>
 
-<file path=ppt/slides/slide25.xml><?xml version="1.0" encoding="utf-8"?>
-<p:sld xmlns:a="http://schemas.openxmlformats.org/drawingml/2006/main" xmlns:r="http://schemas.openxmlformats.org/officeDocument/2006/relationships" xmlns:p="http://schemas.openxmlformats.org/presentationml/2006/main">
-  <p:cSld>
-    <p:spTree>
-      <p:nvGrpSpPr>
-        <p:cNvPr id="1" name=""/>
-        <p:cNvGrpSpPr/>
-        <p:nvPr/>
-      </p:nvGrpSpPr>
-      <p:grpSpPr>
-        <a:xfrm>
-          <a:off x="0" y="0"/>
-          <a:ext cx="0" cy="0"/>
-          <a:chOff x="0" y="0"/>
-          <a:chExt cx="0" cy="0"/>
-        </a:xfrm>
-      </p:grpSpPr>
-      <p:sp>
-        <p:nvSpPr>
-          <p:cNvPr id="2" name="Title 1"/>
-          <p:cNvSpPr>
-            <a:spLocks noGrp="1"/>
-          </p:cNvSpPr>
-          <p:nvPr>
-            <p:ph type="title"/>
-          </p:nvPr>
-        </p:nvSpPr>
-        <p:spPr/>
-        <p:txBody>
-          <a:bodyPr/>
-          <a:lstStyle/>
-          <a:p>
-            <a:r>
-              <a:rPr lang="en-US" dirty="0" smtClean="0"/>
-              <a:t>Summary</a:t>
-            </a:r>
-            <a:endParaRPr lang="en-US" dirty="0"/>
-          </a:p>
-        </p:txBody>
-      </p:sp>
-      <p:sp>
-        <p:nvSpPr>
-          <p:cNvPr id="3" name="Content Placeholder 2"/>
-          <p:cNvSpPr>
-            <a:spLocks noGrp="1"/>
-          </p:cNvSpPr>
-          <p:nvPr>
-            <p:ph idx="1"/>
-          </p:nvPr>
-        </p:nvSpPr>
-        <p:spPr/>
-        <p:txBody>
-          <a:bodyPr>
-            <a:normAutofit/>
-          </a:bodyPr>
-          <a:lstStyle/>
-          <a:p>
-            <a:r>
-              <a:rPr lang="en-US" dirty="0" smtClean="0"/>
-              <a:t>Nested Lists occur all the time</a:t>
-            </a:r>
-          </a:p>
-          <a:p>
-            <a:r>
-              <a:rPr lang="en-US" dirty="0" smtClean="0"/>
-              <a:t>Mutually recursive data definitions</a:t>
-            </a:r>
-          </a:p>
-          <a:p>
-            <a:r>
-              <a:rPr lang="en-US" dirty="0" smtClean="0"/>
-              <a:t>Mutual recursion in the data definition leads to mutual recursion in the template</a:t>
-            </a:r>
-          </a:p>
-          <a:p>
-            <a:r>
-              <a:rPr lang="en-US" dirty="0" smtClean="0"/>
-              <a:t>Mutual recursion in the template leads to mutual recursion in the code</a:t>
-            </a:r>
-          </a:p>
-        </p:txBody>
-      </p:sp>
-      <p:sp>
-        <p:nvSpPr>
-          <p:cNvPr id="4" name="Slide Number Placeholder 3"/>
-          <p:cNvSpPr>
-            <a:spLocks noGrp="1"/>
-          </p:cNvSpPr>
-          <p:nvPr>
-            <p:ph type="sldNum" sz="quarter" idx="12"/>
-          </p:nvPr>
-        </p:nvSpPr>
-        <p:spPr/>
-        <p:txBody>
-          <a:bodyPr/>
-          <a:lstStyle/>
-          <a:p>
-            <a:fld id="{C1D4534E-1B22-4A44-850A-B3E8E9EE687A}" type="slidenum">
-              <a:rPr lang="en-US" smtClean="0"/>
-              <a:t>25</a:t>
-            </a:fld>
-            <a:endParaRPr lang="en-US"/>
-          </a:p>
-        </p:txBody>
-      </p:sp>
-    </p:spTree>
-    <p:extLst>
-      <p:ext uri="{BB962C8B-B14F-4D97-AF65-F5344CB8AC3E}">
-        <p14:creationId xmlns:p14="http://schemas.microsoft.com/office/powerpoint/2010/main" val="3085036809"/>
-      </p:ext>
-    </p:extLst>
-  </p:cSld>
-  <p:clrMapOvr>
-    <a:masterClrMapping/>
-  </p:clrMapOvr>
-  <p:timing>
-    <p:tnLst>
-      <p:par>
-        <p:cTn id="1" dur="indefinite" restart="never" nodeType="tmRoot"/>
-      </p:par>
-    </p:tnLst>
-  </p:timing>
-</p:sld>
-</file>
-
-<file path=ppt/slides/slide26.xml><?xml version="1.0" encoding="utf-8"?>
-<p:sld xmlns:a="http://schemas.openxmlformats.org/drawingml/2006/main" xmlns:r="http://schemas.openxmlformats.org/officeDocument/2006/relationships" xmlns:p="http://schemas.openxmlformats.org/presentationml/2006/main">
-  <p:cSld>
-    <p:spTree>
-      <p:nvGrpSpPr>
-        <p:cNvPr id="1" name=""/>
-        <p:cNvGrpSpPr/>
-        <p:nvPr/>
-      </p:nvGrpSpPr>
-      <p:grpSpPr>
-        <a:xfrm>
-          <a:off x="0" y="0"/>
-          <a:ext cx="0" cy="0"/>
-          <a:chOff x="0" y="0"/>
-          <a:chExt cx="0" cy="0"/>
-        </a:xfrm>
-      </p:grpSpPr>
-      <p:sp>
-        <p:nvSpPr>
-          <p:cNvPr id="2" name="Title 1"/>
-          <p:cNvSpPr>
-            <a:spLocks noGrp="1"/>
-          </p:cNvSpPr>
-          <p:nvPr>
-            <p:ph type="title"/>
-          </p:nvPr>
-        </p:nvSpPr>
-        <p:spPr>
-          <a:noFill/>
-        </p:spPr>
-        <p:txBody>
-          <a:bodyPr/>
-          <a:lstStyle/>
-          <a:p>
-            <a:r>
-              <a:rPr lang="en-US" dirty="0" smtClean="0"/>
-              <a:t>More Examples</a:t>
-            </a:r>
-            <a:endParaRPr lang="en-US" dirty="0"/>
-          </a:p>
-        </p:txBody>
-      </p:sp>
-      <p:sp>
-        <p:nvSpPr>
-          <p:cNvPr id="3" name="Content Placeholder 2"/>
-          <p:cNvSpPr>
-            <a:spLocks noGrp="1"/>
-          </p:cNvSpPr>
-          <p:nvPr>
-            <p:ph idx="1"/>
-          </p:nvPr>
-        </p:nvSpPr>
-        <p:spPr/>
-        <p:txBody>
-          <a:bodyPr>
-            <a:normAutofit lnSpcReduction="10000"/>
-          </a:bodyPr>
-          <a:lstStyle/>
-          <a:p>
-            <a:pPr>
-              <a:buNone/>
-            </a:pPr>
-            <a:r>
-              <a:rPr lang="en-US" sz="2000" b="1" dirty="0" smtClean="0">
-                <a:latin typeface="Consolas" pitchFamily="49" charset="0"/>
-                <a:cs typeface="Consolas" pitchFamily="49" charset="0"/>
-              </a:rPr>
-              <a:t>;; number-of-strings : </a:t>
-            </a:r>
-            <a:r>
-              <a:rPr lang="en-US" sz="2000" b="1" dirty="0" err="1" smtClean="0">
-                <a:latin typeface="Consolas" pitchFamily="49" charset="0"/>
-                <a:cs typeface="Consolas" pitchFamily="49" charset="0"/>
-              </a:rPr>
-              <a:t>SoS</a:t>
-            </a:r>
-            <a:r>
-              <a:rPr lang="en-US" sz="2000" b="1" dirty="0" smtClean="0">
-                <a:latin typeface="Consolas" pitchFamily="49" charset="0"/>
-                <a:cs typeface="Consolas" pitchFamily="49" charset="0"/>
-              </a:rPr>
-              <a:t> -&gt; Number</a:t>
-            </a:r>
-          </a:p>
-          <a:p>
-            <a:pPr>
-              <a:buNone/>
-            </a:pPr>
-            <a:r>
-              <a:rPr lang="en-US" sz="2000" b="1" dirty="0" smtClean="0">
-                <a:latin typeface="Consolas" pitchFamily="49" charset="0"/>
-                <a:cs typeface="Consolas" pitchFamily="49" charset="0"/>
-              </a:rPr>
-              <a:t>;; number-of-strings-in-loss : </a:t>
-            </a:r>
-            <a:r>
-              <a:rPr lang="en-US" sz="2000" b="1" dirty="0" err="1" smtClean="0">
-                <a:latin typeface="Consolas" pitchFamily="49" charset="0"/>
-                <a:cs typeface="Consolas" pitchFamily="49" charset="0"/>
-              </a:rPr>
-              <a:t>LoSS</a:t>
-            </a:r>
-            <a:r>
-              <a:rPr lang="en-US" sz="2000" b="1" dirty="0" smtClean="0">
-                <a:latin typeface="Consolas" pitchFamily="49" charset="0"/>
-                <a:cs typeface="Consolas" pitchFamily="49" charset="0"/>
-              </a:rPr>
-              <a:t> -&gt; Number</a:t>
-            </a:r>
-          </a:p>
-          <a:p>
-            <a:pPr>
-              <a:buNone/>
-            </a:pPr>
-            <a:r>
-              <a:rPr lang="en-US" sz="2000" b="1" dirty="0" smtClean="0">
-                <a:latin typeface="Consolas" pitchFamily="49" charset="0"/>
-                <a:cs typeface="Consolas" pitchFamily="49" charset="0"/>
-              </a:rPr>
-              <a:t>;; returns the number of strings in the given </a:t>
-            </a:r>
-            <a:r>
-              <a:rPr lang="en-US" sz="2000" b="1" dirty="0" err="1" smtClean="0">
-                <a:latin typeface="Consolas" pitchFamily="49" charset="0"/>
-                <a:cs typeface="Consolas" pitchFamily="49" charset="0"/>
-              </a:rPr>
-              <a:t>sos</a:t>
-            </a:r>
-            <a:r>
-              <a:rPr lang="en-US" sz="2000" b="1" dirty="0" smtClean="0">
-                <a:latin typeface="Consolas" pitchFamily="49" charset="0"/>
-                <a:cs typeface="Consolas" pitchFamily="49" charset="0"/>
-              </a:rPr>
-              <a:t> or loss.</a:t>
-            </a:r>
-          </a:p>
-          <a:p>
-            <a:pPr>
-              <a:buNone/>
-            </a:pPr>
-            <a:endParaRPr lang="en-US" sz="2000" b="1" dirty="0" smtClean="0">
-              <a:latin typeface="Consolas" pitchFamily="49" charset="0"/>
-              <a:cs typeface="Consolas" pitchFamily="49" charset="0"/>
-            </a:endParaRPr>
-          </a:p>
-          <a:p>
-            <a:pPr>
-              <a:buNone/>
-            </a:pPr>
-            <a:r>
-              <a:rPr lang="en-US" sz="2000" b="1" dirty="0" smtClean="0">
-                <a:latin typeface="Consolas" pitchFamily="49" charset="0"/>
-                <a:cs typeface="Consolas" pitchFamily="49" charset="0"/>
-              </a:rPr>
-              <a:t>;; characters-in : </a:t>
-            </a:r>
-            <a:r>
-              <a:rPr lang="en-US" sz="2000" b="1" dirty="0" err="1" smtClean="0">
-                <a:latin typeface="Consolas" pitchFamily="49" charset="0"/>
-                <a:cs typeface="Consolas" pitchFamily="49" charset="0"/>
-              </a:rPr>
-              <a:t>SoS</a:t>
-            </a:r>
-            <a:r>
-              <a:rPr lang="en-US" sz="2000" b="1" dirty="0" smtClean="0">
-                <a:latin typeface="Consolas" pitchFamily="49" charset="0"/>
-                <a:cs typeface="Consolas" pitchFamily="49" charset="0"/>
-              </a:rPr>
-              <a:t> -&gt; Number</a:t>
-            </a:r>
-          </a:p>
-          <a:p>
-            <a:pPr>
-              <a:buNone/>
-            </a:pPr>
-            <a:r>
-              <a:rPr lang="en-US" sz="2000" b="1" dirty="0" smtClean="0">
-                <a:latin typeface="Consolas" pitchFamily="49" charset="0"/>
-                <a:cs typeface="Consolas" pitchFamily="49" charset="0"/>
-              </a:rPr>
-              <a:t>;; characters-in-loss : </a:t>
-            </a:r>
-            <a:r>
-              <a:rPr lang="en-US" sz="2000" b="1" dirty="0" err="1" smtClean="0">
-                <a:latin typeface="Consolas" pitchFamily="49" charset="0"/>
-                <a:cs typeface="Consolas" pitchFamily="49" charset="0"/>
-              </a:rPr>
-              <a:t>LoSS</a:t>
-            </a:r>
-            <a:r>
-              <a:rPr lang="en-US" sz="2000" b="1" dirty="0" smtClean="0">
-                <a:latin typeface="Consolas" pitchFamily="49" charset="0"/>
-                <a:cs typeface="Consolas" pitchFamily="49" charset="0"/>
-              </a:rPr>
-              <a:t> -&gt; Number</a:t>
-            </a:r>
-          </a:p>
-          <a:p>
-            <a:pPr>
-              <a:buNone/>
-            </a:pPr>
-            <a:r>
-              <a:rPr lang="en-US" sz="2000" b="1" dirty="0" smtClean="0">
-                <a:latin typeface="Consolas" pitchFamily="49" charset="0"/>
-                <a:cs typeface="Consolas" pitchFamily="49" charset="0"/>
-              </a:rPr>
-              <a:t>;; returns the total number of characters in the strings in the given </a:t>
-            </a:r>
-            <a:r>
-              <a:rPr lang="en-US" sz="2000" b="1" dirty="0" err="1" smtClean="0">
-                <a:latin typeface="Consolas" pitchFamily="49" charset="0"/>
-                <a:cs typeface="Consolas" pitchFamily="49" charset="0"/>
-              </a:rPr>
-              <a:t>sos</a:t>
-            </a:r>
-            <a:r>
-              <a:rPr lang="en-US" sz="2000" b="1" dirty="0" smtClean="0">
-                <a:latin typeface="Consolas" pitchFamily="49" charset="0"/>
-                <a:cs typeface="Consolas" pitchFamily="49" charset="0"/>
-              </a:rPr>
-              <a:t> or loss.</a:t>
-            </a:r>
-          </a:p>
-          <a:p>
-            <a:pPr>
-              <a:buNone/>
-            </a:pPr>
-            <a:endParaRPr lang="en-US" sz="2000" b="1" dirty="0" smtClean="0">
-              <a:latin typeface="Consolas" pitchFamily="49" charset="0"/>
-              <a:cs typeface="Consolas" pitchFamily="49" charset="0"/>
-            </a:endParaRPr>
-          </a:p>
-          <a:p>
-            <a:pPr>
-              <a:buNone/>
-            </a:pPr>
-            <a:r>
-              <a:rPr lang="en-US" sz="2000" b="1" dirty="0" smtClean="0">
-                <a:latin typeface="Consolas" pitchFamily="49" charset="0"/>
-                <a:cs typeface="Consolas" pitchFamily="49" charset="0"/>
-              </a:rPr>
-              <a:t>;; number-of-sardines : </a:t>
-            </a:r>
-            <a:r>
-              <a:rPr lang="en-US" sz="2000" b="1" dirty="0" err="1" smtClean="0">
-                <a:latin typeface="Consolas" pitchFamily="49" charset="0"/>
-                <a:cs typeface="Consolas" pitchFamily="49" charset="0"/>
-              </a:rPr>
-              <a:t>SoSardines</a:t>
-            </a:r>
-            <a:r>
-              <a:rPr lang="en-US" sz="2000" b="1" dirty="0" smtClean="0">
-                <a:latin typeface="Consolas" pitchFamily="49" charset="0"/>
-                <a:cs typeface="Consolas" pitchFamily="49" charset="0"/>
-              </a:rPr>
-              <a:t> -&gt; Number</a:t>
-            </a:r>
-          </a:p>
-          <a:p>
-            <a:pPr>
-              <a:buNone/>
-            </a:pPr>
-            <a:r>
-              <a:rPr lang="en-US" sz="2000" b="1" dirty="0" smtClean="0">
-                <a:latin typeface="Consolas" pitchFamily="49" charset="0"/>
-                <a:cs typeface="Consolas" pitchFamily="49" charset="0"/>
-              </a:rPr>
-              <a:t>;; returns the total number of sardines in the given </a:t>
-            </a:r>
-            <a:r>
-              <a:rPr lang="en-US" sz="2000" b="1" dirty="0" err="1" smtClean="0">
-                <a:latin typeface="Consolas" pitchFamily="49" charset="0"/>
-                <a:cs typeface="Consolas" pitchFamily="49" charset="0"/>
-              </a:rPr>
-              <a:t>SoSardines</a:t>
-            </a:r>
-            <a:r>
-              <a:rPr lang="en-US" sz="2000" b="1" dirty="0" smtClean="0">
-                <a:latin typeface="Consolas" pitchFamily="49" charset="0"/>
-                <a:cs typeface="Consolas" pitchFamily="49" charset="0"/>
-              </a:rPr>
-              <a:t>.</a:t>
-            </a:r>
-          </a:p>
-          <a:p>
-            <a:pPr>
-              <a:buNone/>
-            </a:pPr>
-            <a:endParaRPr lang="en-US" sz="2000" b="1" dirty="0">
-              <a:latin typeface="Courier New" pitchFamily="49" charset="0"/>
-              <a:cs typeface="Courier New" pitchFamily="49" charset="0"/>
-            </a:endParaRPr>
-          </a:p>
-        </p:txBody>
-      </p:sp>
-      <p:sp>
-        <p:nvSpPr>
-          <p:cNvPr id="4" name="Slide Number Placeholder 3"/>
-          <p:cNvSpPr>
-            <a:spLocks noGrp="1"/>
-          </p:cNvSpPr>
-          <p:nvPr>
-            <p:ph type="sldNum" sz="quarter" idx="12"/>
-          </p:nvPr>
-        </p:nvSpPr>
-        <p:spPr/>
-        <p:txBody>
-          <a:bodyPr/>
-          <a:lstStyle/>
-          <a:p>
-            <a:fld id="{C1D4534E-1B22-4A44-850A-B3E8E9EE687A}" type="slidenum">
-              <a:rPr lang="en-US" smtClean="0"/>
-              <a:t>26</a:t>
-            </a:fld>
-            <a:endParaRPr lang="en-US"/>
-          </a:p>
-        </p:txBody>
-      </p:sp>
-    </p:spTree>
-    <p:extLst>
-      <p:ext uri="{BB962C8B-B14F-4D97-AF65-F5344CB8AC3E}">
-        <p14:creationId xmlns:p14="http://schemas.microsoft.com/office/powerpoint/2010/main" val="351135100"/>
-      </p:ext>
-    </p:extLst>
-  </p:cSld>
-  <p:clrMapOvr>
-    <a:masterClrMapping/>
-  </p:clrMapOvr>
-  <p:timing>
-    <p:tnLst>
-      <p:par>
-        <p:cTn id="1" dur="indefinite" restart="never" nodeType="tmRoot"/>
-      </p:par>
-    </p:tnLst>
-  </p:timing>
-</p:sld>
-</file>
-
 <file path=ppt/slides/slide27.xml><?xml version="1.0" encoding="utf-8"?>
 <p:sld xmlns:a="http://schemas.openxmlformats.org/drawingml/2006/main" xmlns:r="http://schemas.openxmlformats.org/officeDocument/2006/relationships" xmlns:p="http://schemas.openxmlformats.org/presentationml/2006/main">
   <p:cSld>
@@ -13832,10 +14503,9 @@
           <a:lstStyle/>
           <a:p>
             <a:r>
-              <a:rPr lang="en-US" dirty="0" smtClean="0"/>
+              <a:rPr lang="en-US" dirty="0"/>
               <a:t>Summary</a:t>
             </a:r>
-            <a:endParaRPr lang="en-US" dirty="0"/>
           </a:p>
         </p:txBody>
       </p:sp>
@@ -13857,41 +14527,27 @@
           <a:lstStyle/>
           <a:p>
             <a:r>
-              <a:rPr lang="en-US" dirty="0" smtClean="0"/>
-              <a:t>You should now be able to:</a:t>
-            </a:r>
-          </a:p>
-          <a:p>
-            <a:pPr lvl="1"/>
-            <a:r>
               <a:rPr lang="en-US" dirty="0"/>
-              <a:t>Give examples of S-expressions</a:t>
-            </a:r>
-          </a:p>
-          <a:p>
-            <a:pPr lvl="1"/>
+              <a:t>Nested Lists occur all the time</a:t>
+            </a:r>
+          </a:p>
+          <a:p>
             <a:r>
               <a:rPr lang="en-US" dirty="0"/>
-              <a:t>Give 3 reasons why S-expressions are important</a:t>
-            </a:r>
-          </a:p>
-          <a:p>
-            <a:pPr lvl="1"/>
+              <a:t>Mutually recursive data definitions</a:t>
+            </a:r>
+          </a:p>
+          <a:p>
             <a:r>
               <a:rPr lang="en-US" dirty="0"/>
-              <a:t>Write the data definition and template for S-expressions</a:t>
-            </a:r>
-          </a:p>
-          <a:p>
-            <a:pPr lvl="1"/>
+              <a:t>Mutual recursion in the data definition leads to mutual recursion in the template</a:t>
+            </a:r>
+          </a:p>
+          <a:p>
             <a:r>
               <a:rPr lang="en-US" dirty="0"/>
-              <a:t>Write functions on S-expressions using the template</a:t>
-            </a:r>
-          </a:p>
-          <a:p>
-            <a:pPr lvl="1"/>
-            <a:endParaRPr lang="en-US" dirty="0" smtClean="0"/>
+              <a:t>Mutual recursion in the template leads to mutual recursion in the code</a:t>
+            </a:r>
           </a:p>
         </p:txBody>
       </p:sp>
@@ -13921,20 +14577,13 @@
     </p:spTree>
     <p:extLst>
       <p:ext uri="{BB962C8B-B14F-4D97-AF65-F5344CB8AC3E}">
-        <p14:creationId xmlns:p14="http://schemas.microsoft.com/office/powerpoint/2010/main" val="2281643218"/>
+        <p14:creationId xmlns:p14="http://schemas.microsoft.com/office/powerpoint/2010/main" val="3085036809"/>
       </p:ext>
     </p:extLst>
   </p:cSld>
   <p:clrMapOvr>
     <a:masterClrMapping/>
   </p:clrMapOvr>
-  <p:timing>
-    <p:tnLst>
-      <p:par>
-        <p:cTn id="1" dur="indefinite" restart="never" nodeType="tmRoot"/>
-      </p:par>
-    </p:tnLst>
-  </p:timing>
 </p:sld>
 </file>
 
@@ -13965,16 +14614,17 @@
             <p:ph type="title"/>
           </p:nvPr>
         </p:nvSpPr>
-        <p:spPr/>
+        <p:spPr>
+          <a:noFill/>
+        </p:spPr>
         <p:txBody>
           <a:bodyPr/>
           <a:lstStyle/>
           <a:p>
             <a:r>
-              <a:rPr lang="en-US" dirty="0" smtClean="0"/>
-              <a:t>Next Steps</a:t>
-            </a:r>
-            <a:endParaRPr lang="en-US" dirty="0"/>
+              <a:rPr lang="en-US" dirty="0"/>
+              <a:t>More Examples</a:t>
+            </a:r>
           </a:p>
         </p:txBody>
       </p:sp>
@@ -13990,47 +14640,244 @@
         </p:nvSpPr>
         <p:spPr/>
         <p:txBody>
-          <a:bodyPr/>
-          <a:lstStyle/>
-          <a:p>
-            <a:r>
-              <a:rPr lang="en-US" dirty="0" smtClean="0"/>
-              <a:t>Study the file 06-5-sos-and-loss.rkt in the </a:t>
-            </a:r>
-            <a:r>
-              <a:rPr lang="en-US" smtClean="0"/>
-              <a:t>Examples folder</a:t>
-            </a:r>
-          </a:p>
-          <a:p>
-            <a:r>
-              <a:rPr lang="en-US" dirty="0" smtClean="0"/>
-              <a:t>If </a:t>
-            </a:r>
-            <a:r>
-              <a:rPr lang="en-US" dirty="0" smtClean="0"/>
-              <a:t>you have questions about this lesson, ask them on the Discussion Board</a:t>
-            </a:r>
-          </a:p>
-          <a:p>
-            <a:r>
-              <a:rPr lang="en-US" dirty="0" smtClean="0"/>
-              <a:t>Do </a:t>
-            </a:r>
-            <a:r>
-              <a:rPr lang="en-US" dirty="0" smtClean="0">
-                <a:hlinkClick r:id="rId2" action="ppaction://hlinkfile"/>
-              </a:rPr>
-              <a:t>Guided Practice 6.5</a:t>
-            </a:r>
-            <a:endParaRPr lang="en-US" dirty="0" smtClean="0"/>
-          </a:p>
-          <a:p>
-            <a:r>
-              <a:rPr lang="en-US" dirty="0" smtClean="0"/>
-              <a:t>Go on to the next lesson</a:t>
-            </a:r>
-            <a:endParaRPr lang="en-US" dirty="0"/>
+          <a:bodyPr>
+            <a:normAutofit lnSpcReduction="10000"/>
+          </a:bodyPr>
+          <a:lstStyle/>
+          <a:p>
+            <a:pPr>
+              <a:buNone/>
+            </a:pPr>
+            <a:r>
+              <a:rPr lang="en-US" sz="2000" b="1" dirty="0">
+                <a:latin typeface="Consolas" pitchFamily="49" charset="0"/>
+                <a:cs typeface="Consolas" pitchFamily="49" charset="0"/>
+              </a:rPr>
+              <a:t>;; number-of-strings : </a:t>
+            </a:r>
+            <a:r>
+              <a:rPr lang="en-US" sz="2000" b="1" dirty="0" err="1">
+                <a:latin typeface="Consolas" pitchFamily="49" charset="0"/>
+                <a:cs typeface="Consolas" pitchFamily="49" charset="0"/>
+              </a:rPr>
+              <a:t>SoS</a:t>
+            </a:r>
+            <a:r>
+              <a:rPr lang="en-US" sz="2000" b="1" dirty="0">
+                <a:latin typeface="Consolas" pitchFamily="49" charset="0"/>
+                <a:cs typeface="Consolas" pitchFamily="49" charset="0"/>
+              </a:rPr>
+              <a:t> -&gt; Number</a:t>
+            </a:r>
+          </a:p>
+          <a:p>
+            <a:pPr>
+              <a:buNone/>
+            </a:pPr>
+            <a:r>
+              <a:rPr lang="en-US" sz="2000" b="1" dirty="0">
+                <a:latin typeface="Consolas" pitchFamily="49" charset="0"/>
+                <a:cs typeface="Consolas" pitchFamily="49" charset="0"/>
+              </a:rPr>
+              <a:t>;; number-of-strings-in-loss : </a:t>
+            </a:r>
+            <a:r>
+              <a:rPr lang="en-US" sz="2000" b="1" dirty="0" err="1">
+                <a:latin typeface="Consolas" pitchFamily="49" charset="0"/>
+                <a:cs typeface="Consolas" pitchFamily="49" charset="0"/>
+              </a:rPr>
+              <a:t>LoSS</a:t>
+            </a:r>
+            <a:r>
+              <a:rPr lang="en-US" sz="2000" b="1" dirty="0">
+                <a:latin typeface="Consolas" pitchFamily="49" charset="0"/>
+                <a:cs typeface="Consolas" pitchFamily="49" charset="0"/>
+              </a:rPr>
+              <a:t> -&gt; Number</a:t>
+            </a:r>
+          </a:p>
+          <a:p>
+            <a:pPr>
+              <a:buNone/>
+            </a:pPr>
+            <a:r>
+              <a:rPr lang="en-US" sz="2000" b="1" dirty="0">
+                <a:latin typeface="Consolas" pitchFamily="49" charset="0"/>
+                <a:cs typeface="Consolas" pitchFamily="49" charset="0"/>
+              </a:rPr>
+              <a:t>;; returns the number of strings in the given </a:t>
+            </a:r>
+            <a:r>
+              <a:rPr lang="en-US" sz="2000" b="1" dirty="0" err="1">
+                <a:latin typeface="Consolas" pitchFamily="49" charset="0"/>
+                <a:cs typeface="Consolas" pitchFamily="49" charset="0"/>
+              </a:rPr>
+              <a:t>sos</a:t>
+            </a:r>
+            <a:r>
+              <a:rPr lang="en-US" sz="2000" b="1" dirty="0">
+                <a:latin typeface="Consolas" pitchFamily="49" charset="0"/>
+                <a:cs typeface="Consolas" pitchFamily="49" charset="0"/>
+              </a:rPr>
+              <a:t> or loss.</a:t>
+            </a:r>
+          </a:p>
+          <a:p>
+            <a:pPr>
+              <a:buNone/>
+            </a:pPr>
+            <a:endParaRPr lang="en-US" sz="2000" b="1" dirty="0">
+              <a:latin typeface="Consolas" pitchFamily="49" charset="0"/>
+              <a:cs typeface="Consolas" pitchFamily="49" charset="0"/>
+            </a:endParaRPr>
+          </a:p>
+          <a:p>
+            <a:pPr>
+              <a:buNone/>
+            </a:pPr>
+            <a:r>
+              <a:rPr lang="en-US" sz="2000" b="1" dirty="0">
+                <a:latin typeface="Consolas" pitchFamily="49" charset="0"/>
+                <a:cs typeface="Consolas" pitchFamily="49" charset="0"/>
+              </a:rPr>
+              <a:t>;; characters-in : </a:t>
+            </a:r>
+            <a:r>
+              <a:rPr lang="en-US" sz="2000" b="1" dirty="0" err="1">
+                <a:latin typeface="Consolas" pitchFamily="49" charset="0"/>
+                <a:cs typeface="Consolas" pitchFamily="49" charset="0"/>
+              </a:rPr>
+              <a:t>SoS</a:t>
+            </a:r>
+            <a:r>
+              <a:rPr lang="en-US" sz="2000" b="1" dirty="0">
+                <a:latin typeface="Consolas" pitchFamily="49" charset="0"/>
+                <a:cs typeface="Consolas" pitchFamily="49" charset="0"/>
+              </a:rPr>
+              <a:t> -&gt; Number</a:t>
+            </a:r>
+          </a:p>
+          <a:p>
+            <a:pPr>
+              <a:buNone/>
+            </a:pPr>
+            <a:r>
+              <a:rPr lang="en-US" sz="2000" b="1" dirty="0">
+                <a:latin typeface="Consolas" pitchFamily="49" charset="0"/>
+                <a:cs typeface="Consolas" pitchFamily="49" charset="0"/>
+              </a:rPr>
+              <a:t>;; characters-in-loss : </a:t>
+            </a:r>
+            <a:r>
+              <a:rPr lang="en-US" sz="2000" b="1" dirty="0" err="1">
+                <a:latin typeface="Consolas" pitchFamily="49" charset="0"/>
+                <a:cs typeface="Consolas" pitchFamily="49" charset="0"/>
+              </a:rPr>
+              <a:t>LoSS</a:t>
+            </a:r>
+            <a:r>
+              <a:rPr lang="en-US" sz="2000" b="1" dirty="0">
+                <a:latin typeface="Consolas" pitchFamily="49" charset="0"/>
+                <a:cs typeface="Consolas" pitchFamily="49" charset="0"/>
+              </a:rPr>
+              <a:t> -&gt; Number</a:t>
+            </a:r>
+          </a:p>
+          <a:p>
+            <a:pPr>
+              <a:buNone/>
+            </a:pPr>
+            <a:r>
+              <a:rPr lang="en-US" sz="2000" b="1" dirty="0">
+                <a:latin typeface="Consolas" pitchFamily="49" charset="0"/>
+                <a:cs typeface="Consolas" pitchFamily="49" charset="0"/>
+              </a:rPr>
+              <a:t>;; returns the total number of characters in the strings in the given </a:t>
+            </a:r>
+            <a:r>
+              <a:rPr lang="en-US" sz="2000" b="1" dirty="0" err="1">
+                <a:latin typeface="Consolas" pitchFamily="49" charset="0"/>
+                <a:cs typeface="Consolas" pitchFamily="49" charset="0"/>
+              </a:rPr>
+              <a:t>sos</a:t>
+            </a:r>
+            <a:r>
+              <a:rPr lang="en-US" sz="2000" b="1" dirty="0">
+                <a:latin typeface="Consolas" pitchFamily="49" charset="0"/>
+                <a:cs typeface="Consolas" pitchFamily="49" charset="0"/>
+              </a:rPr>
+              <a:t> or loss.</a:t>
+            </a:r>
+          </a:p>
+          <a:p>
+            <a:pPr>
+              <a:buNone/>
+            </a:pPr>
+            <a:endParaRPr lang="en-US" sz="2000" b="1" dirty="0">
+              <a:latin typeface="Consolas" pitchFamily="49" charset="0"/>
+              <a:cs typeface="Consolas" pitchFamily="49" charset="0"/>
+            </a:endParaRPr>
+          </a:p>
+          <a:p>
+            <a:pPr>
+              <a:buNone/>
+            </a:pPr>
+            <a:r>
+              <a:rPr lang="en-US" sz="2000" b="1" dirty="0">
+                <a:latin typeface="Consolas" pitchFamily="49" charset="0"/>
+                <a:cs typeface="Consolas" pitchFamily="49" charset="0"/>
+              </a:rPr>
+              <a:t>;; number-of-sardines : </a:t>
+            </a:r>
+            <a:r>
+              <a:rPr lang="en-US" sz="2000" b="1" dirty="0" err="1">
+                <a:latin typeface="Consolas" pitchFamily="49" charset="0"/>
+                <a:cs typeface="Consolas" pitchFamily="49" charset="0"/>
+              </a:rPr>
+              <a:t>SoSardines</a:t>
+            </a:r>
+            <a:r>
+              <a:rPr lang="en-US" sz="2000" b="1" dirty="0">
+                <a:latin typeface="Consolas" pitchFamily="49" charset="0"/>
+                <a:cs typeface="Consolas" pitchFamily="49" charset="0"/>
+              </a:rPr>
+              <a:t> -&gt; Number</a:t>
+            </a:r>
+          </a:p>
+          <a:p>
+            <a:pPr>
+              <a:buNone/>
+            </a:pPr>
+            <a:r>
+              <a:rPr lang="en-US" sz="2000" b="1" dirty="0">
+                <a:latin typeface="Consolas" pitchFamily="49" charset="0"/>
+                <a:cs typeface="Consolas" pitchFamily="49" charset="0"/>
+              </a:rPr>
+              <a:t>;; returns the total number of sardines in the given </a:t>
+            </a:r>
+            <a:r>
+              <a:rPr lang="en-US" sz="2000" b="1" dirty="0" err="1">
+                <a:latin typeface="Consolas" pitchFamily="49" charset="0"/>
+                <a:cs typeface="Consolas" pitchFamily="49" charset="0"/>
+              </a:rPr>
+              <a:t>SoSardines</a:t>
+            </a:r>
+            <a:r>
+              <a:rPr lang="en-US" sz="2000" b="1" dirty="0">
+                <a:latin typeface="Consolas" pitchFamily="49" charset="0"/>
+                <a:cs typeface="Consolas" pitchFamily="49" charset="0"/>
+              </a:rPr>
+              <a:t>.</a:t>
+            </a:r>
+          </a:p>
+          <a:p>
+            <a:pPr>
+              <a:buNone/>
+            </a:pPr>
+            <a:endParaRPr lang="en-US" sz="2000" b="1" dirty="0">
+              <a:latin typeface="Courier New" pitchFamily="49" charset="0"/>
+              <a:cs typeface="Courier New" pitchFamily="49" charset="0"/>
+            </a:endParaRPr>
           </a:p>
         </p:txBody>
       </p:sp>
@@ -14060,20 +14907,144 @@
     </p:spTree>
     <p:extLst>
       <p:ext uri="{BB962C8B-B14F-4D97-AF65-F5344CB8AC3E}">
-        <p14:creationId xmlns:p14="http://schemas.microsoft.com/office/powerpoint/2010/main" val="3025411515"/>
+        <p14:creationId xmlns:p14="http://schemas.microsoft.com/office/powerpoint/2010/main" val="351135100"/>
       </p:ext>
     </p:extLst>
   </p:cSld>
   <p:clrMapOvr>
     <a:masterClrMapping/>
   </p:clrMapOvr>
-  <p:timing>
-    <p:tnLst>
-      <p:par>
-        <p:cTn id="1" dur="indefinite" restart="never" nodeType="tmRoot"/>
-      </p:par>
-    </p:tnLst>
-  </p:timing>
+</p:sld>
+</file>
+
+<file path=ppt/slides/slide29.xml><?xml version="1.0" encoding="utf-8"?>
+<p:sld xmlns:a="http://schemas.openxmlformats.org/drawingml/2006/main" xmlns:r="http://schemas.openxmlformats.org/officeDocument/2006/relationships" xmlns:p="http://schemas.openxmlformats.org/presentationml/2006/main">
+  <p:cSld>
+    <p:spTree>
+      <p:nvGrpSpPr>
+        <p:cNvPr id="1" name=""/>
+        <p:cNvGrpSpPr/>
+        <p:nvPr/>
+      </p:nvGrpSpPr>
+      <p:grpSpPr>
+        <a:xfrm>
+          <a:off x="0" y="0"/>
+          <a:ext cx="0" cy="0"/>
+          <a:chOff x="0" y="0"/>
+          <a:chExt cx="0" cy="0"/>
+        </a:xfrm>
+      </p:grpSpPr>
+      <p:sp>
+        <p:nvSpPr>
+          <p:cNvPr id="2" name="Title 1"/>
+          <p:cNvSpPr>
+            <a:spLocks noGrp="1"/>
+          </p:cNvSpPr>
+          <p:nvPr>
+            <p:ph type="title"/>
+          </p:nvPr>
+        </p:nvSpPr>
+        <p:spPr/>
+        <p:txBody>
+          <a:bodyPr/>
+          <a:lstStyle/>
+          <a:p>
+            <a:r>
+              <a:rPr lang="en-US" dirty="0"/>
+              <a:t>Summary</a:t>
+            </a:r>
+          </a:p>
+        </p:txBody>
+      </p:sp>
+      <p:sp>
+        <p:nvSpPr>
+          <p:cNvPr id="3" name="Content Placeholder 2"/>
+          <p:cNvSpPr>
+            <a:spLocks noGrp="1"/>
+          </p:cNvSpPr>
+          <p:nvPr>
+            <p:ph idx="1"/>
+          </p:nvPr>
+        </p:nvSpPr>
+        <p:spPr/>
+        <p:txBody>
+          <a:bodyPr>
+            <a:normAutofit/>
+          </a:bodyPr>
+          <a:lstStyle/>
+          <a:p>
+            <a:r>
+              <a:rPr lang="en-US" dirty="0"/>
+              <a:t>You should now be able to:</a:t>
+            </a:r>
+          </a:p>
+          <a:p>
+            <a:pPr lvl="1"/>
+            <a:r>
+              <a:rPr lang="en-US" dirty="0"/>
+              <a:t>Give examples of S-expressions</a:t>
+            </a:r>
+          </a:p>
+          <a:p>
+            <a:pPr lvl="1"/>
+            <a:r>
+              <a:rPr lang="en-US" dirty="0"/>
+              <a:t>Give 3 reasons why S-expressions are important</a:t>
+            </a:r>
+          </a:p>
+          <a:p>
+            <a:pPr lvl="1"/>
+            <a:r>
+              <a:rPr lang="en-US" dirty="0"/>
+              <a:t>Write the data definition and template for S-expressions</a:t>
+            </a:r>
+          </a:p>
+          <a:p>
+            <a:pPr lvl="1"/>
+            <a:r>
+              <a:rPr lang="en-US" dirty="0"/>
+              <a:t>Write functions on S-expressions using the template</a:t>
+            </a:r>
+          </a:p>
+          <a:p>
+            <a:pPr lvl="1"/>
+            <a:endParaRPr lang="en-US" dirty="0"/>
+          </a:p>
+        </p:txBody>
+      </p:sp>
+      <p:sp>
+        <p:nvSpPr>
+          <p:cNvPr id="4" name="Slide Number Placeholder 3"/>
+          <p:cNvSpPr>
+            <a:spLocks noGrp="1"/>
+          </p:cNvSpPr>
+          <p:nvPr>
+            <p:ph type="sldNum" sz="quarter" idx="12"/>
+          </p:nvPr>
+        </p:nvSpPr>
+        <p:spPr/>
+        <p:txBody>
+          <a:bodyPr/>
+          <a:lstStyle/>
+          <a:p>
+            <a:fld id="{C1D4534E-1B22-4A44-850A-B3E8E9EE687A}" type="slidenum">
+              <a:rPr lang="en-US" smtClean="0"/>
+              <a:t>29</a:t>
+            </a:fld>
+            <a:endParaRPr lang="en-US"/>
+          </a:p>
+        </p:txBody>
+      </p:sp>
+    </p:spTree>
+    <p:extLst>
+      <p:ext uri="{BB962C8B-B14F-4D97-AF65-F5344CB8AC3E}">
+        <p14:creationId xmlns:p14="http://schemas.microsoft.com/office/powerpoint/2010/main" val="2281643218"/>
+      </p:ext>
+    </p:extLst>
+  </p:cSld>
+  <p:clrMapOvr>
+    <a:masterClrMapping/>
+  </p:clrMapOvr>
 </p:sld>
 </file>
 
@@ -14110,10 +15081,9 @@
           <a:lstStyle/>
           <a:p>
             <a:r>
-              <a:rPr lang="en-US" dirty="0" smtClean="0"/>
+              <a:rPr lang="en-US" dirty="0"/>
               <a:t>S-expressions (informally)</a:t>
             </a:r>
-            <a:endParaRPr lang="en-US" dirty="0"/>
           </a:p>
         </p:txBody>
       </p:sp>
@@ -14133,19 +15103,19 @@
           <a:lstStyle/>
           <a:p>
             <a:r>
-              <a:rPr lang="en-US" dirty="0" smtClean="0"/>
+              <a:rPr lang="en-US" dirty="0"/>
               <a:t>An S-expression is something that is either a string or a list of S-expressions.</a:t>
             </a:r>
           </a:p>
           <a:p>
             <a:r>
-              <a:rPr lang="en-US" dirty="0" smtClean="0"/>
+              <a:rPr lang="en-US" dirty="0"/>
               <a:t>So if it's a list, it could  contain strings, or lists of strings, or lists of lists of strings, etc.</a:t>
             </a:r>
           </a:p>
           <a:p>
             <a:r>
-              <a:rPr lang="en-US" dirty="0" smtClean="0"/>
+              <a:rPr lang="en-US" dirty="0"/>
               <a:t>Think of it as a nested list, where there's no bound on how deep the nesting can get.</a:t>
             </a:r>
           </a:p>
@@ -14187,13 +15157,128 @@
   <p:clrMapOvr>
     <a:masterClrMapping/>
   </p:clrMapOvr>
-  <p:timing>
-    <p:tnLst>
-      <p:par>
-        <p:cTn id="1" dur="indefinite" restart="never" nodeType="tmRoot"/>
-      </p:par>
-    </p:tnLst>
-  </p:timing>
+</p:sld>
+</file>
+
+<file path=ppt/slides/slide30.xml><?xml version="1.0" encoding="utf-8"?>
+<p:sld xmlns:a="http://schemas.openxmlformats.org/drawingml/2006/main" xmlns:r="http://schemas.openxmlformats.org/officeDocument/2006/relationships" xmlns:p="http://schemas.openxmlformats.org/presentationml/2006/main">
+  <p:cSld>
+    <p:spTree>
+      <p:nvGrpSpPr>
+        <p:cNvPr id="1" name=""/>
+        <p:cNvGrpSpPr/>
+        <p:nvPr/>
+      </p:nvGrpSpPr>
+      <p:grpSpPr>
+        <a:xfrm>
+          <a:off x="0" y="0"/>
+          <a:ext cx="0" cy="0"/>
+          <a:chOff x="0" y="0"/>
+          <a:chExt cx="0" cy="0"/>
+        </a:xfrm>
+      </p:grpSpPr>
+      <p:sp>
+        <p:nvSpPr>
+          <p:cNvPr id="2" name="Title 1"/>
+          <p:cNvSpPr>
+            <a:spLocks noGrp="1"/>
+          </p:cNvSpPr>
+          <p:nvPr>
+            <p:ph type="title"/>
+          </p:nvPr>
+        </p:nvSpPr>
+        <p:spPr/>
+        <p:txBody>
+          <a:bodyPr/>
+          <a:lstStyle/>
+          <a:p>
+            <a:r>
+              <a:rPr lang="en-US" dirty="0"/>
+              <a:t>Next Steps</a:t>
+            </a:r>
+          </a:p>
+        </p:txBody>
+      </p:sp>
+      <p:sp>
+        <p:nvSpPr>
+          <p:cNvPr id="3" name="Content Placeholder 2"/>
+          <p:cNvSpPr>
+            <a:spLocks noGrp="1"/>
+          </p:cNvSpPr>
+          <p:nvPr>
+            <p:ph idx="1"/>
+          </p:nvPr>
+        </p:nvSpPr>
+        <p:spPr/>
+        <p:txBody>
+          <a:bodyPr/>
+          <a:lstStyle/>
+          <a:p>
+            <a:r>
+              <a:rPr lang="en-US" dirty="0"/>
+              <a:t>Study the files 06-5-sos-derivation.rkt and 06-6-sos-and-loss.rkt in the Examples folder</a:t>
+            </a:r>
+          </a:p>
+          <a:p>
+            <a:r>
+              <a:rPr lang="en-US" dirty="0"/>
+              <a:t>If you have questions about this lesson, ask them on the Discussion Board</a:t>
+            </a:r>
+          </a:p>
+          <a:p>
+            <a:r>
+              <a:rPr lang="en-US" dirty="0"/>
+              <a:t>Do </a:t>
+            </a:r>
+            <a:r>
+              <a:rPr lang="en-US" dirty="0">
+                <a:hlinkClick r:id="rId2" action="ppaction://hlinkfile"/>
+              </a:rPr>
+              <a:t>Guided Practice 6.5</a:t>
+            </a:r>
+            <a:endParaRPr lang="en-US" dirty="0"/>
+          </a:p>
+          <a:p>
+            <a:r>
+              <a:rPr lang="en-US" dirty="0"/>
+              <a:t>Go on to the next lesson</a:t>
+            </a:r>
+          </a:p>
+        </p:txBody>
+      </p:sp>
+      <p:sp>
+        <p:nvSpPr>
+          <p:cNvPr id="4" name="Slide Number Placeholder 3"/>
+          <p:cNvSpPr>
+            <a:spLocks noGrp="1"/>
+          </p:cNvSpPr>
+          <p:nvPr>
+            <p:ph type="sldNum" sz="quarter" idx="12"/>
+          </p:nvPr>
+        </p:nvSpPr>
+        <p:spPr/>
+        <p:txBody>
+          <a:bodyPr/>
+          <a:lstStyle/>
+          <a:p>
+            <a:fld id="{C1D4534E-1B22-4A44-850A-B3E8E9EE687A}" type="slidenum">
+              <a:rPr lang="en-US" smtClean="0"/>
+              <a:t>30</a:t>
+            </a:fld>
+            <a:endParaRPr lang="en-US"/>
+          </a:p>
+        </p:txBody>
+      </p:sp>
+    </p:spTree>
+    <p:extLst>
+      <p:ext uri="{BB962C8B-B14F-4D97-AF65-F5344CB8AC3E}">
+        <p14:creationId xmlns:p14="http://schemas.microsoft.com/office/powerpoint/2010/main" val="3025411515"/>
+      </p:ext>
+    </p:extLst>
+  </p:cSld>
+  <p:clrMapOvr>
+    <a:masterClrMapping/>
+  </p:clrMapOvr>
 </p:sld>
 </file>
 
@@ -14230,10 +15315,9 @@
           <a:lstStyle/>
           <a:p>
             <a:r>
-              <a:rPr lang="en-US" dirty="0" smtClean="0"/>
+              <a:rPr lang="en-US" dirty="0"/>
               <a:t>Some History</a:t>
             </a:r>
-            <a:endParaRPr lang="en-US" dirty="0"/>
           </a:p>
         </p:txBody>
       </p:sp>
@@ -14256,15 +15340,7 @@
           <a:p>
             <a:r>
               <a:rPr lang="en-US" sz="2000" dirty="0"/>
-              <a:t>An S-expression is a kind of nested list, that is, a list whose elements may be other lists.  Here is an informal </a:t>
-            </a:r>
-            <a:r>
-              <a:rPr lang="en-US" sz="2000" dirty="0" smtClean="0"/>
-              <a:t>history of </a:t>
-            </a:r>
-            <a:r>
-              <a:rPr lang="en-US" sz="2000" dirty="0"/>
-              <a:t>S-expressions.  </a:t>
+              <a:t>An S-expression is a kind of nested list, that is, a list whose elements may be other lists.  Here is an informal history of S-expressions.  </a:t>
             </a:r>
           </a:p>
           <a:p>
@@ -14282,27 +15358,17 @@
               <a:rPr lang="en-US" sz="2000" dirty="0"/>
               <a:t> (1927-2011) for the programming language Lisp in 1958.  McCarthy invented Lisp to solve problems in artificial intelligence.  </a:t>
             </a:r>
-            <a:endParaRPr lang="en-US" sz="2000" dirty="0" smtClean="0"/>
-          </a:p>
-          <a:p>
-            <a:r>
-              <a:rPr lang="en-US" sz="2000" dirty="0" smtClean="0"/>
-              <a:t>Lisp </a:t>
-            </a:r>
+          </a:p>
+          <a:p>
             <a:r>
               <a:rPr lang="en-US" sz="2000" dirty="0"/>
-              <a:t>introduced lists, S-expressions, and parenthesized syntax.  The syntax of Lisp and its descendants, like Racket, is based on S-expressions.  </a:t>
-            </a:r>
-            <a:endParaRPr lang="en-US" sz="2000" dirty="0" smtClean="0"/>
-          </a:p>
-          <a:p>
-            <a:r>
-              <a:rPr lang="en-US" sz="2000" dirty="0" smtClean="0"/>
-              <a:t>The </a:t>
-            </a:r>
+              <a:t>Lisp introduced lists, S-expressions, and parenthesized syntax.  The syntax of Lisp and its descendants, like Racket, is based on S-expressions.  </a:t>
+            </a:r>
+          </a:p>
+          <a:p>
             <a:r>
               <a:rPr lang="en-US" sz="2000" dirty="0"/>
-              <a:t>use of S-expressions for syntax makes it easy to read and write programs:  all you have to do is balance parentheses.  This is much simpler than the syntax of other programming languages, which have semicolons and other rules that can make programs </a:t>
+              <a:t>The use of S-expressions for syntax makes it easy to read and write programs:  all you have to do is balance parentheses.  This is much simpler than the syntax of other programming languages, which have semicolons and other rules that can make programs </a:t>
             </a:r>
             <a:r>
               <a:rPr lang="en-US" sz="2000" u="sng" dirty="0">
@@ -14311,10 +15377,9 @@
               <a:t>harder to read</a:t>
             </a:r>
             <a:r>
-              <a:rPr lang="en-US" sz="2000" dirty="0" smtClean="0"/>
+              <a:rPr lang="en-US" sz="2000" dirty="0"/>
               <a:t>.</a:t>
             </a:r>
-            <a:endParaRPr lang="en-US" sz="2000" dirty="0"/>
           </a:p>
           <a:p>
             <a:pPr>
@@ -14325,13 +15390,8 @@
             </a:pPr>
             <a:r>
               <a:rPr lang="en-US" sz="2000" dirty="0"/>
-              <a:t>S-expressions are one of the great inventions of modern programming.  They were the original idea from which things like XML and JSON grew</a:t>
-            </a:r>
-            <a:r>
-              <a:rPr lang="en-US" sz="2000" dirty="0" smtClean="0"/>
-              <a:t>.</a:t>
-            </a:r>
-            <a:endParaRPr lang="en-US" sz="2000" dirty="0"/>
+              <a:t>S-expressions are one of the great inventions of modern programming.  They were the original idea from which things like XML and JSON grew.</a:t>
+            </a:r>
           </a:p>
         </p:txBody>
       </p:sp>
@@ -14368,13 +15428,6 @@
   <p:clrMapOvr>
     <a:masterClrMapping/>
   </p:clrMapOvr>
-  <p:timing>
-    <p:tnLst>
-      <p:par>
-        <p:cTn id="1" dur="indefinite" restart="never" nodeType="tmRoot"/>
-      </p:par>
-    </p:tnLst>
-  </p:timing>
 </p:sld>
 </file>
 
@@ -14411,10 +15464,9 @@
           <a:lstStyle/>
           <a:p>
             <a:r>
-              <a:rPr lang="en-US" dirty="0" smtClean="0"/>
+              <a:rPr lang="en-US" dirty="0"/>
               <a:t>Examples</a:t>
             </a:r>
-            <a:endParaRPr lang="en-US" dirty="0"/>
           </a:p>
         </p:txBody>
       </p:sp>
@@ -14439,21 +15491,21 @@
               <a:buNone/>
             </a:pPr>
             <a:r>
-              <a:rPr lang="en-US" b="1" dirty="0" smtClean="0">
+              <a:rPr lang="en-US" b="1" dirty="0">
                 <a:latin typeface="Consolas" pitchFamily="49" charset="0"/>
                 <a:cs typeface="Consolas" pitchFamily="49" charset="0"/>
               </a:rPr>
               <a:t>"</a:t>
             </a:r>
             <a:r>
-              <a:rPr lang="en-US" b="1" dirty="0" err="1" smtClean="0">
+              <a:rPr lang="en-US" b="1" dirty="0" err="1">
                 <a:latin typeface="Consolas" pitchFamily="49" charset="0"/>
                 <a:cs typeface="Consolas" pitchFamily="49" charset="0"/>
               </a:rPr>
               <a:t>alice</a:t>
             </a:r>
             <a:r>
-              <a:rPr lang="en-US" b="1" dirty="0" smtClean="0">
+              <a:rPr lang="en-US" b="1" dirty="0">
                 <a:latin typeface="Consolas" pitchFamily="49" charset="0"/>
                 <a:cs typeface="Consolas" pitchFamily="49" charset="0"/>
               </a:rPr>
@@ -14465,7 +15517,7 @@
               <a:buNone/>
             </a:pPr>
             <a:r>
-              <a:rPr lang="en-US" b="1" dirty="0" smtClean="0">
+              <a:rPr lang="en-US" b="1" dirty="0">
                 <a:latin typeface="Consolas" pitchFamily="49" charset="0"/>
                 <a:cs typeface="Consolas" pitchFamily="49" charset="0"/>
               </a:rPr>
@@ -14477,21 +15529,21 @@
               <a:buNone/>
             </a:pPr>
             <a:r>
-              <a:rPr lang="en-US" b="1" dirty="0" smtClean="0">
+              <a:rPr lang="en-US" b="1" dirty="0">
                 <a:latin typeface="Consolas" pitchFamily="49" charset="0"/>
                 <a:cs typeface="Consolas" pitchFamily="49" charset="0"/>
               </a:rPr>
               <a:t>"</a:t>
             </a:r>
             <a:r>
-              <a:rPr lang="en-US" b="1" dirty="0" err="1" smtClean="0">
+              <a:rPr lang="en-US" b="1" dirty="0" err="1">
                 <a:latin typeface="Consolas" pitchFamily="49" charset="0"/>
                 <a:cs typeface="Consolas" pitchFamily="49" charset="0"/>
               </a:rPr>
               <a:t>carole</a:t>
             </a:r>
             <a:r>
-              <a:rPr lang="en-US" b="1" dirty="0" smtClean="0">
+              <a:rPr lang="en-US" b="1" dirty="0">
                 <a:latin typeface="Consolas" pitchFamily="49" charset="0"/>
                 <a:cs typeface="Consolas" pitchFamily="49" charset="0"/>
               </a:rPr>
@@ -14503,21 +15555,21 @@
               <a:buNone/>
             </a:pPr>
             <a:r>
-              <a:rPr lang="en-US" b="1" dirty="0" smtClean="0">
+              <a:rPr lang="en-US" b="1" dirty="0">
                 <a:latin typeface="Consolas" pitchFamily="49" charset="0"/>
                 <a:cs typeface="Consolas" pitchFamily="49" charset="0"/>
               </a:rPr>
               <a:t>(list "</a:t>
             </a:r>
             <a:r>
-              <a:rPr lang="en-US" b="1" dirty="0" err="1" smtClean="0">
+              <a:rPr lang="en-US" b="1" dirty="0" err="1">
                 <a:latin typeface="Consolas" pitchFamily="49" charset="0"/>
                 <a:cs typeface="Consolas" pitchFamily="49" charset="0"/>
               </a:rPr>
               <a:t>alice</a:t>
             </a:r>
             <a:r>
-              <a:rPr lang="en-US" b="1" dirty="0" smtClean="0">
+              <a:rPr lang="en-US" b="1" dirty="0">
                 <a:latin typeface="Consolas" pitchFamily="49" charset="0"/>
                 <a:cs typeface="Consolas" pitchFamily="49" charset="0"/>
               </a:rPr>
@@ -14529,35 +15581,35 @@
               <a:buNone/>
             </a:pPr>
             <a:r>
-              <a:rPr lang="en-US" b="1" dirty="0" smtClean="0">
+              <a:rPr lang="en-US" b="1" dirty="0">
                 <a:latin typeface="Consolas" pitchFamily="49" charset="0"/>
                 <a:cs typeface="Consolas" pitchFamily="49" charset="0"/>
               </a:rPr>
               <a:t>(list (list "</a:t>
             </a:r>
             <a:r>
-              <a:rPr lang="en-US" b="1" dirty="0" err="1" smtClean="0">
+              <a:rPr lang="en-US" b="1" dirty="0" err="1">
                 <a:latin typeface="Consolas" pitchFamily="49" charset="0"/>
                 <a:cs typeface="Consolas" pitchFamily="49" charset="0"/>
               </a:rPr>
               <a:t>alice</a:t>
             </a:r>
             <a:r>
-              <a:rPr lang="en-US" b="1" dirty="0" smtClean="0">
+              <a:rPr lang="en-US" b="1" dirty="0">
                 <a:latin typeface="Consolas" pitchFamily="49" charset="0"/>
                 <a:cs typeface="Consolas" pitchFamily="49" charset="0"/>
               </a:rPr>
               <a:t>" "bob") "</a:t>
             </a:r>
             <a:r>
-              <a:rPr lang="en-US" b="1" dirty="0" err="1" smtClean="0">
+              <a:rPr lang="en-US" b="1" dirty="0" err="1">
                 <a:latin typeface="Consolas" pitchFamily="49" charset="0"/>
                 <a:cs typeface="Consolas" pitchFamily="49" charset="0"/>
               </a:rPr>
               <a:t>carole</a:t>
             </a:r>
             <a:r>
-              <a:rPr lang="en-US" b="1" dirty="0" smtClean="0">
+              <a:rPr lang="en-US" b="1" dirty="0">
                 <a:latin typeface="Consolas" pitchFamily="49" charset="0"/>
                 <a:cs typeface="Consolas" pitchFamily="49" charset="0"/>
               </a:rPr>
@@ -14569,21 +15621,21 @@
               <a:buNone/>
             </a:pPr>
             <a:r>
-              <a:rPr lang="en-US" b="1" dirty="0" smtClean="0">
+              <a:rPr lang="en-US" b="1" dirty="0">
                 <a:latin typeface="Consolas" pitchFamily="49" charset="0"/>
                 <a:cs typeface="Consolas" pitchFamily="49" charset="0"/>
               </a:rPr>
               <a:t>(list "</a:t>
             </a:r>
             <a:r>
-              <a:rPr lang="en-US" b="1" dirty="0" err="1" smtClean="0">
+              <a:rPr lang="en-US" b="1" dirty="0" err="1">
                 <a:latin typeface="Consolas" pitchFamily="49" charset="0"/>
                 <a:cs typeface="Consolas" pitchFamily="49" charset="0"/>
               </a:rPr>
               <a:t>dave</a:t>
             </a:r>
             <a:r>
-              <a:rPr lang="en-US" b="1" dirty="0" smtClean="0">
+              <a:rPr lang="en-US" b="1" dirty="0">
                 <a:latin typeface="Consolas" pitchFamily="49" charset="0"/>
                 <a:cs typeface="Consolas" pitchFamily="49" charset="0"/>
               </a:rPr>
@@ -14599,24 +15651,17 @@
                 <a:latin typeface="Consolas" pitchFamily="49" charset="0"/>
                 <a:cs typeface="Consolas" pitchFamily="49" charset="0"/>
               </a:rPr>
-              <a:t> </a:t>
-            </a:r>
-            <a:r>
-              <a:rPr lang="en-US" b="1" dirty="0" smtClean="0">
-                <a:latin typeface="Consolas" pitchFamily="49" charset="0"/>
-                <a:cs typeface="Consolas" pitchFamily="49" charset="0"/>
-              </a:rPr>
-              <a:t>     (list "</a:t>
-            </a:r>
-            <a:r>
-              <a:rPr lang="en-US" b="1" dirty="0" err="1" smtClean="0">
+              <a:t>      (list "</a:t>
+            </a:r>
+            <a:r>
+              <a:rPr lang="en-US" b="1" dirty="0" err="1">
                 <a:latin typeface="Consolas" pitchFamily="49" charset="0"/>
                 <a:cs typeface="Consolas" pitchFamily="49" charset="0"/>
               </a:rPr>
               <a:t>alice</a:t>
             </a:r>
             <a:r>
-              <a:rPr lang="en-US" b="1" dirty="0" smtClean="0">
+              <a:rPr lang="en-US" b="1" dirty="0">
                 <a:latin typeface="Consolas" pitchFamily="49" charset="0"/>
                 <a:cs typeface="Consolas" pitchFamily="49" charset="0"/>
               </a:rPr>
@@ -14632,24 +15677,17 @@
                 <a:latin typeface="Consolas" pitchFamily="49" charset="0"/>
                 <a:cs typeface="Consolas" pitchFamily="49" charset="0"/>
               </a:rPr>
-              <a:t> </a:t>
-            </a:r>
-            <a:r>
-              <a:rPr lang="en-US" b="1" dirty="0" smtClean="0">
-                <a:latin typeface="Consolas" pitchFamily="49" charset="0"/>
-                <a:cs typeface="Consolas" pitchFamily="49" charset="0"/>
-              </a:rPr>
-              <a:t>     "</a:t>
-            </a:r>
-            <a:r>
-              <a:rPr lang="en-US" b="1" dirty="0" err="1" smtClean="0">
+              <a:t>      "</a:t>
+            </a:r>
+            <a:r>
+              <a:rPr lang="en-US" b="1" dirty="0" err="1">
                 <a:latin typeface="Consolas" pitchFamily="49" charset="0"/>
                 <a:cs typeface="Consolas" pitchFamily="49" charset="0"/>
               </a:rPr>
               <a:t>carole</a:t>
             </a:r>
             <a:r>
-              <a:rPr lang="en-US" b="1" dirty="0" smtClean="0">
+              <a:rPr lang="en-US" b="1" dirty="0">
                 <a:latin typeface="Consolas" pitchFamily="49" charset="0"/>
                 <a:cs typeface="Consolas" pitchFamily="49" charset="0"/>
               </a:rPr>
@@ -14661,21 +15699,21 @@
               <a:buNone/>
             </a:pPr>
             <a:r>
-              <a:rPr lang="en-US" b="1" dirty="0" smtClean="0">
+              <a:rPr lang="en-US" b="1" dirty="0">
                 <a:latin typeface="Consolas" pitchFamily="49" charset="0"/>
                 <a:cs typeface="Consolas" pitchFamily="49" charset="0"/>
               </a:rPr>
               <a:t>(list (list "</a:t>
             </a:r>
             <a:r>
-              <a:rPr lang="en-US" b="1" dirty="0" err="1" smtClean="0">
+              <a:rPr lang="en-US" b="1" dirty="0" err="1">
                 <a:latin typeface="Consolas" pitchFamily="49" charset="0"/>
                 <a:cs typeface="Consolas" pitchFamily="49" charset="0"/>
               </a:rPr>
               <a:t>alice</a:t>
             </a:r>
             <a:r>
-              <a:rPr lang="en-US" b="1" dirty="0" smtClean="0">
+              <a:rPr lang="en-US" b="1" dirty="0">
                 <a:latin typeface="Consolas" pitchFamily="49" charset="0"/>
                 <a:cs typeface="Consolas" pitchFamily="49" charset="0"/>
               </a:rPr>
@@ -14687,30 +15725,26 @@
               <a:buNone/>
             </a:pPr>
             <a:r>
-              <a:rPr lang="en-US" b="1" dirty="0" smtClean="0">
+              <a:rPr lang="en-US" b="1" dirty="0">
                 <a:latin typeface="Consolas" pitchFamily="49" charset="0"/>
                 <a:cs typeface="Consolas" pitchFamily="49" charset="0"/>
               </a:rPr>
               <a:t>      (list (list "ted" "</a:t>
             </a:r>
             <a:r>
-              <a:rPr lang="en-US" b="1" dirty="0" err="1" smtClean="0">
+              <a:rPr lang="en-US" b="1" dirty="0" err="1">
                 <a:latin typeface="Consolas" pitchFamily="49" charset="0"/>
                 <a:cs typeface="Consolas" pitchFamily="49" charset="0"/>
               </a:rPr>
               <a:t>carole</a:t>
             </a:r>
             <a:r>
-              <a:rPr lang="en-US" b="1" dirty="0" smtClean="0">
+              <a:rPr lang="en-US" b="1" dirty="0">
                 <a:latin typeface="Consolas" pitchFamily="49" charset="0"/>
                 <a:cs typeface="Consolas" pitchFamily="49" charset="0"/>
               </a:rPr>
               <a:t>")))</a:t>
             </a:r>
-            <a:endParaRPr lang="en-US" b="1" dirty="0">
-              <a:latin typeface="Consolas" pitchFamily="49" charset="0"/>
-              <a:cs typeface="Consolas" pitchFamily="49" charset="0"/>
-            </a:endParaRPr>
           </a:p>
         </p:txBody>
       </p:sp>
@@ -14784,7 +15818,7 @@
           <a:p>
             <a:pPr algn="ctr"/>
             <a:r>
-              <a:rPr lang="en-US" dirty="0" smtClean="0">
+              <a:rPr lang="en-US" dirty="0">
                 <a:solidFill>
                   <a:schemeClr val="tx1"/>
                 </a:solidFill>
@@ -14792,7 +15826,7 @@
               <a:t>Here are some examples of S-expressions, in </a:t>
             </a:r>
             <a:r>
-              <a:rPr lang="en-US" b="1" dirty="0" smtClean="0">
+              <a:rPr lang="en-US" b="1" dirty="0">
                 <a:solidFill>
                   <a:schemeClr val="tx1"/>
                 </a:solidFill>
@@ -14800,7 +15834,7 @@
               <a:t>list</a:t>
             </a:r>
             <a:r>
-              <a:rPr lang="en-US" dirty="0" smtClean="0">
+              <a:rPr lang="en-US" dirty="0">
                 <a:solidFill>
                   <a:schemeClr val="tx1"/>
                 </a:solidFill>
@@ -14808,7 +15842,7 @@
               <a:t> notation (See </a:t>
             </a:r>
             <a:r>
-              <a:rPr lang="en-US" dirty="0" smtClean="0">
+              <a:rPr lang="en-US" dirty="0">
                 <a:solidFill>
                   <a:schemeClr val="tx1"/>
                 </a:solidFill>
@@ -14817,18 +15851,13 @@
               <a:t>Lesson 4.1</a:t>
             </a:r>
             <a:r>
-              <a:rPr lang="en-US" dirty="0" smtClean="0">
+              <a:rPr lang="en-US" dirty="0">
                 <a:solidFill>
                   <a:schemeClr val="tx1"/>
                 </a:solidFill>
               </a:rPr>
               <a:t>)</a:t>
             </a:r>
-            <a:endParaRPr lang="en-US" dirty="0">
-              <a:solidFill>
-                <a:schemeClr val="tx1"/>
-              </a:solidFill>
-            </a:endParaRPr>
           </a:p>
         </p:txBody>
       </p:sp>
@@ -14842,13 +15871,6 @@
   <p:clrMapOvr>
     <a:masterClrMapping/>
   </p:clrMapOvr>
-  <p:timing>
-    <p:tnLst>
-      <p:par>
-        <p:cTn id="1" dur="indefinite" restart="never" nodeType="tmRoot"/>
-      </p:par>
-    </p:tnLst>
-  </p:timing>
 </p:sld>
 </file>
 
@@ -14885,10 +15907,9 @@
           <a:lstStyle/>
           <a:p>
             <a:r>
-              <a:rPr lang="en-US" dirty="0" smtClean="0"/>
+              <a:rPr lang="en-US" dirty="0"/>
               <a:t>Examples</a:t>
             </a:r>
-            <a:endParaRPr lang="en-US" dirty="0"/>
           </a:p>
         </p:txBody>
       </p:sp>
@@ -14913,21 +15934,21 @@
               <a:buNone/>
             </a:pPr>
             <a:r>
-              <a:rPr lang="en-US" b="1" dirty="0" smtClean="0">
+              <a:rPr lang="en-US" b="1" dirty="0">
                 <a:latin typeface="Consolas" pitchFamily="49" charset="0"/>
                 <a:cs typeface="Consolas" pitchFamily="49" charset="0"/>
               </a:rPr>
               <a:t>"</a:t>
             </a:r>
             <a:r>
-              <a:rPr lang="en-US" b="1" dirty="0" err="1" smtClean="0">
+              <a:rPr lang="en-US" b="1" dirty="0" err="1">
                 <a:latin typeface="Consolas" pitchFamily="49" charset="0"/>
                 <a:cs typeface="Consolas" pitchFamily="49" charset="0"/>
               </a:rPr>
               <a:t>alice</a:t>
             </a:r>
             <a:r>
-              <a:rPr lang="en-US" b="1" dirty="0" smtClean="0">
+              <a:rPr lang="en-US" b="1" dirty="0">
                 <a:latin typeface="Consolas" pitchFamily="49" charset="0"/>
                 <a:cs typeface="Consolas" pitchFamily="49" charset="0"/>
               </a:rPr>
@@ -14939,7 +15960,7 @@
               <a:buNone/>
             </a:pPr>
             <a:r>
-              <a:rPr lang="en-US" b="1" dirty="0" smtClean="0">
+              <a:rPr lang="en-US" b="1" dirty="0">
                 <a:latin typeface="Consolas" pitchFamily="49" charset="0"/>
                 <a:cs typeface="Consolas" pitchFamily="49" charset="0"/>
               </a:rPr>
@@ -14951,21 +15972,21 @@
               <a:buNone/>
             </a:pPr>
             <a:r>
-              <a:rPr lang="en-US" b="1" dirty="0" smtClean="0">
+              <a:rPr lang="en-US" b="1" dirty="0">
                 <a:latin typeface="Consolas" pitchFamily="49" charset="0"/>
                 <a:cs typeface="Consolas" pitchFamily="49" charset="0"/>
               </a:rPr>
               <a:t>"</a:t>
             </a:r>
             <a:r>
-              <a:rPr lang="en-US" b="1" dirty="0" err="1" smtClean="0">
+              <a:rPr lang="en-US" b="1" dirty="0" err="1">
                 <a:latin typeface="Consolas" pitchFamily="49" charset="0"/>
                 <a:cs typeface="Consolas" pitchFamily="49" charset="0"/>
               </a:rPr>
               <a:t>carole</a:t>
             </a:r>
             <a:r>
-              <a:rPr lang="en-US" b="1" dirty="0" smtClean="0">
+              <a:rPr lang="en-US" b="1" dirty="0">
                 <a:latin typeface="Consolas" pitchFamily="49" charset="0"/>
                 <a:cs typeface="Consolas" pitchFamily="49" charset="0"/>
               </a:rPr>
@@ -14977,21 +15998,21 @@
               <a:buNone/>
             </a:pPr>
             <a:r>
-              <a:rPr lang="en-US" b="1" dirty="0" smtClean="0">
+              <a:rPr lang="en-US" b="1" dirty="0">
                 <a:latin typeface="Consolas" pitchFamily="49" charset="0"/>
                 <a:cs typeface="Consolas" pitchFamily="49" charset="0"/>
               </a:rPr>
               <a:t>("</a:t>
             </a:r>
             <a:r>
-              <a:rPr lang="en-US" b="1" dirty="0" err="1" smtClean="0">
+              <a:rPr lang="en-US" b="1" dirty="0" err="1">
                 <a:latin typeface="Consolas" pitchFamily="49" charset="0"/>
                 <a:cs typeface="Consolas" pitchFamily="49" charset="0"/>
               </a:rPr>
               <a:t>alice</a:t>
             </a:r>
             <a:r>
-              <a:rPr lang="en-US" b="1" dirty="0" smtClean="0">
+              <a:rPr lang="en-US" b="1" dirty="0">
                 <a:latin typeface="Consolas" pitchFamily="49" charset="0"/>
                 <a:cs typeface="Consolas" pitchFamily="49" charset="0"/>
               </a:rPr>
@@ -15003,35 +16024,35 @@
               <a:buNone/>
             </a:pPr>
             <a:r>
-              <a:rPr lang="en-US" b="1" dirty="0" smtClean="0">
+              <a:rPr lang="en-US" b="1" dirty="0">
                 <a:latin typeface="Consolas" pitchFamily="49" charset="0"/>
                 <a:cs typeface="Consolas" pitchFamily="49" charset="0"/>
               </a:rPr>
               <a:t>(("</a:t>
             </a:r>
             <a:r>
-              <a:rPr lang="en-US" b="1" dirty="0" err="1" smtClean="0">
+              <a:rPr lang="en-US" b="1" dirty="0" err="1">
                 <a:latin typeface="Consolas" pitchFamily="49" charset="0"/>
                 <a:cs typeface="Consolas" pitchFamily="49" charset="0"/>
               </a:rPr>
               <a:t>alice</a:t>
             </a:r>
             <a:r>
-              <a:rPr lang="en-US" b="1" dirty="0" smtClean="0">
+              <a:rPr lang="en-US" b="1" dirty="0">
                 <a:latin typeface="Consolas" pitchFamily="49" charset="0"/>
                 <a:cs typeface="Consolas" pitchFamily="49" charset="0"/>
               </a:rPr>
               <a:t>" "bob") "</a:t>
             </a:r>
             <a:r>
-              <a:rPr lang="en-US" b="1" dirty="0" err="1" smtClean="0">
+              <a:rPr lang="en-US" b="1" dirty="0" err="1">
                 <a:latin typeface="Consolas" pitchFamily="49" charset="0"/>
                 <a:cs typeface="Consolas" pitchFamily="49" charset="0"/>
               </a:rPr>
               <a:t>carole</a:t>
             </a:r>
             <a:r>
-              <a:rPr lang="en-US" b="1" dirty="0" smtClean="0">
+              <a:rPr lang="en-US" b="1" dirty="0">
                 <a:latin typeface="Consolas" pitchFamily="49" charset="0"/>
                 <a:cs typeface="Consolas" pitchFamily="49" charset="0"/>
               </a:rPr>
@@ -15043,49 +16064,49 @@
               <a:buNone/>
             </a:pPr>
             <a:r>
-              <a:rPr lang="en-US" b="1" dirty="0" smtClean="0">
+              <a:rPr lang="en-US" b="1" dirty="0">
                 <a:latin typeface="Consolas" pitchFamily="49" charset="0"/>
                 <a:cs typeface="Consolas" pitchFamily="49" charset="0"/>
               </a:rPr>
               <a:t>("</a:t>
             </a:r>
             <a:r>
-              <a:rPr lang="en-US" b="1" dirty="0" err="1" smtClean="0">
+              <a:rPr lang="en-US" b="1" dirty="0" err="1">
                 <a:latin typeface="Consolas" pitchFamily="49" charset="0"/>
                 <a:cs typeface="Consolas" pitchFamily="49" charset="0"/>
               </a:rPr>
               <a:t>dave</a:t>
             </a:r>
             <a:r>
-              <a:rPr lang="en-US" b="1" dirty="0" smtClean="0">
+              <a:rPr lang="en-US" b="1" dirty="0">
                 <a:latin typeface="Consolas" pitchFamily="49" charset="0"/>
                 <a:cs typeface="Consolas" pitchFamily="49" charset="0"/>
               </a:rPr>
               <a:t>" ("</a:t>
             </a:r>
             <a:r>
-              <a:rPr lang="en-US" b="1" dirty="0" err="1" smtClean="0">
+              <a:rPr lang="en-US" b="1" dirty="0" err="1">
                 <a:latin typeface="Consolas" pitchFamily="49" charset="0"/>
                 <a:cs typeface="Consolas" pitchFamily="49" charset="0"/>
               </a:rPr>
               <a:t>alice</a:t>
             </a:r>
             <a:r>
-              <a:rPr lang="en-US" b="1" dirty="0" smtClean="0">
+              <a:rPr lang="en-US" b="1" dirty="0">
                 <a:latin typeface="Consolas" pitchFamily="49" charset="0"/>
                 <a:cs typeface="Consolas" pitchFamily="49" charset="0"/>
               </a:rPr>
               <a:t>" "bob") "</a:t>
             </a:r>
             <a:r>
-              <a:rPr lang="en-US" b="1" dirty="0" err="1" smtClean="0">
+              <a:rPr lang="en-US" b="1" dirty="0" err="1">
                 <a:latin typeface="Consolas" pitchFamily="49" charset="0"/>
                 <a:cs typeface="Consolas" pitchFamily="49" charset="0"/>
               </a:rPr>
               <a:t>carole</a:t>
             </a:r>
             <a:r>
-              <a:rPr lang="en-US" b="1" dirty="0" smtClean="0">
+              <a:rPr lang="en-US" b="1" dirty="0">
                 <a:latin typeface="Consolas" pitchFamily="49" charset="0"/>
                 <a:cs typeface="Consolas" pitchFamily="49" charset="0"/>
               </a:rPr>
@@ -15097,21 +16118,21 @@
               <a:buNone/>
             </a:pPr>
             <a:r>
-              <a:rPr lang="en-US" b="1" dirty="0" smtClean="0">
+              <a:rPr lang="en-US" b="1" dirty="0">
                 <a:latin typeface="Consolas" pitchFamily="49" charset="0"/>
                 <a:cs typeface="Consolas" pitchFamily="49" charset="0"/>
               </a:rPr>
               <a:t>(("</a:t>
             </a:r>
             <a:r>
-              <a:rPr lang="en-US" b="1" dirty="0" err="1" smtClean="0">
+              <a:rPr lang="en-US" b="1" dirty="0" err="1">
                 <a:latin typeface="Consolas" pitchFamily="49" charset="0"/>
                 <a:cs typeface="Consolas" pitchFamily="49" charset="0"/>
               </a:rPr>
               <a:t>alice</a:t>
             </a:r>
             <a:r>
-              <a:rPr lang="en-US" b="1" dirty="0" smtClean="0">
+              <a:rPr lang="en-US" b="1" dirty="0">
                 <a:latin typeface="Consolas" pitchFamily="49" charset="0"/>
                 <a:cs typeface="Consolas" pitchFamily="49" charset="0"/>
               </a:rPr>
@@ -15123,30 +16144,26 @@
               <a:buNone/>
             </a:pPr>
             <a:r>
-              <a:rPr lang="en-US" b="1" dirty="0" smtClean="0">
+              <a:rPr lang="en-US" b="1" dirty="0">
                 <a:latin typeface="Consolas" pitchFamily="49" charset="0"/>
                 <a:cs typeface="Consolas" pitchFamily="49" charset="0"/>
               </a:rPr>
               <a:t> (("ted" "</a:t>
             </a:r>
             <a:r>
-              <a:rPr lang="en-US" b="1" dirty="0" err="1" smtClean="0">
+              <a:rPr lang="en-US" b="1" dirty="0" err="1">
                 <a:latin typeface="Consolas" pitchFamily="49" charset="0"/>
                 <a:cs typeface="Consolas" pitchFamily="49" charset="0"/>
               </a:rPr>
               <a:t>carole</a:t>
             </a:r>
             <a:r>
-              <a:rPr lang="en-US" b="1" dirty="0" smtClean="0">
+              <a:rPr lang="en-US" b="1" dirty="0">
                 <a:latin typeface="Consolas" pitchFamily="49" charset="0"/>
                 <a:cs typeface="Consolas" pitchFamily="49" charset="0"/>
               </a:rPr>
               <a:t>")))</a:t>
             </a:r>
-            <a:endParaRPr lang="en-US" b="1" dirty="0">
-              <a:latin typeface="Consolas" pitchFamily="49" charset="0"/>
-              <a:cs typeface="Consolas" pitchFamily="49" charset="0"/>
-            </a:endParaRPr>
           </a:p>
         </p:txBody>
       </p:sp>
@@ -15220,7 +16237,7 @@
           <a:p>
             <a:pPr algn="ctr"/>
             <a:r>
-              <a:rPr lang="en-US" dirty="0" smtClean="0">
+              <a:rPr lang="en-US" dirty="0">
                 <a:solidFill>
                   <a:schemeClr val="tx1"/>
                 </a:solidFill>
@@ -15228,7 +16245,7 @@
               <a:t>Here are the same examples of S-expressions, in </a:t>
             </a:r>
             <a:r>
-              <a:rPr lang="en-US" b="1" dirty="0" smtClean="0">
+              <a:rPr lang="en-US" b="1" dirty="0">
                 <a:solidFill>
                   <a:schemeClr val="tx1"/>
                 </a:solidFill>
@@ -15236,7 +16253,7 @@
               <a:t>write</a:t>
             </a:r>
             <a:r>
-              <a:rPr lang="en-US" dirty="0" smtClean="0">
+              <a:rPr lang="en-US" dirty="0">
                 <a:solidFill>
                   <a:schemeClr val="tx1"/>
                 </a:solidFill>
@@ -15244,7 +16261,7 @@
               <a:t> notation (See </a:t>
             </a:r>
             <a:r>
-              <a:rPr lang="en-US" dirty="0" smtClean="0">
+              <a:rPr lang="en-US" dirty="0">
                 <a:solidFill>
                   <a:schemeClr val="tx1"/>
                 </a:solidFill>
@@ -15253,18 +16270,13 @@
               <a:t>Lesson 4.1</a:t>
             </a:r>
             <a:r>
-              <a:rPr lang="en-US" dirty="0" smtClean="0">
+              <a:rPr lang="en-US" dirty="0">
                 <a:solidFill>
                   <a:schemeClr val="tx1"/>
                 </a:solidFill>
               </a:rPr>
               <a:t>).  We often use write notation because it is more compact.</a:t>
             </a:r>
-            <a:endParaRPr lang="en-US" dirty="0">
-              <a:solidFill>
-                <a:schemeClr val="tx1"/>
-              </a:solidFill>
-            </a:endParaRPr>
           </a:p>
         </p:txBody>
       </p:sp>
@@ -15278,13 +16290,6 @@
   <p:clrMapOvr>
     <a:masterClrMapping/>
   </p:clrMapOvr>
-  <p:timing>
-    <p:tnLst>
-      <p:par>
-        <p:cTn id="1" dur="indefinite" restart="never" nodeType="tmRoot"/>
-      </p:par>
-    </p:tnLst>
-  </p:timing>
 </p:sld>
 </file>
 
@@ -15321,10 +16326,9 @@
           <a:lstStyle/>
           <a:p>
             <a:r>
-              <a:rPr lang="en-US" dirty="0" smtClean="0"/>
+              <a:rPr lang="en-US" dirty="0"/>
               <a:t>Data Definition</a:t>
             </a:r>
-            <a:endParaRPr lang="en-US" dirty="0"/>
           </a:p>
         </p:txBody>
       </p:sp>
@@ -15349,15 +16353,15 @@
               <a:buNone/>
             </a:pPr>
             <a:r>
-              <a:rPr lang="en-US" dirty="0" smtClean="0"/>
+              <a:rPr lang="en-US" dirty="0"/>
               <a:t>An S-expression of Strings (</a:t>
             </a:r>
             <a:r>
-              <a:rPr lang="en-US" dirty="0" err="1" smtClean="0"/>
+              <a:rPr lang="en-US" dirty="0" err="1"/>
               <a:t>SoS</a:t>
             </a:r>
             <a:r>
-              <a:rPr lang="en-US" dirty="0" smtClean="0"/>
+              <a:rPr lang="en-US" dirty="0"/>
               <a:t>) is either</a:t>
             </a:r>
           </a:p>
@@ -15366,7 +16370,7 @@
               <a:buNone/>
             </a:pPr>
             <a:r>
-              <a:rPr lang="en-US" dirty="0" smtClean="0"/>
+              <a:rPr lang="en-US" dirty="0"/>
               <a:t>-- a String</a:t>
             </a:r>
           </a:p>
@@ -15375,23 +16379,23 @@
               <a:buNone/>
             </a:pPr>
             <a:r>
-              <a:rPr lang="en-US" dirty="0" smtClean="0"/>
+              <a:rPr lang="en-US" dirty="0"/>
               <a:t>-- a List of </a:t>
             </a:r>
             <a:r>
-              <a:rPr lang="en-US" dirty="0" err="1" smtClean="0"/>
+              <a:rPr lang="en-US" dirty="0" err="1"/>
               <a:t>SoS's</a:t>
             </a:r>
             <a:r>
-              <a:rPr lang="en-US" dirty="0" smtClean="0"/>
+              <a:rPr lang="en-US" dirty="0"/>
               <a:t> (</a:t>
             </a:r>
             <a:r>
-              <a:rPr lang="en-US" dirty="0" err="1" smtClean="0"/>
+              <a:rPr lang="en-US" dirty="0" err="1"/>
               <a:t>LoSS</a:t>
             </a:r>
             <a:r>
-              <a:rPr lang="en-US" dirty="0" smtClean="0"/>
+              <a:rPr lang="en-US" dirty="0"/>
               <a:t>)</a:t>
             </a:r>
           </a:p>
@@ -15399,30 +16403,30 @@
             <a:pPr>
               <a:buNone/>
             </a:pPr>
-            <a:endParaRPr lang="en-US" dirty="0" smtClean="0"/>
+            <a:endParaRPr lang="en-US" dirty="0"/>
           </a:p>
           <a:p>
             <a:pPr>
               <a:buNone/>
             </a:pPr>
             <a:r>
-              <a:rPr lang="en-US" dirty="0" smtClean="0"/>
+              <a:rPr lang="en-US" dirty="0"/>
               <a:t>A List of </a:t>
             </a:r>
             <a:r>
-              <a:rPr lang="en-US" dirty="0" err="1" smtClean="0"/>
+              <a:rPr lang="en-US" dirty="0" err="1"/>
               <a:t>SoS's</a:t>
             </a:r>
             <a:r>
-              <a:rPr lang="en-US" dirty="0" smtClean="0"/>
+              <a:rPr lang="en-US" dirty="0"/>
               <a:t> (</a:t>
             </a:r>
             <a:r>
-              <a:rPr lang="en-US" dirty="0" err="1" smtClean="0"/>
+              <a:rPr lang="en-US" dirty="0" err="1"/>
               <a:t>LoSS</a:t>
             </a:r>
             <a:r>
-              <a:rPr lang="en-US" dirty="0" smtClean="0"/>
+              <a:rPr lang="en-US" dirty="0"/>
               <a:t>) is either</a:t>
             </a:r>
           </a:p>
@@ -15431,7 +16435,7 @@
               <a:buNone/>
             </a:pPr>
             <a:r>
-              <a:rPr lang="en-US" dirty="0" smtClean="0"/>
+              <a:rPr lang="en-US" dirty="0"/>
               <a:t>-- empty</a:t>
             </a:r>
           </a:p>
@@ -15440,26 +16444,25 @@
               <a:buNone/>
             </a:pPr>
             <a:r>
-              <a:rPr lang="en-US" dirty="0" smtClean="0"/>
+              <a:rPr lang="en-US" dirty="0"/>
               <a:t>-- (cons </a:t>
             </a:r>
             <a:r>
-              <a:rPr lang="en-US" dirty="0" err="1" smtClean="0"/>
+              <a:rPr lang="en-US" dirty="0" err="1"/>
               <a:t>SoS</a:t>
             </a:r>
             <a:r>
-              <a:rPr lang="en-US" dirty="0" smtClean="0"/>
+              <a:rPr lang="en-US" dirty="0"/>
               <a:t> </a:t>
             </a:r>
             <a:r>
-              <a:rPr lang="en-US" dirty="0" err="1" smtClean="0"/>
+              <a:rPr lang="en-US" dirty="0" err="1"/>
               <a:t>LoSS</a:t>
             </a:r>
             <a:r>
-              <a:rPr lang="en-US" dirty="0" smtClean="0"/>
+              <a:rPr lang="en-US" dirty="0"/>
               <a:t>)</a:t>
             </a:r>
-            <a:endParaRPr lang="en-US" dirty="0"/>
           </a:p>
         </p:txBody>
       </p:sp>
@@ -15532,7 +16535,7 @@
           <a:lstStyle/>
           <a:p>
             <a:pPr algn="ctr"/>
-            <a:endParaRPr lang="en-US" dirty="0" smtClean="0">
+            <a:endParaRPr lang="en-US" dirty="0">
               <a:solidFill>
                 <a:schemeClr val="tx1"/>
               </a:solidFill>
@@ -15586,7 +16589,7 @@
           <a:lstStyle/>
           <a:p>
             <a:pPr algn="ctr"/>
-            <a:endParaRPr lang="en-US" dirty="0" smtClean="0">
+            <a:endParaRPr lang="en-US" dirty="0">
               <a:solidFill>
                 <a:schemeClr val="tx1"/>
               </a:solidFill>
@@ -15640,18 +16643,13 @@
           <a:lstStyle/>
           <a:p>
             <a:r>
-              <a:rPr lang="en-US" sz="1600" dirty="0" smtClean="0">
+              <a:rPr lang="en-US" sz="1600" dirty="0">
                 <a:solidFill>
                   <a:schemeClr val="tx1"/>
                 </a:solidFill>
               </a:rPr>
               <a:t>Let's write down a precise definition:</a:t>
             </a:r>
-            <a:endParaRPr lang="en-US" sz="1600" dirty="0">
-              <a:solidFill>
-                <a:schemeClr val="tx1"/>
-              </a:solidFill>
-            </a:endParaRPr>
           </a:p>
           <a:p>
             <a:pPr marL="285750" lvl="0" indent="-285750">
@@ -15706,15 +16704,7 @@
                   <a:schemeClr val="tx1"/>
                 </a:solidFill>
               </a:rPr>
-              <a:t>These two definitions are mutually recursive, as you can see from the two </a:t>
-            </a:r>
-            <a:r>
-              <a:rPr lang="en-US" sz="1600" dirty="0" smtClean="0">
-                <a:solidFill>
-                  <a:schemeClr val="tx1"/>
-                </a:solidFill>
-              </a:rPr>
-              <a:t>arrows</a:t>
+              <a:t>These two definitions are mutually recursive, as you can see from the two arrows</a:t>
             </a:r>
             <a:endParaRPr lang="en-US" sz="1600" dirty="0"/>
           </a:p>
@@ -15906,10 +16896,9 @@
           <a:lstStyle/>
           <a:p>
             <a:r>
-              <a:rPr lang="en-US" dirty="0" smtClean="0"/>
+              <a:rPr lang="en-US" dirty="0"/>
               <a:t>This is mutual recursion</a:t>
             </a:r>
-            <a:endParaRPr lang="en-US" dirty="0"/>
           </a:p>
         </p:txBody>
       </p:sp>
@@ -15931,7 +16920,7 @@
             <a:pPr>
               <a:buNone/>
             </a:pPr>
-            <a:endParaRPr lang="en-US" b="1" dirty="0" smtClean="0">
+            <a:endParaRPr lang="en-US" b="1" dirty="0">
               <a:latin typeface="Courier New" pitchFamily="49" charset="0"/>
               <a:cs typeface="Courier New" pitchFamily="49" charset="0"/>
             </a:endParaRPr>
@@ -15940,7 +16929,7 @@
             <a:pPr>
               <a:buNone/>
             </a:pPr>
-            <a:endParaRPr lang="en-US" b="1" dirty="0" smtClean="0">
+            <a:endParaRPr lang="en-US" b="1" dirty="0">
               <a:latin typeface="Courier New" pitchFamily="49" charset="0"/>
               <a:cs typeface="Courier New" pitchFamily="49" charset="0"/>
             </a:endParaRPr>
@@ -15949,7 +16938,7 @@
             <a:pPr>
               <a:buNone/>
             </a:pPr>
-            <a:endParaRPr lang="en-US" b="1" dirty="0" smtClean="0">
+            <a:endParaRPr lang="en-US" b="1" dirty="0">
               <a:latin typeface="Courier New" pitchFamily="49" charset="0"/>
               <a:cs typeface="Courier New" pitchFamily="49" charset="0"/>
             </a:endParaRPr>
@@ -15959,28 +16948,28 @@
               <a:buNone/>
             </a:pPr>
             <a:r>
-              <a:rPr lang="en-US" b="1" dirty="0" smtClean="0">
+              <a:rPr lang="en-US" b="1" dirty="0">
                 <a:latin typeface="Courier New" pitchFamily="49" charset="0"/>
                 <a:cs typeface="Courier New" pitchFamily="49" charset="0"/>
               </a:rPr>
               <a:t>     </a:t>
             </a:r>
             <a:r>
-              <a:rPr lang="en-US" b="1" dirty="0" err="1" smtClean="0">
+              <a:rPr lang="en-US" b="1" dirty="0" err="1">
                 <a:latin typeface="Consolas" pitchFamily="49" charset="0"/>
                 <a:cs typeface="Consolas" pitchFamily="49" charset="0"/>
               </a:rPr>
               <a:t>SoS</a:t>
             </a:r>
             <a:r>
-              <a:rPr lang="en-US" b="1" dirty="0" smtClean="0">
+              <a:rPr lang="en-US" b="1" dirty="0">
                 <a:latin typeface="Courier New" pitchFamily="49" charset="0"/>
                 <a:cs typeface="Courier New" pitchFamily="49" charset="0"/>
               </a:rPr>
               <a:t>               </a:t>
             </a:r>
             <a:r>
-              <a:rPr lang="en-US" b="1" dirty="0" err="1" smtClean="0">
+              <a:rPr lang="en-US" b="1" dirty="0" err="1">
                 <a:latin typeface="Consolas" pitchFamily="49" charset="0"/>
                 <a:cs typeface="Consolas" pitchFamily="49" charset="0"/>
               </a:rPr>
@@ -16062,7 +17051,7 @@
           <a:lstStyle/>
           <a:p>
             <a:pPr algn="ctr"/>
-            <a:endParaRPr lang="en-US" dirty="0" smtClean="0">
+            <a:endParaRPr lang="en-US" dirty="0">
               <a:solidFill>
                 <a:schemeClr val="tx1"/>
               </a:solidFill>
@@ -16114,7 +17103,7 @@
           <a:lstStyle/>
           <a:p>
             <a:pPr algn="ctr"/>
-            <a:endParaRPr lang="en-US" dirty="0" smtClean="0">
+            <a:endParaRPr lang="en-US" dirty="0">
               <a:solidFill>
                 <a:schemeClr val="tx1"/>
               </a:solidFill>
@@ -16145,10 +17134,9 @@
           <a:lstStyle/>
           <a:p>
             <a:r>
-              <a:rPr lang="en-US" sz="2400" dirty="0" smtClean="0"/>
+              <a:rPr lang="en-US" sz="2400" dirty="0"/>
               <a:t>defined in terms of </a:t>
             </a:r>
-            <a:endParaRPr lang="en-US" sz="2400" dirty="0"/>
           </a:p>
         </p:txBody>
       </p:sp>
@@ -16175,10 +17163,9 @@
           <a:lstStyle/>
           <a:p>
             <a:r>
-              <a:rPr lang="en-US" sz="2400" dirty="0" smtClean="0"/>
+              <a:rPr lang="en-US" sz="2400" dirty="0"/>
               <a:t>defined in terms of </a:t>
             </a:r>
-            <a:endParaRPr lang="en-US" sz="2400" dirty="0"/>
           </a:p>
         </p:txBody>
       </p:sp>
@@ -16192,13 +17179,6 @@
   <p:clrMapOvr>
     <a:masterClrMapping/>
   </p:clrMapOvr>
-  <p:timing>
-    <p:tnLst>
-      <p:par>
-        <p:cTn id="1" dur="indefinite" restart="never" nodeType="tmRoot"/>
-      </p:par>
-    </p:tnLst>
-  </p:timing>
 </p:sld>
 </file>
 
@@ -16221,7 +17201,7 @@
       </p:grpSpPr>
       <p:sp>
         <p:nvSpPr>
-          <p:cNvPr id="2" name="Title 1"/>
+          <p:cNvPr id="5" name="Title 4"/>
           <p:cNvSpPr>
             <a:spLocks noGrp="1"/>
           </p:cNvSpPr>
@@ -16235,16 +17215,15 @@
           <a:lstStyle/>
           <a:p>
             <a:r>
-              <a:rPr lang="en-US" dirty="0" smtClean="0"/>
-              <a:t>Data Structures</a:t>
-            </a:r>
-            <a:endParaRPr lang="en-US" dirty="0"/>
-          </a:p>
-        </p:txBody>
-      </p:sp>
-      <p:sp>
-        <p:nvSpPr>
-          <p:cNvPr id="3" name="Content Placeholder 2"/>
+              <a:rPr lang="en-US" dirty="0"/>
+              <a:t>Elaborating the Data Definition (1)</a:t>
+            </a:r>
+          </a:p>
+        </p:txBody>
+      </p:sp>
+      <p:sp>
+        <p:nvSpPr>
+          <p:cNvPr id="7" name="Content Placeholder 6"/>
           <p:cNvSpPr>
             <a:spLocks noGrp="1"/>
           </p:cNvSpPr>
@@ -16254,105 +17233,126 @@
         </p:nvSpPr>
         <p:spPr/>
         <p:txBody>
-          <a:bodyPr>
-            <a:normAutofit/>
-          </a:bodyPr>
-          <a:lstStyle/>
-          <a:p>
-            <a:pPr>
+          <a:bodyPr/>
+          <a:lstStyle/>
+          <a:p>
+            <a:r>
+              <a:rPr lang="en-US" dirty="0"/>
+              <a:t>Why is </a:t>
+            </a:r>
+            <a:r>
+              <a:rPr lang="en-US" b="1" dirty="0"/>
+              <a:t>(("</a:t>
+            </a:r>
+            <a:r>
+              <a:rPr lang="en-US" b="1" dirty="0" err="1"/>
+              <a:t>alice</a:t>
+            </a:r>
+            <a:r>
+              <a:rPr lang="en-US" b="1" dirty="0"/>
+              <a:t>" "bob") "</a:t>
+            </a:r>
+            <a:r>
+              <a:rPr lang="en-US" b="1" dirty="0" err="1"/>
+              <a:t>carole</a:t>
+            </a:r>
+            <a:r>
+              <a:rPr lang="en-US" b="1" dirty="0"/>
+              <a:t>") </a:t>
+            </a:r>
+            <a:r>
+              <a:rPr lang="en-US" dirty="0"/>
+              <a:t>an </a:t>
+            </a:r>
+            <a:r>
+              <a:rPr lang="en-US" dirty="0" err="1"/>
+              <a:t>SoS</a:t>
+            </a:r>
+            <a:r>
+              <a:rPr lang="en-US" dirty="0"/>
+              <a:t> ? </a:t>
+            </a:r>
+          </a:p>
+          <a:p>
+            <a:r>
+              <a:rPr lang="en-US" dirty="0"/>
+              <a:t>To understand this, let’s write this out in cons notation:</a:t>
+            </a:r>
+          </a:p>
+          <a:p>
+            <a:endParaRPr lang="en-US" dirty="0"/>
+          </a:p>
+          <a:p>
+            <a:pPr marL="0" indent="0">
+              <a:spcBef>
+                <a:spcPts val="0"/>
+              </a:spcBef>
               <a:buNone/>
             </a:pPr>
             <a:r>
-              <a:rPr lang="en-US" b="1" dirty="0" smtClean="0">
-                <a:latin typeface="Consolas" pitchFamily="49" charset="0"/>
-                <a:cs typeface="Consolas" pitchFamily="49" charset="0"/>
-              </a:rPr>
-              <a:t>"</a:t>
-            </a:r>
-            <a:r>
-              <a:rPr lang="en-US" b="1" dirty="0" err="1" smtClean="0">
-                <a:latin typeface="Consolas" pitchFamily="49" charset="0"/>
-                <a:cs typeface="Consolas" pitchFamily="49" charset="0"/>
+              <a:rPr lang="en-US" sz="2800" b="1" dirty="0">
+                <a:latin typeface="Consolas" panose="020B0609020204030204" pitchFamily="49" charset="0"/>
+              </a:rPr>
+              <a:t>(cons</a:t>
+            </a:r>
+          </a:p>
+          <a:p>
+            <a:pPr marL="0" indent="0">
+              <a:spcBef>
+                <a:spcPts val="0"/>
+              </a:spcBef>
+              <a:buNone/>
+            </a:pPr>
+            <a:r>
+              <a:rPr lang="en-US" sz="2800" b="1" dirty="0">
+                <a:latin typeface="Consolas" panose="020B0609020204030204" pitchFamily="49" charset="0"/>
+              </a:rPr>
+              <a:t> (cons "</a:t>
+            </a:r>
+            <a:r>
+              <a:rPr lang="en-US" sz="2800" b="1" dirty="0" err="1">
+                <a:latin typeface="Consolas" panose="020B0609020204030204" pitchFamily="49" charset="0"/>
               </a:rPr>
               <a:t>alice</a:t>
             </a:r>
             <a:r>
-              <a:rPr lang="en-US" b="1" dirty="0" smtClean="0">
-                <a:latin typeface="Consolas" pitchFamily="49" charset="0"/>
-                <a:cs typeface="Consolas" pitchFamily="49" charset="0"/>
-              </a:rPr>
-              <a:t>"</a:t>
-            </a:r>
-          </a:p>
-          <a:p>
-            <a:pPr>
+              <a:rPr lang="en-US" sz="2800" b="1" dirty="0">
+                <a:latin typeface="Consolas" panose="020B0609020204030204" pitchFamily="49" charset="0"/>
+              </a:rPr>
+              <a:t>" (cons "bob" empty))</a:t>
+            </a:r>
+          </a:p>
+          <a:p>
+            <a:pPr marL="0" indent="0">
+              <a:spcBef>
+                <a:spcPts val="0"/>
+              </a:spcBef>
               <a:buNone/>
             </a:pPr>
             <a:r>
-              <a:rPr lang="en-US" b="1" dirty="0" smtClean="0">
-                <a:latin typeface="Consolas" pitchFamily="49" charset="0"/>
-                <a:cs typeface="Consolas" pitchFamily="49" charset="0"/>
-              </a:rPr>
-              <a:t>"bob"</a:t>
-            </a:r>
-          </a:p>
-          <a:p>
-            <a:pPr>
-              <a:buNone/>
-            </a:pPr>
-            <a:r>
-              <a:rPr lang="en-US" b="1" dirty="0" smtClean="0">
-                <a:latin typeface="Consolas" pitchFamily="49" charset="0"/>
-                <a:cs typeface="Consolas" pitchFamily="49" charset="0"/>
-              </a:rPr>
-              <a:t>"</a:t>
-            </a:r>
-            <a:r>
-              <a:rPr lang="en-US" b="1" dirty="0" err="1" smtClean="0">
-                <a:latin typeface="Consolas" pitchFamily="49" charset="0"/>
-                <a:cs typeface="Consolas" pitchFamily="49" charset="0"/>
+              <a:rPr lang="en-US" sz="2800" b="1" dirty="0">
+                <a:latin typeface="Consolas" panose="020B0609020204030204" pitchFamily="49" charset="0"/>
+              </a:rPr>
+              <a:t> (cons "</a:t>
+            </a:r>
+            <a:r>
+              <a:rPr lang="en-US" sz="2800" b="1" dirty="0" err="1">
+                <a:latin typeface="Consolas" panose="020B0609020204030204" pitchFamily="49" charset="0"/>
               </a:rPr>
               <a:t>carole</a:t>
             </a:r>
             <a:r>
-              <a:rPr lang="en-US" b="1" dirty="0" smtClean="0">
-                <a:latin typeface="Consolas" pitchFamily="49" charset="0"/>
-                <a:cs typeface="Consolas" pitchFamily="49" charset="0"/>
-              </a:rPr>
-              <a:t>"</a:t>
-            </a:r>
-          </a:p>
-          <a:p>
-            <a:pPr>
-              <a:buNone/>
-            </a:pPr>
-            <a:r>
-              <a:rPr lang="en-US" b="1" dirty="0" smtClean="0">
-                <a:latin typeface="Consolas" pitchFamily="49" charset="0"/>
-                <a:cs typeface="Consolas" pitchFamily="49" charset="0"/>
-              </a:rPr>
-              <a:t>("</a:t>
-            </a:r>
-            <a:r>
-              <a:rPr lang="en-US" b="1" dirty="0" err="1" smtClean="0">
-                <a:latin typeface="Consolas" pitchFamily="49" charset="0"/>
-                <a:cs typeface="Consolas" pitchFamily="49" charset="0"/>
-              </a:rPr>
-              <a:t>alice</a:t>
-            </a:r>
-            <a:r>
-              <a:rPr lang="en-US" b="1" dirty="0" smtClean="0">
-                <a:latin typeface="Consolas" pitchFamily="49" charset="0"/>
-                <a:cs typeface="Consolas" pitchFamily="49" charset="0"/>
-              </a:rPr>
-              <a:t>" "bob")</a:t>
-            </a:r>
-          </a:p>
-        </p:txBody>
-      </p:sp>
-      <p:sp>
-        <p:nvSpPr>
-          <p:cNvPr id="18" name="Slide Number Placeholder 17"/>
+              <a:rPr lang="en-US" sz="2800" b="1" dirty="0">
+                <a:latin typeface="Consolas" panose="020B0609020204030204" pitchFamily="49" charset="0"/>
+              </a:rPr>
+              <a:t>" empty))</a:t>
+            </a:r>
+          </a:p>
+        </p:txBody>
+      </p:sp>
+      <p:sp>
+        <p:nvSpPr>
+          <p:cNvPr id="4" name="Slide Number Placeholder 3"/>
           <p:cNvSpPr>
             <a:spLocks noGrp="1"/>
           </p:cNvSpPr>
@@ -16365,7 +17365,7 @@
           <a:bodyPr/>
           <a:lstStyle/>
           <a:p>
-            <a:fld id="{C1D4534E-1B22-4A44-850A-B3E8E9EE687A}" type="slidenum">
+            <a:fld id="{2AF3B5EA-18B6-4040-9F78-6052AF49C681}" type="slidenum">
               <a:rPr lang="en-US" smtClean="0"/>
               <a:t>9</a:t>
             </a:fld>
@@ -16373,526 +17373,16 @@
           </a:p>
         </p:txBody>
       </p:sp>
-      <p:grpSp>
-        <p:nvGrpSpPr>
-          <p:cNvPr id="4" name="Group 4"/>
-          <p:cNvGrpSpPr>
-            <a:grpSpLocks/>
-          </p:cNvGrpSpPr>
-          <p:nvPr/>
-        </p:nvGrpSpPr>
-        <p:grpSpPr bwMode="auto">
-          <a:xfrm>
-            <a:off x="3619500" y="4578351"/>
-            <a:ext cx="2933700" cy="1071563"/>
-            <a:chOff x="2493" y="1488"/>
-            <a:chExt cx="1152" cy="675"/>
-          </a:xfrm>
-        </p:grpSpPr>
-        <p:grpSp>
-          <p:nvGrpSpPr>
-            <p:cNvPr id="5" name="Group 5"/>
-            <p:cNvGrpSpPr>
-              <a:grpSpLocks/>
-            </p:cNvGrpSpPr>
-            <p:nvPr/>
-          </p:nvGrpSpPr>
-          <p:grpSpPr bwMode="auto">
-            <a:xfrm>
-              <a:off x="2493" y="1488"/>
-              <a:ext cx="480" cy="192"/>
-              <a:chOff x="1392" y="1536"/>
-              <a:chExt cx="480" cy="192"/>
-            </a:xfrm>
-          </p:grpSpPr>
-          <p:sp>
-            <p:nvSpPr>
-              <p:cNvPr id="15" name="Rectangle 6"/>
-              <p:cNvSpPr>
-                <a:spLocks noChangeArrowheads="1"/>
-              </p:cNvSpPr>
-              <p:nvPr/>
-            </p:nvSpPr>
-            <p:spPr bwMode="auto">
-              <a:xfrm>
-                <a:off x="1392" y="1536"/>
-                <a:ext cx="240" cy="192"/>
-              </a:xfrm>
-              <a:prstGeom prst="rect">
-                <a:avLst/>
-              </a:prstGeom>
-              <a:noFill/>
-              <a:ln w="9525">
-                <a:solidFill>
-                  <a:schemeClr val="tx1"/>
-                </a:solidFill>
-                <a:miter lim="800000"/>
-                <a:headEnd/>
-                <a:tailEnd/>
-              </a:ln>
-              <a:effectLst/>
-            </p:spPr>
-            <p:txBody>
-              <a:bodyPr wrap="none" anchor="ctr"/>
-              <a:lstStyle/>
-              <a:p>
-                <a:endParaRPr lang="en-US"/>
-              </a:p>
-            </p:txBody>
-          </p:sp>
-          <p:sp>
-            <p:nvSpPr>
-              <p:cNvPr id="16" name="Rectangle 7"/>
-              <p:cNvSpPr>
-                <a:spLocks noChangeArrowheads="1"/>
-              </p:cNvSpPr>
-              <p:nvPr/>
-            </p:nvSpPr>
-            <p:spPr bwMode="auto">
-              <a:xfrm>
-                <a:off x="1632" y="1536"/>
-                <a:ext cx="240" cy="192"/>
-              </a:xfrm>
-              <a:prstGeom prst="rect">
-                <a:avLst/>
-              </a:prstGeom>
-              <a:noFill/>
-              <a:ln w="9525">
-                <a:solidFill>
-                  <a:schemeClr val="tx1"/>
-                </a:solidFill>
-                <a:miter lim="800000"/>
-                <a:headEnd/>
-                <a:tailEnd/>
-              </a:ln>
-              <a:effectLst/>
-            </p:spPr>
-            <p:txBody>
-              <a:bodyPr wrap="none" anchor="ctr"/>
-              <a:lstStyle/>
-              <a:p>
-                <a:endParaRPr lang="en-US"/>
-              </a:p>
-            </p:txBody>
-          </p:sp>
-        </p:grpSp>
-        <p:grpSp>
-          <p:nvGrpSpPr>
-            <p:cNvPr id="6" name="Group 8"/>
-            <p:cNvGrpSpPr>
-              <a:grpSpLocks/>
-            </p:cNvGrpSpPr>
-            <p:nvPr/>
-          </p:nvGrpSpPr>
-          <p:grpSpPr bwMode="auto">
-            <a:xfrm>
-              <a:off x="3165" y="1488"/>
-              <a:ext cx="480" cy="192"/>
-              <a:chOff x="1392" y="1536"/>
-              <a:chExt cx="480" cy="192"/>
-            </a:xfrm>
-          </p:grpSpPr>
-          <p:sp>
-            <p:nvSpPr>
-              <p:cNvPr id="13" name="Rectangle 9"/>
-              <p:cNvSpPr>
-                <a:spLocks noChangeArrowheads="1"/>
-              </p:cNvSpPr>
-              <p:nvPr/>
-            </p:nvSpPr>
-            <p:spPr bwMode="auto">
-              <a:xfrm>
-                <a:off x="1392" y="1536"/>
-                <a:ext cx="240" cy="192"/>
-              </a:xfrm>
-              <a:prstGeom prst="rect">
-                <a:avLst/>
-              </a:prstGeom>
-              <a:noFill/>
-              <a:ln w="9525">
-                <a:solidFill>
-                  <a:schemeClr val="tx1"/>
-                </a:solidFill>
-                <a:miter lim="800000"/>
-                <a:headEnd/>
-                <a:tailEnd/>
-              </a:ln>
-              <a:effectLst/>
-            </p:spPr>
-            <p:txBody>
-              <a:bodyPr wrap="none" anchor="ctr"/>
-              <a:lstStyle/>
-              <a:p>
-                <a:endParaRPr lang="en-US"/>
-              </a:p>
-            </p:txBody>
-          </p:sp>
-          <p:sp>
-            <p:nvSpPr>
-              <p:cNvPr id="14" name="Rectangle 10"/>
-              <p:cNvSpPr>
-                <a:spLocks noChangeArrowheads="1"/>
-              </p:cNvSpPr>
-              <p:nvPr/>
-            </p:nvSpPr>
-            <p:spPr bwMode="auto">
-              <a:xfrm>
-                <a:off x="1632" y="1536"/>
-                <a:ext cx="240" cy="192"/>
-              </a:xfrm>
-              <a:prstGeom prst="rect">
-                <a:avLst/>
-              </a:prstGeom>
-              <a:noFill/>
-              <a:ln w="9525">
-                <a:solidFill>
-                  <a:schemeClr val="tx1"/>
-                </a:solidFill>
-                <a:miter lim="800000"/>
-                <a:headEnd/>
-                <a:tailEnd/>
-              </a:ln>
-              <a:effectLst/>
-            </p:spPr>
-            <p:txBody>
-              <a:bodyPr wrap="none" anchor="ctr"/>
-              <a:lstStyle/>
-              <a:p>
-                <a:endParaRPr lang="en-US"/>
-              </a:p>
-            </p:txBody>
-          </p:sp>
-        </p:grpSp>
-        <p:sp>
-          <p:nvSpPr>
-            <p:cNvPr id="7" name="Line 11"/>
-            <p:cNvSpPr>
-              <a:spLocks noChangeShapeType="1"/>
-            </p:cNvSpPr>
-            <p:nvPr/>
-          </p:nvSpPr>
-          <p:spPr bwMode="auto">
-            <a:xfrm>
-              <a:off x="2829" y="1584"/>
-              <a:ext cx="336" cy="0"/>
-            </a:xfrm>
-            <a:prstGeom prst="line">
-              <a:avLst/>
-            </a:prstGeom>
-            <a:noFill/>
-            <a:ln w="9525">
-              <a:solidFill>
-                <a:schemeClr val="tx1"/>
-              </a:solidFill>
-              <a:round/>
-              <a:headEnd/>
-              <a:tailEnd type="triangle" w="med" len="med"/>
-            </a:ln>
-            <a:effectLst/>
-          </p:spPr>
-          <p:txBody>
-            <a:bodyPr wrap="none" anchor="ctr"/>
-            <a:lstStyle/>
-            <a:p>
-              <a:endParaRPr lang="en-US"/>
-            </a:p>
-          </p:txBody>
-        </p:sp>
-        <p:sp>
-          <p:nvSpPr>
-            <p:cNvPr id="8" name="Line 12"/>
-            <p:cNvSpPr>
-              <a:spLocks noChangeShapeType="1"/>
-            </p:cNvSpPr>
-            <p:nvPr/>
-          </p:nvSpPr>
-          <p:spPr bwMode="auto">
-            <a:xfrm>
-              <a:off x="3405" y="1488"/>
-              <a:ext cx="240" cy="192"/>
-            </a:xfrm>
-            <a:prstGeom prst="line">
-              <a:avLst/>
-            </a:prstGeom>
-            <a:noFill/>
-            <a:ln w="9525">
-              <a:solidFill>
-                <a:schemeClr val="tx1"/>
-              </a:solidFill>
-              <a:round/>
-              <a:headEnd/>
-              <a:tailEnd/>
-            </a:ln>
-            <a:effectLst/>
-          </p:spPr>
-          <p:txBody>
-            <a:bodyPr wrap="none" anchor="ctr"/>
-            <a:lstStyle/>
-            <a:p>
-              <a:endParaRPr lang="en-US"/>
-            </a:p>
-          </p:txBody>
-        </p:sp>
-        <p:sp>
-          <p:nvSpPr>
-            <p:cNvPr id="9" name="Line 13"/>
-            <p:cNvSpPr>
-              <a:spLocks noChangeShapeType="1"/>
-            </p:cNvSpPr>
-            <p:nvPr/>
-          </p:nvSpPr>
-          <p:spPr bwMode="auto">
-            <a:xfrm>
-              <a:off x="2589" y="1584"/>
-              <a:ext cx="0" cy="336"/>
-            </a:xfrm>
-            <a:prstGeom prst="line">
-              <a:avLst/>
-            </a:prstGeom>
-            <a:noFill/>
-            <a:ln w="9525">
-              <a:solidFill>
-                <a:schemeClr val="tx1"/>
-              </a:solidFill>
-              <a:round/>
-              <a:headEnd/>
-              <a:tailEnd type="triangle" w="med" len="med"/>
-            </a:ln>
-            <a:effectLst/>
-          </p:spPr>
-          <p:txBody>
-            <a:bodyPr wrap="none" anchor="ctr"/>
-            <a:lstStyle/>
-            <a:p>
-              <a:endParaRPr lang="en-US"/>
-            </a:p>
-          </p:txBody>
-        </p:sp>
-        <p:sp>
-          <p:nvSpPr>
-            <p:cNvPr id="10" name="Line 14"/>
-            <p:cNvSpPr>
-              <a:spLocks noChangeShapeType="1"/>
-            </p:cNvSpPr>
-            <p:nvPr/>
-          </p:nvSpPr>
-          <p:spPr bwMode="auto">
-            <a:xfrm>
-              <a:off x="3261" y="1584"/>
-              <a:ext cx="0" cy="336"/>
-            </a:xfrm>
-            <a:prstGeom prst="line">
-              <a:avLst/>
-            </a:prstGeom>
-            <a:noFill/>
-            <a:ln w="9525">
-              <a:solidFill>
-                <a:schemeClr val="tx1"/>
-              </a:solidFill>
-              <a:round/>
-              <a:headEnd/>
-              <a:tailEnd type="triangle" w="med" len="med"/>
-            </a:ln>
-            <a:effectLst/>
-          </p:spPr>
-          <p:txBody>
-            <a:bodyPr wrap="none" anchor="ctr"/>
-            <a:lstStyle/>
-            <a:p>
-              <a:endParaRPr lang="en-US"/>
-            </a:p>
-          </p:txBody>
-        </p:sp>
-        <p:sp>
-          <p:nvSpPr>
-            <p:cNvPr id="11" name="Text Box 15"/>
-            <p:cNvSpPr txBox="1">
-              <a:spLocks noChangeArrowheads="1"/>
-            </p:cNvSpPr>
-            <p:nvPr/>
-          </p:nvSpPr>
-          <p:spPr bwMode="auto">
-            <a:xfrm>
-              <a:off x="2501" y="1872"/>
-              <a:ext cx="540" cy="291"/>
-            </a:xfrm>
-            <a:prstGeom prst="rect">
-              <a:avLst/>
-            </a:prstGeom>
-            <a:noFill/>
-            <a:ln w="9525">
-              <a:noFill/>
-              <a:miter lim="800000"/>
-              <a:headEnd/>
-              <a:tailEnd/>
-            </a:ln>
-            <a:effectLst/>
-          </p:spPr>
-          <p:txBody>
-            <a:bodyPr wrap="none">
-              <a:spAutoFit/>
-            </a:bodyPr>
-            <a:lstStyle/>
-            <a:p>
-              <a:r>
-                <a:rPr lang="en-US" sz="2400" b="1" dirty="0" smtClean="0">
-                  <a:latin typeface="Consolas" pitchFamily="49" charset="0"/>
-                  <a:cs typeface="Consolas" pitchFamily="49" charset="0"/>
-                </a:rPr>
-                <a:t>"</a:t>
-              </a:r>
-              <a:r>
-                <a:rPr lang="en-US" sz="2400" b="1" dirty="0" err="1" smtClean="0">
-                  <a:latin typeface="Consolas" pitchFamily="49" charset="0"/>
-                  <a:cs typeface="Consolas" pitchFamily="49" charset="0"/>
-                </a:rPr>
-                <a:t>alice</a:t>
-              </a:r>
-              <a:r>
-                <a:rPr lang="en-US" sz="2400" b="1" dirty="0" smtClean="0">
-                  <a:latin typeface="Consolas" pitchFamily="49" charset="0"/>
-                  <a:cs typeface="Consolas" pitchFamily="49" charset="0"/>
-                </a:rPr>
-                <a:t>"</a:t>
-              </a:r>
-              <a:endParaRPr lang="en-US" sz="2400" b="1" i="0" dirty="0">
-                <a:latin typeface="Consolas" pitchFamily="49" charset="0"/>
-                <a:cs typeface="Consolas" pitchFamily="49" charset="0"/>
-              </a:endParaRPr>
-            </a:p>
-          </p:txBody>
-        </p:sp>
-        <p:sp>
-          <p:nvSpPr>
-            <p:cNvPr id="12" name="Text Box 16"/>
-            <p:cNvSpPr txBox="1">
-              <a:spLocks noChangeArrowheads="1"/>
-            </p:cNvSpPr>
-            <p:nvPr/>
-          </p:nvSpPr>
-          <p:spPr bwMode="auto">
-            <a:xfrm>
-              <a:off x="3161" y="1872"/>
-              <a:ext cx="406" cy="291"/>
-            </a:xfrm>
-            <a:prstGeom prst="rect">
-              <a:avLst/>
-            </a:prstGeom>
-            <a:noFill/>
-            <a:ln w="9525">
-              <a:noFill/>
-              <a:miter lim="800000"/>
-              <a:headEnd/>
-              <a:tailEnd/>
-            </a:ln>
-            <a:effectLst/>
-          </p:spPr>
-          <p:txBody>
-            <a:bodyPr wrap="none">
-              <a:spAutoFit/>
-            </a:bodyPr>
-            <a:lstStyle/>
-            <a:p>
-              <a:r>
-                <a:rPr lang="en-US" sz="2400" b="1" i="0" dirty="0" smtClean="0">
-                  <a:latin typeface="Consolas" pitchFamily="49" charset="0"/>
-                  <a:cs typeface="Consolas" pitchFamily="49" charset="0"/>
-                </a:rPr>
-                <a:t>"bob"</a:t>
-              </a:r>
-              <a:endParaRPr lang="en-US" sz="2400" b="1" i="0" dirty="0">
-                <a:latin typeface="Consolas" pitchFamily="49" charset="0"/>
-                <a:cs typeface="Consolas" pitchFamily="49" charset="0"/>
-              </a:endParaRPr>
-            </a:p>
-          </p:txBody>
-        </p:sp>
-      </p:grpSp>
-      <p:sp>
-        <p:nvSpPr>
-          <p:cNvPr id="17" name="Rectangle 16"/>
-          <p:cNvSpPr/>
-          <p:nvPr/>
-        </p:nvSpPr>
-        <p:spPr>
-          <a:xfrm>
-            <a:off x="5410200" y="1676400"/>
-            <a:ext cx="3581400" cy="914400"/>
-          </a:xfrm>
-          <a:prstGeom prst="rect">
-            <a:avLst/>
-          </a:prstGeom>
-          <a:solidFill>
-            <a:schemeClr val="accent3">
-              <a:lumMod val="40000"/>
-              <a:lumOff val="60000"/>
-            </a:schemeClr>
-          </a:solidFill>
-          <a:ln/>
-        </p:spPr>
-        <p:style>
-          <a:lnRef idx="2">
-            <a:schemeClr val="accent1"/>
-          </a:lnRef>
-          <a:fillRef idx="1">
-            <a:schemeClr val="lt1"/>
-          </a:fillRef>
-          <a:effectRef idx="0">
-            <a:schemeClr val="accent1"/>
-          </a:effectRef>
-          <a:fontRef idx="minor">
-            <a:schemeClr val="dk1"/>
-          </a:fontRef>
-        </p:style>
-        <p:txBody>
-          <a:bodyPr rot="0" spcFirstLastPara="0" vertOverflow="overflow" horzOverflow="overflow" vert="horz" wrap="square" lIns="91440" tIns="45720" rIns="91440" bIns="45720" numCol="1" spcCol="0" rtlCol="0" fromWordArt="0" anchor="ctr" anchorCtr="0" forceAA="0" compatLnSpc="1">
-            <a:prstTxWarp prst="textNoShape">
-              <a:avLst/>
-            </a:prstTxWarp>
-            <a:noAutofit/>
-          </a:bodyPr>
-          <a:lstStyle/>
-          <a:p>
-            <a:pPr>
-              <a:defRPr/>
-            </a:pPr>
-            <a:r>
-              <a:rPr lang="en-US" dirty="0">
-                <a:solidFill>
-                  <a:schemeClr val="tx1"/>
-                </a:solidFill>
-              </a:rPr>
-              <a:t>A list of S-expressions is implemented as a singly-linked list.  Here is an example</a:t>
-            </a:r>
-            <a:r>
-              <a:rPr lang="en-US" dirty="0" smtClean="0">
-                <a:solidFill>
-                  <a:schemeClr val="tx1"/>
-                </a:solidFill>
-              </a:rPr>
-              <a:t>.</a:t>
-            </a:r>
-            <a:endParaRPr lang="en-US" dirty="0"/>
-          </a:p>
-        </p:txBody>
-      </p:sp>
     </p:spTree>
     <p:extLst>
       <p:ext uri="{BB962C8B-B14F-4D97-AF65-F5344CB8AC3E}">
-        <p14:creationId xmlns:p14="http://schemas.microsoft.com/office/powerpoint/2010/main" val="3808444269"/>
+        <p14:creationId xmlns:p14="http://schemas.microsoft.com/office/powerpoint/2010/main" val="3951734049"/>
       </p:ext>
     </p:extLst>
   </p:cSld>
   <p:clrMapOvr>
     <a:masterClrMapping/>
   </p:clrMapOvr>
-  <p:timing>
-    <p:tnLst>
-      <p:par>
-        <p:cTn id="1" dur="indefinite" restart="never" nodeType="tmRoot"/>
-      </p:par>
-    </p:tnLst>
-  </p:timing>
 </p:sld>
 </file>
 
